--- a/WaCar.pptx
+++ b/WaCar.pptx
@@ -5,22 +5,23 @@
     <p:sldMasterId id="2147483684" r:id="rId4"/>
   </p:sldMasterIdLst>
   <p:notesMasterIdLst>
-    <p:notesMasterId r:id="rId18"/>
+    <p:notesMasterId r:id="rId19"/>
   </p:notesMasterIdLst>
   <p:sldIdLst>
     <p:sldId id="256" r:id="rId5"/>
     <p:sldId id="272" r:id="rId6"/>
     <p:sldId id="274" r:id="rId7"/>
     <p:sldId id="275" r:id="rId8"/>
-    <p:sldId id="260" r:id="rId9"/>
-    <p:sldId id="276" r:id="rId10"/>
-    <p:sldId id="277" r:id="rId11"/>
-    <p:sldId id="263" r:id="rId12"/>
-    <p:sldId id="264" r:id="rId13"/>
-    <p:sldId id="269" r:id="rId14"/>
-    <p:sldId id="270" r:id="rId15"/>
-    <p:sldId id="271" r:id="rId16"/>
-    <p:sldId id="265" r:id="rId17"/>
+    <p:sldId id="278" r:id="rId9"/>
+    <p:sldId id="260" r:id="rId10"/>
+    <p:sldId id="276" r:id="rId11"/>
+    <p:sldId id="277" r:id="rId12"/>
+    <p:sldId id="279" r:id="rId13"/>
+    <p:sldId id="264" r:id="rId14"/>
+    <p:sldId id="269" r:id="rId15"/>
+    <p:sldId id="270" r:id="rId16"/>
+    <p:sldId id="271" r:id="rId17"/>
+    <p:sldId id="265" r:id="rId18"/>
   </p:sldIdLst>
   <p:sldSz cx="12192000" cy="6858000"/>
   <p:notesSz cx="6858000" cy="9144000"/>
@@ -130,7 +131,7 @@
 <file path=ppt/revisionInfo.xml><?xml version="1.0" encoding="utf-8"?>
 <p1510:revInfo xmlns:a="http://schemas.openxmlformats.org/drawingml/2006/main" xmlns:r="http://schemas.openxmlformats.org/officeDocument/2006/relationships" xmlns:p1510="http://schemas.microsoft.com/office/powerpoint/2015/10/main">
   <p1510:revLst>
-    <p1510:client id="{5DEA5885-9311-4911-8138-04456D2533B9}" v="129" dt="2024-06-04T20:20:07.725"/>
+    <p1510:client id="{5DEA5885-9311-4911-8138-04456D2533B9}" v="160" dt="2024-06-05T18:32:49.300"/>
   </p1510:revLst>
 </p1510:revInfo>
 </file>
@@ -140,12 +141,12 @@
   <pc:docChgLst>
     <pc:chgData name="Michele Scapinello" userId="a79d4642-63df-4d38-b9e0-8db605af2974" providerId="ADAL" clId="{5DEA5885-9311-4911-8138-04456D2533B9}"/>
     <pc:docChg chg="undo custSel addSld delSld modSld sldOrd">
-      <pc:chgData name="Michele Scapinello" userId="a79d4642-63df-4d38-b9e0-8db605af2974" providerId="ADAL" clId="{5DEA5885-9311-4911-8138-04456D2533B9}" dt="2024-06-04T20:27:24.162" v="2111" actId="1036"/>
+      <pc:chgData name="Michele Scapinello" userId="a79d4642-63df-4d38-b9e0-8db605af2974" providerId="ADAL" clId="{5DEA5885-9311-4911-8138-04456D2533B9}" dt="2024-06-05T18:33:22.622" v="2575" actId="207"/>
       <pc:docMkLst>
         <pc:docMk/>
       </pc:docMkLst>
       <pc:sldChg chg="addSp delSp modSp mod">
-        <pc:chgData name="Michele Scapinello" userId="a79d4642-63df-4d38-b9e0-8db605af2974" providerId="ADAL" clId="{5DEA5885-9311-4911-8138-04456D2533B9}" dt="2024-06-02T13:25:01.428" v="975" actId="207"/>
+        <pc:chgData name="Michele Scapinello" userId="a79d4642-63df-4d38-b9e0-8db605af2974" providerId="ADAL" clId="{5DEA5885-9311-4911-8138-04456D2533B9}" dt="2024-06-05T18:29:26.047" v="2517" actId="2711"/>
         <pc:sldMkLst>
           <pc:docMk/>
           <pc:sldMk cId="922073569" sldId="256"/>
@@ -159,7 +160,7 @@
           </ac:spMkLst>
         </pc:spChg>
         <pc:spChg chg="mod">
-          <ac:chgData name="Michele Scapinello" userId="a79d4642-63df-4d38-b9e0-8db605af2974" providerId="ADAL" clId="{5DEA5885-9311-4911-8138-04456D2533B9}" dt="2024-06-02T13:25:01.428" v="975" actId="207"/>
+          <ac:chgData name="Michele Scapinello" userId="a79d4642-63df-4d38-b9e0-8db605af2974" providerId="ADAL" clId="{5DEA5885-9311-4911-8138-04456D2533B9}" dt="2024-06-05T18:29:26.047" v="2517" actId="2711"/>
           <ac:spMkLst>
             <pc:docMk/>
             <pc:sldMk cId="922073569" sldId="256"/>
@@ -513,8 +514,8 @@
           </ac:spMkLst>
         </pc:spChg>
       </pc:sldChg>
-      <pc:sldChg chg="modSp mod">
-        <pc:chgData name="Michele Scapinello" userId="a79d4642-63df-4d38-b9e0-8db605af2974" providerId="ADAL" clId="{5DEA5885-9311-4911-8138-04456D2533B9}" dt="2024-06-02T13:26:14.061" v="985"/>
+      <pc:sldChg chg="modSp del mod">
+        <pc:chgData name="Michele Scapinello" userId="a79d4642-63df-4d38-b9e0-8db605af2974" providerId="ADAL" clId="{5DEA5885-9311-4911-8138-04456D2533B9}" dt="2024-06-05T18:29:13.111" v="2516" actId="2696"/>
         <pc:sldMkLst>
           <pc:docMk/>
           <pc:sldMk cId="4171531053" sldId="263"/>
@@ -672,14 +673,14 @@
           </ac:spMkLst>
         </pc:spChg>
       </pc:sldChg>
-      <pc:sldChg chg="addSp delSp modSp add mod">
-        <pc:chgData name="Michele Scapinello" userId="a79d4642-63df-4d38-b9e0-8db605af2974" providerId="ADAL" clId="{5DEA5885-9311-4911-8138-04456D2533B9}" dt="2024-06-04T19:36:52.859" v="1601" actId="1076"/>
+      <pc:sldChg chg="addSp delSp modSp add mod setBg">
+        <pc:chgData name="Michele Scapinello" userId="a79d4642-63df-4d38-b9e0-8db605af2974" providerId="ADAL" clId="{5DEA5885-9311-4911-8138-04456D2533B9}" dt="2024-06-05T18:30:05.128" v="2526" actId="2711"/>
         <pc:sldMkLst>
           <pc:docMk/>
           <pc:sldMk cId="262631945" sldId="272"/>
         </pc:sldMkLst>
         <pc:spChg chg="mod">
-          <ac:chgData name="Michele Scapinello" userId="a79d4642-63df-4d38-b9e0-8db605af2974" providerId="ADAL" clId="{5DEA5885-9311-4911-8138-04456D2533B9}" dt="2024-06-04T19:02:45.116" v="1273" actId="2711"/>
+          <ac:chgData name="Michele Scapinello" userId="a79d4642-63df-4d38-b9e0-8db605af2974" providerId="ADAL" clId="{5DEA5885-9311-4911-8138-04456D2533B9}" dt="2024-06-05T18:29:55.449" v="2525" actId="2711"/>
           <ac:spMkLst>
             <pc:docMk/>
             <pc:sldMk cId="262631945" sldId="272"/>
@@ -711,7 +712,7 @@
           </ac:spMkLst>
         </pc:spChg>
         <pc:spChg chg="mod">
-          <ac:chgData name="Michele Scapinello" userId="a79d4642-63df-4d38-b9e0-8db605af2974" providerId="ADAL" clId="{5DEA5885-9311-4911-8138-04456D2533B9}" dt="2024-06-04T17:43:59.683" v="1188" actId="207"/>
+          <ac:chgData name="Michele Scapinello" userId="a79d4642-63df-4d38-b9e0-8db605af2974" providerId="ADAL" clId="{5DEA5885-9311-4911-8138-04456D2533B9}" dt="2024-06-05T18:30:05.128" v="2526" actId="2711"/>
           <ac:spMkLst>
             <pc:docMk/>
             <pc:sldMk cId="262631945" sldId="272"/>
@@ -719,7 +720,7 @@
           </ac:spMkLst>
         </pc:spChg>
         <pc:spChg chg="add mod">
-          <ac:chgData name="Michele Scapinello" userId="a79d4642-63df-4d38-b9e0-8db605af2974" providerId="ADAL" clId="{5DEA5885-9311-4911-8138-04456D2533B9}" dt="2024-06-04T19:36:45.940" v="1600" actId="1076"/>
+          <ac:chgData name="Michele Scapinello" userId="a79d4642-63df-4d38-b9e0-8db605af2974" providerId="ADAL" clId="{5DEA5885-9311-4911-8138-04456D2533B9}" dt="2024-06-05T18:29:36.787" v="2518" actId="2711"/>
           <ac:spMkLst>
             <pc:docMk/>
             <pc:sldMk cId="262631945" sldId="272"/>
@@ -759,7 +760,7 @@
           </ac:picMkLst>
         </pc:picChg>
         <pc:picChg chg="add mod">
-          <ac:chgData name="Michele Scapinello" userId="a79d4642-63df-4d38-b9e0-8db605af2974" providerId="ADAL" clId="{5DEA5885-9311-4911-8138-04456D2533B9}" dt="2024-06-04T19:36:52.859" v="1601" actId="1076"/>
+          <ac:chgData name="Michele Scapinello" userId="a79d4642-63df-4d38-b9e0-8db605af2974" providerId="ADAL" clId="{5DEA5885-9311-4911-8138-04456D2533B9}" dt="2024-06-05T13:43:35.552" v="2137" actId="207"/>
           <ac:picMkLst>
             <pc:docMk/>
             <pc:sldMk cId="262631945" sldId="272"/>
@@ -767,7 +768,7 @@
           </ac:picMkLst>
         </pc:picChg>
         <pc:picChg chg="add mod">
-          <ac:chgData name="Michele Scapinello" userId="a79d4642-63df-4d38-b9e0-8db605af2974" providerId="ADAL" clId="{5DEA5885-9311-4911-8138-04456D2533B9}" dt="2024-06-04T19:36:52.859" v="1601" actId="1076"/>
+          <ac:chgData name="Michele Scapinello" userId="a79d4642-63df-4d38-b9e0-8db605af2974" providerId="ADAL" clId="{5DEA5885-9311-4911-8138-04456D2533B9}" dt="2024-06-05T18:29:49.874" v="2524" actId="1076"/>
           <ac:picMkLst>
             <pc:docMk/>
             <pc:sldMk cId="262631945" sldId="272"/>
@@ -775,7 +776,7 @@
           </ac:picMkLst>
         </pc:picChg>
         <pc:picChg chg="add mod">
-          <ac:chgData name="Michele Scapinello" userId="a79d4642-63df-4d38-b9e0-8db605af2974" providerId="ADAL" clId="{5DEA5885-9311-4911-8138-04456D2533B9}" dt="2024-06-04T19:36:52.859" v="1601" actId="1076"/>
+          <ac:chgData name="Michele Scapinello" userId="a79d4642-63df-4d38-b9e0-8db605af2974" providerId="ADAL" clId="{5DEA5885-9311-4911-8138-04456D2533B9}" dt="2024-06-05T18:29:49.874" v="2524" actId="1076"/>
           <ac:picMkLst>
             <pc:docMk/>
             <pc:sldMk cId="262631945" sldId="272"/>
@@ -791,7 +792,7 @@
           </ac:picMkLst>
         </pc:picChg>
         <pc:picChg chg="add mod ord">
-          <ac:chgData name="Michele Scapinello" userId="a79d4642-63df-4d38-b9e0-8db605af2974" providerId="ADAL" clId="{5DEA5885-9311-4911-8138-04456D2533B9}" dt="2024-06-04T19:36:41.133" v="1598" actId="166"/>
+          <ac:chgData name="Michele Scapinello" userId="a79d4642-63df-4d38-b9e0-8db605af2974" providerId="ADAL" clId="{5DEA5885-9311-4911-8138-04456D2533B9}" dt="2024-06-05T18:29:43.133" v="2521" actId="14100"/>
           <ac:picMkLst>
             <pc:docMk/>
             <pc:sldMk cId="262631945" sldId="272"/>
@@ -799,7 +800,7 @@
           </ac:picMkLst>
         </pc:picChg>
         <pc:picChg chg="add mod">
-          <ac:chgData name="Michele Scapinello" userId="a79d4642-63df-4d38-b9e0-8db605af2974" providerId="ADAL" clId="{5DEA5885-9311-4911-8138-04456D2533B9}" dt="2024-06-04T19:36:27.125" v="1596" actId="1076"/>
+          <ac:chgData name="Michele Scapinello" userId="a79d4642-63df-4d38-b9e0-8db605af2974" providerId="ADAL" clId="{5DEA5885-9311-4911-8138-04456D2533B9}" dt="2024-06-05T18:29:44.579" v="2522" actId="14100"/>
           <ac:picMkLst>
             <pc:docMk/>
             <pc:sldMk cId="262631945" sldId="272"/>
@@ -815,7 +816,7 @@
           </ac:cxnSpMkLst>
         </pc:cxnChg>
         <pc:cxnChg chg="add mod">
-          <ac:chgData name="Michele Scapinello" userId="a79d4642-63df-4d38-b9e0-8db605af2974" providerId="ADAL" clId="{5DEA5885-9311-4911-8138-04456D2533B9}" dt="2024-06-04T19:36:52.859" v="1601" actId="1076"/>
+          <ac:chgData name="Michele Scapinello" userId="a79d4642-63df-4d38-b9e0-8db605af2974" providerId="ADAL" clId="{5DEA5885-9311-4911-8138-04456D2533B9}" dt="2024-06-05T18:29:49.874" v="2524" actId="1076"/>
           <ac:cxnSpMkLst>
             <pc:docMk/>
             <pc:sldMk cId="262631945" sldId="272"/>
@@ -823,7 +824,7 @@
           </ac:cxnSpMkLst>
         </pc:cxnChg>
         <pc:cxnChg chg="add mod">
-          <ac:chgData name="Michele Scapinello" userId="a79d4642-63df-4d38-b9e0-8db605af2974" providerId="ADAL" clId="{5DEA5885-9311-4911-8138-04456D2533B9}" dt="2024-06-04T19:36:52.859" v="1601" actId="1076"/>
+          <ac:chgData name="Michele Scapinello" userId="a79d4642-63df-4d38-b9e0-8db605af2974" providerId="ADAL" clId="{5DEA5885-9311-4911-8138-04456D2533B9}" dt="2024-06-05T18:29:49.874" v="2524" actId="1076"/>
           <ac:cxnSpMkLst>
             <pc:docMk/>
             <pc:sldMk cId="262631945" sldId="272"/>
@@ -918,22 +919,30 @@
           </ac:picMkLst>
         </pc:picChg>
       </pc:sldChg>
-      <pc:sldChg chg="addSp delSp modSp add mod">
-        <pc:chgData name="Michele Scapinello" userId="a79d4642-63df-4d38-b9e0-8db605af2974" providerId="ADAL" clId="{5DEA5885-9311-4911-8138-04456D2533B9}" dt="2024-06-04T19:35:31.601" v="1581" actId="2711"/>
+      <pc:sldChg chg="addSp delSp modSp add mod setBg">
+        <pc:chgData name="Michele Scapinello" userId="a79d4642-63df-4d38-b9e0-8db605af2974" providerId="ADAL" clId="{5DEA5885-9311-4911-8138-04456D2533B9}" dt="2024-06-05T18:30:55.426" v="2551" actId="20577"/>
         <pc:sldMkLst>
           <pc:docMk/>
           <pc:sldMk cId="2175201285" sldId="274"/>
         </pc:sldMkLst>
         <pc:spChg chg="mod">
-          <ac:chgData name="Michele Scapinello" userId="a79d4642-63df-4d38-b9e0-8db605af2974" providerId="ADAL" clId="{5DEA5885-9311-4911-8138-04456D2533B9}" dt="2024-06-04T19:35:31.601" v="1581" actId="2711"/>
+          <ac:chgData name="Michele Scapinello" userId="a79d4642-63df-4d38-b9e0-8db605af2974" providerId="ADAL" clId="{5DEA5885-9311-4911-8138-04456D2533B9}" dt="2024-06-05T18:30:17.372" v="2527" actId="2711"/>
           <ac:spMkLst>
             <pc:docMk/>
             <pc:sldMk cId="2175201285" sldId="274"/>
             <ac:spMk id="2" creationId="{C460601A-5BDD-3012-8EEA-D8582AE64722}"/>
           </ac:spMkLst>
         </pc:spChg>
+        <pc:spChg chg="mod">
+          <ac:chgData name="Michele Scapinello" userId="a79d4642-63df-4d38-b9e0-8db605af2974" providerId="ADAL" clId="{5DEA5885-9311-4911-8138-04456D2533B9}" dt="2024-06-05T18:30:17.372" v="2527" actId="2711"/>
+          <ac:spMkLst>
+            <pc:docMk/>
+            <pc:sldMk cId="2175201285" sldId="274"/>
+            <ac:spMk id="15" creationId="{FDCD7513-8D15-E07F-E478-3BC06B390FD0}"/>
+          </ac:spMkLst>
+        </pc:spChg>
         <pc:graphicFrameChg chg="add mod modGraphic">
-          <ac:chgData name="Michele Scapinello" userId="a79d4642-63df-4d38-b9e0-8db605af2974" providerId="ADAL" clId="{5DEA5885-9311-4911-8138-04456D2533B9}" dt="2024-06-04T19:33:05.655" v="1559" actId="20577"/>
+          <ac:chgData name="Michele Scapinello" userId="a79d4642-63df-4d38-b9e0-8db605af2974" providerId="ADAL" clId="{5DEA5885-9311-4911-8138-04456D2533B9}" dt="2024-06-05T18:30:55.426" v="2551" actId="20577"/>
           <ac:graphicFrameMkLst>
             <pc:docMk/>
             <pc:sldMk cId="2175201285" sldId="274"/>
@@ -981,8 +990,8 @@
           </ac:picMkLst>
         </pc:picChg>
       </pc:sldChg>
-      <pc:sldChg chg="addSp delSp modSp add mod">
-        <pc:chgData name="Michele Scapinello" userId="a79d4642-63df-4d38-b9e0-8db605af2974" providerId="ADAL" clId="{5DEA5885-9311-4911-8138-04456D2533B9}" dt="2024-06-04T19:49:42.941" v="1759" actId="14100"/>
+      <pc:sldChg chg="addSp delSp modSp add mod setBg">
+        <pc:chgData name="Michele Scapinello" userId="a79d4642-63df-4d38-b9e0-8db605af2974" providerId="ADAL" clId="{5DEA5885-9311-4911-8138-04456D2533B9}" dt="2024-06-05T18:31:13.953" v="2553" actId="2711"/>
         <pc:sldMkLst>
           <pc:docMk/>
           <pc:sldMk cId="3260102266" sldId="275"/>
@@ -1004,7 +1013,7 @@
           </ac:spMkLst>
         </pc:spChg>
         <pc:spChg chg="add mod">
-          <ac:chgData name="Michele Scapinello" userId="a79d4642-63df-4d38-b9e0-8db605af2974" providerId="ADAL" clId="{5DEA5885-9311-4911-8138-04456D2533B9}" dt="2024-06-04T19:41:09.494" v="1624"/>
+          <ac:chgData name="Michele Scapinello" userId="a79d4642-63df-4d38-b9e0-8db605af2974" providerId="ADAL" clId="{5DEA5885-9311-4911-8138-04456D2533B9}" dt="2024-06-05T18:31:07.852" v="2552" actId="2711"/>
           <ac:spMkLst>
             <pc:docMk/>
             <pc:sldMk cId="3260102266" sldId="275"/>
@@ -1012,7 +1021,7 @@
           </ac:spMkLst>
         </pc:spChg>
         <pc:spChg chg="add mod ord">
-          <ac:chgData name="Michele Scapinello" userId="a79d4642-63df-4d38-b9e0-8db605af2974" providerId="ADAL" clId="{5DEA5885-9311-4911-8138-04456D2533B9}" dt="2024-06-04T19:49:05.448" v="1752" actId="692"/>
+          <ac:chgData name="Michele Scapinello" userId="a79d4642-63df-4d38-b9e0-8db605af2974" providerId="ADAL" clId="{5DEA5885-9311-4911-8138-04456D2533B9}" dt="2024-06-05T13:43:35.115" v="2127" actId="207"/>
           <ac:spMkLst>
             <pc:docMk/>
             <pc:sldMk cId="3260102266" sldId="275"/>
@@ -1020,7 +1029,7 @@
           </ac:spMkLst>
         </pc:spChg>
         <pc:spChg chg="add mod ord">
-          <ac:chgData name="Michele Scapinello" userId="a79d4642-63df-4d38-b9e0-8db605af2974" providerId="ADAL" clId="{5DEA5885-9311-4911-8138-04456D2533B9}" dt="2024-06-04T19:49:05.448" v="1752" actId="692"/>
+          <ac:chgData name="Michele Scapinello" userId="a79d4642-63df-4d38-b9e0-8db605af2974" providerId="ADAL" clId="{5DEA5885-9311-4911-8138-04456D2533B9}" dt="2024-06-05T13:43:35.115" v="2127" actId="207"/>
           <ac:spMkLst>
             <pc:docMk/>
             <pc:sldMk cId="3260102266" sldId="275"/>
@@ -1036,7 +1045,7 @@
           </ac:spMkLst>
         </pc:spChg>
         <pc:spChg chg="add mod">
-          <ac:chgData name="Michele Scapinello" userId="a79d4642-63df-4d38-b9e0-8db605af2974" providerId="ADAL" clId="{5DEA5885-9311-4911-8138-04456D2533B9}" dt="2024-06-04T19:49:29.694" v="1757" actId="404"/>
+          <ac:chgData name="Michele Scapinello" userId="a79d4642-63df-4d38-b9e0-8db605af2974" providerId="ADAL" clId="{5DEA5885-9311-4911-8138-04456D2533B9}" dt="2024-06-05T18:31:07.852" v="2552" actId="2711"/>
           <ac:spMkLst>
             <pc:docMk/>
             <pc:sldMk cId="3260102266" sldId="275"/>
@@ -1044,11 +1053,19 @@
           </ac:spMkLst>
         </pc:spChg>
         <pc:spChg chg="mod">
-          <ac:chgData name="Michele Scapinello" userId="a79d4642-63df-4d38-b9e0-8db605af2974" providerId="ADAL" clId="{5DEA5885-9311-4911-8138-04456D2533B9}" dt="2024-06-04T19:49:42.941" v="1759" actId="14100"/>
+          <ac:chgData name="Michele Scapinello" userId="a79d4642-63df-4d38-b9e0-8db605af2974" providerId="ADAL" clId="{5DEA5885-9311-4911-8138-04456D2533B9}" dt="2024-06-05T13:43:35.115" v="2127" actId="207"/>
           <ac:spMkLst>
             <pc:docMk/>
             <pc:sldMk cId="3260102266" sldId="275"/>
             <ac:spMk id="14" creationId="{33ADDE13-FBA3-7EF4-631A-33A8C34136EE}"/>
+          </ac:spMkLst>
+        </pc:spChg>
+        <pc:spChg chg="mod">
+          <ac:chgData name="Michele Scapinello" userId="a79d4642-63df-4d38-b9e0-8db605af2974" providerId="ADAL" clId="{5DEA5885-9311-4911-8138-04456D2533B9}" dt="2024-06-05T18:31:13.953" v="2553" actId="2711"/>
+          <ac:spMkLst>
+            <pc:docMk/>
+            <pc:sldMk cId="3260102266" sldId="275"/>
+            <ac:spMk id="15" creationId="{FDCD7513-8D15-E07F-E478-3BC06B390FD0}"/>
           </ac:spMkLst>
         </pc:spChg>
         <pc:spChg chg="add mod">
@@ -1060,7 +1077,7 @@
           </ac:spMkLst>
         </pc:spChg>
         <pc:spChg chg="add mod">
-          <ac:chgData name="Michele Scapinello" userId="a79d4642-63df-4d38-b9e0-8db605af2974" providerId="ADAL" clId="{5DEA5885-9311-4911-8138-04456D2533B9}" dt="2024-06-04T19:49:33.150" v="1758" actId="404"/>
+          <ac:chgData name="Michele Scapinello" userId="a79d4642-63df-4d38-b9e0-8db605af2974" providerId="ADAL" clId="{5DEA5885-9311-4911-8138-04456D2533B9}" dt="2024-06-05T18:31:07.852" v="2552" actId="2711"/>
           <ac:spMkLst>
             <pc:docMk/>
             <pc:sldMk cId="3260102266" sldId="275"/>
@@ -1107,22 +1124,30 @@
           <pc:sldMk cId="2850793953" sldId="276"/>
         </pc:sldMkLst>
       </pc:sldChg>
-      <pc:sldChg chg="addSp modSp add mod">
-        <pc:chgData name="Michele Scapinello" userId="a79d4642-63df-4d38-b9e0-8db605af2974" providerId="ADAL" clId="{5DEA5885-9311-4911-8138-04456D2533B9}" dt="2024-06-04T20:13:00.178" v="1921" actId="1076"/>
+      <pc:sldChg chg="addSp delSp modSp add mod">
+        <pc:chgData name="Michele Scapinello" userId="a79d4642-63df-4d38-b9e0-8db605af2974" providerId="ADAL" clId="{5DEA5885-9311-4911-8138-04456D2533B9}" dt="2024-06-05T18:33:15.453" v="2574" actId="207"/>
         <pc:sldMkLst>
           <pc:docMk/>
           <pc:sldMk cId="2872309028" sldId="276"/>
         </pc:sldMkLst>
         <pc:spChg chg="add mod">
-          <ac:chgData name="Michele Scapinello" userId="a79d4642-63df-4d38-b9e0-8db605af2974" providerId="ADAL" clId="{5DEA5885-9311-4911-8138-04456D2533B9}" dt="2024-06-04T20:01:00.945" v="1762" actId="207"/>
+          <ac:chgData name="Michele Scapinello" userId="a79d4642-63df-4d38-b9e0-8db605af2974" providerId="ADAL" clId="{5DEA5885-9311-4911-8138-04456D2533B9}" dt="2024-06-05T18:33:15.453" v="2574" actId="207"/>
           <ac:spMkLst>
             <pc:docMk/>
             <pc:sldMk cId="2872309028" sldId="276"/>
             <ac:spMk id="2" creationId="{B3216943-7EE2-EFFF-630F-52F731D96251}"/>
           </ac:spMkLst>
         </pc:spChg>
+        <pc:spChg chg="add del mod">
+          <ac:chgData name="Michele Scapinello" userId="a79d4642-63df-4d38-b9e0-8db605af2974" providerId="ADAL" clId="{5DEA5885-9311-4911-8138-04456D2533B9}" dt="2024-06-05T18:32:51.729" v="2570"/>
+          <ac:spMkLst>
+            <pc:docMk/>
+            <pc:sldMk cId="2872309028" sldId="276"/>
+            <ac:spMk id="3" creationId="{B8C4092A-D9B2-7737-3D4E-09A7CBDC5327}"/>
+          </ac:spMkLst>
+        </pc:spChg>
         <pc:spChg chg="add mod">
-          <ac:chgData name="Michele Scapinello" userId="a79d4642-63df-4d38-b9e0-8db605af2974" providerId="ADAL" clId="{5DEA5885-9311-4911-8138-04456D2533B9}" dt="2024-06-04T20:11:21.305" v="1889" actId="1076"/>
+          <ac:chgData name="Michele Scapinello" userId="a79d4642-63df-4d38-b9e0-8db605af2974" providerId="ADAL" clId="{5DEA5885-9311-4911-8138-04456D2533B9}" dt="2024-06-05T18:31:36.855" v="2555" actId="1076"/>
           <ac:spMkLst>
             <pc:docMk/>
             <pc:sldMk cId="2872309028" sldId="276"/>
@@ -1130,7 +1155,7 @@
           </ac:spMkLst>
         </pc:spChg>
         <pc:spChg chg="add mod">
-          <ac:chgData name="Michele Scapinello" userId="a79d4642-63df-4d38-b9e0-8db605af2974" providerId="ADAL" clId="{5DEA5885-9311-4911-8138-04456D2533B9}" dt="2024-06-04T20:13:00.178" v="1921" actId="1076"/>
+          <ac:chgData name="Michele Scapinello" userId="a79d4642-63df-4d38-b9e0-8db605af2974" providerId="ADAL" clId="{5DEA5885-9311-4911-8138-04456D2533B9}" dt="2024-06-05T18:31:46.382" v="2557" actId="1076"/>
           <ac:spMkLst>
             <pc:docMk/>
             <pc:sldMk cId="2872309028" sldId="276"/>
@@ -1138,7 +1163,7 @@
           </ac:spMkLst>
         </pc:spChg>
         <pc:spChg chg="add mod">
-          <ac:chgData name="Michele Scapinello" userId="a79d4642-63df-4d38-b9e0-8db605af2974" providerId="ADAL" clId="{5DEA5885-9311-4911-8138-04456D2533B9}" dt="2024-06-04T20:11:21.305" v="1889" actId="1076"/>
+          <ac:chgData name="Michele Scapinello" userId="a79d4642-63df-4d38-b9e0-8db605af2974" providerId="ADAL" clId="{5DEA5885-9311-4911-8138-04456D2533B9}" dt="2024-06-05T18:32:21.165" v="2563" actId="1076"/>
           <ac:spMkLst>
             <pc:docMk/>
             <pc:sldMk cId="2872309028" sldId="276"/>
@@ -1146,7 +1171,7 @@
           </ac:spMkLst>
         </pc:spChg>
         <pc:spChg chg="add mod">
-          <ac:chgData name="Michele Scapinello" userId="a79d4642-63df-4d38-b9e0-8db605af2974" providerId="ADAL" clId="{5DEA5885-9311-4911-8138-04456D2533B9}" dt="2024-06-04T20:11:21.305" v="1889" actId="1076"/>
+          <ac:chgData name="Michele Scapinello" userId="a79d4642-63df-4d38-b9e0-8db605af2974" providerId="ADAL" clId="{5DEA5885-9311-4911-8138-04456D2533B9}" dt="2024-06-05T18:32:29.692" v="2564" actId="1076"/>
           <ac:spMkLst>
             <pc:docMk/>
             <pc:sldMk cId="2872309028" sldId="276"/>
@@ -1154,7 +1179,7 @@
           </ac:spMkLst>
         </pc:spChg>
         <pc:picChg chg="add mod">
-          <ac:chgData name="Michele Scapinello" userId="a79d4642-63df-4d38-b9e0-8db605af2974" providerId="ADAL" clId="{5DEA5885-9311-4911-8138-04456D2533B9}" dt="2024-06-04T20:08:43.178" v="1803" actId="1076"/>
+          <ac:chgData name="Michele Scapinello" userId="a79d4642-63df-4d38-b9e0-8db605af2974" providerId="ADAL" clId="{5DEA5885-9311-4911-8138-04456D2533B9}" dt="2024-06-05T18:32:40.606" v="2567" actId="14100"/>
           <ac:picMkLst>
             <pc:docMk/>
             <pc:sldMk cId="2872309028" sldId="276"/>
@@ -1162,7 +1187,7 @@
           </ac:picMkLst>
         </pc:picChg>
         <pc:picChg chg="add mod">
-          <ac:chgData name="Michele Scapinello" userId="a79d4642-63df-4d38-b9e0-8db605af2974" providerId="ADAL" clId="{5DEA5885-9311-4911-8138-04456D2533B9}" dt="2024-06-04T20:08:40.037" v="1801" actId="14100"/>
+          <ac:chgData name="Michele Scapinello" userId="a79d4642-63df-4d38-b9e0-8db605af2974" providerId="ADAL" clId="{5DEA5885-9311-4911-8138-04456D2533B9}" dt="2024-06-05T18:32:37.125" v="2566" actId="1076"/>
           <ac:picMkLst>
             <pc:docMk/>
             <pc:sldMk cId="2872309028" sldId="276"/>
@@ -1170,7 +1195,7 @@
           </ac:picMkLst>
         </pc:picChg>
         <pc:cxnChg chg="add mod">
-          <ac:chgData name="Michele Scapinello" userId="a79d4642-63df-4d38-b9e0-8db605af2974" providerId="ADAL" clId="{5DEA5885-9311-4911-8138-04456D2533B9}" dt="2024-06-04T20:11:56.050" v="1915" actId="692"/>
+          <ac:chgData name="Michele Scapinello" userId="a79d4642-63df-4d38-b9e0-8db605af2974" providerId="ADAL" clId="{5DEA5885-9311-4911-8138-04456D2533B9}" dt="2024-06-05T18:31:39.893" v="2556" actId="1076"/>
           <ac:cxnSpMkLst>
             <pc:docMk/>
             <pc:sldMk cId="2872309028" sldId="276"/>
@@ -1178,7 +1203,7 @@
           </ac:cxnSpMkLst>
         </pc:cxnChg>
         <pc:cxnChg chg="add mod">
-          <ac:chgData name="Michele Scapinello" userId="a79d4642-63df-4d38-b9e0-8db605af2974" providerId="ADAL" clId="{5DEA5885-9311-4911-8138-04456D2533B9}" dt="2024-06-04T20:11:56.050" v="1915" actId="692"/>
+          <ac:chgData name="Michele Scapinello" userId="a79d4642-63df-4d38-b9e0-8db605af2974" providerId="ADAL" clId="{5DEA5885-9311-4911-8138-04456D2533B9}" dt="2024-06-05T18:31:49.815" v="2558" actId="1076"/>
           <ac:cxnSpMkLst>
             <pc:docMk/>
             <pc:sldMk cId="2872309028" sldId="276"/>
@@ -1186,7 +1211,7 @@
           </ac:cxnSpMkLst>
         </pc:cxnChg>
         <pc:cxnChg chg="add mod">
-          <ac:chgData name="Michele Scapinello" userId="a79d4642-63df-4d38-b9e0-8db605af2974" providerId="ADAL" clId="{5DEA5885-9311-4911-8138-04456D2533B9}" dt="2024-06-04T20:11:56.050" v="1915" actId="692"/>
+          <ac:chgData name="Michele Scapinello" userId="a79d4642-63df-4d38-b9e0-8db605af2974" providerId="ADAL" clId="{5DEA5885-9311-4911-8138-04456D2533B9}" dt="2024-06-05T18:32:21.165" v="2563" actId="1076"/>
           <ac:cxnSpMkLst>
             <pc:docMk/>
             <pc:sldMk cId="2872309028" sldId="276"/>
@@ -1195,13 +1220,13 @@
         </pc:cxnChg>
       </pc:sldChg>
       <pc:sldChg chg="addSp delSp modSp add mod">
-        <pc:chgData name="Michele Scapinello" userId="a79d4642-63df-4d38-b9e0-8db605af2974" providerId="ADAL" clId="{5DEA5885-9311-4911-8138-04456D2533B9}" dt="2024-06-04T20:27:24.162" v="2111" actId="1036"/>
+        <pc:chgData name="Michele Scapinello" userId="a79d4642-63df-4d38-b9e0-8db605af2974" providerId="ADAL" clId="{5DEA5885-9311-4911-8138-04456D2533B9}" dt="2024-06-05T18:33:12.184" v="2573" actId="207"/>
         <pc:sldMkLst>
           <pc:docMk/>
           <pc:sldMk cId="1460708208" sldId="277"/>
         </pc:sldMkLst>
         <pc:spChg chg="mod">
-          <ac:chgData name="Michele Scapinello" userId="a79d4642-63df-4d38-b9e0-8db605af2974" providerId="ADAL" clId="{5DEA5885-9311-4911-8138-04456D2533B9}" dt="2024-06-04T20:13:37.770" v="1944" actId="20577"/>
+          <ac:chgData name="Michele Scapinello" userId="a79d4642-63df-4d38-b9e0-8db605af2974" providerId="ADAL" clId="{5DEA5885-9311-4911-8138-04456D2533B9}" dt="2024-06-05T18:33:12.184" v="2573" actId="207"/>
           <ac:spMkLst>
             <pc:docMk/>
             <pc:sldMk cId="1460708208" sldId="277"/>
@@ -1241,7 +1266,7 @@
           </ac:spMkLst>
         </pc:spChg>
         <pc:spChg chg="add mod">
-          <ac:chgData name="Michele Scapinello" userId="a79d4642-63df-4d38-b9e0-8db605af2974" providerId="ADAL" clId="{5DEA5885-9311-4911-8138-04456D2533B9}" dt="2024-06-04T20:20:37.645" v="2051" actId="20577"/>
+          <ac:chgData name="Michele Scapinello" userId="a79d4642-63df-4d38-b9e0-8db605af2974" providerId="ADAL" clId="{5DEA5885-9311-4911-8138-04456D2533B9}" dt="2024-06-05T18:33:02.668" v="2572" actId="2711"/>
           <ac:spMkLst>
             <pc:docMk/>
             <pc:sldMk cId="1460708208" sldId="277"/>
@@ -1249,7 +1274,7 @@
           </ac:spMkLst>
         </pc:spChg>
         <pc:spChg chg="add mod">
-          <ac:chgData name="Michele Scapinello" userId="a79d4642-63df-4d38-b9e0-8db605af2974" providerId="ADAL" clId="{5DEA5885-9311-4911-8138-04456D2533B9}" dt="2024-06-04T20:20:51.111" v="2064" actId="1076"/>
+          <ac:chgData name="Michele Scapinello" userId="a79d4642-63df-4d38-b9e0-8db605af2974" providerId="ADAL" clId="{5DEA5885-9311-4911-8138-04456D2533B9}" dt="2024-06-05T18:33:02.668" v="2572" actId="2711"/>
           <ac:spMkLst>
             <pc:docMk/>
             <pc:sldMk cId="1460708208" sldId="277"/>
@@ -1257,7 +1282,7 @@
           </ac:spMkLst>
         </pc:spChg>
         <pc:spChg chg="add mod">
-          <ac:chgData name="Michele Scapinello" userId="a79d4642-63df-4d38-b9e0-8db605af2974" providerId="ADAL" clId="{5DEA5885-9311-4911-8138-04456D2533B9}" dt="2024-06-04T20:19:20.419" v="1992" actId="1076"/>
+          <ac:chgData name="Michele Scapinello" userId="a79d4642-63df-4d38-b9e0-8db605af2974" providerId="ADAL" clId="{5DEA5885-9311-4911-8138-04456D2533B9}" dt="2024-06-05T18:33:02.668" v="2572" actId="2711"/>
           <ac:spMkLst>
             <pc:docMk/>
             <pc:sldMk cId="1460708208" sldId="277"/>
@@ -1265,7 +1290,7 @@
           </ac:spMkLst>
         </pc:spChg>
         <pc:spChg chg="add mod">
-          <ac:chgData name="Michele Scapinello" userId="a79d4642-63df-4d38-b9e0-8db605af2974" providerId="ADAL" clId="{5DEA5885-9311-4911-8138-04456D2533B9}" dt="2024-06-04T20:19:58.650" v="2004" actId="14100"/>
+          <ac:chgData name="Michele Scapinello" userId="a79d4642-63df-4d38-b9e0-8db605af2974" providerId="ADAL" clId="{5DEA5885-9311-4911-8138-04456D2533B9}" dt="2024-06-05T18:33:02.668" v="2572" actId="2711"/>
           <ac:spMkLst>
             <pc:docMk/>
             <pc:sldMk cId="1460708208" sldId="277"/>
@@ -1273,7 +1298,7 @@
           </ac:spMkLst>
         </pc:spChg>
         <pc:spChg chg="add mod">
-          <ac:chgData name="Michele Scapinello" userId="a79d4642-63df-4d38-b9e0-8db605af2974" providerId="ADAL" clId="{5DEA5885-9311-4911-8138-04456D2533B9}" dt="2024-06-04T20:20:25.553" v="2035" actId="207"/>
+          <ac:chgData name="Michele Scapinello" userId="a79d4642-63df-4d38-b9e0-8db605af2974" providerId="ADAL" clId="{5DEA5885-9311-4911-8138-04456D2533B9}" dt="2024-06-05T18:33:02.668" v="2572" actId="2711"/>
           <ac:spMkLst>
             <pc:docMk/>
             <pc:sldMk cId="1460708208" sldId="277"/>
@@ -1422,6 +1447,460 @@
             <pc:docMk/>
             <pc:sldMk cId="1460708208" sldId="277"/>
             <ac:cxnSpMk id="37" creationId="{DDB87150-FC98-487D-98AE-112A433FC3F6}"/>
+          </ac:cxnSpMkLst>
+        </pc:cxnChg>
+      </pc:sldChg>
+      <pc:sldChg chg="modSp add mod setBg">
+        <pc:chgData name="Michele Scapinello" userId="a79d4642-63df-4d38-b9e0-8db605af2974" providerId="ADAL" clId="{5DEA5885-9311-4911-8138-04456D2533B9}" dt="2024-06-05T13:45:48.122" v="2182" actId="20577"/>
+        <pc:sldMkLst>
+          <pc:docMk/>
+          <pc:sldMk cId="426325349" sldId="278"/>
+        </pc:sldMkLst>
+        <pc:spChg chg="mod">
+          <ac:chgData name="Michele Scapinello" userId="a79d4642-63df-4d38-b9e0-8db605af2974" providerId="ADAL" clId="{5DEA5885-9311-4911-8138-04456D2533B9}" dt="2024-06-05T13:44:24.761" v="2144" actId="692"/>
+          <ac:spMkLst>
+            <pc:docMk/>
+            <pc:sldMk cId="426325349" sldId="278"/>
+            <ac:spMk id="10" creationId="{65EADBCD-0895-8229-4CDD-48342FF03815}"/>
+          </ac:spMkLst>
+        </pc:spChg>
+        <pc:spChg chg="mod">
+          <ac:chgData name="Michele Scapinello" userId="a79d4642-63df-4d38-b9e0-8db605af2974" providerId="ADAL" clId="{5DEA5885-9311-4911-8138-04456D2533B9}" dt="2024-06-05T13:44:24.761" v="2144" actId="692"/>
+          <ac:spMkLst>
+            <pc:docMk/>
+            <pc:sldMk cId="426325349" sldId="278"/>
+            <ac:spMk id="11" creationId="{5D27EA15-952F-7241-8D9C-1A3AD973C760}"/>
+          </ac:spMkLst>
+        </pc:spChg>
+        <pc:spChg chg="mod">
+          <ac:chgData name="Michele Scapinello" userId="a79d4642-63df-4d38-b9e0-8db605af2974" providerId="ADAL" clId="{5DEA5885-9311-4911-8138-04456D2533B9}" dt="2024-06-05T13:45:32.015" v="2151" actId="20577"/>
+          <ac:spMkLst>
+            <pc:docMk/>
+            <pc:sldMk cId="426325349" sldId="278"/>
+            <ac:spMk id="13" creationId="{26290276-D50A-540B-1A02-702C53941F18}"/>
+          </ac:spMkLst>
+        </pc:spChg>
+        <pc:spChg chg="mod">
+          <ac:chgData name="Michele Scapinello" userId="a79d4642-63df-4d38-b9e0-8db605af2974" providerId="ADAL" clId="{5DEA5885-9311-4911-8138-04456D2533B9}" dt="2024-06-05T13:44:56.332" v="2146" actId="207"/>
+          <ac:spMkLst>
+            <pc:docMk/>
+            <pc:sldMk cId="426325349" sldId="278"/>
+            <ac:spMk id="14" creationId="{33ADDE13-FBA3-7EF4-631A-33A8C34136EE}"/>
+          </ac:spMkLst>
+        </pc:spChg>
+        <pc:spChg chg="mod">
+          <ac:chgData name="Michele Scapinello" userId="a79d4642-63df-4d38-b9e0-8db605af2974" providerId="ADAL" clId="{5DEA5885-9311-4911-8138-04456D2533B9}" dt="2024-06-05T13:45:48.122" v="2182" actId="20577"/>
+          <ac:spMkLst>
+            <pc:docMk/>
+            <pc:sldMk cId="426325349" sldId="278"/>
+            <ac:spMk id="17" creationId="{3D0DAD1C-9AC6-46BB-A231-3539716B1E1F}"/>
+          </ac:spMkLst>
+        </pc:spChg>
+      </pc:sldChg>
+      <pc:sldChg chg="addSp delSp modSp add mod ord setBg">
+        <pc:chgData name="Michele Scapinello" userId="a79d4642-63df-4d38-b9e0-8db605af2974" providerId="ADAL" clId="{5DEA5885-9311-4911-8138-04456D2533B9}" dt="2024-06-05T18:33:22.622" v="2575" actId="207"/>
+        <pc:sldMkLst>
+          <pc:docMk/>
+          <pc:sldMk cId="3239761053" sldId="279"/>
+        </pc:sldMkLst>
+        <pc:spChg chg="mod ord">
+          <ac:chgData name="Michele Scapinello" userId="a79d4642-63df-4d38-b9e0-8db605af2974" providerId="ADAL" clId="{5DEA5885-9311-4911-8138-04456D2533B9}" dt="2024-06-05T18:33:22.622" v="2575" actId="207"/>
+          <ac:spMkLst>
+            <pc:docMk/>
+            <pc:sldMk cId="3239761053" sldId="279"/>
+            <ac:spMk id="2" creationId="{B3216943-7EE2-EFFF-630F-52F731D96251}"/>
+          </ac:spMkLst>
+        </pc:spChg>
+        <pc:spChg chg="add mod">
+          <ac:chgData name="Michele Scapinello" userId="a79d4642-63df-4d38-b9e0-8db605af2974" providerId="ADAL" clId="{5DEA5885-9311-4911-8138-04456D2533B9}" dt="2024-06-05T18:28:53.528" v="2513" actId="1076"/>
+          <ac:spMkLst>
+            <pc:docMk/>
+            <pc:sldMk cId="3239761053" sldId="279"/>
+            <ac:spMk id="3" creationId="{7F562F13-0406-ABD2-AA69-0D4B2E0970B0}"/>
+          </ac:spMkLst>
+        </pc:spChg>
+        <pc:spChg chg="add mod">
+          <ac:chgData name="Michele Scapinello" userId="a79d4642-63df-4d38-b9e0-8db605af2974" providerId="ADAL" clId="{5DEA5885-9311-4911-8138-04456D2533B9}" dt="2024-06-05T18:28:53.528" v="2513" actId="1076"/>
+          <ac:spMkLst>
+            <pc:docMk/>
+            <pc:sldMk cId="3239761053" sldId="279"/>
+            <ac:spMk id="4" creationId="{6D2830D3-57A3-52AB-3BD0-76916E4074F4}"/>
+          </ac:spMkLst>
+        </pc:spChg>
+        <pc:spChg chg="add mod">
+          <ac:chgData name="Michele Scapinello" userId="a79d4642-63df-4d38-b9e0-8db605af2974" providerId="ADAL" clId="{5DEA5885-9311-4911-8138-04456D2533B9}" dt="2024-06-05T18:28:53.528" v="2513" actId="1076"/>
+          <ac:spMkLst>
+            <pc:docMk/>
+            <pc:sldMk cId="3239761053" sldId="279"/>
+            <ac:spMk id="6" creationId="{06BA8F05-6E0E-7189-746B-3243F214D0F5}"/>
+          </ac:spMkLst>
+        </pc:spChg>
+        <pc:spChg chg="add mod">
+          <ac:chgData name="Michele Scapinello" userId="a79d4642-63df-4d38-b9e0-8db605af2974" providerId="ADAL" clId="{5DEA5885-9311-4911-8138-04456D2533B9}" dt="2024-06-05T18:28:53.528" v="2513" actId="1076"/>
+          <ac:spMkLst>
+            <pc:docMk/>
+            <pc:sldMk cId="3239761053" sldId="279"/>
+            <ac:spMk id="7" creationId="{6B9CB382-5BEA-D0A6-A0E8-1296D6456038}"/>
+          </ac:spMkLst>
+        </pc:spChg>
+        <pc:spChg chg="add mod">
+          <ac:chgData name="Michele Scapinello" userId="a79d4642-63df-4d38-b9e0-8db605af2974" providerId="ADAL" clId="{5DEA5885-9311-4911-8138-04456D2533B9}" dt="2024-06-05T18:28:57.922" v="2514" actId="1076"/>
+          <ac:spMkLst>
+            <pc:docMk/>
+            <pc:sldMk cId="3239761053" sldId="279"/>
+            <ac:spMk id="8" creationId="{388A8494-2DD4-FC1D-A9AB-1D5FDC83E90E}"/>
+          </ac:spMkLst>
+        </pc:spChg>
+        <pc:spChg chg="add mod">
+          <ac:chgData name="Michele Scapinello" userId="a79d4642-63df-4d38-b9e0-8db605af2974" providerId="ADAL" clId="{5DEA5885-9311-4911-8138-04456D2533B9}" dt="2024-06-05T18:28:57.922" v="2514" actId="1076"/>
+          <ac:spMkLst>
+            <pc:docMk/>
+            <pc:sldMk cId="3239761053" sldId="279"/>
+            <ac:spMk id="9" creationId="{E579A618-BBA1-48CA-613B-8E35EBA3FF44}"/>
+          </ac:spMkLst>
+        </pc:spChg>
+        <pc:spChg chg="mod">
+          <ac:chgData name="Michele Scapinello" userId="a79d4642-63df-4d38-b9e0-8db605af2974" providerId="ADAL" clId="{5DEA5885-9311-4911-8138-04456D2533B9}" dt="2024-06-05T18:26:41.514" v="2505" actId="26606"/>
+          <ac:spMkLst>
+            <pc:docMk/>
+            <pc:sldMk cId="3239761053" sldId="279"/>
+            <ac:spMk id="14" creationId="{33ADDE13-FBA3-7EF4-631A-33A8C34136EE}"/>
+          </ac:spMkLst>
+        </pc:spChg>
+        <pc:spChg chg="mod">
+          <ac:chgData name="Michele Scapinello" userId="a79d4642-63df-4d38-b9e0-8db605af2974" providerId="ADAL" clId="{5DEA5885-9311-4911-8138-04456D2533B9}" dt="2024-06-05T18:26:41.514" v="2505" actId="26606"/>
+          <ac:spMkLst>
+            <pc:docMk/>
+            <pc:sldMk cId="3239761053" sldId="279"/>
+            <ac:spMk id="15" creationId="{FDCD7513-8D15-E07F-E478-3BC06B390FD0}"/>
+          </ac:spMkLst>
+        </pc:spChg>
+        <pc:spChg chg="del">
+          <ac:chgData name="Michele Scapinello" userId="a79d4642-63df-4d38-b9e0-8db605af2974" providerId="ADAL" clId="{5DEA5885-9311-4911-8138-04456D2533B9}" dt="2024-06-05T17:37:42.740" v="2186" actId="478"/>
+          <ac:spMkLst>
+            <pc:docMk/>
+            <pc:sldMk cId="3239761053" sldId="279"/>
+            <ac:spMk id="20" creationId="{B3444202-3863-7163-71DD-E180C788EDFB}"/>
+          </ac:spMkLst>
+        </pc:spChg>
+        <pc:spChg chg="del">
+          <ac:chgData name="Michele Scapinello" userId="a79d4642-63df-4d38-b9e0-8db605af2974" providerId="ADAL" clId="{5DEA5885-9311-4911-8138-04456D2533B9}" dt="2024-06-05T17:37:42.740" v="2186" actId="478"/>
+          <ac:spMkLst>
+            <pc:docMk/>
+            <pc:sldMk cId="3239761053" sldId="279"/>
+            <ac:spMk id="23" creationId="{D800D4D4-DFDF-FE58-E93B-C754A3767DA0}"/>
+          </ac:spMkLst>
+        </pc:spChg>
+        <pc:spChg chg="del">
+          <ac:chgData name="Michele Scapinello" userId="a79d4642-63df-4d38-b9e0-8db605af2974" providerId="ADAL" clId="{5DEA5885-9311-4911-8138-04456D2533B9}" dt="2024-06-05T17:37:42.740" v="2186" actId="478"/>
+          <ac:spMkLst>
+            <pc:docMk/>
+            <pc:sldMk cId="3239761053" sldId="279"/>
+            <ac:spMk id="25" creationId="{A1E01DA0-4AB5-2484-033E-8CC399A09116}"/>
+          </ac:spMkLst>
+        </pc:spChg>
+        <pc:spChg chg="del">
+          <ac:chgData name="Michele Scapinello" userId="a79d4642-63df-4d38-b9e0-8db605af2974" providerId="ADAL" clId="{5DEA5885-9311-4911-8138-04456D2533B9}" dt="2024-06-05T17:37:42.740" v="2186" actId="478"/>
+          <ac:spMkLst>
+            <pc:docMk/>
+            <pc:sldMk cId="3239761053" sldId="279"/>
+            <ac:spMk id="28" creationId="{14634ABE-8596-A741-2BCC-7880BF6323DD}"/>
+          </ac:spMkLst>
+        </pc:spChg>
+        <pc:spChg chg="del">
+          <ac:chgData name="Michele Scapinello" userId="a79d4642-63df-4d38-b9e0-8db605af2974" providerId="ADAL" clId="{5DEA5885-9311-4911-8138-04456D2533B9}" dt="2024-06-05T17:37:42.740" v="2186" actId="478"/>
+          <ac:spMkLst>
+            <pc:docMk/>
+            <pc:sldMk cId="3239761053" sldId="279"/>
+            <ac:spMk id="31" creationId="{04C4B180-BDDD-8AC9-3FC0-B21945FF669B}"/>
+          </ac:spMkLst>
+        </pc:spChg>
+        <pc:spChg chg="del">
+          <ac:chgData name="Michele Scapinello" userId="a79d4642-63df-4d38-b9e0-8db605af2974" providerId="ADAL" clId="{5DEA5885-9311-4911-8138-04456D2533B9}" dt="2024-06-05T17:37:42.740" v="2186" actId="478"/>
+          <ac:spMkLst>
+            <pc:docMk/>
+            <pc:sldMk cId="3239761053" sldId="279"/>
+            <ac:spMk id="33" creationId="{B66B36FF-C7A0-6223-2CBE-CF14DA2E19BB}"/>
+          </ac:spMkLst>
+        </pc:spChg>
+        <pc:spChg chg="del">
+          <ac:chgData name="Michele Scapinello" userId="a79d4642-63df-4d38-b9e0-8db605af2974" providerId="ADAL" clId="{5DEA5885-9311-4911-8138-04456D2533B9}" dt="2024-06-05T17:37:42.740" v="2186" actId="478"/>
+          <ac:spMkLst>
+            <pc:docMk/>
+            <pc:sldMk cId="3239761053" sldId="279"/>
+            <ac:spMk id="39" creationId="{8E25AF87-7766-C171-B49D-E13AE255774A}"/>
+          </ac:spMkLst>
+        </pc:spChg>
+        <pc:spChg chg="del">
+          <ac:chgData name="Michele Scapinello" userId="a79d4642-63df-4d38-b9e0-8db605af2974" providerId="ADAL" clId="{5DEA5885-9311-4911-8138-04456D2533B9}" dt="2024-06-05T17:37:42.740" v="2186" actId="478"/>
+          <ac:spMkLst>
+            <pc:docMk/>
+            <pc:sldMk cId="3239761053" sldId="279"/>
+            <ac:spMk id="41" creationId="{408E335E-CC96-BDD9-D586-84DEC1A932B2}"/>
+          </ac:spMkLst>
+        </pc:spChg>
+        <pc:spChg chg="del">
+          <ac:chgData name="Michele Scapinello" userId="a79d4642-63df-4d38-b9e0-8db605af2974" providerId="ADAL" clId="{5DEA5885-9311-4911-8138-04456D2533B9}" dt="2024-06-05T17:37:42.740" v="2186" actId="478"/>
+          <ac:spMkLst>
+            <pc:docMk/>
+            <pc:sldMk cId="3239761053" sldId="279"/>
+            <ac:spMk id="42" creationId="{037EB8E2-11F3-ABFD-99D5-F6F9B095C4B5}"/>
+          </ac:spMkLst>
+        </pc:spChg>
+        <pc:spChg chg="add del">
+          <ac:chgData name="Michele Scapinello" userId="a79d4642-63df-4d38-b9e0-8db605af2974" providerId="ADAL" clId="{5DEA5885-9311-4911-8138-04456D2533B9}" dt="2024-06-05T18:26:30.148" v="2501" actId="26606"/>
+          <ac:spMkLst>
+            <pc:docMk/>
+            <pc:sldMk cId="3239761053" sldId="279"/>
+            <ac:spMk id="49" creationId="{08953E74-D241-4DDF-8508-F0365EA13A92}"/>
+          </ac:spMkLst>
+        </pc:spChg>
+        <pc:spChg chg="add del">
+          <ac:chgData name="Michele Scapinello" userId="a79d4642-63df-4d38-b9e0-8db605af2974" providerId="ADAL" clId="{5DEA5885-9311-4911-8138-04456D2533B9}" dt="2024-06-05T18:26:30.148" v="2501" actId="26606"/>
+          <ac:spMkLst>
+            <pc:docMk/>
+            <pc:sldMk cId="3239761053" sldId="279"/>
+            <ac:spMk id="50" creationId="{5C3C901A-B2F4-4A3C-BCDD-7C8D587ECA2E}"/>
+          </ac:spMkLst>
+        </pc:spChg>
+        <pc:spChg chg="add del">
+          <ac:chgData name="Michele Scapinello" userId="a79d4642-63df-4d38-b9e0-8db605af2974" providerId="ADAL" clId="{5DEA5885-9311-4911-8138-04456D2533B9}" dt="2024-06-05T18:26:36.982" v="2503" actId="26606"/>
+          <ac:spMkLst>
+            <pc:docMk/>
+            <pc:sldMk cId="3239761053" sldId="279"/>
+            <ac:spMk id="51" creationId="{70DFC902-7D23-471A-B557-B6B6917D7A0D}"/>
+          </ac:spMkLst>
+        </pc:spChg>
+        <pc:spChg chg="add del">
+          <ac:chgData name="Michele Scapinello" userId="a79d4642-63df-4d38-b9e0-8db605af2974" providerId="ADAL" clId="{5DEA5885-9311-4911-8138-04456D2533B9}" dt="2024-06-05T18:26:27.209" v="2499" actId="26606"/>
+          <ac:spMkLst>
+            <pc:docMk/>
+            <pc:sldMk cId="3239761053" sldId="279"/>
+            <ac:spMk id="52" creationId="{A7AE9375-4664-4DB2-922D-2782A6E439AC}"/>
+          </ac:spMkLst>
+        </pc:spChg>
+        <pc:spChg chg="add del">
+          <ac:chgData name="Michele Scapinello" userId="a79d4642-63df-4d38-b9e0-8db605af2974" providerId="ADAL" clId="{5DEA5885-9311-4911-8138-04456D2533B9}" dt="2024-06-05T18:26:36.982" v="2503" actId="26606"/>
+          <ac:spMkLst>
+            <pc:docMk/>
+            <pc:sldMk cId="3239761053" sldId="279"/>
+            <ac:spMk id="53" creationId="{A55D5633-D557-4DCA-982C-FF36EB7A1C00}"/>
+          </ac:spMkLst>
+        </pc:spChg>
+        <pc:spChg chg="add del">
+          <ac:chgData name="Michele Scapinello" userId="a79d4642-63df-4d38-b9e0-8db605af2974" providerId="ADAL" clId="{5DEA5885-9311-4911-8138-04456D2533B9}" dt="2024-06-05T18:26:41.514" v="2505" actId="26606"/>
+          <ac:spMkLst>
+            <pc:docMk/>
+            <pc:sldMk cId="3239761053" sldId="279"/>
+            <ac:spMk id="55" creationId="{BACC6370-2D7E-4714-9D71-7542949D7D5D}"/>
+          </ac:spMkLst>
+        </pc:spChg>
+        <pc:spChg chg="add del">
+          <ac:chgData name="Michele Scapinello" userId="a79d4642-63df-4d38-b9e0-8db605af2974" providerId="ADAL" clId="{5DEA5885-9311-4911-8138-04456D2533B9}" dt="2024-06-05T18:26:41.514" v="2505" actId="26606"/>
+          <ac:spMkLst>
+            <pc:docMk/>
+            <pc:sldMk cId="3239761053" sldId="279"/>
+            <ac:spMk id="57" creationId="{256B2C21-A230-48C0-8DF1-C46611373C44}"/>
+          </ac:spMkLst>
+        </pc:spChg>
+        <pc:spChg chg="add del">
+          <ac:chgData name="Michele Scapinello" userId="a79d4642-63df-4d38-b9e0-8db605af2974" providerId="ADAL" clId="{5DEA5885-9311-4911-8138-04456D2533B9}" dt="2024-06-05T18:26:41.514" v="2505" actId="26606"/>
+          <ac:spMkLst>
+            <pc:docMk/>
+            <pc:sldMk cId="3239761053" sldId="279"/>
+            <ac:spMk id="58" creationId="{3150CB11-0C61-439E-910F-5787759E72A0}"/>
+          </ac:spMkLst>
+        </pc:spChg>
+        <pc:spChg chg="add del">
+          <ac:chgData name="Michele Scapinello" userId="a79d4642-63df-4d38-b9e0-8db605af2974" providerId="ADAL" clId="{5DEA5885-9311-4911-8138-04456D2533B9}" dt="2024-06-05T18:26:41.514" v="2505" actId="26606"/>
+          <ac:spMkLst>
+            <pc:docMk/>
+            <pc:sldMk cId="3239761053" sldId="279"/>
+            <ac:spMk id="59" creationId="{3847E18C-932D-4C95-AABA-FEC7C9499AD7}"/>
+          </ac:spMkLst>
+        </pc:spChg>
+        <pc:spChg chg="add del">
+          <ac:chgData name="Michele Scapinello" userId="a79d4642-63df-4d38-b9e0-8db605af2974" providerId="ADAL" clId="{5DEA5885-9311-4911-8138-04456D2533B9}" dt="2024-06-05T18:26:41.514" v="2505" actId="26606"/>
+          <ac:spMkLst>
+            <pc:docMk/>
+            <pc:sldMk cId="3239761053" sldId="279"/>
+            <ac:spMk id="60" creationId="{43F8A58B-5155-44CE-A5FF-7647B47D0A7A}"/>
+          </ac:spMkLst>
+        </pc:spChg>
+        <pc:spChg chg="add del">
+          <ac:chgData name="Michele Scapinello" userId="a79d4642-63df-4d38-b9e0-8db605af2974" providerId="ADAL" clId="{5DEA5885-9311-4911-8138-04456D2533B9}" dt="2024-06-05T18:26:41.514" v="2505" actId="26606"/>
+          <ac:spMkLst>
+            <pc:docMk/>
+            <pc:sldMk cId="3239761053" sldId="279"/>
+            <ac:spMk id="62" creationId="{443F2ACA-E6D6-4028-82DD-F03C262D5DE6}"/>
+          </ac:spMkLst>
+        </pc:spChg>
+        <pc:picChg chg="del">
+          <ac:chgData name="Michele Scapinello" userId="a79d4642-63df-4d38-b9e0-8db605af2974" providerId="ADAL" clId="{5DEA5885-9311-4911-8138-04456D2533B9}" dt="2024-06-05T17:37:42.740" v="2186" actId="478"/>
+          <ac:picMkLst>
+            <pc:docMk/>
+            <pc:sldMk cId="3239761053" sldId="279"/>
+            <ac:picMk id="5" creationId="{680A4985-84D1-D31D-0995-7247F2551D36}"/>
+          </ac:picMkLst>
+        </pc:picChg>
+        <pc:picChg chg="add mod">
+          <ac:chgData name="Michele Scapinello" userId="a79d4642-63df-4d38-b9e0-8db605af2974" providerId="ADAL" clId="{5DEA5885-9311-4911-8138-04456D2533B9}" dt="2024-06-05T18:26:41.514" v="2505" actId="26606"/>
+          <ac:picMkLst>
+            <pc:docMk/>
+            <pc:sldMk cId="3239761053" sldId="279"/>
+            <ac:picMk id="11" creationId="{0919866B-2B47-95F6-6BD0-8D03D05B8D3D}"/>
+          </ac:picMkLst>
+        </pc:picChg>
+        <pc:picChg chg="del">
+          <ac:chgData name="Michele Scapinello" userId="a79d4642-63df-4d38-b9e0-8db605af2974" providerId="ADAL" clId="{5DEA5885-9311-4911-8138-04456D2533B9}" dt="2024-06-05T17:37:42.740" v="2186" actId="478"/>
+          <ac:picMkLst>
+            <pc:docMk/>
+            <pc:sldMk cId="3239761053" sldId="279"/>
+            <ac:picMk id="13" creationId="{63A1F06B-357A-7CCB-6ADD-D271FB5C262B}"/>
+          </ac:picMkLst>
+        </pc:picChg>
+        <pc:picChg chg="add mod">
+          <ac:chgData name="Michele Scapinello" userId="a79d4642-63df-4d38-b9e0-8db605af2974" providerId="ADAL" clId="{5DEA5885-9311-4911-8138-04456D2533B9}" dt="2024-06-05T18:26:41.514" v="2505" actId="26606"/>
+          <ac:picMkLst>
+            <pc:docMk/>
+            <pc:sldMk cId="3239761053" sldId="279"/>
+            <ac:picMk id="16" creationId="{3AA9A51B-6C08-B227-A847-CB7AE80FD395}"/>
+          </ac:picMkLst>
+        </pc:picChg>
+        <pc:picChg chg="add mod">
+          <ac:chgData name="Michele Scapinello" userId="a79d4642-63df-4d38-b9e0-8db605af2974" providerId="ADAL" clId="{5DEA5885-9311-4911-8138-04456D2533B9}" dt="2024-06-05T18:26:41.514" v="2505" actId="26606"/>
+          <ac:picMkLst>
+            <pc:docMk/>
+            <pc:sldMk cId="3239761053" sldId="279"/>
+            <ac:picMk id="18" creationId="{3010D86C-B82F-0BD2-663E-3496A056D91F}"/>
+          </ac:picMkLst>
+        </pc:picChg>
+        <pc:picChg chg="del">
+          <ac:chgData name="Michele Scapinello" userId="a79d4642-63df-4d38-b9e0-8db605af2974" providerId="ADAL" clId="{5DEA5885-9311-4911-8138-04456D2533B9}" dt="2024-06-05T17:37:42.740" v="2186" actId="478"/>
+          <ac:picMkLst>
+            <pc:docMk/>
+            <pc:sldMk cId="3239761053" sldId="279"/>
+            <ac:picMk id="19" creationId="{E3CCCEC8-640C-9DCF-9164-F2DBDB627F71}"/>
+          </ac:picMkLst>
+        </pc:picChg>
+        <pc:picChg chg="add mod">
+          <ac:chgData name="Michele Scapinello" userId="a79d4642-63df-4d38-b9e0-8db605af2974" providerId="ADAL" clId="{5DEA5885-9311-4911-8138-04456D2533B9}" dt="2024-06-05T18:29:06.623" v="2515" actId="1076"/>
+          <ac:picMkLst>
+            <pc:docMk/>
+            <pc:sldMk cId="3239761053" sldId="279"/>
+            <ac:picMk id="27" creationId="{4FE10EF9-209B-2585-8CA8-199AE5C303D1}"/>
+          </ac:picMkLst>
+        </pc:picChg>
+        <pc:picChg chg="add mod">
+          <ac:chgData name="Michele Scapinello" userId="a79d4642-63df-4d38-b9e0-8db605af2974" providerId="ADAL" clId="{5DEA5885-9311-4911-8138-04456D2533B9}" dt="2024-06-05T18:26:41.514" v="2505" actId="26606"/>
+          <ac:picMkLst>
+            <pc:docMk/>
+            <pc:sldMk cId="3239761053" sldId="279"/>
+            <ac:picMk id="30" creationId="{958D101E-824F-FB79-1495-5CB88697681F}"/>
+          </ac:picMkLst>
+        </pc:picChg>
+        <pc:picChg chg="add mod">
+          <ac:chgData name="Michele Scapinello" userId="a79d4642-63df-4d38-b9e0-8db605af2974" providerId="ADAL" clId="{5DEA5885-9311-4911-8138-04456D2533B9}" dt="2024-06-05T18:26:41.514" v="2505" actId="26606"/>
+          <ac:picMkLst>
+            <pc:docMk/>
+            <pc:sldMk cId="3239761053" sldId="279"/>
+            <ac:picMk id="34" creationId="{CA3BC837-5D3A-6B84-8C85-1B48F67F0A15}"/>
+          </ac:picMkLst>
+        </pc:picChg>
+        <pc:picChg chg="add mod">
+          <ac:chgData name="Michele Scapinello" userId="a79d4642-63df-4d38-b9e0-8db605af2974" providerId="ADAL" clId="{5DEA5885-9311-4911-8138-04456D2533B9}" dt="2024-06-05T18:26:41.514" v="2505" actId="26606"/>
+          <ac:picMkLst>
+            <pc:docMk/>
+            <pc:sldMk cId="3239761053" sldId="279"/>
+            <ac:picMk id="38" creationId="{134ADE54-A0A5-A162-5B9F-38F36AFD7960}"/>
+          </ac:picMkLst>
+        </pc:picChg>
+        <pc:picChg chg="add mod">
+          <ac:chgData name="Michele Scapinello" userId="a79d4642-63df-4d38-b9e0-8db605af2974" providerId="ADAL" clId="{5DEA5885-9311-4911-8138-04456D2533B9}" dt="2024-06-05T18:26:41.514" v="2505" actId="26606"/>
+          <ac:picMkLst>
+            <pc:docMk/>
+            <pc:sldMk cId="3239761053" sldId="279"/>
+            <ac:picMk id="40" creationId="{6AE66E56-3D25-3D4F-B401-8C32DDF6D007}"/>
+          </ac:picMkLst>
+        </pc:picChg>
+        <pc:picChg chg="add mod">
+          <ac:chgData name="Michele Scapinello" userId="a79d4642-63df-4d38-b9e0-8db605af2974" providerId="ADAL" clId="{5DEA5885-9311-4911-8138-04456D2533B9}" dt="2024-06-05T18:26:41.514" v="2505" actId="26606"/>
+          <ac:picMkLst>
+            <pc:docMk/>
+            <pc:sldMk cId="3239761053" sldId="279"/>
+            <ac:picMk id="43" creationId="{6AE86E5C-DB36-530F-FD3F-6995473DA646}"/>
+          </ac:picMkLst>
+        </pc:picChg>
+        <pc:picChg chg="add del mod">
+          <ac:chgData name="Michele Scapinello" userId="a79d4642-63df-4d38-b9e0-8db605af2974" providerId="ADAL" clId="{5DEA5885-9311-4911-8138-04456D2533B9}" dt="2024-06-05T17:55:02.090" v="2482" actId="478"/>
+          <ac:picMkLst>
+            <pc:docMk/>
+            <pc:sldMk cId="3239761053" sldId="279"/>
+            <ac:picMk id="45" creationId="{BC663799-FF73-F790-4E61-DCF0DEFD6325}"/>
+          </ac:picMkLst>
+        </pc:picChg>
+        <pc:picChg chg="add mod">
+          <ac:chgData name="Michele Scapinello" userId="a79d4642-63df-4d38-b9e0-8db605af2974" providerId="ADAL" clId="{5DEA5885-9311-4911-8138-04456D2533B9}" dt="2024-06-05T18:26:41.514" v="2505" actId="26606"/>
+          <ac:picMkLst>
+            <pc:docMk/>
+            <pc:sldMk cId="3239761053" sldId="279"/>
+            <ac:picMk id="47" creationId="{018FFC49-5414-3361-CC0C-4B58A98918D5}"/>
+          </ac:picMkLst>
+        </pc:picChg>
+        <pc:cxnChg chg="del">
+          <ac:chgData name="Michele Scapinello" userId="a79d4642-63df-4d38-b9e0-8db605af2974" providerId="ADAL" clId="{5DEA5885-9311-4911-8138-04456D2533B9}" dt="2024-06-05T17:37:42.740" v="2186" actId="478"/>
+          <ac:cxnSpMkLst>
+            <pc:docMk/>
+            <pc:sldMk cId="3239761053" sldId="279"/>
+            <ac:cxnSpMk id="21" creationId="{A7DB6D03-101B-0A99-3630-147C57623069}"/>
+          </ac:cxnSpMkLst>
+        </pc:cxnChg>
+        <pc:cxnChg chg="del">
+          <ac:chgData name="Michele Scapinello" userId="a79d4642-63df-4d38-b9e0-8db605af2974" providerId="ADAL" clId="{5DEA5885-9311-4911-8138-04456D2533B9}" dt="2024-06-05T17:37:42.740" v="2186" actId="478"/>
+          <ac:cxnSpMkLst>
+            <pc:docMk/>
+            <pc:sldMk cId="3239761053" sldId="279"/>
+            <ac:cxnSpMk id="22" creationId="{1C30FAE0-7159-AA90-D214-8CF64BE0AEDE}"/>
+          </ac:cxnSpMkLst>
+        </pc:cxnChg>
+        <pc:cxnChg chg="del">
+          <ac:chgData name="Michele Scapinello" userId="a79d4642-63df-4d38-b9e0-8db605af2974" providerId="ADAL" clId="{5DEA5885-9311-4911-8138-04456D2533B9}" dt="2024-06-05T17:37:42.740" v="2186" actId="478"/>
+          <ac:cxnSpMkLst>
+            <pc:docMk/>
+            <pc:sldMk cId="3239761053" sldId="279"/>
+            <ac:cxnSpMk id="26" creationId="{4C632862-FA7C-475F-C675-E298CBC0A266}"/>
+          </ac:cxnSpMkLst>
+        </pc:cxnChg>
+        <pc:cxnChg chg="del">
+          <ac:chgData name="Michele Scapinello" userId="a79d4642-63df-4d38-b9e0-8db605af2974" providerId="ADAL" clId="{5DEA5885-9311-4911-8138-04456D2533B9}" dt="2024-06-05T17:37:42.740" v="2186" actId="478"/>
+          <ac:cxnSpMkLst>
+            <pc:docMk/>
+            <pc:sldMk cId="3239761053" sldId="279"/>
+            <ac:cxnSpMk id="35" creationId="{DB309845-941E-1577-3A91-785F29CCC872}"/>
+          </ac:cxnSpMkLst>
+        </pc:cxnChg>
+        <pc:cxnChg chg="del">
+          <ac:chgData name="Michele Scapinello" userId="a79d4642-63df-4d38-b9e0-8db605af2974" providerId="ADAL" clId="{5DEA5885-9311-4911-8138-04456D2533B9}" dt="2024-06-05T17:37:42.740" v="2186" actId="478"/>
+          <ac:cxnSpMkLst>
+            <pc:docMk/>
+            <pc:sldMk cId="3239761053" sldId="279"/>
+            <ac:cxnSpMk id="37" creationId="{DDB87150-FC98-487D-98AE-112A433FC3F6}"/>
+          </ac:cxnSpMkLst>
+        </pc:cxnChg>
+        <pc:cxnChg chg="add del">
+          <ac:chgData name="Michele Scapinello" userId="a79d4642-63df-4d38-b9e0-8db605af2974" providerId="ADAL" clId="{5DEA5885-9311-4911-8138-04456D2533B9}" dt="2024-06-05T18:26:27.209" v="2499" actId="26606"/>
+          <ac:cxnSpMkLst>
+            <pc:docMk/>
+            <pc:sldMk cId="3239761053" sldId="279"/>
+            <ac:cxnSpMk id="54" creationId="{EE504C98-6397-41C1-A8D8-2D9C4ED307E0}"/>
+          </ac:cxnSpMkLst>
+        </pc:cxnChg>
+        <pc:cxnChg chg="add del">
+          <ac:chgData name="Michele Scapinello" userId="a79d4642-63df-4d38-b9e0-8db605af2974" providerId="ADAL" clId="{5DEA5885-9311-4911-8138-04456D2533B9}" dt="2024-06-05T18:26:27.209" v="2499" actId="26606"/>
+          <ac:cxnSpMkLst>
+            <pc:docMk/>
+            <pc:sldMk cId="3239761053" sldId="279"/>
+            <ac:cxnSpMk id="56" creationId="{17C2F6CE-0CF2-4DDD-85F5-96799A328F15}"/>
           </ac:cxnSpMkLst>
         </pc:cxnChg>
       </pc:sldChg>
@@ -1512,7 +1991,7 @@
           <a:p>
             <a:fld id="{EB084C20-C73A-40CE-AFFB-E5A6E9A09CDA}" type="datetimeFigureOut">
               <a:rPr lang="it-IT" smtClean="0"/>
-              <a:t>04/06/2024</a:t>
+              <a:t>05/06/2024</a:t>
             </a:fld>
             <a:endParaRPr lang="it-IT"/>
           </a:p>
@@ -1995,7 +2474,7 @@
           <a:p>
             <a:fld id="{716563A5-5042-4400-A102-0AEF26D25570}" type="datetime1">
               <a:rPr lang="it-IT" smtClean="0"/>
-              <a:t>04/06/2024</a:t>
+              <a:t>05/06/2024</a:t>
             </a:fld>
             <a:endParaRPr lang="it-IT"/>
           </a:p>
@@ -2165,7 +2644,7 @@
           <a:p>
             <a:fld id="{7960278F-A204-4C6B-AD88-BEE8450D5FF4}" type="datetime1">
               <a:rPr lang="it-IT" smtClean="0"/>
-              <a:t>04/06/2024</a:t>
+              <a:t>05/06/2024</a:t>
             </a:fld>
             <a:endParaRPr lang="it-IT"/>
           </a:p>
@@ -2345,7 +2824,7 @@
           <a:p>
             <a:fld id="{3626C1E0-4099-402C-A241-4ACC21A2C681}" type="datetime1">
               <a:rPr lang="it-IT" smtClean="0"/>
-              <a:t>04/06/2024</a:t>
+              <a:t>05/06/2024</a:t>
             </a:fld>
             <a:endParaRPr lang="it-IT"/>
           </a:p>
@@ -2515,7 +2994,7 @@
           <a:p>
             <a:fld id="{29E24CBB-81FE-4E15-82FE-06D74E229BD7}" type="datetime1">
               <a:rPr lang="it-IT" smtClean="0"/>
-              <a:t>04/06/2024</a:t>
+              <a:t>05/06/2024</a:t>
             </a:fld>
             <a:endParaRPr lang="it-IT"/>
           </a:p>
@@ -2761,7 +3240,7 @@
           <a:p>
             <a:fld id="{320008DC-BF36-475B-8BAA-EB1B96426DAA}" type="datetime1">
               <a:rPr lang="it-IT" smtClean="0"/>
-              <a:t>04/06/2024</a:t>
+              <a:t>05/06/2024</a:t>
             </a:fld>
             <a:endParaRPr lang="it-IT"/>
           </a:p>
@@ -2993,7 +3472,7 @@
           <a:p>
             <a:fld id="{5195E9AF-D275-4EDC-8E5B-91202E2D6359}" type="datetime1">
               <a:rPr lang="it-IT" smtClean="0"/>
-              <a:t>04/06/2024</a:t>
+              <a:t>05/06/2024</a:t>
             </a:fld>
             <a:endParaRPr lang="it-IT"/>
           </a:p>
@@ -3360,7 +3839,7 @@
           <a:p>
             <a:fld id="{1F8906FC-37E7-42C2-9937-A1FF63807AEA}" type="datetime1">
               <a:rPr lang="it-IT" smtClean="0"/>
-              <a:t>04/06/2024</a:t>
+              <a:t>05/06/2024</a:t>
             </a:fld>
             <a:endParaRPr lang="it-IT"/>
           </a:p>
@@ -3478,7 +3957,7 @@
           <a:p>
             <a:fld id="{EECEB948-3B89-449F-B83C-73E528B0FB59}" type="datetime1">
               <a:rPr lang="it-IT" smtClean="0"/>
-              <a:t>04/06/2024</a:t>
+              <a:t>05/06/2024</a:t>
             </a:fld>
             <a:endParaRPr lang="it-IT"/>
           </a:p>
@@ -3573,7 +4052,7 @@
           <a:p>
             <a:fld id="{140A3494-F64A-421F-BA23-E98B1E94489C}" type="datetime1">
               <a:rPr lang="it-IT" smtClean="0"/>
-              <a:t>04/06/2024</a:t>
+              <a:t>05/06/2024</a:t>
             </a:fld>
             <a:endParaRPr lang="it-IT"/>
           </a:p>
@@ -3850,7 +4329,7 @@
           <a:p>
             <a:fld id="{FA751072-EE9A-41DC-B488-93901E8A09E9}" type="datetime1">
               <a:rPr lang="it-IT" smtClean="0"/>
-              <a:t>04/06/2024</a:t>
+              <a:t>05/06/2024</a:t>
             </a:fld>
             <a:endParaRPr lang="it-IT"/>
           </a:p>
@@ -4107,7 +4586,7 @@
           <a:p>
             <a:fld id="{D03C8101-077A-4389-B764-789DA6B3543D}" type="datetime1">
               <a:rPr lang="it-IT" smtClean="0"/>
-              <a:t>04/06/2024</a:t>
+              <a:t>05/06/2024</a:t>
             </a:fld>
             <a:endParaRPr lang="it-IT"/>
           </a:p>
@@ -4320,7 +4799,7 @@
           <a:p>
             <a:fld id="{3FB577B0-449C-451E-9F44-FD3474700A58}" type="datetime1">
               <a:rPr lang="it-IT" smtClean="0"/>
-              <a:t>04/06/2024</a:t>
+              <a:t>05/06/2024</a:t>
             </a:fld>
             <a:endParaRPr lang="it-IT"/>
           </a:p>
@@ -4787,7 +5266,7 @@
                 <a:solidFill>
                   <a:schemeClr val="bg1"/>
                 </a:solidFill>
-                <a:latin typeface="Helvetica" panose="020B0604020202020204" pitchFamily="34" charset="0"/>
+                <a:latin typeface="Audiowide" panose="02000503000000020004" pitchFamily="2" charset="0"/>
                 <a:cs typeface="Helvetica" panose="020B0604020202020204" pitchFamily="34" charset="0"/>
               </a:rPr>
               <a:t>A project by </a:t>
@@ -4799,7 +5278,7 @@
                 <a:solidFill>
                   <a:schemeClr val="bg1"/>
                 </a:solidFill>
-                <a:latin typeface="Helvetica" panose="020B0604020202020204" pitchFamily="34" charset="0"/>
+                <a:latin typeface="Audiowide" panose="02000503000000020004" pitchFamily="2" charset="0"/>
                 <a:cs typeface="Helvetica" panose="020B0604020202020204" pitchFamily="34" charset="0"/>
               </a:rPr>
               <a:t>Manuel Rigobello, Filippo </a:t>
@@ -4809,7 +5288,7 @@
                 <a:solidFill>
                   <a:schemeClr val="bg2"/>
                 </a:solidFill>
-                <a:latin typeface="Helvetica" panose="020B0604020202020204" pitchFamily="34" charset="0"/>
+                <a:latin typeface="Audiowide" panose="02000503000000020004" pitchFamily="2" charset="0"/>
                 <a:cs typeface="Helvetica" panose="020B0604020202020204" pitchFamily="34" charset="0"/>
               </a:rPr>
               <a:t>Galli</a:t>
@@ -4819,7 +5298,7 @@
                 <a:solidFill>
                   <a:schemeClr val="bg1"/>
                 </a:solidFill>
-                <a:latin typeface="Helvetica" panose="020B0604020202020204" pitchFamily="34" charset="0"/>
+                <a:latin typeface="Audiowide" panose="02000503000000020004" pitchFamily="2" charset="0"/>
                 <a:cs typeface="Helvetica" panose="020B0604020202020204" pitchFamily="34" charset="0"/>
               </a:rPr>
               <a:t>, Alessandro Leonardi, Ludovico Di Martino, Michele Scapinello</a:t>
@@ -4898,7 +5377,7 @@
           <p:cNvPr id="2" name="Title 1">
             <a:extLst>
               <a:ext uri="{FF2B5EF4-FFF2-40B4-BE49-F238E27FC236}">
-                <a16:creationId xmlns:a16="http://schemas.microsoft.com/office/drawing/2014/main" id="{67D42C8D-4165-C9E1-5CFF-55265687F5E4}"/>
+                <a16:creationId xmlns:a16="http://schemas.microsoft.com/office/drawing/2014/main" id="{63F35A53-4F98-FB9E-D5BC-2C646A49E5F5}"/>
               </a:ext>
             </a:extLst>
           </p:cNvPr>
@@ -4916,7 +5395,7 @@
           <a:p>
             <a:r>
               <a:rPr lang="it-IT" dirty="0"/>
-              <a:t>Car Management</a:t>
+              <a:t>Admin Features</a:t>
             </a:r>
           </a:p>
         </p:txBody>
@@ -4926,7 +5405,7 @@
           <p:cNvPr id="3" name="Content Placeholder 2">
             <a:extLst>
               <a:ext uri="{FF2B5EF4-FFF2-40B4-BE49-F238E27FC236}">
-                <a16:creationId xmlns:a16="http://schemas.microsoft.com/office/drawing/2014/main" id="{4AA7991A-1484-783C-8F36-DF62C5A92B42}"/>
+                <a16:creationId xmlns:a16="http://schemas.microsoft.com/office/drawing/2014/main" id="{C9B5D862-532F-6FC0-CCA0-5A5E38DD1610}"/>
               </a:ext>
             </a:extLst>
           </p:cNvPr>
@@ -4944,30 +5423,37 @@
           <a:p>
             <a:r>
               <a:rPr lang="it-IT" dirty="0" err="1"/>
-              <a:t>Insert</a:t>
+              <a:t>Manage</a:t>
+            </a:r>
+            <a:r>
+              <a:rPr lang="it-IT" dirty="0"/>
+              <a:t> Cars</a:t>
+            </a:r>
+          </a:p>
+          <a:p>
+            <a:r>
+              <a:rPr lang="it-IT" dirty="0" err="1"/>
+              <a:t>Manage</a:t>
+            </a:r>
+            <a:r>
+              <a:rPr lang="it-IT" dirty="0"/>
+              <a:t> </a:t>
+            </a:r>
+            <a:r>
+              <a:rPr lang="it-IT" dirty="0" err="1"/>
+              <a:t>Circuits</a:t>
             </a:r>
             <a:endParaRPr lang="it-IT" dirty="0"/>
           </a:p>
           <a:p>
             <a:r>
+              <a:rPr lang="it-IT" dirty="0" err="1"/>
+              <a:t>Bind</a:t>
+            </a:r>
+            <a:r>
               <a:rPr lang="it-IT" dirty="0"/>
-              <a:t>Edit</a:t>
-            </a:r>
-          </a:p>
-          <a:p>
-            <a:r>
-              <a:rPr lang="it-IT" dirty="0" err="1"/>
-              <a:t>Available</a:t>
-            </a:r>
-            <a:r>
-              <a:rPr lang="it-IT" dirty="0"/>
-              <a:t>/</a:t>
-            </a:r>
-            <a:r>
-              <a:rPr lang="it-IT" dirty="0" err="1"/>
-              <a:t>Unavailable</a:t>
-            </a:r>
-            <a:endParaRPr lang="it-IT" dirty="0"/>
+              <a:t> Car to Circuit</a:t>
+            </a:r>
           </a:p>
         </p:txBody>
       </p:sp>
@@ -4976,7 +5462,7 @@
           <p:cNvPr id="4" name="Slide Number Placeholder 3">
             <a:extLst>
               <a:ext uri="{FF2B5EF4-FFF2-40B4-BE49-F238E27FC236}">
-                <a16:creationId xmlns:a16="http://schemas.microsoft.com/office/drawing/2014/main" id="{FDFA93F5-DEFE-C442-9231-2753E97DC214}"/>
+                <a16:creationId xmlns:a16="http://schemas.microsoft.com/office/drawing/2014/main" id="{25D6ED6C-98E0-9CAD-C3E0-6B1764701FB1}"/>
               </a:ext>
             </a:extLst>
           </p:cNvPr>
@@ -5005,7 +5491,7 @@
           <p:cNvPr id="5" name="Footer Placeholder 4">
             <a:extLst>
               <a:ext uri="{FF2B5EF4-FFF2-40B4-BE49-F238E27FC236}">
-                <a16:creationId xmlns:a16="http://schemas.microsoft.com/office/drawing/2014/main" id="{D0DAA939-F107-FA6A-6943-C756C12D936C}"/>
+                <a16:creationId xmlns:a16="http://schemas.microsoft.com/office/drawing/2014/main" id="{29413D43-3B59-6DE5-CB83-85A5106AF81D}"/>
               </a:ext>
             </a:extLst>
           </p:cNvPr>
@@ -5028,7 +5514,7 @@
     </p:spTree>
     <p:extLst>
       <p:ext uri="{BB962C8B-B14F-4D97-AF65-F5344CB8AC3E}">
-        <p14:creationId xmlns:p14="http://schemas.microsoft.com/office/powerpoint/2010/main" val="257592218"/>
+        <p14:creationId xmlns:p14="http://schemas.microsoft.com/office/powerpoint/2010/main" val="1238300064"/>
       </p:ext>
     </p:extLst>
   </p:cSld>
@@ -5060,7 +5546,7 @@
           <p:cNvPr id="2" name="Title 1">
             <a:extLst>
               <a:ext uri="{FF2B5EF4-FFF2-40B4-BE49-F238E27FC236}">
-                <a16:creationId xmlns:a16="http://schemas.microsoft.com/office/drawing/2014/main" id="{D1A91ABD-D096-A008-CC37-498FB3616530}"/>
+                <a16:creationId xmlns:a16="http://schemas.microsoft.com/office/drawing/2014/main" id="{67D42C8D-4165-C9E1-5CFF-55265687F5E4}"/>
               </a:ext>
             </a:extLst>
           </p:cNvPr>
@@ -5078,7 +5564,7 @@
           <a:p>
             <a:r>
               <a:rPr lang="it-IT" dirty="0"/>
-              <a:t>Circuit Management</a:t>
+              <a:t>Car Management</a:t>
             </a:r>
           </a:p>
         </p:txBody>
@@ -5088,7 +5574,7 @@
           <p:cNvPr id="3" name="Content Placeholder 2">
             <a:extLst>
               <a:ext uri="{FF2B5EF4-FFF2-40B4-BE49-F238E27FC236}">
-                <a16:creationId xmlns:a16="http://schemas.microsoft.com/office/drawing/2014/main" id="{702E9902-8D34-E483-D144-B356BE214FA0}"/>
+                <a16:creationId xmlns:a16="http://schemas.microsoft.com/office/drawing/2014/main" id="{4AA7991A-1484-783C-8F36-DF62C5A92B42}"/>
               </a:ext>
             </a:extLst>
           </p:cNvPr>
@@ -5138,7 +5624,7 @@
           <p:cNvPr id="4" name="Slide Number Placeholder 3">
             <a:extLst>
               <a:ext uri="{FF2B5EF4-FFF2-40B4-BE49-F238E27FC236}">
-                <a16:creationId xmlns:a16="http://schemas.microsoft.com/office/drawing/2014/main" id="{647C8B7A-34E1-8DC3-380A-83257D530462}"/>
+                <a16:creationId xmlns:a16="http://schemas.microsoft.com/office/drawing/2014/main" id="{FDFA93F5-DEFE-C442-9231-2753E97DC214}"/>
               </a:ext>
             </a:extLst>
           </p:cNvPr>
@@ -5167,7 +5653,7 @@
           <p:cNvPr id="5" name="Footer Placeholder 4">
             <a:extLst>
               <a:ext uri="{FF2B5EF4-FFF2-40B4-BE49-F238E27FC236}">
-                <a16:creationId xmlns:a16="http://schemas.microsoft.com/office/drawing/2014/main" id="{0064F932-5F75-48F4-0753-61111224B8CE}"/>
+                <a16:creationId xmlns:a16="http://schemas.microsoft.com/office/drawing/2014/main" id="{D0DAA939-F107-FA6A-6943-C756C12D936C}"/>
               </a:ext>
             </a:extLst>
           </p:cNvPr>
@@ -5190,7 +5676,7 @@
     </p:spTree>
     <p:extLst>
       <p:ext uri="{BB962C8B-B14F-4D97-AF65-F5344CB8AC3E}">
-        <p14:creationId xmlns:p14="http://schemas.microsoft.com/office/powerpoint/2010/main" val="3006645425"/>
+        <p14:creationId xmlns:p14="http://schemas.microsoft.com/office/powerpoint/2010/main" val="257592218"/>
       </p:ext>
     </p:extLst>
   </p:cSld>
@@ -5222,7 +5708,7 @@
           <p:cNvPr id="2" name="Title 1">
             <a:extLst>
               <a:ext uri="{FF2B5EF4-FFF2-40B4-BE49-F238E27FC236}">
-                <a16:creationId xmlns:a16="http://schemas.microsoft.com/office/drawing/2014/main" id="{879829F6-CF3C-ABBB-83C0-89B50CB0CFCC}"/>
+                <a16:creationId xmlns:a16="http://schemas.microsoft.com/office/drawing/2014/main" id="{D1A91ABD-D096-A008-CC37-498FB3616530}"/>
               </a:ext>
             </a:extLst>
           </p:cNvPr>
@@ -5240,7 +5726,7 @@
           <a:p>
             <a:r>
               <a:rPr lang="it-IT" dirty="0"/>
-              <a:t>(Responsive Design)</a:t>
+              <a:t>Circuit Management</a:t>
             </a:r>
           </a:p>
         </p:txBody>
@@ -5250,7 +5736,7 @@
           <p:cNvPr id="3" name="Content Placeholder 2">
             <a:extLst>
               <a:ext uri="{FF2B5EF4-FFF2-40B4-BE49-F238E27FC236}">
-                <a16:creationId xmlns:a16="http://schemas.microsoft.com/office/drawing/2014/main" id="{304829F1-AF97-EE55-C538-1C22365C278D}"/>
+                <a16:creationId xmlns:a16="http://schemas.microsoft.com/office/drawing/2014/main" id="{702E9902-8D34-E483-D144-B356BE214FA0}"/>
               </a:ext>
             </a:extLst>
           </p:cNvPr>
@@ -5266,7 +5752,32 @@
           <a:bodyPr/>
           <a:lstStyle/>
           <a:p>
-            <a:endParaRPr lang="it-IT"/>
+            <a:r>
+              <a:rPr lang="it-IT" dirty="0" err="1"/>
+              <a:t>Insert</a:t>
+            </a:r>
+            <a:endParaRPr lang="it-IT" dirty="0"/>
+          </a:p>
+          <a:p>
+            <a:r>
+              <a:rPr lang="it-IT" dirty="0"/>
+              <a:t>Edit</a:t>
+            </a:r>
+          </a:p>
+          <a:p>
+            <a:r>
+              <a:rPr lang="it-IT" dirty="0" err="1"/>
+              <a:t>Available</a:t>
+            </a:r>
+            <a:r>
+              <a:rPr lang="it-IT" dirty="0"/>
+              <a:t>/</a:t>
+            </a:r>
+            <a:r>
+              <a:rPr lang="it-IT" dirty="0" err="1"/>
+              <a:t>Unavailable</a:t>
+            </a:r>
+            <a:endParaRPr lang="it-IT" dirty="0"/>
           </a:p>
         </p:txBody>
       </p:sp>
@@ -5275,7 +5786,7 @@
           <p:cNvPr id="4" name="Slide Number Placeholder 3">
             <a:extLst>
               <a:ext uri="{FF2B5EF4-FFF2-40B4-BE49-F238E27FC236}">
-                <a16:creationId xmlns:a16="http://schemas.microsoft.com/office/drawing/2014/main" id="{6732DD56-B6DC-4231-9608-07092BF3F844}"/>
+                <a16:creationId xmlns:a16="http://schemas.microsoft.com/office/drawing/2014/main" id="{647C8B7A-34E1-8DC3-380A-83257D530462}"/>
               </a:ext>
             </a:extLst>
           </p:cNvPr>
@@ -5304,7 +5815,7 @@
           <p:cNvPr id="5" name="Footer Placeholder 4">
             <a:extLst>
               <a:ext uri="{FF2B5EF4-FFF2-40B4-BE49-F238E27FC236}">
-                <a16:creationId xmlns:a16="http://schemas.microsoft.com/office/drawing/2014/main" id="{B1F2E25B-DA60-3CED-D8B6-848F811F551C}"/>
+                <a16:creationId xmlns:a16="http://schemas.microsoft.com/office/drawing/2014/main" id="{0064F932-5F75-48F4-0753-61111224B8CE}"/>
               </a:ext>
             </a:extLst>
           </p:cNvPr>
@@ -5327,7 +5838,7 @@
     </p:spTree>
     <p:extLst>
       <p:ext uri="{BB962C8B-B14F-4D97-AF65-F5344CB8AC3E}">
-        <p14:creationId xmlns:p14="http://schemas.microsoft.com/office/powerpoint/2010/main" val="1939069988"/>
+        <p14:creationId xmlns:p14="http://schemas.microsoft.com/office/powerpoint/2010/main" val="3006645425"/>
       </p:ext>
     </p:extLst>
   </p:cSld>
@@ -5359,7 +5870,7 @@
           <p:cNvPr id="2" name="Title 1">
             <a:extLst>
               <a:ext uri="{FF2B5EF4-FFF2-40B4-BE49-F238E27FC236}">
-                <a16:creationId xmlns:a16="http://schemas.microsoft.com/office/drawing/2014/main" id="{F4E180E6-08BE-E85C-0594-55C5DF7ED010}"/>
+                <a16:creationId xmlns:a16="http://schemas.microsoft.com/office/drawing/2014/main" id="{879829F6-CF3C-ABBB-83C0-89B50CB0CFCC}"/>
               </a:ext>
             </a:extLst>
           </p:cNvPr>
@@ -5376,10 +5887,9 @@
           <a:lstStyle/>
           <a:p>
             <a:r>
-              <a:rPr lang="it-IT" dirty="0" err="1"/>
-              <a:t>Conclusions</a:t>
-            </a:r>
-            <a:endParaRPr lang="it-IT" dirty="0"/>
+              <a:rPr lang="it-IT" dirty="0"/>
+              <a:t>(Responsive Design)</a:t>
+            </a:r>
           </a:p>
         </p:txBody>
       </p:sp>
@@ -5388,7 +5898,7 @@
           <p:cNvPr id="3" name="Content Placeholder 2">
             <a:extLst>
               <a:ext uri="{FF2B5EF4-FFF2-40B4-BE49-F238E27FC236}">
-                <a16:creationId xmlns:a16="http://schemas.microsoft.com/office/drawing/2014/main" id="{E5F409E9-ED7C-77C6-E102-E717C57B99DE}"/>
+                <a16:creationId xmlns:a16="http://schemas.microsoft.com/office/drawing/2014/main" id="{304829F1-AF97-EE55-C538-1C22365C278D}"/>
               </a:ext>
             </a:extLst>
           </p:cNvPr>
@@ -5404,156 +5914,7 @@
           <a:bodyPr/>
           <a:lstStyle/>
           <a:p>
-            <a:r>
-              <a:rPr lang="it-IT" dirty="0" err="1"/>
-              <a:t>WaCar</a:t>
-            </a:r>
-            <a:r>
-              <a:rPr lang="it-IT" dirty="0"/>
-              <a:t> </a:t>
-            </a:r>
-            <a:r>
-              <a:rPr lang="it-IT" dirty="0" err="1"/>
-              <a:t>satistifies</a:t>
-            </a:r>
-            <a:r>
-              <a:rPr lang="it-IT" dirty="0"/>
-              <a:t> the </a:t>
-            </a:r>
-            <a:r>
-              <a:rPr lang="it-IT" dirty="0" err="1"/>
-              <a:t>needs</a:t>
-            </a:r>
-            <a:r>
-              <a:rPr lang="it-IT" dirty="0"/>
-              <a:t> of customers and </a:t>
-            </a:r>
-            <a:r>
-              <a:rPr lang="it-IT" dirty="0" err="1"/>
-              <a:t>owners</a:t>
-            </a:r>
-            <a:r>
-              <a:rPr lang="it-IT" dirty="0"/>
-              <a:t> with </a:t>
-            </a:r>
-            <a:r>
-              <a:rPr lang="it-IT" dirty="0" err="1"/>
-              <a:t>its</a:t>
-            </a:r>
-            <a:r>
-              <a:rPr lang="it-IT" dirty="0"/>
-              <a:t> </a:t>
-            </a:r>
-            <a:r>
-              <a:rPr lang="it-IT" dirty="0" err="1"/>
-              <a:t>simple</a:t>
-            </a:r>
-            <a:r>
-              <a:rPr lang="it-IT" dirty="0"/>
-              <a:t> </a:t>
-            </a:r>
-            <a:r>
-              <a:rPr lang="it-IT" dirty="0" err="1"/>
-              <a:t>interface</a:t>
-            </a:r>
-            <a:r>
-              <a:rPr lang="it-IT" dirty="0"/>
-              <a:t> and </a:t>
-            </a:r>
-            <a:r>
-              <a:rPr lang="it-IT" dirty="0" err="1"/>
-              <a:t>usage</a:t>
-            </a:r>
-            <a:endParaRPr lang="it-IT" dirty="0"/>
-          </a:p>
-          <a:p>
-            <a:endParaRPr lang="it-IT" dirty="0"/>
-          </a:p>
-          <a:p>
-            <a:r>
-              <a:rPr lang="it-IT" dirty="0"/>
-              <a:t>The goal of the project </a:t>
-            </a:r>
-            <a:r>
-              <a:rPr lang="it-IT" dirty="0" err="1"/>
-              <a:t>has</a:t>
-            </a:r>
-            <a:r>
-              <a:rPr lang="it-IT" dirty="0"/>
-              <a:t> </a:t>
-            </a:r>
-            <a:r>
-              <a:rPr lang="it-IT" dirty="0" err="1"/>
-              <a:t>been</a:t>
-            </a:r>
-            <a:r>
-              <a:rPr lang="it-IT" dirty="0"/>
-              <a:t> </a:t>
-            </a:r>
-            <a:r>
-              <a:rPr lang="it-IT" dirty="0" err="1"/>
-              <a:t>achieved</a:t>
-            </a:r>
-            <a:r>
-              <a:rPr lang="it-IT" dirty="0"/>
-              <a:t> by </a:t>
-            </a:r>
-            <a:r>
-              <a:rPr lang="it-IT" dirty="0" err="1"/>
-              <a:t>providing</a:t>
-            </a:r>
-            <a:r>
-              <a:rPr lang="it-IT" dirty="0"/>
-              <a:t> a </a:t>
-            </a:r>
-            <a:r>
-              <a:rPr lang="it-IT" dirty="0" err="1"/>
-              <a:t>solution</a:t>
-            </a:r>
-            <a:r>
-              <a:rPr lang="it-IT" dirty="0"/>
-              <a:t> </a:t>
-            </a:r>
-            <a:r>
-              <a:rPr lang="it-IT" dirty="0" err="1"/>
-              <a:t>that</a:t>
-            </a:r>
-            <a:r>
-              <a:rPr lang="it-IT" dirty="0"/>
-              <a:t> </a:t>
-            </a:r>
-            <a:r>
-              <a:rPr lang="it-IT" dirty="0" err="1"/>
-              <a:t>facilitates</a:t>
-            </a:r>
-            <a:r>
-              <a:rPr lang="it-IT" dirty="0"/>
-              <a:t> the book of </a:t>
-            </a:r>
-            <a:r>
-              <a:rPr lang="it-IT" dirty="0" err="1"/>
-              <a:t>such</a:t>
-            </a:r>
-            <a:r>
-              <a:rPr lang="it-IT" dirty="0"/>
-              <a:t> </a:t>
-            </a:r>
-            <a:r>
-              <a:rPr lang="it-IT" dirty="0" err="1"/>
-              <a:t>experiences</a:t>
-            </a:r>
-            <a:r>
-              <a:rPr lang="it-IT" dirty="0"/>
-              <a:t> and the management of the </a:t>
-            </a:r>
-            <a:r>
-              <a:rPr lang="it-IT" dirty="0" err="1"/>
-              <a:t>offered</a:t>
-            </a:r>
-            <a:r>
-              <a:rPr lang="it-IT" dirty="0"/>
-              <a:t> products</a:t>
-            </a:r>
+            <a:endParaRPr lang="it-IT"/>
           </a:p>
         </p:txBody>
       </p:sp>
@@ -5562,7 +5923,7 @@
           <p:cNvPr id="4" name="Slide Number Placeholder 3">
             <a:extLst>
               <a:ext uri="{FF2B5EF4-FFF2-40B4-BE49-F238E27FC236}">
-                <a16:creationId xmlns:a16="http://schemas.microsoft.com/office/drawing/2014/main" id="{2DE2B11E-9CB4-72C1-3B53-D82F5226027B}"/>
+                <a16:creationId xmlns:a16="http://schemas.microsoft.com/office/drawing/2014/main" id="{6732DD56-B6DC-4231-9608-07092BF3F844}"/>
               </a:ext>
             </a:extLst>
           </p:cNvPr>
@@ -5581,6 +5942,293 @@
             <a:fld id="{A9EE5928-F148-40B0-A685-C3EA8FBFEFC2}" type="slidenum">
               <a:rPr lang="it-IT" smtClean="0"/>
               <a:t>13</a:t>
+            </a:fld>
+            <a:endParaRPr lang="it-IT"/>
+          </a:p>
+        </p:txBody>
+      </p:sp>
+      <p:sp>
+        <p:nvSpPr>
+          <p:cNvPr id="5" name="Footer Placeholder 4">
+            <a:extLst>
+              <a:ext uri="{FF2B5EF4-FFF2-40B4-BE49-F238E27FC236}">
+                <a16:creationId xmlns:a16="http://schemas.microsoft.com/office/drawing/2014/main" id="{B1F2E25B-DA60-3CED-D8B6-848F811F551C}"/>
+              </a:ext>
+            </a:extLst>
+          </p:cNvPr>
+          <p:cNvSpPr>
+            <a:spLocks noGrp="1"/>
+          </p:cNvSpPr>
+          <p:nvPr>
+            <p:ph type="ftr" sz="quarter" idx="11"/>
+          </p:nvPr>
+        </p:nvSpPr>
+        <p:spPr/>
+        <p:txBody>
+          <a:bodyPr/>
+          <a:lstStyle/>
+          <a:p>
+            <a:endParaRPr lang="it-IT"/>
+          </a:p>
+        </p:txBody>
+      </p:sp>
+    </p:spTree>
+    <p:extLst>
+      <p:ext uri="{BB962C8B-B14F-4D97-AF65-F5344CB8AC3E}">
+        <p14:creationId xmlns:p14="http://schemas.microsoft.com/office/powerpoint/2010/main" val="1939069988"/>
+      </p:ext>
+    </p:extLst>
+  </p:cSld>
+  <p:clrMapOvr>
+    <a:masterClrMapping/>
+  </p:clrMapOvr>
+</p:sld>
+</file>
+
+<file path=ppt/slides/slide14.xml><?xml version="1.0" encoding="utf-8"?>
+<p:sld xmlns:a="http://schemas.openxmlformats.org/drawingml/2006/main" xmlns:r="http://schemas.openxmlformats.org/officeDocument/2006/relationships" xmlns:p="http://schemas.openxmlformats.org/presentationml/2006/main">
+  <p:cSld>
+    <p:spTree>
+      <p:nvGrpSpPr>
+        <p:cNvPr id="1" name=""/>
+        <p:cNvGrpSpPr/>
+        <p:nvPr/>
+      </p:nvGrpSpPr>
+      <p:grpSpPr>
+        <a:xfrm>
+          <a:off x="0" y="0"/>
+          <a:ext cx="0" cy="0"/>
+          <a:chOff x="0" y="0"/>
+          <a:chExt cx="0" cy="0"/>
+        </a:xfrm>
+      </p:grpSpPr>
+      <p:sp>
+        <p:nvSpPr>
+          <p:cNvPr id="2" name="Title 1">
+            <a:extLst>
+              <a:ext uri="{FF2B5EF4-FFF2-40B4-BE49-F238E27FC236}">
+                <a16:creationId xmlns:a16="http://schemas.microsoft.com/office/drawing/2014/main" id="{F4E180E6-08BE-E85C-0594-55C5DF7ED010}"/>
+              </a:ext>
+            </a:extLst>
+          </p:cNvPr>
+          <p:cNvSpPr>
+            <a:spLocks noGrp="1"/>
+          </p:cNvSpPr>
+          <p:nvPr>
+            <p:ph type="title"/>
+          </p:nvPr>
+        </p:nvSpPr>
+        <p:spPr/>
+        <p:txBody>
+          <a:bodyPr/>
+          <a:lstStyle/>
+          <a:p>
+            <a:r>
+              <a:rPr lang="it-IT" dirty="0" err="1"/>
+              <a:t>Conclusions</a:t>
+            </a:r>
+            <a:endParaRPr lang="it-IT" dirty="0"/>
+          </a:p>
+        </p:txBody>
+      </p:sp>
+      <p:sp>
+        <p:nvSpPr>
+          <p:cNvPr id="3" name="Content Placeholder 2">
+            <a:extLst>
+              <a:ext uri="{FF2B5EF4-FFF2-40B4-BE49-F238E27FC236}">
+                <a16:creationId xmlns:a16="http://schemas.microsoft.com/office/drawing/2014/main" id="{E5F409E9-ED7C-77C6-E102-E717C57B99DE}"/>
+              </a:ext>
+            </a:extLst>
+          </p:cNvPr>
+          <p:cNvSpPr>
+            <a:spLocks noGrp="1"/>
+          </p:cNvSpPr>
+          <p:nvPr>
+            <p:ph idx="1"/>
+          </p:nvPr>
+        </p:nvSpPr>
+        <p:spPr/>
+        <p:txBody>
+          <a:bodyPr/>
+          <a:lstStyle/>
+          <a:p>
+            <a:r>
+              <a:rPr lang="it-IT" dirty="0" err="1"/>
+              <a:t>WaCar</a:t>
+            </a:r>
+            <a:r>
+              <a:rPr lang="it-IT" dirty="0"/>
+              <a:t> </a:t>
+            </a:r>
+            <a:r>
+              <a:rPr lang="it-IT" dirty="0" err="1"/>
+              <a:t>satistifies</a:t>
+            </a:r>
+            <a:r>
+              <a:rPr lang="it-IT" dirty="0"/>
+              <a:t> the </a:t>
+            </a:r>
+            <a:r>
+              <a:rPr lang="it-IT" dirty="0" err="1"/>
+              <a:t>needs</a:t>
+            </a:r>
+            <a:r>
+              <a:rPr lang="it-IT" dirty="0"/>
+              <a:t> of customers and </a:t>
+            </a:r>
+            <a:r>
+              <a:rPr lang="it-IT" dirty="0" err="1"/>
+              <a:t>owners</a:t>
+            </a:r>
+            <a:r>
+              <a:rPr lang="it-IT" dirty="0"/>
+              <a:t> with </a:t>
+            </a:r>
+            <a:r>
+              <a:rPr lang="it-IT" dirty="0" err="1"/>
+              <a:t>its</a:t>
+            </a:r>
+            <a:r>
+              <a:rPr lang="it-IT" dirty="0"/>
+              <a:t> </a:t>
+            </a:r>
+            <a:r>
+              <a:rPr lang="it-IT" dirty="0" err="1"/>
+              <a:t>simple</a:t>
+            </a:r>
+            <a:r>
+              <a:rPr lang="it-IT" dirty="0"/>
+              <a:t> </a:t>
+            </a:r>
+            <a:r>
+              <a:rPr lang="it-IT" dirty="0" err="1"/>
+              <a:t>interface</a:t>
+            </a:r>
+            <a:r>
+              <a:rPr lang="it-IT" dirty="0"/>
+              <a:t> and </a:t>
+            </a:r>
+            <a:r>
+              <a:rPr lang="it-IT" dirty="0" err="1"/>
+              <a:t>usage</a:t>
+            </a:r>
+            <a:endParaRPr lang="it-IT" dirty="0"/>
+          </a:p>
+          <a:p>
+            <a:endParaRPr lang="it-IT" dirty="0"/>
+          </a:p>
+          <a:p>
+            <a:r>
+              <a:rPr lang="it-IT" dirty="0"/>
+              <a:t>The goal of the project </a:t>
+            </a:r>
+            <a:r>
+              <a:rPr lang="it-IT" dirty="0" err="1"/>
+              <a:t>has</a:t>
+            </a:r>
+            <a:r>
+              <a:rPr lang="it-IT" dirty="0"/>
+              <a:t> </a:t>
+            </a:r>
+            <a:r>
+              <a:rPr lang="it-IT" dirty="0" err="1"/>
+              <a:t>been</a:t>
+            </a:r>
+            <a:r>
+              <a:rPr lang="it-IT" dirty="0"/>
+              <a:t> </a:t>
+            </a:r>
+            <a:r>
+              <a:rPr lang="it-IT" dirty="0" err="1"/>
+              <a:t>achieved</a:t>
+            </a:r>
+            <a:r>
+              <a:rPr lang="it-IT" dirty="0"/>
+              <a:t> by </a:t>
+            </a:r>
+            <a:r>
+              <a:rPr lang="it-IT" dirty="0" err="1"/>
+              <a:t>providing</a:t>
+            </a:r>
+            <a:r>
+              <a:rPr lang="it-IT" dirty="0"/>
+              <a:t> a </a:t>
+            </a:r>
+            <a:r>
+              <a:rPr lang="it-IT" dirty="0" err="1"/>
+              <a:t>solution</a:t>
+            </a:r>
+            <a:r>
+              <a:rPr lang="it-IT" dirty="0"/>
+              <a:t> </a:t>
+            </a:r>
+            <a:r>
+              <a:rPr lang="it-IT" dirty="0" err="1"/>
+              <a:t>that</a:t>
+            </a:r>
+            <a:r>
+              <a:rPr lang="it-IT" dirty="0"/>
+              <a:t> </a:t>
+            </a:r>
+            <a:r>
+              <a:rPr lang="it-IT" dirty="0" err="1"/>
+              <a:t>facilitates</a:t>
+            </a:r>
+            <a:r>
+              <a:rPr lang="it-IT" dirty="0"/>
+              <a:t> the book of </a:t>
+            </a:r>
+            <a:r>
+              <a:rPr lang="it-IT" dirty="0" err="1"/>
+              <a:t>such</a:t>
+            </a:r>
+            <a:r>
+              <a:rPr lang="it-IT" dirty="0"/>
+              <a:t> </a:t>
+            </a:r>
+            <a:r>
+              <a:rPr lang="it-IT" dirty="0" err="1"/>
+              <a:t>experiences</a:t>
+            </a:r>
+            <a:r>
+              <a:rPr lang="it-IT" dirty="0"/>
+              <a:t> and the management of the </a:t>
+            </a:r>
+            <a:r>
+              <a:rPr lang="it-IT" dirty="0" err="1"/>
+              <a:t>offered</a:t>
+            </a:r>
+            <a:r>
+              <a:rPr lang="it-IT" dirty="0"/>
+              <a:t> products</a:t>
+            </a:r>
+          </a:p>
+        </p:txBody>
+      </p:sp>
+      <p:sp>
+        <p:nvSpPr>
+          <p:cNvPr id="4" name="Slide Number Placeholder 3">
+            <a:extLst>
+              <a:ext uri="{FF2B5EF4-FFF2-40B4-BE49-F238E27FC236}">
+                <a16:creationId xmlns:a16="http://schemas.microsoft.com/office/drawing/2014/main" id="{2DE2B11E-9CB4-72C1-3B53-D82F5226027B}"/>
+              </a:ext>
+            </a:extLst>
+          </p:cNvPr>
+          <p:cNvSpPr>
+            <a:spLocks noGrp="1"/>
+          </p:cNvSpPr>
+          <p:nvPr>
+            <p:ph type="sldNum" sz="quarter" idx="12"/>
+          </p:nvPr>
+        </p:nvSpPr>
+        <p:spPr/>
+        <p:txBody>
+          <a:bodyPr/>
+          <a:lstStyle/>
+          <a:p>
+            <a:fld id="{A9EE5928-F148-40B0-A685-C3EA8FBFEFC2}" type="slidenum">
+              <a:rPr lang="it-IT" smtClean="0"/>
+              <a:t>14</a:t>
             </a:fld>
             <a:endParaRPr lang="it-IT"/>
           </a:p>
@@ -5675,7 +6323,7 @@
                 <a:solidFill>
                   <a:srgbClr val="D76464"/>
                 </a:solidFill>
-                <a:latin typeface="Nunito" pitchFamily="2" charset="0"/>
+                <a:latin typeface="Audiowide" panose="02000503000000020004" pitchFamily="2" charset="0"/>
               </a:rPr>
               <a:t>WaCar</a:t>
             </a:r>
@@ -5683,7 +6331,7 @@
               <a:solidFill>
                 <a:srgbClr val="D76464"/>
               </a:solidFill>
-              <a:latin typeface="Nunito" pitchFamily="2" charset="0"/>
+              <a:latin typeface="Audiowide" panose="02000503000000020004" pitchFamily="2" charset="0"/>
             </a:endParaRPr>
           </a:p>
         </p:txBody>
@@ -5760,6 +6408,7 @@
                 <a:solidFill>
                   <a:schemeClr val="bg1"/>
                 </a:solidFill>
+                <a:latin typeface="Audiowide" panose="02000503000000020004" pitchFamily="2" charset="0"/>
               </a:rPr>
               <a:pPr algn="ctr"/>
               <a:t>2</a:t>
@@ -5768,6 +6417,7 @@
               <a:solidFill>
                 <a:schemeClr val="bg1"/>
               </a:solidFill>
+              <a:latin typeface="Audiowide" panose="02000503000000020004" pitchFamily="2" charset="0"/>
             </a:endParaRPr>
           </a:p>
         </p:txBody>
@@ -5806,7 +6456,7 @@
                 <a:solidFill>
                   <a:schemeClr val="bg1"/>
                 </a:solidFill>
-                <a:latin typeface="Nunito" panose="020F0502020204030204" pitchFamily="2" charset="0"/>
+                <a:latin typeface="Audiowide" panose="02000503000000020004" pitchFamily="2" charset="0"/>
               </a:rPr>
               <a:t>CAR EXPERIENCE </a:t>
             </a:r>
@@ -5820,7 +6470,7 @@
                 <a:solidFill>
                   <a:schemeClr val="bg1"/>
                 </a:solidFill>
-                <a:latin typeface="Nunito" panose="020F0502020204030204" pitchFamily="2" charset="0"/>
+                <a:latin typeface="Audiowide" panose="02000503000000020004" pitchFamily="2" charset="0"/>
               </a:rPr>
               <a:t>MANAGEMENT SYSTEM</a:t>
             </a:r>
@@ -6055,8 +6705,8 @@
         </p:blipFill>
         <p:spPr>
           <a:xfrm>
-            <a:off x="5594125" y="454574"/>
-            <a:ext cx="4359137" cy="3546720"/>
+            <a:off x="5850797" y="365124"/>
+            <a:ext cx="4683891" cy="3810949"/>
           </a:xfrm>
           <a:prstGeom prst="rect">
             <a:avLst/>
@@ -6091,8 +6741,8 @@
         </p:blipFill>
         <p:spPr>
           <a:xfrm>
-            <a:off x="6994663" y="2495395"/>
-            <a:ext cx="4359137" cy="3546720"/>
+            <a:off x="7246406" y="2488676"/>
+            <a:ext cx="4586183" cy="3731451"/>
           </a:xfrm>
           <a:prstGeom prst="rect">
             <a:avLst/>
@@ -6163,7 +6813,7 @@
                 <a:solidFill>
                   <a:srgbClr val="D76464"/>
                 </a:solidFill>
-                <a:latin typeface="Nunito" pitchFamily="2" charset="0"/>
+                <a:latin typeface="Audiowide" panose="02000503000000020004" pitchFamily="2" charset="0"/>
               </a:rPr>
               <a:t>WaCar</a:t>
             </a:r>
@@ -6171,7 +6821,7 @@
               <a:solidFill>
                 <a:srgbClr val="D76464"/>
               </a:solidFill>
-              <a:latin typeface="Nunito" pitchFamily="2" charset="0"/>
+              <a:latin typeface="Audiowide" panose="02000503000000020004" pitchFamily="2" charset="0"/>
             </a:endParaRPr>
           </a:p>
         </p:txBody>
@@ -6248,6 +6898,7 @@
                 <a:solidFill>
                   <a:schemeClr val="bg1"/>
                 </a:solidFill>
+                <a:latin typeface="Audiowide" panose="02000503000000020004" pitchFamily="2" charset="0"/>
               </a:rPr>
               <a:pPr algn="ctr"/>
               <a:t>3</a:t>
@@ -6256,6 +6907,7 @@
               <a:solidFill>
                 <a:schemeClr val="bg1"/>
               </a:solidFill>
+              <a:latin typeface="Audiowide" panose="02000503000000020004" pitchFamily="2" charset="0"/>
             </a:endParaRPr>
           </a:p>
         </p:txBody>
@@ -6275,7 +6927,7 @@
           <p:nvPr>
             <p:extLst>
               <p:ext uri="{D42A27DB-BD31-4B8C-83A1-F6EECF244321}">
-                <p14:modId xmlns:p14="http://schemas.microsoft.com/office/powerpoint/2010/main" val="1458014183"/>
+                <p14:modId xmlns:p14="http://schemas.microsoft.com/office/powerpoint/2010/main" val="3627489192"/>
               </p:ext>
             </p:extLst>
           </p:nvPr>
@@ -6322,24 +6974,24 @@
                       <a:pPr algn="ctr"/>
                       <a:r>
                         <a:rPr lang="it-IT" sz="2400" b="0" dirty="0" err="1">
-                          <a:latin typeface="Nunito" pitchFamily="2" charset="0"/>
+                          <a:latin typeface="Audiowide" panose="02000503000000020004" pitchFamily="2" charset="0"/>
                         </a:rPr>
                         <a:t>Easier</a:t>
                       </a:r>
                       <a:r>
                         <a:rPr lang="it-IT" sz="2400" b="0" dirty="0">
-                          <a:latin typeface="Nunito" pitchFamily="2" charset="0"/>
+                          <a:latin typeface="Audiowide" panose="02000503000000020004" pitchFamily="2" charset="0"/>
                         </a:rPr>
                         <a:t> way to </a:t>
                       </a:r>
                       <a:r>
                         <a:rPr lang="it-IT" sz="2400" b="0" dirty="0" err="1">
-                          <a:latin typeface="Nunito" pitchFamily="2" charset="0"/>
+                          <a:latin typeface="Audiowide" panose="02000503000000020004" pitchFamily="2" charset="0"/>
                         </a:rPr>
                         <a:t>order</a:t>
                       </a:r>
                       <a:endParaRPr lang="it-IT" sz="2400" b="0" dirty="0">
-                        <a:latin typeface="Nunito" pitchFamily="2" charset="0"/>
+                        <a:latin typeface="Audiowide" panose="02000503000000020004" pitchFamily="2" charset="0"/>
                       </a:endParaRPr>
                     </a:p>
                   </a:txBody>
@@ -6375,13 +7027,13 @@
                       <a:pPr algn="ctr"/>
                       <a:r>
                         <a:rPr lang="it-IT" sz="2400" b="0" dirty="0" err="1">
-                          <a:latin typeface="Nunito" pitchFamily="2" charset="0"/>
+                          <a:latin typeface="Audiowide" panose="02000503000000020004" pitchFamily="2" charset="0"/>
                         </a:rPr>
                         <a:t>Easier</a:t>
                       </a:r>
                       <a:r>
                         <a:rPr lang="it-IT" sz="2400" b="0" dirty="0">
-                          <a:latin typeface="Nunito" pitchFamily="2" charset="0"/>
+                          <a:latin typeface="Audiowide" panose="02000503000000020004" pitchFamily="2" charset="0"/>
                         </a:rPr>
                         <a:t> management of the products</a:t>
                       </a:r>
@@ -6419,15 +7071,15 @@
                       <a:pPr algn="ctr"/>
                       <a:r>
                         <a:rPr lang="it-IT" sz="2400" b="0" dirty="0">
-                          <a:latin typeface="Nunito" pitchFamily="2" charset="0"/>
+                          <a:latin typeface="Audiowide" panose="02000503000000020004" pitchFamily="2" charset="0"/>
                         </a:rPr>
-                        <a:t>User-friendly design</a:t>
+                        <a:t>User-friendly &amp; responsive design</a:t>
                       </a:r>
                     </a:p>
                     <a:p>
                       <a:pPr algn="ctr"/>
                       <a:endParaRPr lang="it-IT" sz="2400" b="0" dirty="0">
-                        <a:latin typeface="Nunito" pitchFamily="2" charset="0"/>
+                        <a:latin typeface="Audiowide" panose="02000503000000020004" pitchFamily="2" charset="0"/>
                       </a:endParaRPr>
                     </a:p>
                   </a:txBody>
@@ -6896,6 +7548,7 @@
                 <a:solidFill>
                   <a:schemeClr val="bg1"/>
                 </a:solidFill>
+                <a:latin typeface="Audiowide" panose="02000503000000020004" pitchFamily="2" charset="0"/>
               </a:rPr>
               <a:pPr algn="ctr"/>
               <a:t>4</a:t>
@@ -6904,6 +7557,7 @@
               <a:solidFill>
                 <a:schemeClr val="bg1"/>
               </a:solidFill>
+              <a:latin typeface="Audiowide" panose="02000503000000020004" pitchFamily="2" charset="0"/>
             </a:endParaRPr>
           </a:p>
         </p:txBody>
@@ -6939,6 +7593,7 @@
                 <a:solidFill>
                   <a:schemeClr val="accent2"/>
                 </a:solidFill>
+                <a:latin typeface="Audiowide" panose="02000503000000020004" pitchFamily="2" charset="0"/>
               </a:rPr>
               <a:t>Types</a:t>
             </a:r>
@@ -6947,6 +7602,7 @@
                 <a:solidFill>
                   <a:schemeClr val="accent2"/>
                 </a:solidFill>
+                <a:latin typeface="Audiowide" panose="02000503000000020004" pitchFamily="2" charset="0"/>
               </a:rPr>
               <a:t> of User	</a:t>
             </a:r>
@@ -7062,7 +7718,7 @@
         <p:spPr>
           <a:xfrm>
             <a:off x="7106857" y="3981690"/>
-            <a:ext cx="3703898" cy="1323439"/>
+            <a:ext cx="3703898" cy="1631216"/>
           </a:xfrm>
           <a:prstGeom prst="rect">
             <a:avLst/>
@@ -7080,6 +7736,7 @@
                 <a:solidFill>
                   <a:schemeClr val="bg1"/>
                 </a:solidFill>
+                <a:latin typeface="Audiowide" panose="02000503000000020004" pitchFamily="2" charset="0"/>
               </a:rPr>
               <a:t>Administrator</a:t>
             </a:r>
@@ -7094,6 +7751,7 @@
                 <a:solidFill>
                   <a:schemeClr val="bg1"/>
                 </a:solidFill>
+                <a:latin typeface="Audiowide" panose="02000503000000020004" pitchFamily="2" charset="0"/>
               </a:rPr>
               <a:t>Administrator features</a:t>
             </a:r>
@@ -7108,6 +7766,7 @@
                 <a:solidFill>
                   <a:schemeClr val="bg1"/>
                 </a:solidFill>
+                <a:latin typeface="Audiowide" panose="02000503000000020004" pitchFamily="2" charset="0"/>
               </a:rPr>
               <a:t>Cars and </a:t>
             </a:r>
@@ -7116,6 +7775,7 @@
                 <a:solidFill>
                   <a:schemeClr val="bg1"/>
                 </a:solidFill>
+                <a:latin typeface="Audiowide" panose="02000503000000020004" pitchFamily="2" charset="0"/>
               </a:rPr>
               <a:t>Circuits</a:t>
             </a:r>
@@ -7124,6 +7784,7 @@
                 <a:solidFill>
                   <a:schemeClr val="bg1"/>
                 </a:solidFill>
+                <a:latin typeface="Audiowide" panose="02000503000000020004" pitchFamily="2" charset="0"/>
               </a:rPr>
               <a:t> management</a:t>
             </a:r>
@@ -7163,6 +7824,7 @@
                 <a:solidFill>
                   <a:schemeClr val="bg1"/>
                 </a:solidFill>
+                <a:latin typeface="Audiowide" panose="02000503000000020004" pitchFamily="2" charset="0"/>
               </a:rPr>
               <a:t>Customer</a:t>
             </a:r>
@@ -7177,6 +7839,7 @@
                 <a:solidFill>
                   <a:schemeClr val="bg1"/>
                 </a:solidFill>
+                <a:latin typeface="Audiowide" panose="02000503000000020004" pitchFamily="2" charset="0"/>
               </a:rPr>
               <a:t>Create and </a:t>
             </a:r>
@@ -7185,6 +7848,7 @@
                 <a:solidFill>
                   <a:schemeClr val="bg1"/>
                 </a:solidFill>
+                <a:latin typeface="Audiowide" panose="02000503000000020004" pitchFamily="2" charset="0"/>
               </a:rPr>
               <a:t>Manage</a:t>
             </a:r>
@@ -7193,6 +7857,7 @@
                 <a:solidFill>
                   <a:schemeClr val="bg1"/>
                 </a:solidFill>
+                <a:latin typeface="Audiowide" panose="02000503000000020004" pitchFamily="2" charset="0"/>
               </a:rPr>
               <a:t> </a:t>
             </a:r>
@@ -7201,6 +7866,7 @@
                 <a:solidFill>
                   <a:schemeClr val="bg1"/>
                 </a:solidFill>
+                <a:latin typeface="Audiowide" panose="02000503000000020004" pitchFamily="2" charset="0"/>
               </a:rPr>
               <a:t>her</a:t>
             </a:r>
@@ -7209,6 +7875,7 @@
                 <a:solidFill>
                   <a:schemeClr val="bg1"/>
                 </a:solidFill>
+                <a:latin typeface="Audiowide" panose="02000503000000020004" pitchFamily="2" charset="0"/>
               </a:rPr>
               <a:t>/</a:t>
             </a:r>
@@ -7217,6 +7884,7 @@
                 <a:solidFill>
                   <a:schemeClr val="bg1"/>
                 </a:solidFill>
+                <a:latin typeface="Audiowide" panose="02000503000000020004" pitchFamily="2" charset="0"/>
               </a:rPr>
               <a:t>his</a:t>
             </a:r>
@@ -7225,6 +7893,7 @@
                 <a:solidFill>
                   <a:schemeClr val="bg1"/>
                 </a:solidFill>
+                <a:latin typeface="Audiowide" panose="02000503000000020004" pitchFamily="2" charset="0"/>
               </a:rPr>
               <a:t> </a:t>
             </a:r>
@@ -7233,6 +7902,7 @@
                 <a:solidFill>
                   <a:schemeClr val="bg1"/>
                 </a:solidFill>
+                <a:latin typeface="Audiowide" panose="02000503000000020004" pitchFamily="2" charset="0"/>
               </a:rPr>
               <a:t>own</a:t>
             </a:r>
@@ -7241,6 +7911,7 @@
                 <a:solidFill>
                   <a:schemeClr val="bg1"/>
                 </a:solidFill>
+                <a:latin typeface="Audiowide" panose="02000503000000020004" pitchFamily="2" charset="0"/>
               </a:rPr>
               <a:t> </a:t>
             </a:r>
@@ -7249,6 +7920,7 @@
                 <a:solidFill>
                   <a:schemeClr val="bg1"/>
                 </a:solidFill>
+                <a:latin typeface="Audiowide" panose="02000503000000020004" pitchFamily="2" charset="0"/>
               </a:rPr>
               <a:t>orders</a:t>
             </a:r>
@@ -7256,10 +7928,13 @@
               <a:solidFill>
                 <a:schemeClr val="bg1"/>
               </a:solidFill>
+              <a:latin typeface="Audiowide" panose="02000503000000020004" pitchFamily="2" charset="0"/>
             </a:endParaRPr>
           </a:p>
           <a:p>
-            <a:endParaRPr lang="it-IT" dirty="0"/>
+            <a:endParaRPr lang="it-IT" dirty="0">
+              <a:latin typeface="Audiowide" panose="02000503000000020004" pitchFamily="2" charset="0"/>
+            </a:endParaRPr>
           </a:p>
         </p:txBody>
       </p:sp>
@@ -7277,6 +7952,618 @@
 </file>
 
 <file path=ppt/slides/slide5.xml><?xml version="1.0" encoding="utf-8"?>
+<p:sld xmlns:a="http://schemas.openxmlformats.org/drawingml/2006/main" xmlns:r="http://schemas.openxmlformats.org/officeDocument/2006/relationships" xmlns:p="http://schemas.openxmlformats.org/presentationml/2006/main">
+  <p:cSld>
+    <p:bg>
+      <p:bgPr>
+        <a:solidFill>
+          <a:schemeClr val="bg1"/>
+        </a:solidFill>
+        <a:effectLst/>
+      </p:bgPr>
+    </p:bg>
+    <p:spTree>
+      <p:nvGrpSpPr>
+        <p:cNvPr id="1" name=""/>
+        <p:cNvGrpSpPr/>
+        <p:nvPr/>
+      </p:nvGrpSpPr>
+      <p:grpSpPr>
+        <a:xfrm>
+          <a:off x="0" y="0"/>
+          <a:ext cx="0" cy="0"/>
+          <a:chOff x="0" y="0"/>
+          <a:chExt cx="0" cy="0"/>
+        </a:xfrm>
+      </p:grpSpPr>
+      <p:sp>
+        <p:nvSpPr>
+          <p:cNvPr id="11" name="Rectangle: Rounded Corners 10">
+            <a:extLst>
+              <a:ext uri="{FF2B5EF4-FFF2-40B4-BE49-F238E27FC236}">
+                <a16:creationId xmlns:a16="http://schemas.microsoft.com/office/drawing/2014/main" id="{5D27EA15-952F-7241-8D9C-1A3AD973C760}"/>
+              </a:ext>
+            </a:extLst>
+          </p:cNvPr>
+          <p:cNvSpPr/>
+          <p:nvPr/>
+        </p:nvSpPr>
+        <p:spPr>
+          <a:xfrm>
+            <a:off x="6675772" y="1690686"/>
+            <a:ext cx="4601901" cy="4048359"/>
+          </a:xfrm>
+          <a:prstGeom prst="roundRect">
+            <a:avLst/>
+          </a:prstGeom>
+          <a:solidFill>
+            <a:srgbClr val="1C1C1E"/>
+          </a:solidFill>
+          <a:ln w="25400">
+            <a:solidFill>
+              <a:srgbClr val="D76464"/>
+            </a:solidFill>
+          </a:ln>
+        </p:spPr>
+        <p:style>
+          <a:lnRef idx="2">
+            <a:schemeClr val="accent1">
+              <a:shade val="15000"/>
+            </a:schemeClr>
+          </a:lnRef>
+          <a:fillRef idx="1">
+            <a:schemeClr val="accent1"/>
+          </a:fillRef>
+          <a:effectRef idx="0">
+            <a:schemeClr val="accent1"/>
+          </a:effectRef>
+          <a:fontRef idx="minor">
+            <a:schemeClr val="lt1"/>
+          </a:fontRef>
+        </p:style>
+        <p:txBody>
+          <a:bodyPr rtlCol="0" anchor="ctr"/>
+          <a:lstStyle/>
+          <a:p>
+            <a:pPr algn="ctr"/>
+            <a:endParaRPr lang="it-IT"/>
+          </a:p>
+        </p:txBody>
+      </p:sp>
+      <p:sp>
+        <p:nvSpPr>
+          <p:cNvPr id="10" name="Rectangle: Rounded Corners 9">
+            <a:extLst>
+              <a:ext uri="{FF2B5EF4-FFF2-40B4-BE49-F238E27FC236}">
+                <a16:creationId xmlns:a16="http://schemas.microsoft.com/office/drawing/2014/main" id="{65EADBCD-0895-8229-4CDD-48342FF03815}"/>
+              </a:ext>
+            </a:extLst>
+          </p:cNvPr>
+          <p:cNvSpPr/>
+          <p:nvPr/>
+        </p:nvSpPr>
+        <p:spPr>
+          <a:xfrm>
+            <a:off x="914328" y="1690686"/>
+            <a:ext cx="4601901" cy="4048359"/>
+          </a:xfrm>
+          <a:prstGeom prst="roundRect">
+            <a:avLst/>
+          </a:prstGeom>
+          <a:solidFill>
+            <a:srgbClr val="1C1C1E"/>
+          </a:solidFill>
+          <a:ln w="25400">
+            <a:solidFill>
+              <a:srgbClr val="D76464"/>
+            </a:solidFill>
+          </a:ln>
+        </p:spPr>
+        <p:style>
+          <a:lnRef idx="2">
+            <a:schemeClr val="accent1">
+              <a:shade val="15000"/>
+            </a:schemeClr>
+          </a:lnRef>
+          <a:fillRef idx="1">
+            <a:schemeClr val="accent1"/>
+          </a:fillRef>
+          <a:effectRef idx="0">
+            <a:schemeClr val="accent1"/>
+          </a:effectRef>
+          <a:fontRef idx="minor">
+            <a:schemeClr val="lt1"/>
+          </a:fontRef>
+        </p:style>
+        <p:txBody>
+          <a:bodyPr rtlCol="0" anchor="ctr"/>
+          <a:lstStyle/>
+          <a:p>
+            <a:pPr algn="ctr"/>
+            <a:endParaRPr lang="it-IT" dirty="0"/>
+          </a:p>
+        </p:txBody>
+      </p:sp>
+      <p:sp>
+        <p:nvSpPr>
+          <p:cNvPr id="14" name="Footer Placeholder 13">
+            <a:extLst>
+              <a:ext uri="{FF2B5EF4-FFF2-40B4-BE49-F238E27FC236}">
+                <a16:creationId xmlns:a16="http://schemas.microsoft.com/office/drawing/2014/main" id="{33ADDE13-FBA3-7EF4-631A-33A8C34136EE}"/>
+              </a:ext>
+            </a:extLst>
+          </p:cNvPr>
+          <p:cNvSpPr>
+            <a:spLocks noGrp="1"/>
+          </p:cNvSpPr>
+          <p:nvPr>
+            <p:ph type="ftr" sz="quarter" idx="11"/>
+          </p:nvPr>
+        </p:nvSpPr>
+        <p:spPr>
+          <a:xfrm>
+            <a:off x="0" y="6711885"/>
+            <a:ext cx="12191999" cy="146115"/>
+          </a:xfrm>
+          <a:solidFill>
+            <a:srgbClr val="D76464"/>
+          </a:solidFill>
+        </p:spPr>
+        <p:txBody>
+          <a:bodyPr/>
+          <a:lstStyle/>
+          <a:p>
+            <a:pPr algn="r"/>
+            <a:endParaRPr lang="it-IT" dirty="0">
+              <a:solidFill>
+                <a:schemeClr val="bg1"/>
+              </a:solidFill>
+              <a:latin typeface="Abadi Extra Light" panose="020F0502020204030204" pitchFamily="34" charset="0"/>
+              <a:cs typeface="Helvetica" panose="020B0604020202020204" pitchFamily="34" charset="0"/>
+            </a:endParaRPr>
+          </a:p>
+        </p:txBody>
+      </p:sp>
+      <p:sp>
+        <p:nvSpPr>
+          <p:cNvPr id="15" name="Slide Number Placeholder 14">
+            <a:extLst>
+              <a:ext uri="{FF2B5EF4-FFF2-40B4-BE49-F238E27FC236}">
+                <a16:creationId xmlns:a16="http://schemas.microsoft.com/office/drawing/2014/main" id="{FDCD7513-8D15-E07F-E478-3BC06B390FD0}"/>
+              </a:ext>
+            </a:extLst>
+          </p:cNvPr>
+          <p:cNvSpPr>
+            <a:spLocks noGrp="1"/>
+          </p:cNvSpPr>
+          <p:nvPr>
+            <p:ph type="sldNum" sz="quarter" idx="12"/>
+          </p:nvPr>
+        </p:nvSpPr>
+        <p:spPr>
+          <a:xfrm>
+            <a:off x="11802358" y="6346760"/>
+            <a:ext cx="389641" cy="365125"/>
+          </a:xfrm>
+        </p:spPr>
+        <p:txBody>
+          <a:bodyPr/>
+          <a:lstStyle/>
+          <a:p>
+            <a:pPr algn="ctr"/>
+            <a:fld id="{A9EE5928-F148-40B0-A685-C3EA8FBFEFC2}" type="slidenum">
+              <a:rPr lang="it-IT" smtClean="0">
+                <a:solidFill>
+                  <a:schemeClr val="bg1"/>
+                </a:solidFill>
+              </a:rPr>
+              <a:pPr algn="ctr"/>
+              <a:t>5</a:t>
+            </a:fld>
+            <a:endParaRPr lang="it-IT" dirty="0">
+              <a:solidFill>
+                <a:schemeClr val="bg1"/>
+              </a:solidFill>
+            </a:endParaRPr>
+          </a:p>
+        </p:txBody>
+      </p:sp>
+      <p:sp>
+        <p:nvSpPr>
+          <p:cNvPr id="5" name="Title 1">
+            <a:extLst>
+              <a:ext uri="{FF2B5EF4-FFF2-40B4-BE49-F238E27FC236}">
+                <a16:creationId xmlns:a16="http://schemas.microsoft.com/office/drawing/2014/main" id="{F6FE4EB7-902E-F4E9-D735-24F5845A5220}"/>
+              </a:ext>
+            </a:extLst>
+          </p:cNvPr>
+          <p:cNvSpPr>
+            <a:spLocks noGrp="1"/>
+          </p:cNvSpPr>
+          <p:nvPr>
+            <p:ph type="title"/>
+          </p:nvPr>
+        </p:nvSpPr>
+        <p:spPr>
+          <a:xfrm>
+            <a:off x="838200" y="365125"/>
+            <a:ext cx="10515600" cy="1325563"/>
+          </a:xfrm>
+        </p:spPr>
+        <p:txBody>
+          <a:bodyPr/>
+          <a:lstStyle/>
+          <a:p>
+            <a:r>
+              <a:rPr lang="it-IT" dirty="0" err="1">
+                <a:solidFill>
+                  <a:schemeClr val="accent2"/>
+                </a:solidFill>
+              </a:rPr>
+              <a:t>Types</a:t>
+            </a:r>
+            <a:r>
+              <a:rPr lang="it-IT" dirty="0">
+                <a:solidFill>
+                  <a:schemeClr val="accent2"/>
+                </a:solidFill>
+              </a:rPr>
+              <a:t> of User	</a:t>
+            </a:r>
+          </a:p>
+        </p:txBody>
+      </p:sp>
+      <p:pic>
+        <p:nvPicPr>
+          <p:cNvPr id="8" name="Picture 2" descr="Man User Circle icon PNG and SVG Vector Free Download">
+            <a:extLst>
+              <a:ext uri="{FF2B5EF4-FFF2-40B4-BE49-F238E27FC236}">
+                <a16:creationId xmlns:a16="http://schemas.microsoft.com/office/drawing/2014/main" id="{4E8624C7-7A48-39D2-E08C-963082BE2A1A}"/>
+              </a:ext>
+            </a:extLst>
+          </p:cNvPr>
+          <p:cNvPicPr>
+            <a:picLocks noChangeAspect="1" noChangeArrowheads="1"/>
+          </p:cNvPicPr>
+          <p:nvPr/>
+        </p:nvPicPr>
+        <p:blipFill>
+          <a:blip r:embed="rId2">
+            <a:extLst>
+              <a:ext uri="{28A0092B-C50C-407E-A947-70E740481C1C}">
+                <a14:useLocalDpi xmlns:a14="http://schemas.microsoft.com/office/drawing/2010/main" val="0"/>
+              </a:ext>
+            </a:extLst>
+          </a:blip>
+          <a:srcRect/>
+          <a:stretch>
+            <a:fillRect/>
+          </a:stretch>
+        </p:blipFill>
+        <p:spPr bwMode="auto">
+          <a:xfrm>
+            <a:off x="2207847" y="1873883"/>
+            <a:ext cx="2014861" cy="2014861"/>
+          </a:xfrm>
+          <a:prstGeom prst="rect">
+            <a:avLst/>
+          </a:prstGeom>
+          <a:noFill/>
+          <a:extLst>
+            <a:ext uri="{909E8E84-426E-40DD-AFC4-6F175D3DCCD1}">
+              <a14:hiddenFill xmlns:a14="http://schemas.microsoft.com/office/drawing/2010/main">
+                <a:solidFill>
+                  <a:srgbClr val="FFFFFF"/>
+                </a:solidFill>
+              </a14:hiddenFill>
+            </a:ext>
+          </a:extLst>
+        </p:spPr>
+      </p:pic>
+      <p:pic>
+        <p:nvPicPr>
+          <p:cNvPr id="9" name="Picture 4" descr="flat-faces-icons-circle-16 - Online Wholesaler and Manufacturer of Wedding  Invitations">
+            <a:extLst>
+              <a:ext uri="{FF2B5EF4-FFF2-40B4-BE49-F238E27FC236}">
+                <a16:creationId xmlns:a16="http://schemas.microsoft.com/office/drawing/2014/main" id="{5F2B2578-C0F8-3EDF-5384-E84121B9198B}"/>
+              </a:ext>
+            </a:extLst>
+          </p:cNvPr>
+          <p:cNvPicPr>
+            <a:picLocks noChangeAspect="1" noChangeArrowheads="1"/>
+          </p:cNvPicPr>
+          <p:nvPr/>
+        </p:nvPicPr>
+        <p:blipFill>
+          <a:blip r:embed="rId3">
+            <a:extLst>
+              <a:ext uri="{28A0092B-C50C-407E-A947-70E740481C1C}">
+                <a14:useLocalDpi xmlns:a14="http://schemas.microsoft.com/office/drawing/2010/main" val="0"/>
+              </a:ext>
+            </a:extLst>
+          </a:blip>
+          <a:srcRect/>
+          <a:stretch>
+            <a:fillRect/>
+          </a:stretch>
+        </p:blipFill>
+        <p:spPr bwMode="auto">
+          <a:xfrm>
+            <a:off x="7969292" y="1841904"/>
+            <a:ext cx="2014861" cy="2014861"/>
+          </a:xfrm>
+          <a:prstGeom prst="rect">
+            <a:avLst/>
+          </a:prstGeom>
+          <a:noFill/>
+          <a:extLst>
+            <a:ext uri="{909E8E84-426E-40DD-AFC4-6F175D3DCCD1}">
+              <a14:hiddenFill xmlns:a14="http://schemas.microsoft.com/office/drawing/2010/main">
+                <a:solidFill>
+                  <a:srgbClr val="FFFFFF"/>
+                </a:solidFill>
+              </a14:hiddenFill>
+            </a:ext>
+          </a:extLst>
+        </p:spPr>
+      </p:pic>
+      <p:sp>
+        <p:nvSpPr>
+          <p:cNvPr id="13" name="TextBox 12">
+            <a:extLst>
+              <a:ext uri="{FF2B5EF4-FFF2-40B4-BE49-F238E27FC236}">
+                <a16:creationId xmlns:a16="http://schemas.microsoft.com/office/drawing/2014/main" id="{26290276-D50A-540B-1A02-702C53941F18}"/>
+              </a:ext>
+            </a:extLst>
+          </p:cNvPr>
+          <p:cNvSpPr txBox="1"/>
+          <p:nvPr/>
+        </p:nvSpPr>
+        <p:spPr>
+          <a:xfrm>
+            <a:off x="7106857" y="3981690"/>
+            <a:ext cx="3703898" cy="1323439"/>
+          </a:xfrm>
+          <a:prstGeom prst="rect">
+            <a:avLst/>
+          </a:prstGeom>
+          <a:noFill/>
+        </p:spPr>
+        <p:txBody>
+          <a:bodyPr wrap="square" rtlCol="0">
+            <a:spAutoFit/>
+          </a:bodyPr>
+          <a:lstStyle/>
+          <a:p>
+            <a:r>
+              <a:rPr lang="it-IT" sz="2000" b="1" dirty="0">
+                <a:solidFill>
+                  <a:schemeClr val="bg1"/>
+                </a:solidFill>
+              </a:rPr>
+              <a:t>Administrator</a:t>
+            </a:r>
+          </a:p>
+          <a:p>
+            <a:pPr marL="742950" lvl="1" indent="-285750">
+              <a:buFont typeface="Arial" panose="020B0604020202020204" pitchFamily="34" charset="0"/>
+              <a:buChar char="•"/>
+            </a:pPr>
+            <a:r>
+              <a:rPr lang="it-IT" sz="2000" dirty="0">
+                <a:solidFill>
+                  <a:schemeClr val="bg1"/>
+                </a:solidFill>
+              </a:rPr>
+              <a:t>Basic features</a:t>
+            </a:r>
+          </a:p>
+          <a:p>
+            <a:pPr marL="742950" lvl="1" indent="-285750">
+              <a:buFont typeface="Arial" panose="020B0604020202020204" pitchFamily="34" charset="0"/>
+              <a:buChar char="•"/>
+            </a:pPr>
+            <a:r>
+              <a:rPr lang="it-IT" sz="2000" dirty="0">
+                <a:solidFill>
+                  <a:schemeClr val="bg1"/>
+                </a:solidFill>
+              </a:rPr>
+              <a:t>Cars and </a:t>
+            </a:r>
+            <a:r>
+              <a:rPr lang="it-IT" sz="2000" dirty="0" err="1">
+                <a:solidFill>
+                  <a:schemeClr val="bg1"/>
+                </a:solidFill>
+              </a:rPr>
+              <a:t>Circuits</a:t>
+            </a:r>
+            <a:r>
+              <a:rPr lang="it-IT" sz="2000" dirty="0">
+                <a:solidFill>
+                  <a:schemeClr val="bg1"/>
+                </a:solidFill>
+              </a:rPr>
+              <a:t> management</a:t>
+            </a:r>
+          </a:p>
+        </p:txBody>
+      </p:sp>
+      <p:sp>
+        <p:nvSpPr>
+          <p:cNvPr id="17" name="TextBox 16">
+            <a:extLst>
+              <a:ext uri="{FF2B5EF4-FFF2-40B4-BE49-F238E27FC236}">
+                <a16:creationId xmlns:a16="http://schemas.microsoft.com/office/drawing/2014/main" id="{3D0DAD1C-9AC6-46BB-A231-3539716B1E1F}"/>
+              </a:ext>
+            </a:extLst>
+          </p:cNvPr>
+          <p:cNvSpPr txBox="1"/>
+          <p:nvPr/>
+        </p:nvSpPr>
+        <p:spPr>
+          <a:xfrm>
+            <a:off x="1305454" y="3981690"/>
+            <a:ext cx="3787407" cy="1600438"/>
+          </a:xfrm>
+          <a:prstGeom prst="rect">
+            <a:avLst/>
+          </a:prstGeom>
+          <a:noFill/>
+        </p:spPr>
+        <p:txBody>
+          <a:bodyPr wrap="square" rtlCol="0">
+            <a:spAutoFit/>
+          </a:bodyPr>
+          <a:lstStyle/>
+          <a:p>
+            <a:r>
+              <a:rPr lang="it-IT" sz="2000" b="1" dirty="0">
+                <a:solidFill>
+                  <a:schemeClr val="bg1"/>
+                </a:solidFill>
+              </a:rPr>
+              <a:t>Customer</a:t>
+            </a:r>
+          </a:p>
+          <a:p>
+            <a:pPr marL="800100" lvl="1" indent="-342900">
+              <a:buFont typeface="Arial" panose="020B0604020202020204" pitchFamily="34" charset="0"/>
+              <a:buChar char="•"/>
+            </a:pPr>
+            <a:r>
+              <a:rPr lang="it-IT" sz="2000" dirty="0">
+                <a:solidFill>
+                  <a:schemeClr val="bg1"/>
+                </a:solidFill>
+              </a:rPr>
+              <a:t>Basic </a:t>
+            </a:r>
+            <a:r>
+              <a:rPr lang="it-IT" sz="2000" dirty="0" err="1">
+                <a:solidFill>
+                  <a:schemeClr val="bg1"/>
+                </a:solidFill>
+              </a:rPr>
+              <a:t>fetures</a:t>
+            </a:r>
+            <a:endParaRPr lang="it-IT" sz="2000" dirty="0">
+              <a:solidFill>
+                <a:schemeClr val="bg1"/>
+              </a:solidFill>
+            </a:endParaRPr>
+          </a:p>
+          <a:p>
+            <a:pPr marL="742950" lvl="1" indent="-285750">
+              <a:buFont typeface="Arial" panose="020B0604020202020204" pitchFamily="34" charset="0"/>
+              <a:buChar char="•"/>
+            </a:pPr>
+            <a:r>
+              <a:rPr lang="it-IT" sz="2000" dirty="0">
+                <a:solidFill>
+                  <a:schemeClr val="bg1"/>
+                </a:solidFill>
+              </a:rPr>
+              <a:t>Create and </a:t>
+            </a:r>
+            <a:r>
+              <a:rPr lang="it-IT" sz="2000" dirty="0" err="1">
+                <a:solidFill>
+                  <a:schemeClr val="bg1"/>
+                </a:solidFill>
+              </a:rPr>
+              <a:t>Manage</a:t>
+            </a:r>
+            <a:r>
+              <a:rPr lang="it-IT" sz="2000" dirty="0">
+                <a:solidFill>
+                  <a:schemeClr val="bg1"/>
+                </a:solidFill>
+              </a:rPr>
+              <a:t> </a:t>
+            </a:r>
+            <a:r>
+              <a:rPr lang="it-IT" sz="2000" dirty="0" err="1">
+                <a:solidFill>
+                  <a:schemeClr val="bg1"/>
+                </a:solidFill>
+              </a:rPr>
+              <a:t>her</a:t>
+            </a:r>
+            <a:r>
+              <a:rPr lang="it-IT" sz="2000" dirty="0">
+                <a:solidFill>
+                  <a:schemeClr val="bg1"/>
+                </a:solidFill>
+              </a:rPr>
+              <a:t>/</a:t>
+            </a:r>
+            <a:r>
+              <a:rPr lang="it-IT" sz="2000" dirty="0" err="1">
+                <a:solidFill>
+                  <a:schemeClr val="bg1"/>
+                </a:solidFill>
+              </a:rPr>
+              <a:t>his</a:t>
+            </a:r>
+            <a:r>
+              <a:rPr lang="it-IT" sz="2000" dirty="0">
+                <a:solidFill>
+                  <a:schemeClr val="bg1"/>
+                </a:solidFill>
+              </a:rPr>
+              <a:t> </a:t>
+            </a:r>
+            <a:r>
+              <a:rPr lang="it-IT" sz="2000" dirty="0" err="1">
+                <a:solidFill>
+                  <a:schemeClr val="bg1"/>
+                </a:solidFill>
+              </a:rPr>
+              <a:t>own</a:t>
+            </a:r>
+            <a:r>
+              <a:rPr lang="it-IT" sz="2000" dirty="0">
+                <a:solidFill>
+                  <a:schemeClr val="bg1"/>
+                </a:solidFill>
+              </a:rPr>
+              <a:t> </a:t>
+            </a:r>
+            <a:r>
+              <a:rPr lang="it-IT" sz="2000" dirty="0" err="1">
+                <a:solidFill>
+                  <a:schemeClr val="bg1"/>
+                </a:solidFill>
+              </a:rPr>
+              <a:t>orders</a:t>
+            </a:r>
+            <a:endParaRPr lang="it-IT" sz="2000" dirty="0">
+              <a:solidFill>
+                <a:schemeClr val="bg1"/>
+              </a:solidFill>
+            </a:endParaRPr>
+          </a:p>
+          <a:p>
+            <a:endParaRPr lang="it-IT" dirty="0"/>
+          </a:p>
+        </p:txBody>
+      </p:sp>
+    </p:spTree>
+    <p:extLst>
+      <p:ext uri="{BB962C8B-B14F-4D97-AF65-F5344CB8AC3E}">
+        <p14:creationId xmlns:p14="http://schemas.microsoft.com/office/powerpoint/2010/main" val="426325349"/>
+      </p:ext>
+    </p:extLst>
+  </p:cSld>
+  <p:clrMapOvr>
+    <a:masterClrMapping/>
+  </p:clrMapOvr>
+</p:sld>
+</file>
+
+<file path=ppt/slides/slide6.xml><?xml version="1.0" encoding="utf-8"?>
 <p:sld xmlns:a="http://schemas.openxmlformats.org/drawingml/2006/main" xmlns:r="http://schemas.openxmlformats.org/officeDocument/2006/relationships" xmlns:p="http://schemas.openxmlformats.org/presentationml/2006/main">
   <p:cSld>
     <p:spTree>
@@ -7698,7 +8985,7 @@
           <a:p>
             <a:fld id="{A9EE5928-F148-40B0-A685-C3EA8FBFEFC2}" type="slidenum">
               <a:rPr lang="it-IT" smtClean="0"/>
-              <a:t>5</a:t>
+              <a:t>6</a:t>
             </a:fld>
             <a:endParaRPr lang="it-IT"/>
           </a:p>
@@ -7742,7 +9029,7 @@
 </p:sld>
 </file>
 
-<file path=ppt/slides/slide6.xml><?xml version="1.0" encoding="utf-8"?>
+<file path=ppt/slides/slide7.xml><?xml version="1.0" encoding="utf-8"?>
 <p:sld xmlns:a="http://schemas.openxmlformats.org/drawingml/2006/main" xmlns:r="http://schemas.openxmlformats.org/officeDocument/2006/relationships" xmlns:p="http://schemas.openxmlformats.org/presentationml/2006/main">
   <p:cSld>
     <p:bg>
@@ -7841,7 +9128,7 @@
                 </a:solidFill>
               </a:rPr>
               <a:pPr algn="ctr"/>
-              <a:t>6</a:t>
+              <a:t>7</a:t>
             </a:fld>
             <a:endParaRPr lang="it-IT" dirty="0">
               <a:solidFill>
@@ -7880,8 +9167,9 @@
             <a:r>
               <a:rPr lang="it-IT" dirty="0">
                 <a:solidFill>
-                  <a:schemeClr val="bg1"/>
+                  <a:srgbClr val="D76464"/>
                 </a:solidFill>
+                <a:latin typeface="Audiowide" panose="02000503000000020004" pitchFamily="2" charset="0"/>
               </a:rPr>
               <a:t>REST Flow</a:t>
             </a:r>
@@ -7910,8 +9198,8 @@
         </p:blipFill>
         <p:spPr>
           <a:xfrm>
-            <a:off x="5790940" y="2876112"/>
-            <a:ext cx="5433767" cy="3196334"/>
+            <a:off x="5790940" y="2408443"/>
+            <a:ext cx="6228804" cy="3664003"/>
           </a:xfrm>
           <a:prstGeom prst="rect">
             <a:avLst/>
@@ -7970,8 +9258,8 @@
         </p:blipFill>
         <p:spPr>
           <a:xfrm>
-            <a:off x="809447" y="2601798"/>
-            <a:ext cx="4403842" cy="3744962"/>
+            <a:off x="838200" y="2186810"/>
+            <a:ext cx="4848371" cy="4122983"/>
           </a:xfrm>
           <a:prstGeom prst="rect">
             <a:avLst/>
@@ -8022,8 +9310,8 @@
         </p:nvSpPr>
         <p:spPr>
           <a:xfrm>
-            <a:off x="1608072" y="1686481"/>
-            <a:ext cx="1139799" cy="369332"/>
+            <a:off x="875269" y="1686481"/>
+            <a:ext cx="1463862" cy="369332"/>
           </a:xfrm>
           <a:prstGeom prst="rect">
             <a:avLst/>
@@ -8041,6 +9329,7 @@
                 <a:solidFill>
                   <a:schemeClr val="bg1"/>
                 </a:solidFill>
+                <a:latin typeface="Audiowide" panose="02000503000000020004" pitchFamily="2" charset="0"/>
               </a:rPr>
               <a:t>REQUEST</a:t>
             </a:r>
@@ -8061,8 +9350,8 @@
         </p:nvSpPr>
         <p:spPr>
           <a:xfrm>
-            <a:off x="3665264" y="1686481"/>
-            <a:ext cx="2572179" cy="369332"/>
+            <a:off x="3117997" y="1676228"/>
+            <a:ext cx="3270447" cy="369332"/>
           </a:xfrm>
           <a:prstGeom prst="rect">
             <a:avLst/>
@@ -8080,6 +9369,7 @@
                 <a:solidFill>
                   <a:schemeClr val="bg1"/>
                 </a:solidFill>
+                <a:latin typeface="Audiowide" panose="02000503000000020004" pitchFamily="2" charset="0"/>
               </a:rPr>
               <a:t>RESTDispatcherServlet</a:t>
             </a:r>
@@ -8087,6 +9377,7 @@
               <a:solidFill>
                 <a:schemeClr val="bg1"/>
               </a:solidFill>
+              <a:latin typeface="Audiowide" panose="02000503000000020004" pitchFamily="2" charset="0"/>
             </a:endParaRPr>
           </a:p>
         </p:txBody>
@@ -8105,8 +9396,8 @@
         </p:nvSpPr>
         <p:spPr>
           <a:xfrm>
-            <a:off x="7079338" y="1686481"/>
-            <a:ext cx="1624484" cy="369332"/>
+            <a:off x="7058089" y="1676228"/>
+            <a:ext cx="2085827" cy="369332"/>
           </a:xfrm>
           <a:prstGeom prst="rect">
             <a:avLst/>
@@ -8124,6 +9415,7 @@
                 <a:solidFill>
                   <a:schemeClr val="bg1"/>
                 </a:solidFill>
+                <a:latin typeface="Audiowide" panose="02000503000000020004" pitchFamily="2" charset="0"/>
               </a:rPr>
               <a:t>Rest</a:t>
             </a:r>
@@ -8132,6 +9424,7 @@
                 <a:solidFill>
                   <a:schemeClr val="bg1"/>
                 </a:solidFill>
+                <a:latin typeface="Audiowide" panose="02000503000000020004" pitchFamily="2" charset="0"/>
               </a:rPr>
               <a:t> Resource</a:t>
             </a:r>
@@ -8152,8 +9445,8 @@
         </p:nvSpPr>
         <p:spPr>
           <a:xfrm>
-            <a:off x="9583466" y="1686481"/>
-            <a:ext cx="638701" cy="369332"/>
+            <a:off x="9813561" y="1673986"/>
+            <a:ext cx="766557" cy="369332"/>
           </a:xfrm>
           <a:prstGeom prst="rect">
             <a:avLst/>
@@ -8171,6 +9464,7 @@
                 <a:solidFill>
                   <a:schemeClr val="bg1"/>
                 </a:solidFill>
+                <a:latin typeface="Audiowide" panose="02000503000000020004" pitchFamily="2" charset="0"/>
               </a:rPr>
               <a:t>DAO</a:t>
             </a:r>
@@ -8193,7 +9487,7 @@
         </p:nvCxnSpPr>
         <p:spPr>
           <a:xfrm>
-            <a:off x="2903456" y="1847654"/>
+            <a:off x="2445760" y="1858652"/>
             <a:ext cx="565608" cy="0"/>
           </a:xfrm>
           <a:prstGeom prst="straightConnector1">
@@ -8237,7 +9531,7 @@
         </p:nvCxnSpPr>
         <p:spPr>
           <a:xfrm>
-            <a:off x="6317530" y="1858652"/>
+            <a:off x="6388444" y="1858652"/>
             <a:ext cx="565608" cy="0"/>
           </a:xfrm>
           <a:prstGeom prst="straightConnector1">
@@ -8281,7 +9575,7 @@
         </p:nvCxnSpPr>
         <p:spPr>
           <a:xfrm>
-            <a:off x="8891048" y="1858652"/>
+            <a:off x="9143916" y="1858652"/>
             <a:ext cx="565608" cy="0"/>
           </a:xfrm>
           <a:prstGeom prst="straightConnector1">
@@ -8322,7 +9616,7 @@
 </p:sld>
 </file>
 
-<file path=ppt/slides/slide7.xml><?xml version="1.0" encoding="utf-8"?>
+<file path=ppt/slides/slide8.xml><?xml version="1.0" encoding="utf-8"?>
 <p:sld xmlns:a="http://schemas.openxmlformats.org/drawingml/2006/main" xmlns:r="http://schemas.openxmlformats.org/officeDocument/2006/relationships" xmlns:p="http://schemas.openxmlformats.org/presentationml/2006/main">
   <p:cSld>
     <p:bg>
@@ -8421,7 +9715,7 @@
                 </a:solidFill>
               </a:rPr>
               <a:pPr algn="ctr"/>
-              <a:t>7</a:t>
+              <a:t>8</a:t>
             </a:fld>
             <a:endParaRPr lang="it-IT" dirty="0">
               <a:solidFill>
@@ -8449,7 +9743,7 @@
         </p:nvSpPr>
         <p:spPr>
           <a:xfrm>
-            <a:off x="838200" y="365125"/>
+            <a:off x="806775" y="365125"/>
             <a:ext cx="10515600" cy="1325563"/>
           </a:xfrm>
         </p:spPr>
@@ -8460,8 +9754,9 @@
             <a:r>
               <a:rPr lang="it-IT" dirty="0">
                 <a:solidFill>
-                  <a:schemeClr val="bg1"/>
+                  <a:srgbClr val="D76464"/>
                 </a:solidFill>
+                <a:latin typeface="Audiowide" panose="02000503000000020004" pitchFamily="2" charset="0"/>
               </a:rPr>
               <a:t>General Flow</a:t>
             </a:r>
@@ -8572,8 +9867,8 @@
         </p:nvSpPr>
         <p:spPr>
           <a:xfrm>
-            <a:off x="970961" y="1819373"/>
-            <a:ext cx="1059457" cy="369332"/>
+            <a:off x="939536" y="1819373"/>
+            <a:ext cx="1418978" cy="369332"/>
           </a:xfrm>
           <a:prstGeom prst="rect">
             <a:avLst/>
@@ -8591,6 +9886,7 @@
                 <a:solidFill>
                   <a:schemeClr val="bg1"/>
                 </a:solidFill>
+                <a:latin typeface="Audiowide" panose="02000503000000020004" pitchFamily="2" charset="0"/>
               </a:rPr>
               <a:t>Post/</a:t>
             </a:r>
@@ -8599,6 +9895,7 @@
                 <a:solidFill>
                   <a:schemeClr val="bg1"/>
                 </a:solidFill>
+                <a:latin typeface="Audiowide" panose="02000503000000020004" pitchFamily="2" charset="0"/>
               </a:rPr>
               <a:t>Get</a:t>
             </a:r>
@@ -8606,6 +9903,7 @@
               <a:solidFill>
                 <a:schemeClr val="bg1"/>
               </a:solidFill>
+              <a:latin typeface="Audiowide" panose="02000503000000020004" pitchFamily="2" charset="0"/>
             </a:endParaRPr>
           </a:p>
         </p:txBody>
@@ -8712,8 +10010,8 @@
         </p:nvSpPr>
         <p:spPr>
           <a:xfrm>
-            <a:off x="6934171" y="1648089"/>
-            <a:ext cx="877420" cy="369332"/>
+            <a:off x="6902746" y="1648089"/>
+            <a:ext cx="1149674" cy="369332"/>
           </a:xfrm>
           <a:prstGeom prst="rect">
             <a:avLst/>
@@ -8731,6 +10029,7 @@
                 <a:solidFill>
                   <a:schemeClr val="bg1"/>
                 </a:solidFill>
+                <a:latin typeface="Audiowide" panose="02000503000000020004" pitchFamily="2" charset="0"/>
               </a:rPr>
               <a:t>Servlet</a:t>
             </a:r>
@@ -8738,6 +10037,7 @@
               <a:solidFill>
                 <a:schemeClr val="bg1"/>
               </a:solidFill>
+              <a:latin typeface="Audiowide" panose="02000503000000020004" pitchFamily="2" charset="0"/>
             </a:endParaRPr>
           </a:p>
         </p:txBody>
@@ -8756,8 +10056,8 @@
         </p:nvSpPr>
         <p:spPr>
           <a:xfrm>
-            <a:off x="9201994" y="4439064"/>
-            <a:ext cx="638701" cy="369332"/>
+            <a:off x="9170569" y="4439064"/>
+            <a:ext cx="766557" cy="369332"/>
           </a:xfrm>
           <a:prstGeom prst="rect">
             <a:avLst/>
@@ -8775,6 +10075,7 @@
                 <a:solidFill>
                   <a:schemeClr val="bg1"/>
                 </a:solidFill>
+                <a:latin typeface="Audiowide" panose="02000503000000020004" pitchFamily="2" charset="0"/>
               </a:rPr>
               <a:t>DAO</a:t>
             </a:r>
@@ -8839,8 +10140,8 @@
         </p:nvSpPr>
         <p:spPr>
           <a:xfrm>
-            <a:off x="7287088" y="4841017"/>
-            <a:ext cx="524503" cy="369332"/>
+            <a:off x="7255663" y="4841017"/>
+            <a:ext cx="524503" cy="923330"/>
           </a:xfrm>
           <a:prstGeom prst="rect">
             <a:avLst/>
@@ -8858,6 +10159,7 @@
                 <a:solidFill>
                   <a:schemeClr val="bg1"/>
                 </a:solidFill>
+                <a:latin typeface="Audiowide" panose="02000503000000020004" pitchFamily="2" charset="0"/>
               </a:rPr>
               <a:t>JSP</a:t>
             </a:r>
@@ -8879,7 +10181,7 @@
         <p:spPr>
           <a:xfrm>
             <a:off x="780849" y="4944788"/>
-            <a:ext cx="1449436" cy="646331"/>
+            <a:ext cx="1771639" cy="646331"/>
           </a:xfrm>
           <a:prstGeom prst="rect">
             <a:avLst/>
@@ -8897,6 +10199,7 @@
                 <a:solidFill>
                   <a:schemeClr val="bg1"/>
                 </a:solidFill>
+                <a:latin typeface="Audiowide" panose="02000503000000020004" pitchFamily="2" charset="0"/>
               </a:rPr>
               <a:t>Return and </a:t>
             </a:r>
@@ -8907,6 +10210,7 @@
                 <a:solidFill>
                   <a:schemeClr val="bg1"/>
                 </a:solidFill>
+                <a:latin typeface="Audiowide" panose="02000503000000020004" pitchFamily="2" charset="0"/>
               </a:rPr>
               <a:t>visualization</a:t>
             </a:r>
@@ -8914,6 +10218,7 @@
               <a:solidFill>
                 <a:schemeClr val="bg1"/>
               </a:solidFill>
+              <a:latin typeface="Audiowide" panose="02000503000000020004" pitchFamily="2" charset="0"/>
             </a:endParaRPr>
           </a:p>
         </p:txBody>
@@ -9217,9 +10522,17 @@
 </p:sld>
 </file>
 
-<file path=ppt/slides/slide8.xml><?xml version="1.0" encoding="utf-8"?>
+<file path=ppt/slides/slide9.xml><?xml version="1.0" encoding="utf-8"?>
 <p:sld xmlns:a="http://schemas.openxmlformats.org/drawingml/2006/main" xmlns:r="http://schemas.openxmlformats.org/officeDocument/2006/relationships" xmlns:p="http://schemas.openxmlformats.org/presentationml/2006/main">
   <p:cSld>
+    <p:bg>
+      <p:bgPr>
+        <a:solidFill>
+          <a:srgbClr val="1C1C1E"/>
+        </a:solidFill>
+        <a:effectLst/>
+      </p:bgPr>
+    </p:bg>
     <p:spTree>
       <p:nvGrpSpPr>
         <p:cNvPr id="1" name=""/>
@@ -9236,10 +10549,94 @@
       </p:grpSpPr>
       <p:sp>
         <p:nvSpPr>
+          <p:cNvPr id="14" name="Footer Placeholder 13">
+            <a:extLst>
+              <a:ext uri="{FF2B5EF4-FFF2-40B4-BE49-F238E27FC236}">
+                <a16:creationId xmlns:a16="http://schemas.microsoft.com/office/drawing/2014/main" id="{33ADDE13-FBA3-7EF4-631A-33A8C34136EE}"/>
+              </a:ext>
+            </a:extLst>
+          </p:cNvPr>
+          <p:cNvSpPr>
+            <a:spLocks noGrp="1"/>
+          </p:cNvSpPr>
+          <p:nvPr>
+            <p:ph type="ftr" sz="quarter" idx="11"/>
+          </p:nvPr>
+        </p:nvSpPr>
+        <p:spPr>
+          <a:xfrm>
+            <a:off x="0" y="6711885"/>
+            <a:ext cx="12192000" cy="155542"/>
+          </a:xfrm>
+          <a:solidFill>
+            <a:srgbClr val="D76464"/>
+          </a:solidFill>
+        </p:spPr>
+        <p:txBody>
+          <a:bodyPr/>
+          <a:lstStyle/>
+          <a:p>
+            <a:pPr algn="r"/>
+            <a:endParaRPr lang="it-IT" dirty="0">
+              <a:solidFill>
+                <a:schemeClr val="bg1"/>
+              </a:solidFill>
+              <a:latin typeface="Abadi Extra Light" panose="020F0502020204030204" pitchFamily="34" charset="0"/>
+              <a:cs typeface="Helvetica" panose="020B0604020202020204" pitchFamily="34" charset="0"/>
+            </a:endParaRPr>
+          </a:p>
+        </p:txBody>
+      </p:sp>
+      <p:sp>
+        <p:nvSpPr>
+          <p:cNvPr id="15" name="Slide Number Placeholder 14">
+            <a:extLst>
+              <a:ext uri="{FF2B5EF4-FFF2-40B4-BE49-F238E27FC236}">
+                <a16:creationId xmlns:a16="http://schemas.microsoft.com/office/drawing/2014/main" id="{FDCD7513-8D15-E07F-E478-3BC06B390FD0}"/>
+              </a:ext>
+            </a:extLst>
+          </p:cNvPr>
+          <p:cNvSpPr>
+            <a:spLocks noGrp="1"/>
+          </p:cNvSpPr>
+          <p:nvPr>
+            <p:ph type="sldNum" sz="quarter" idx="12"/>
+          </p:nvPr>
+        </p:nvSpPr>
+        <p:spPr>
+          <a:xfrm>
+            <a:off x="11802358" y="6346760"/>
+            <a:ext cx="389641" cy="365125"/>
+          </a:xfrm>
+        </p:spPr>
+        <p:txBody>
+          <a:bodyPr/>
+          <a:lstStyle/>
+          <a:p>
+            <a:pPr algn="ctr"/>
+            <a:fld id="{A9EE5928-F148-40B0-A685-C3EA8FBFEFC2}" type="slidenum">
+              <a:rPr lang="it-IT" smtClean="0">
+                <a:solidFill>
+                  <a:schemeClr val="bg1"/>
+                </a:solidFill>
+              </a:rPr>
+              <a:pPr algn="ctr"/>
+              <a:t>9</a:t>
+            </a:fld>
+            <a:endParaRPr lang="it-IT" dirty="0">
+              <a:solidFill>
+                <a:schemeClr val="bg1"/>
+              </a:solidFill>
+            </a:endParaRPr>
+          </a:p>
+        </p:txBody>
+      </p:sp>
+      <p:sp>
+        <p:nvSpPr>
           <p:cNvPr id="2" name="Title 1">
             <a:extLst>
               <a:ext uri="{FF2B5EF4-FFF2-40B4-BE49-F238E27FC236}">
-                <a16:creationId xmlns:a16="http://schemas.microsoft.com/office/drawing/2014/main" id="{C6C13D93-EECE-97D6-391B-3255755E6E5C}"/>
+                <a16:creationId xmlns:a16="http://schemas.microsoft.com/office/drawing/2014/main" id="{B3216943-7EE2-EFFF-630F-52F731D96251}"/>
               </a:ext>
             </a:extLst>
           </p:cNvPr>
@@ -9250,322 +10647,662 @@
             <p:ph type="title"/>
           </p:nvPr>
         </p:nvSpPr>
-        <p:spPr/>
+        <p:spPr>
+          <a:xfrm>
+            <a:off x="838200" y="365125"/>
+            <a:ext cx="10515600" cy="1325563"/>
+          </a:xfrm>
+        </p:spPr>
         <p:txBody>
           <a:bodyPr/>
           <a:lstStyle/>
           <a:p>
             <a:r>
-              <a:rPr lang="it-IT" dirty="0"/>
-              <a:t>Order Procedure</a:t>
-            </a:r>
-          </a:p>
-        </p:txBody>
-      </p:sp>
-      <p:sp>
-        <p:nvSpPr>
-          <p:cNvPr id="3" name="Content Placeholder 2">
+              <a:rPr lang="it-IT" dirty="0">
+                <a:solidFill>
+                  <a:srgbClr val="D76464"/>
+                </a:solidFill>
+                <a:latin typeface="Audiowide" panose="02000503000000020004" pitchFamily="2" charset="0"/>
+              </a:rPr>
+              <a:t>Order procedure</a:t>
+            </a:r>
+          </a:p>
+        </p:txBody>
+      </p:sp>
+      <p:sp>
+        <p:nvSpPr>
+          <p:cNvPr id="3" name="TextBox 2">
             <a:extLst>
               <a:ext uri="{FF2B5EF4-FFF2-40B4-BE49-F238E27FC236}">
-                <a16:creationId xmlns:a16="http://schemas.microsoft.com/office/drawing/2014/main" id="{306569F6-E274-3904-4C4E-052408344336}"/>
+                <a16:creationId xmlns:a16="http://schemas.microsoft.com/office/drawing/2014/main" id="{7F562F13-0406-ABD2-AA69-0D4B2E0970B0}"/>
               </a:ext>
             </a:extLst>
           </p:cNvPr>
-          <p:cNvSpPr>
-            <a:spLocks noGrp="1"/>
-          </p:cNvSpPr>
-          <p:nvPr>
-            <p:ph idx="1"/>
-          </p:nvPr>
-        </p:nvSpPr>
-        <p:spPr/>
-        <p:txBody>
-          <a:bodyPr/>
-          <a:lstStyle/>
-          <a:p>
-            <a:r>
-              <a:rPr lang="it-IT" dirty="0"/>
-              <a:t>Select a Car</a:t>
-            </a:r>
-          </a:p>
-          <a:p>
-            <a:r>
-              <a:rPr lang="it-IT" dirty="0"/>
-              <a:t>Select a Circuit</a:t>
-            </a:r>
-          </a:p>
-          <a:p>
-            <a:r>
-              <a:rPr lang="it-IT" dirty="0"/>
-              <a:t>Select a Date</a:t>
-            </a:r>
-          </a:p>
-          <a:p>
-            <a:r>
-              <a:rPr lang="it-IT" dirty="0"/>
-              <a:t>Select # of </a:t>
-            </a:r>
-            <a:r>
-              <a:rPr lang="it-IT" dirty="0" err="1"/>
-              <a:t>Laps</a:t>
-            </a:r>
-            <a:endParaRPr lang="it-IT" dirty="0"/>
-          </a:p>
-          <a:p>
-            <a:r>
-              <a:rPr lang="it-IT" dirty="0" err="1"/>
-              <a:t>Confirm</a:t>
-            </a:r>
-            <a:r>
-              <a:rPr lang="it-IT" dirty="0"/>
-              <a:t> or </a:t>
-            </a:r>
-            <a:r>
-              <a:rPr lang="it-IT" dirty="0" err="1"/>
-              <a:t>Add</a:t>
-            </a:r>
-            <a:r>
-              <a:rPr lang="it-IT" dirty="0"/>
-              <a:t> to </a:t>
-            </a:r>
-            <a:r>
-              <a:rPr lang="it-IT" dirty="0" err="1"/>
-              <a:t>Favourite</a:t>
-            </a:r>
-            <a:r>
-              <a:rPr lang="it-IT" dirty="0"/>
-              <a:t> the Order</a:t>
-            </a:r>
-          </a:p>
-        </p:txBody>
-      </p:sp>
-      <p:sp>
-        <p:nvSpPr>
-          <p:cNvPr id="4" name="Slide Number Placeholder 3">
+          <p:cNvSpPr txBox="1"/>
+          <p:nvPr/>
+        </p:nvSpPr>
+        <p:spPr>
+          <a:xfrm>
+            <a:off x="2223070" y="1686481"/>
+            <a:ext cx="2103831" cy="369332"/>
+          </a:xfrm>
+          <a:prstGeom prst="rect">
+            <a:avLst/>
+          </a:prstGeom>
+          <a:noFill/>
+        </p:spPr>
+        <p:txBody>
+          <a:bodyPr wrap="square" rtlCol="0">
+            <a:spAutoFit/>
+          </a:bodyPr>
+          <a:lstStyle/>
+          <a:p>
+            <a:r>
+              <a:rPr lang="it-IT" dirty="0">
+                <a:solidFill>
+                  <a:schemeClr val="bg1"/>
+                </a:solidFill>
+                <a:latin typeface="Audiowide" panose="02000503000000020004" pitchFamily="2" charset="0"/>
+              </a:rPr>
+              <a:t>1. Select a Car</a:t>
+            </a:r>
+          </a:p>
+        </p:txBody>
+      </p:sp>
+      <p:sp>
+        <p:nvSpPr>
+          <p:cNvPr id="4" name="TextBox 3">
             <a:extLst>
               <a:ext uri="{FF2B5EF4-FFF2-40B4-BE49-F238E27FC236}">
-                <a16:creationId xmlns:a16="http://schemas.microsoft.com/office/drawing/2014/main" id="{E81AC8FA-59BE-84D2-3EB6-408BCA0E69FA}"/>
+                <a16:creationId xmlns:a16="http://schemas.microsoft.com/office/drawing/2014/main" id="{6D2830D3-57A3-52AB-3BD0-76916E4074F4}"/>
               </a:ext>
             </a:extLst>
           </p:cNvPr>
-          <p:cNvSpPr>
-            <a:spLocks noGrp="1"/>
-          </p:cNvSpPr>
-          <p:nvPr>
-            <p:ph type="sldNum" sz="quarter" idx="12"/>
-          </p:nvPr>
-        </p:nvSpPr>
-        <p:spPr/>
-        <p:txBody>
-          <a:bodyPr/>
-          <a:lstStyle/>
-          <a:p>
-            <a:fld id="{A9EE5928-F148-40B0-A685-C3EA8FBFEFC2}" type="slidenum">
-              <a:rPr lang="it-IT" smtClean="0"/>
-              <a:t>8</a:t>
-            </a:fld>
-            <a:endParaRPr lang="it-IT"/>
-          </a:p>
-        </p:txBody>
-      </p:sp>
-      <p:sp>
-        <p:nvSpPr>
-          <p:cNvPr id="5" name="Footer Placeholder 4">
+          <p:cNvSpPr txBox="1"/>
+          <p:nvPr/>
+        </p:nvSpPr>
+        <p:spPr>
+          <a:xfrm>
+            <a:off x="4883720" y="1634025"/>
+            <a:ext cx="2517453" cy="369332"/>
+          </a:xfrm>
+          <a:prstGeom prst="rect">
+            <a:avLst/>
+          </a:prstGeom>
+          <a:noFill/>
+        </p:spPr>
+        <p:txBody>
+          <a:bodyPr wrap="square" rtlCol="0">
+            <a:spAutoFit/>
+          </a:bodyPr>
+          <a:lstStyle/>
+          <a:p>
+            <a:r>
+              <a:rPr lang="it-IT">
+                <a:solidFill>
+                  <a:schemeClr val="bg1"/>
+                </a:solidFill>
+                <a:latin typeface="Audiowide" panose="02000503000000020004" pitchFamily="2" charset="0"/>
+              </a:rPr>
+              <a:t>2. Select a Circuit</a:t>
+            </a:r>
+            <a:endParaRPr lang="it-IT" dirty="0">
+              <a:solidFill>
+                <a:schemeClr val="bg1"/>
+              </a:solidFill>
+              <a:latin typeface="Audiowide" panose="02000503000000020004" pitchFamily="2" charset="0"/>
+            </a:endParaRPr>
+          </a:p>
+        </p:txBody>
+      </p:sp>
+      <p:sp>
+        <p:nvSpPr>
+          <p:cNvPr id="6" name="TextBox 5">
             <a:extLst>
               <a:ext uri="{FF2B5EF4-FFF2-40B4-BE49-F238E27FC236}">
-                <a16:creationId xmlns:a16="http://schemas.microsoft.com/office/drawing/2014/main" id="{FDB4CD1E-7A1D-A650-92D4-81F8393618A5}"/>
+                <a16:creationId xmlns:a16="http://schemas.microsoft.com/office/drawing/2014/main" id="{06BA8F05-6E0E-7189-746B-3243F214D0F5}"/>
               </a:ext>
             </a:extLst>
           </p:cNvPr>
-          <p:cNvSpPr>
-            <a:spLocks noGrp="1"/>
-          </p:cNvSpPr>
-          <p:nvPr>
-            <p:ph type="ftr" sz="quarter" idx="11"/>
-          </p:nvPr>
-        </p:nvSpPr>
-        <p:spPr/>
-        <p:txBody>
-          <a:bodyPr/>
-          <a:lstStyle/>
-          <a:p>
-            <a:endParaRPr lang="it-IT"/>
-          </a:p>
-        </p:txBody>
-      </p:sp>
+          <p:cNvSpPr txBox="1"/>
+          <p:nvPr/>
+        </p:nvSpPr>
+        <p:spPr>
+          <a:xfrm>
+            <a:off x="8196037" y="1638623"/>
+            <a:ext cx="2239452" cy="369332"/>
+          </a:xfrm>
+          <a:prstGeom prst="rect">
+            <a:avLst/>
+          </a:prstGeom>
+          <a:noFill/>
+        </p:spPr>
+        <p:txBody>
+          <a:bodyPr wrap="square" rtlCol="0">
+            <a:spAutoFit/>
+          </a:bodyPr>
+          <a:lstStyle/>
+          <a:p>
+            <a:r>
+              <a:rPr lang="it-IT">
+                <a:solidFill>
+                  <a:schemeClr val="bg1"/>
+                </a:solidFill>
+                <a:latin typeface="Audiowide" panose="02000503000000020004" pitchFamily="2" charset="0"/>
+              </a:rPr>
+              <a:t>3. Select a Date</a:t>
+            </a:r>
+            <a:endParaRPr lang="it-IT" dirty="0">
+              <a:solidFill>
+                <a:schemeClr val="bg1"/>
+              </a:solidFill>
+              <a:latin typeface="Audiowide" panose="02000503000000020004" pitchFamily="2" charset="0"/>
+            </a:endParaRPr>
+          </a:p>
+        </p:txBody>
+      </p:sp>
+      <p:sp>
+        <p:nvSpPr>
+          <p:cNvPr id="7" name="TextBox 6">
+            <a:extLst>
+              <a:ext uri="{FF2B5EF4-FFF2-40B4-BE49-F238E27FC236}">
+                <a16:creationId xmlns:a16="http://schemas.microsoft.com/office/drawing/2014/main" id="{6B9CB382-5BEA-D0A6-A0E8-1296D6456038}"/>
+              </a:ext>
+            </a:extLst>
+          </p:cNvPr>
+          <p:cNvSpPr txBox="1"/>
+          <p:nvPr/>
+        </p:nvSpPr>
+        <p:spPr>
+          <a:xfrm>
+            <a:off x="7499022" y="5236089"/>
+            <a:ext cx="4038281" cy="369332"/>
+          </a:xfrm>
+          <a:prstGeom prst="rect">
+            <a:avLst/>
+          </a:prstGeom>
+          <a:noFill/>
+        </p:spPr>
+        <p:txBody>
+          <a:bodyPr wrap="square" rtlCol="0">
+            <a:spAutoFit/>
+          </a:bodyPr>
+          <a:lstStyle/>
+          <a:p>
+            <a:r>
+              <a:rPr lang="it-IT">
+                <a:solidFill>
+                  <a:schemeClr val="bg1"/>
+                </a:solidFill>
+                <a:latin typeface="Audiowide" panose="02000503000000020004" pitchFamily="2" charset="0"/>
+              </a:rPr>
+              <a:t>4. Select the Number of Laps</a:t>
+            </a:r>
+            <a:endParaRPr lang="it-IT" dirty="0">
+              <a:solidFill>
+                <a:schemeClr val="bg1"/>
+              </a:solidFill>
+              <a:latin typeface="Audiowide" panose="02000503000000020004" pitchFamily="2" charset="0"/>
+            </a:endParaRPr>
+          </a:p>
+        </p:txBody>
+      </p:sp>
+      <p:sp>
+        <p:nvSpPr>
+          <p:cNvPr id="8" name="TextBox 7">
+            <a:extLst>
+              <a:ext uri="{FF2B5EF4-FFF2-40B4-BE49-F238E27FC236}">
+                <a16:creationId xmlns:a16="http://schemas.microsoft.com/office/drawing/2014/main" id="{388A8494-2DD4-FC1D-A9AB-1D5FDC83E90E}"/>
+              </a:ext>
+            </a:extLst>
+          </p:cNvPr>
+          <p:cNvSpPr txBox="1"/>
+          <p:nvPr/>
+        </p:nvSpPr>
+        <p:spPr>
+          <a:xfrm>
+            <a:off x="1144590" y="4123983"/>
+            <a:ext cx="3179526" cy="369332"/>
+          </a:xfrm>
+          <a:prstGeom prst="rect">
+            <a:avLst/>
+          </a:prstGeom>
+          <a:noFill/>
+        </p:spPr>
+        <p:txBody>
+          <a:bodyPr wrap="square" rtlCol="0">
+            <a:spAutoFit/>
+          </a:bodyPr>
+          <a:lstStyle/>
+          <a:p>
+            <a:r>
+              <a:rPr lang="it-IT">
+                <a:solidFill>
+                  <a:schemeClr val="bg1"/>
+                </a:solidFill>
+                <a:latin typeface="Audiowide" panose="02000503000000020004" pitchFamily="2" charset="0"/>
+              </a:rPr>
+              <a:t>5(b). Add to Favourites</a:t>
+            </a:r>
+            <a:endParaRPr lang="it-IT" dirty="0">
+              <a:solidFill>
+                <a:schemeClr val="bg1"/>
+              </a:solidFill>
+              <a:latin typeface="Audiowide" panose="02000503000000020004" pitchFamily="2" charset="0"/>
+            </a:endParaRPr>
+          </a:p>
+        </p:txBody>
+      </p:sp>
+      <p:sp>
+        <p:nvSpPr>
+          <p:cNvPr id="9" name="TextBox 8">
+            <a:extLst>
+              <a:ext uri="{FF2B5EF4-FFF2-40B4-BE49-F238E27FC236}">
+                <a16:creationId xmlns:a16="http://schemas.microsoft.com/office/drawing/2014/main" id="{E579A618-BBA1-48CA-613B-8E35EBA3FF44}"/>
+              </a:ext>
+            </a:extLst>
+          </p:cNvPr>
+          <p:cNvSpPr txBox="1"/>
+          <p:nvPr/>
+        </p:nvSpPr>
+        <p:spPr>
+          <a:xfrm>
+            <a:off x="1144589" y="5034352"/>
+            <a:ext cx="3002199" cy="369332"/>
+          </a:xfrm>
+          <a:prstGeom prst="rect">
+            <a:avLst/>
+          </a:prstGeom>
+          <a:noFill/>
+        </p:spPr>
+        <p:txBody>
+          <a:bodyPr wrap="square" rtlCol="0">
+            <a:spAutoFit/>
+          </a:bodyPr>
+          <a:lstStyle/>
+          <a:p>
+            <a:r>
+              <a:rPr lang="it-IT">
+                <a:solidFill>
+                  <a:schemeClr val="bg1"/>
+                </a:solidFill>
+                <a:latin typeface="Audiowide" panose="02000503000000020004" pitchFamily="2" charset="0"/>
+              </a:rPr>
+              <a:t>5(a). Complete Order</a:t>
+            </a:r>
+            <a:endParaRPr lang="it-IT" dirty="0">
+              <a:solidFill>
+                <a:schemeClr val="bg1"/>
+              </a:solidFill>
+              <a:latin typeface="Audiowide" panose="02000503000000020004" pitchFamily="2" charset="0"/>
+            </a:endParaRPr>
+          </a:p>
+        </p:txBody>
+      </p:sp>
+      <p:pic>
+        <p:nvPicPr>
+          <p:cNvPr id="11" name="Picture 10" descr="A white car with a black background&#10;&#10;Description automatically generated">
+            <a:extLst>
+              <a:ext uri="{FF2B5EF4-FFF2-40B4-BE49-F238E27FC236}">
+                <a16:creationId xmlns:a16="http://schemas.microsoft.com/office/drawing/2014/main" id="{0919866B-2B47-95F6-6BD0-8D03D05B8D3D}"/>
+              </a:ext>
+            </a:extLst>
+          </p:cNvPr>
+          <p:cNvPicPr>
+            <a:picLocks noChangeAspect="1"/>
+          </p:cNvPicPr>
+          <p:nvPr/>
+        </p:nvPicPr>
+        <p:blipFill>
+          <a:blip r:embed="rId2">
+            <a:extLst>
+              <a:ext uri="{28A0092B-C50C-407E-A947-70E740481C1C}">
+                <a14:useLocalDpi xmlns:a14="http://schemas.microsoft.com/office/drawing/2010/main" val="0"/>
+              </a:ext>
+            </a:extLst>
+          </a:blip>
+          <a:stretch>
+            <a:fillRect/>
+          </a:stretch>
+        </p:blipFill>
+        <p:spPr>
+          <a:xfrm>
+            <a:off x="2769604" y="1918057"/>
+            <a:ext cx="914400" cy="914400"/>
+          </a:xfrm>
+          <a:prstGeom prst="rect">
+            <a:avLst/>
+          </a:prstGeom>
+        </p:spPr>
+      </p:pic>
+      <p:pic>
+        <p:nvPicPr>
+          <p:cNvPr id="16" name="Picture 15" descr="A black and white logo&#10;&#10;Description automatically generated">
+            <a:extLst>
+              <a:ext uri="{FF2B5EF4-FFF2-40B4-BE49-F238E27FC236}">
+                <a16:creationId xmlns:a16="http://schemas.microsoft.com/office/drawing/2014/main" id="{3AA9A51B-6C08-B227-A847-CB7AE80FD395}"/>
+              </a:ext>
+            </a:extLst>
+          </p:cNvPr>
+          <p:cNvPicPr>
+            <a:picLocks noChangeAspect="1"/>
+          </p:cNvPicPr>
+          <p:nvPr/>
+        </p:nvPicPr>
+        <p:blipFill>
+          <a:blip r:embed="rId3">
+            <a:extLst>
+              <a:ext uri="{28A0092B-C50C-407E-A947-70E740481C1C}">
+                <a14:useLocalDpi xmlns:a14="http://schemas.microsoft.com/office/drawing/2010/main" val="0"/>
+              </a:ext>
+            </a:extLst>
+          </a:blip>
+          <a:stretch>
+            <a:fillRect/>
+          </a:stretch>
+        </p:blipFill>
+        <p:spPr>
+          <a:xfrm>
+            <a:off x="5593663" y="2016939"/>
+            <a:ext cx="914400" cy="914400"/>
+          </a:xfrm>
+          <a:prstGeom prst="rect">
+            <a:avLst/>
+          </a:prstGeom>
+        </p:spPr>
+      </p:pic>
+      <p:pic>
+        <p:nvPicPr>
+          <p:cNvPr id="18" name="Picture 17" descr="A white and black calendar&#10;&#10;Description automatically generated">
+            <a:extLst>
+              <a:ext uri="{FF2B5EF4-FFF2-40B4-BE49-F238E27FC236}">
+                <a16:creationId xmlns:a16="http://schemas.microsoft.com/office/drawing/2014/main" id="{3010D86C-B82F-0BD2-663E-3496A056D91F}"/>
+              </a:ext>
+            </a:extLst>
+          </p:cNvPr>
+          <p:cNvPicPr>
+            <a:picLocks noChangeAspect="1"/>
+          </p:cNvPicPr>
+          <p:nvPr/>
+        </p:nvPicPr>
+        <p:blipFill>
+          <a:blip r:embed="rId4">
+            <a:extLst>
+              <a:ext uri="{28A0092B-C50C-407E-A947-70E740481C1C}">
+                <a14:useLocalDpi xmlns:a14="http://schemas.microsoft.com/office/drawing/2010/main" val="0"/>
+              </a:ext>
+            </a:extLst>
+          </a:blip>
+          <a:stretch>
+            <a:fillRect/>
+          </a:stretch>
+        </p:blipFill>
+        <p:spPr>
+          <a:xfrm>
+            <a:off x="8795121" y="2016939"/>
+            <a:ext cx="914400" cy="914400"/>
+          </a:xfrm>
+          <a:prstGeom prst="rect">
+            <a:avLst/>
+          </a:prstGeom>
+        </p:spPr>
+      </p:pic>
+      <p:pic>
+        <p:nvPicPr>
+          <p:cNvPr id="27" name="Picture 26" descr="A white arrow in a circle&#10;&#10;Description automatically generated">
+            <a:extLst>
+              <a:ext uri="{FF2B5EF4-FFF2-40B4-BE49-F238E27FC236}">
+                <a16:creationId xmlns:a16="http://schemas.microsoft.com/office/drawing/2014/main" id="{4FE10EF9-209B-2585-8CA8-199AE5C303D1}"/>
+              </a:ext>
+            </a:extLst>
+          </p:cNvPr>
+          <p:cNvPicPr>
+            <a:picLocks noChangeAspect="1"/>
+          </p:cNvPicPr>
+          <p:nvPr/>
+        </p:nvPicPr>
+        <p:blipFill>
+          <a:blip r:embed="rId5">
+            <a:extLst>
+              <a:ext uri="{28A0092B-C50C-407E-A947-70E740481C1C}">
+                <a14:useLocalDpi xmlns:a14="http://schemas.microsoft.com/office/drawing/2010/main" val="0"/>
+              </a:ext>
+            </a:extLst>
+          </a:blip>
+          <a:stretch>
+            <a:fillRect/>
+          </a:stretch>
+        </p:blipFill>
+        <p:spPr>
+          <a:xfrm>
+            <a:off x="8795121" y="4317429"/>
+            <a:ext cx="914400" cy="914400"/>
+          </a:xfrm>
+          <a:prstGeom prst="rect">
+            <a:avLst/>
+          </a:prstGeom>
+        </p:spPr>
+      </p:pic>
+      <p:pic>
+        <p:nvPicPr>
+          <p:cNvPr id="30" name="Picture 29" descr="A white star on a black background&#10;&#10;Description automatically generated">
+            <a:extLst>
+              <a:ext uri="{FF2B5EF4-FFF2-40B4-BE49-F238E27FC236}">
+                <a16:creationId xmlns:a16="http://schemas.microsoft.com/office/drawing/2014/main" id="{958D101E-824F-FB79-1495-5CB88697681F}"/>
+              </a:ext>
+            </a:extLst>
+          </p:cNvPr>
+          <p:cNvPicPr>
+            <a:picLocks noChangeAspect="1"/>
+          </p:cNvPicPr>
+          <p:nvPr/>
+        </p:nvPicPr>
+        <p:blipFill>
+          <a:blip r:embed="rId6">
+            <a:extLst>
+              <a:ext uri="{28A0092B-C50C-407E-A947-70E740481C1C}">
+                <a14:useLocalDpi xmlns:a14="http://schemas.microsoft.com/office/drawing/2010/main" val="0"/>
+              </a:ext>
+            </a:extLst>
+          </a:blip>
+          <a:stretch>
+            <a:fillRect/>
+          </a:stretch>
+        </p:blipFill>
+        <p:spPr>
+          <a:xfrm>
+            <a:off x="4217404" y="3791263"/>
+            <a:ext cx="914400" cy="914400"/>
+          </a:xfrm>
+          <a:prstGeom prst="rect">
+            <a:avLst/>
+          </a:prstGeom>
+        </p:spPr>
+      </p:pic>
+      <p:pic>
+        <p:nvPicPr>
+          <p:cNvPr id="34" name="Picture 33" descr="A white check mark in a circle&#10;&#10;Description automatically generated">
+            <a:extLst>
+              <a:ext uri="{FF2B5EF4-FFF2-40B4-BE49-F238E27FC236}">
+                <a16:creationId xmlns:a16="http://schemas.microsoft.com/office/drawing/2014/main" id="{CA3BC837-5D3A-6B84-8C85-1B48F67F0A15}"/>
+              </a:ext>
+            </a:extLst>
+          </p:cNvPr>
+          <p:cNvPicPr>
+            <a:picLocks noChangeAspect="1"/>
+          </p:cNvPicPr>
+          <p:nvPr/>
+        </p:nvPicPr>
+        <p:blipFill>
+          <a:blip r:embed="rId7">
+            <a:extLst>
+              <a:ext uri="{28A0092B-C50C-407E-A947-70E740481C1C}">
+                <a14:useLocalDpi xmlns:a14="http://schemas.microsoft.com/office/drawing/2010/main" val="0"/>
+              </a:ext>
+            </a:extLst>
+          </a:blip>
+          <a:stretch>
+            <a:fillRect/>
+          </a:stretch>
+        </p:blipFill>
+        <p:spPr>
+          <a:xfrm>
+            <a:off x="4203027" y="4838679"/>
+            <a:ext cx="914400" cy="914400"/>
+          </a:xfrm>
+          <a:prstGeom prst="rect">
+            <a:avLst/>
+          </a:prstGeom>
+        </p:spPr>
+      </p:pic>
+      <p:pic>
+        <p:nvPicPr>
+          <p:cNvPr id="38" name="Picture 37" descr="A white arrow pointing to the right&#10;&#10;Description automatically generated">
+            <a:extLst>
+              <a:ext uri="{FF2B5EF4-FFF2-40B4-BE49-F238E27FC236}">
+                <a16:creationId xmlns:a16="http://schemas.microsoft.com/office/drawing/2014/main" id="{134ADE54-A0A5-A162-5B9F-38F36AFD7960}"/>
+              </a:ext>
+            </a:extLst>
+          </p:cNvPr>
+          <p:cNvPicPr>
+            <a:picLocks noChangeAspect="1"/>
+          </p:cNvPicPr>
+          <p:nvPr/>
+        </p:nvPicPr>
+        <p:blipFill>
+          <a:blip r:embed="rId8">
+            <a:extLst>
+              <a:ext uri="{28A0092B-C50C-407E-A947-70E740481C1C}">
+                <a14:useLocalDpi xmlns:a14="http://schemas.microsoft.com/office/drawing/2010/main" val="0"/>
+              </a:ext>
+            </a:extLst>
+          </a:blip>
+          <a:stretch>
+            <a:fillRect/>
+          </a:stretch>
+        </p:blipFill>
+        <p:spPr>
+          <a:xfrm>
+            <a:off x="4099929" y="2018070"/>
+            <a:ext cx="914400" cy="914400"/>
+          </a:xfrm>
+          <a:prstGeom prst="rect">
+            <a:avLst/>
+          </a:prstGeom>
+        </p:spPr>
+      </p:pic>
+      <p:pic>
+        <p:nvPicPr>
+          <p:cNvPr id="40" name="Picture 39" descr="A white arrow pointing to the right&#10;&#10;Description automatically generated">
+            <a:extLst>
+              <a:ext uri="{FF2B5EF4-FFF2-40B4-BE49-F238E27FC236}">
+                <a16:creationId xmlns:a16="http://schemas.microsoft.com/office/drawing/2014/main" id="{6AE66E56-3D25-3D4F-B401-8C32DDF6D007}"/>
+              </a:ext>
+            </a:extLst>
+          </p:cNvPr>
+          <p:cNvPicPr>
+            <a:picLocks noChangeAspect="1"/>
+          </p:cNvPicPr>
+          <p:nvPr/>
+        </p:nvPicPr>
+        <p:blipFill>
+          <a:blip r:embed="rId8">
+            <a:extLst>
+              <a:ext uri="{28A0092B-C50C-407E-A947-70E740481C1C}">
+                <a14:useLocalDpi xmlns:a14="http://schemas.microsoft.com/office/drawing/2010/main" val="0"/>
+              </a:ext>
+            </a:extLst>
+          </a:blip>
+          <a:stretch>
+            <a:fillRect/>
+          </a:stretch>
+        </p:blipFill>
+        <p:spPr>
+          <a:xfrm>
+            <a:off x="7023192" y="2016939"/>
+            <a:ext cx="914400" cy="914400"/>
+          </a:xfrm>
+          <a:prstGeom prst="rect">
+            <a:avLst/>
+          </a:prstGeom>
+        </p:spPr>
+      </p:pic>
+      <p:pic>
+        <p:nvPicPr>
+          <p:cNvPr id="43" name="Picture 42" descr="A white arrow pointing to the right&#10;&#10;Description automatically generated">
+            <a:extLst>
+              <a:ext uri="{FF2B5EF4-FFF2-40B4-BE49-F238E27FC236}">
+                <a16:creationId xmlns:a16="http://schemas.microsoft.com/office/drawing/2014/main" id="{6AE86E5C-DB36-530F-FD3F-6995473DA646}"/>
+              </a:ext>
+            </a:extLst>
+          </p:cNvPr>
+          <p:cNvPicPr>
+            <a:picLocks noChangeAspect="1"/>
+          </p:cNvPicPr>
+          <p:nvPr/>
+        </p:nvPicPr>
+        <p:blipFill>
+          <a:blip r:embed="rId8">
+            <a:extLst>
+              <a:ext uri="{28A0092B-C50C-407E-A947-70E740481C1C}">
+                <a14:useLocalDpi xmlns:a14="http://schemas.microsoft.com/office/drawing/2010/main" val="0"/>
+              </a:ext>
+            </a:extLst>
+          </a:blip>
+          <a:stretch>
+            <a:fillRect/>
+          </a:stretch>
+        </p:blipFill>
+        <p:spPr>
+          <a:xfrm rot="5400000">
+            <a:off x="8795121" y="3167184"/>
+            <a:ext cx="914400" cy="914400"/>
+          </a:xfrm>
+          <a:prstGeom prst="rect">
+            <a:avLst/>
+          </a:prstGeom>
+        </p:spPr>
+      </p:pic>
+      <p:pic>
+        <p:nvPicPr>
+          <p:cNvPr id="47" name="Picture 46" descr="A white arrows pointing to the left&#10;&#10;Description automatically generated">
+            <a:extLst>
+              <a:ext uri="{FF2B5EF4-FFF2-40B4-BE49-F238E27FC236}">
+                <a16:creationId xmlns:a16="http://schemas.microsoft.com/office/drawing/2014/main" id="{018FFC49-5414-3361-CC0C-4B58A98918D5}"/>
+              </a:ext>
+            </a:extLst>
+          </p:cNvPr>
+          <p:cNvPicPr>
+            <a:picLocks noChangeAspect="1"/>
+          </p:cNvPicPr>
+          <p:nvPr/>
+        </p:nvPicPr>
+        <p:blipFill>
+          <a:blip r:embed="rId9">
+            <a:extLst>
+              <a:ext uri="{28A0092B-C50C-407E-A947-70E740481C1C}">
+                <a14:useLocalDpi xmlns:a14="http://schemas.microsoft.com/office/drawing/2010/main" val="0"/>
+              </a:ext>
+            </a:extLst>
+          </a:blip>
+          <a:stretch>
+            <a:fillRect/>
+          </a:stretch>
+        </p:blipFill>
+        <p:spPr>
+          <a:xfrm rot="10800000">
+            <a:off x="5821271" y="4321292"/>
+            <a:ext cx="914400" cy="914400"/>
+          </a:xfrm>
+          <a:prstGeom prst="rect">
+            <a:avLst/>
+          </a:prstGeom>
+        </p:spPr>
+      </p:pic>
     </p:spTree>
     <p:extLst>
       <p:ext uri="{BB962C8B-B14F-4D97-AF65-F5344CB8AC3E}">
-        <p14:creationId xmlns:p14="http://schemas.microsoft.com/office/powerpoint/2010/main" val="4171531053"/>
-      </p:ext>
-    </p:extLst>
-  </p:cSld>
-  <p:clrMapOvr>
-    <a:masterClrMapping/>
-  </p:clrMapOvr>
-</p:sld>
-</file>
-
-<file path=ppt/slides/slide9.xml><?xml version="1.0" encoding="utf-8"?>
-<p:sld xmlns:a="http://schemas.openxmlformats.org/drawingml/2006/main" xmlns:r="http://schemas.openxmlformats.org/officeDocument/2006/relationships" xmlns:p="http://schemas.openxmlformats.org/presentationml/2006/main">
-  <p:cSld>
-    <p:spTree>
-      <p:nvGrpSpPr>
-        <p:cNvPr id="1" name=""/>
-        <p:cNvGrpSpPr/>
-        <p:nvPr/>
-      </p:nvGrpSpPr>
-      <p:grpSpPr>
-        <a:xfrm>
-          <a:off x="0" y="0"/>
-          <a:ext cx="0" cy="0"/>
-          <a:chOff x="0" y="0"/>
-          <a:chExt cx="0" cy="0"/>
-        </a:xfrm>
-      </p:grpSpPr>
-      <p:sp>
-        <p:nvSpPr>
-          <p:cNvPr id="2" name="Title 1">
-            <a:extLst>
-              <a:ext uri="{FF2B5EF4-FFF2-40B4-BE49-F238E27FC236}">
-                <a16:creationId xmlns:a16="http://schemas.microsoft.com/office/drawing/2014/main" id="{63F35A53-4F98-FB9E-D5BC-2C646A49E5F5}"/>
-              </a:ext>
-            </a:extLst>
-          </p:cNvPr>
-          <p:cNvSpPr>
-            <a:spLocks noGrp="1"/>
-          </p:cNvSpPr>
-          <p:nvPr>
-            <p:ph type="title"/>
-          </p:nvPr>
-        </p:nvSpPr>
-        <p:spPr/>
-        <p:txBody>
-          <a:bodyPr/>
-          <a:lstStyle/>
-          <a:p>
-            <a:r>
-              <a:rPr lang="it-IT" dirty="0"/>
-              <a:t>Admin Features</a:t>
-            </a:r>
-          </a:p>
-        </p:txBody>
-      </p:sp>
-      <p:sp>
-        <p:nvSpPr>
-          <p:cNvPr id="3" name="Content Placeholder 2">
-            <a:extLst>
-              <a:ext uri="{FF2B5EF4-FFF2-40B4-BE49-F238E27FC236}">
-                <a16:creationId xmlns:a16="http://schemas.microsoft.com/office/drawing/2014/main" id="{C9B5D862-532F-6FC0-CCA0-5A5E38DD1610}"/>
-              </a:ext>
-            </a:extLst>
-          </p:cNvPr>
-          <p:cNvSpPr>
-            <a:spLocks noGrp="1"/>
-          </p:cNvSpPr>
-          <p:nvPr>
-            <p:ph idx="1"/>
-          </p:nvPr>
-        </p:nvSpPr>
-        <p:spPr/>
-        <p:txBody>
-          <a:bodyPr/>
-          <a:lstStyle/>
-          <a:p>
-            <a:r>
-              <a:rPr lang="it-IT" dirty="0" err="1"/>
-              <a:t>Manage</a:t>
-            </a:r>
-            <a:r>
-              <a:rPr lang="it-IT" dirty="0"/>
-              <a:t> Cars</a:t>
-            </a:r>
-          </a:p>
-          <a:p>
-            <a:r>
-              <a:rPr lang="it-IT" dirty="0" err="1"/>
-              <a:t>Manage</a:t>
-            </a:r>
-            <a:r>
-              <a:rPr lang="it-IT" dirty="0"/>
-              <a:t> </a:t>
-            </a:r>
-            <a:r>
-              <a:rPr lang="it-IT" dirty="0" err="1"/>
-              <a:t>Circuits</a:t>
-            </a:r>
-            <a:endParaRPr lang="it-IT" dirty="0"/>
-          </a:p>
-          <a:p>
-            <a:r>
-              <a:rPr lang="it-IT" dirty="0" err="1"/>
-              <a:t>Bind</a:t>
-            </a:r>
-            <a:r>
-              <a:rPr lang="it-IT" dirty="0"/>
-              <a:t> Car to Circuit</a:t>
-            </a:r>
-          </a:p>
-        </p:txBody>
-      </p:sp>
-      <p:sp>
-        <p:nvSpPr>
-          <p:cNvPr id="4" name="Slide Number Placeholder 3">
-            <a:extLst>
-              <a:ext uri="{FF2B5EF4-FFF2-40B4-BE49-F238E27FC236}">
-                <a16:creationId xmlns:a16="http://schemas.microsoft.com/office/drawing/2014/main" id="{25D6ED6C-98E0-9CAD-C3E0-6B1764701FB1}"/>
-              </a:ext>
-            </a:extLst>
-          </p:cNvPr>
-          <p:cNvSpPr>
-            <a:spLocks noGrp="1"/>
-          </p:cNvSpPr>
-          <p:nvPr>
-            <p:ph type="sldNum" sz="quarter" idx="12"/>
-          </p:nvPr>
-        </p:nvSpPr>
-        <p:spPr/>
-        <p:txBody>
-          <a:bodyPr/>
-          <a:lstStyle/>
-          <a:p>
-            <a:fld id="{A9EE5928-F148-40B0-A685-C3EA8FBFEFC2}" type="slidenum">
-              <a:rPr lang="it-IT" smtClean="0"/>
-              <a:t>9</a:t>
-            </a:fld>
-            <a:endParaRPr lang="it-IT"/>
-          </a:p>
-        </p:txBody>
-      </p:sp>
-      <p:sp>
-        <p:nvSpPr>
-          <p:cNvPr id="5" name="Footer Placeholder 4">
-            <a:extLst>
-              <a:ext uri="{FF2B5EF4-FFF2-40B4-BE49-F238E27FC236}">
-                <a16:creationId xmlns:a16="http://schemas.microsoft.com/office/drawing/2014/main" id="{29413D43-3B59-6DE5-CB83-85A5106AF81D}"/>
-              </a:ext>
-            </a:extLst>
-          </p:cNvPr>
-          <p:cNvSpPr>
-            <a:spLocks noGrp="1"/>
-          </p:cNvSpPr>
-          <p:nvPr>
-            <p:ph type="ftr" sz="quarter" idx="11"/>
-          </p:nvPr>
-        </p:nvSpPr>
-        <p:spPr/>
-        <p:txBody>
-          <a:bodyPr/>
-          <a:lstStyle/>
-          <a:p>
-            <a:endParaRPr lang="it-IT"/>
-          </a:p>
-        </p:txBody>
-      </p:sp>
-    </p:spTree>
-    <p:extLst>
-      <p:ext uri="{BB962C8B-B14F-4D97-AF65-F5344CB8AC3E}">
-        <p14:creationId xmlns:p14="http://schemas.microsoft.com/office/powerpoint/2010/main" val="1238300064"/>
+        <p14:creationId xmlns:p14="http://schemas.microsoft.com/office/powerpoint/2010/main" val="3239761053"/>
       </p:ext>
     </p:extLst>
   </p:cSld>

--- a/WaCar.pptx
+++ b/WaCar.pptx
@@ -5,23 +5,21 @@
     <p:sldMasterId id="2147483684" r:id="rId4"/>
   </p:sldMasterIdLst>
   <p:notesMasterIdLst>
-    <p:notesMasterId r:id="rId19"/>
+    <p:notesMasterId r:id="rId17"/>
   </p:notesMasterIdLst>
   <p:sldIdLst>
     <p:sldId id="256" r:id="rId5"/>
     <p:sldId id="272" r:id="rId6"/>
     <p:sldId id="274" r:id="rId7"/>
     <p:sldId id="275" r:id="rId8"/>
-    <p:sldId id="278" r:id="rId9"/>
-    <p:sldId id="260" r:id="rId10"/>
-    <p:sldId id="276" r:id="rId11"/>
-    <p:sldId id="277" r:id="rId12"/>
+    <p:sldId id="260" r:id="rId9"/>
+    <p:sldId id="276" r:id="rId10"/>
+    <p:sldId id="277" r:id="rId11"/>
+    <p:sldId id="280" r:id="rId12"/>
     <p:sldId id="279" r:id="rId13"/>
     <p:sldId id="264" r:id="rId14"/>
-    <p:sldId id="269" r:id="rId15"/>
-    <p:sldId id="270" r:id="rId16"/>
-    <p:sldId id="271" r:id="rId17"/>
-    <p:sldId id="265" r:id="rId18"/>
+    <p:sldId id="281" r:id="rId15"/>
+    <p:sldId id="265" r:id="rId16"/>
   </p:sldIdLst>
   <p:sldSz cx="12192000" cy="6858000"/>
   <p:notesSz cx="6858000" cy="9144000"/>
@@ -128,1787 +126,6 @@
 </p:presentation>
 </file>
 
-<file path=ppt/revisionInfo.xml><?xml version="1.0" encoding="utf-8"?>
-<p1510:revInfo xmlns:a="http://schemas.openxmlformats.org/drawingml/2006/main" xmlns:r="http://schemas.openxmlformats.org/officeDocument/2006/relationships" xmlns:p1510="http://schemas.microsoft.com/office/powerpoint/2015/10/main">
-  <p1510:revLst>
-    <p1510:client id="{5DEA5885-9311-4911-8138-04456D2533B9}" v="160" dt="2024-06-05T18:32:49.300"/>
-  </p1510:revLst>
-</p1510:revInfo>
-</file>
-
-<file path=ppt/changesInfos/changesInfo1.xml><?xml version="1.0" encoding="utf-8"?>
-<pc:chgInfo xmlns:a="http://schemas.openxmlformats.org/drawingml/2006/main" xmlns:r="http://schemas.openxmlformats.org/officeDocument/2006/relationships" xmlns:ac="http://schemas.microsoft.com/office/drawing/2013/main/command" xmlns:pc="http://schemas.microsoft.com/office/powerpoint/2013/main/command">
-  <pc:docChgLst>
-    <pc:chgData name="Michele Scapinello" userId="a79d4642-63df-4d38-b9e0-8db605af2974" providerId="ADAL" clId="{5DEA5885-9311-4911-8138-04456D2533B9}"/>
-    <pc:docChg chg="undo custSel addSld delSld modSld sldOrd">
-      <pc:chgData name="Michele Scapinello" userId="a79d4642-63df-4d38-b9e0-8db605af2974" providerId="ADAL" clId="{5DEA5885-9311-4911-8138-04456D2533B9}" dt="2024-06-05T18:33:22.622" v="2575" actId="207"/>
-      <pc:docMkLst>
-        <pc:docMk/>
-      </pc:docMkLst>
-      <pc:sldChg chg="addSp delSp modSp mod">
-        <pc:chgData name="Michele Scapinello" userId="a79d4642-63df-4d38-b9e0-8db605af2974" providerId="ADAL" clId="{5DEA5885-9311-4911-8138-04456D2533B9}" dt="2024-06-05T18:29:26.047" v="2517" actId="2711"/>
-        <pc:sldMkLst>
-          <pc:docMk/>
-          <pc:sldMk cId="922073569" sldId="256"/>
-        </pc:sldMkLst>
-        <pc:spChg chg="del mod">
-          <ac:chgData name="Michele Scapinello" userId="a79d4642-63df-4d38-b9e0-8db605af2974" providerId="ADAL" clId="{5DEA5885-9311-4911-8138-04456D2533B9}" dt="2024-05-28T19:34:13.281" v="881" actId="478"/>
-          <ac:spMkLst>
-            <pc:docMk/>
-            <pc:sldMk cId="922073569" sldId="256"/>
-            <ac:spMk id="2" creationId="{AA0C85B8-10A7-3424-0B6D-27DAC84CB095}"/>
-          </ac:spMkLst>
-        </pc:spChg>
-        <pc:spChg chg="mod">
-          <ac:chgData name="Michele Scapinello" userId="a79d4642-63df-4d38-b9e0-8db605af2974" providerId="ADAL" clId="{5DEA5885-9311-4911-8138-04456D2533B9}" dt="2024-06-05T18:29:26.047" v="2517" actId="2711"/>
-          <ac:spMkLst>
-            <pc:docMk/>
-            <pc:sldMk cId="922073569" sldId="256"/>
-            <ac:spMk id="3" creationId="{F1685C26-468B-AF11-66B2-AE6BADC38629}"/>
-          </ac:spMkLst>
-        </pc:spChg>
-        <pc:picChg chg="add del mod ord">
-          <ac:chgData name="Michele Scapinello" userId="a79d4642-63df-4d38-b9e0-8db605af2974" providerId="ADAL" clId="{5DEA5885-9311-4911-8138-04456D2533B9}" dt="2024-05-28T19:37:18.852" v="886" actId="478"/>
-          <ac:picMkLst>
-            <pc:docMk/>
-            <pc:sldMk cId="922073569" sldId="256"/>
-            <ac:picMk id="5" creationId="{131A8A38-EFE4-3EA2-3829-E198737DFBFA}"/>
-          </ac:picMkLst>
-        </pc:picChg>
-        <pc:picChg chg="add mod">
-          <ac:chgData name="Michele Scapinello" userId="a79d4642-63df-4d38-b9e0-8db605af2974" providerId="ADAL" clId="{5DEA5885-9311-4911-8138-04456D2533B9}" dt="2024-05-28T19:37:54.988" v="892" actId="1076"/>
-          <ac:picMkLst>
-            <pc:docMk/>
-            <pc:sldMk cId="922073569" sldId="256"/>
-            <ac:picMk id="7" creationId="{724521AA-E26E-13B0-129B-16B301AB4FE6}"/>
-          </ac:picMkLst>
-        </pc:picChg>
-        <pc:picChg chg="add mod ord">
-          <ac:chgData name="Michele Scapinello" userId="a79d4642-63df-4d38-b9e0-8db605af2974" providerId="ADAL" clId="{5DEA5885-9311-4911-8138-04456D2533B9}" dt="2024-05-28T19:37:43.550" v="890" actId="1076"/>
-          <ac:picMkLst>
-            <pc:docMk/>
-            <pc:sldMk cId="922073569" sldId="256"/>
-            <ac:picMk id="9" creationId="{FDC5DBB6-458C-92DA-230D-F5437EF6267A}"/>
-          </ac:picMkLst>
-        </pc:picChg>
-      </pc:sldChg>
-      <pc:sldChg chg="addSp delSp modSp del mod">
-        <pc:chgData name="Michele Scapinello" userId="a79d4642-63df-4d38-b9e0-8db605af2974" providerId="ADAL" clId="{5DEA5885-9311-4911-8138-04456D2533B9}" dt="2024-06-04T17:44:38.225" v="1197" actId="47"/>
-        <pc:sldMkLst>
-          <pc:docMk/>
-          <pc:sldMk cId="4006097855" sldId="257"/>
-        </pc:sldMkLst>
-        <pc:spChg chg="mod">
-          <ac:chgData name="Michele Scapinello" userId="a79d4642-63df-4d38-b9e0-8db605af2974" providerId="ADAL" clId="{5DEA5885-9311-4911-8138-04456D2533B9}" dt="2024-06-04T17:38:26.798" v="1101" actId="207"/>
-          <ac:spMkLst>
-            <pc:docMk/>
-            <pc:sldMk cId="4006097855" sldId="257"/>
-            <ac:spMk id="2" creationId="{C460601A-5BDD-3012-8EEA-D8582AE64722}"/>
-          </ac:spMkLst>
-        </pc:spChg>
-        <pc:spChg chg="mod">
-          <ac:chgData name="Michele Scapinello" userId="a79d4642-63df-4d38-b9e0-8db605af2974" providerId="ADAL" clId="{5DEA5885-9311-4911-8138-04456D2533B9}" dt="2024-06-04T17:38:02.934" v="1099" actId="207"/>
-          <ac:spMkLst>
-            <pc:docMk/>
-            <pc:sldMk cId="4006097855" sldId="257"/>
-            <ac:spMk id="3" creationId="{63515330-567B-7FEB-6FCC-11069F5F01E4}"/>
-          </ac:spMkLst>
-        </pc:spChg>
-        <pc:spChg chg="del mod">
-          <ac:chgData name="Michele Scapinello" userId="a79d4642-63df-4d38-b9e0-8db605af2974" providerId="ADAL" clId="{5DEA5885-9311-4911-8138-04456D2533B9}" dt="2024-06-04T17:44:26.133" v="1193" actId="478"/>
-          <ac:spMkLst>
-            <pc:docMk/>
-            <pc:sldMk cId="4006097855" sldId="257"/>
-            <ac:spMk id="4" creationId="{0A9E1149-BF69-E054-4E9E-F22AD3B685D2}"/>
-          </ac:spMkLst>
-        </pc:spChg>
-        <pc:spChg chg="del">
-          <ac:chgData name="Michele Scapinello" userId="a79d4642-63df-4d38-b9e0-8db605af2974" providerId="ADAL" clId="{5DEA5885-9311-4911-8138-04456D2533B9}" dt="2024-06-04T17:44:17.399" v="1189" actId="478"/>
-          <ac:spMkLst>
-            <pc:docMk/>
-            <pc:sldMk cId="4006097855" sldId="257"/>
-            <ac:spMk id="5" creationId="{95966627-BF0A-2693-6070-7FE77E15A2F6}"/>
-          </ac:spMkLst>
-        </pc:spChg>
-        <pc:spChg chg="add del mod">
-          <ac:chgData name="Michele Scapinello" userId="a79d4642-63df-4d38-b9e0-8db605af2974" providerId="ADAL" clId="{5DEA5885-9311-4911-8138-04456D2533B9}" dt="2024-06-04T17:44:29.016" v="1194" actId="478"/>
-          <ac:spMkLst>
-            <pc:docMk/>
-            <pc:sldMk cId="4006097855" sldId="257"/>
-            <ac:spMk id="6" creationId="{9AD687EC-8622-1BB0-BEFD-0C9B3962BEAA}"/>
-          </ac:spMkLst>
-        </pc:spChg>
-        <pc:spChg chg="add del mod">
-          <ac:chgData name="Michele Scapinello" userId="a79d4642-63df-4d38-b9e0-8db605af2974" providerId="ADAL" clId="{5DEA5885-9311-4911-8138-04456D2533B9}" dt="2024-06-04T17:39:30.222" v="1111" actId="478"/>
-          <ac:spMkLst>
-            <pc:docMk/>
-            <pc:sldMk cId="4006097855" sldId="257"/>
-            <ac:spMk id="10" creationId="{1CBB8B58-5FB9-2CE4-9E21-19EA1E3CF1DC}"/>
-          </ac:spMkLst>
-        </pc:spChg>
-        <pc:spChg chg="del mod">
-          <ac:chgData name="Michele Scapinello" userId="a79d4642-63df-4d38-b9e0-8db605af2974" providerId="ADAL" clId="{5DEA5885-9311-4911-8138-04456D2533B9}" dt="2024-06-04T17:39:36.720" v="1112" actId="478"/>
-          <ac:spMkLst>
-            <pc:docMk/>
-            <pc:sldMk cId="4006097855" sldId="257"/>
-            <ac:spMk id="11" creationId="{4DD021DA-0769-E31E-CB20-887263DB49AE}"/>
-          </ac:spMkLst>
-        </pc:spChg>
-        <pc:picChg chg="add del mod">
-          <ac:chgData name="Michele Scapinello" userId="a79d4642-63df-4d38-b9e0-8db605af2974" providerId="ADAL" clId="{5DEA5885-9311-4911-8138-04456D2533B9}" dt="2024-06-02T13:32:57.986" v="993" actId="478"/>
-          <ac:picMkLst>
-            <pc:docMk/>
-            <pc:sldMk cId="4006097855" sldId="257"/>
-            <ac:picMk id="5" creationId="{D40786D7-DF68-DD82-8840-D88B867DB28E}"/>
-          </ac:picMkLst>
-        </pc:picChg>
-        <pc:picChg chg="add mod">
-          <ac:chgData name="Michele Scapinello" userId="a79d4642-63df-4d38-b9e0-8db605af2974" providerId="ADAL" clId="{5DEA5885-9311-4911-8138-04456D2533B9}" dt="2024-06-02T14:00:34.575" v="1051" actId="1076"/>
-          <ac:picMkLst>
-            <pc:docMk/>
-            <pc:sldMk cId="4006097855" sldId="257"/>
-            <ac:picMk id="7" creationId="{B1E84088-74A6-92B6-3AB9-409695D61876}"/>
-          </ac:picMkLst>
-        </pc:picChg>
-        <pc:picChg chg="add mod">
-          <ac:chgData name="Michele Scapinello" userId="a79d4642-63df-4d38-b9e0-8db605af2974" providerId="ADAL" clId="{5DEA5885-9311-4911-8138-04456D2533B9}" dt="2024-06-02T13:34:32.052" v="1004" actId="1076"/>
-          <ac:picMkLst>
-            <pc:docMk/>
-            <pc:sldMk cId="4006097855" sldId="257"/>
-            <ac:picMk id="9" creationId="{4573A49F-0DF9-68E8-76C3-4F1C8FF7E653}"/>
-          </ac:picMkLst>
-        </pc:picChg>
-        <pc:picChg chg="add del mod">
-          <ac:chgData name="Michele Scapinello" userId="a79d4642-63df-4d38-b9e0-8db605af2974" providerId="ADAL" clId="{5DEA5885-9311-4911-8138-04456D2533B9}" dt="2024-06-02T14:00:30.402" v="1050" actId="478"/>
-          <ac:picMkLst>
-            <pc:docMk/>
-            <pc:sldMk cId="4006097855" sldId="257"/>
-            <ac:picMk id="12" creationId="{50E3A1B1-ECF0-36DE-4307-283D5364FE2D}"/>
-          </ac:picMkLst>
-        </pc:picChg>
-        <pc:picChg chg="add del mod">
-          <ac:chgData name="Michele Scapinello" userId="a79d4642-63df-4d38-b9e0-8db605af2974" providerId="ADAL" clId="{5DEA5885-9311-4911-8138-04456D2533B9}" dt="2024-06-02T14:05:28.842" v="1062" actId="478"/>
-          <ac:picMkLst>
-            <pc:docMk/>
-            <pc:sldMk cId="4006097855" sldId="257"/>
-            <ac:picMk id="14" creationId="{C8DC59B0-5BFD-7CFF-2839-C477F005416B}"/>
-          </ac:picMkLst>
-        </pc:picChg>
-        <pc:picChg chg="add del mod">
-          <ac:chgData name="Michele Scapinello" userId="a79d4642-63df-4d38-b9e0-8db605af2974" providerId="ADAL" clId="{5DEA5885-9311-4911-8138-04456D2533B9}" dt="2024-06-02T14:28:27.679" v="1092" actId="21"/>
-          <ac:picMkLst>
-            <pc:docMk/>
-            <pc:sldMk cId="4006097855" sldId="257"/>
-            <ac:picMk id="16" creationId="{0C4D641F-592F-3852-9AE2-5FDD8CC6C047}"/>
-          </ac:picMkLst>
-        </pc:picChg>
-        <pc:picChg chg="add del mod">
-          <ac:chgData name="Michele Scapinello" userId="a79d4642-63df-4d38-b9e0-8db605af2974" providerId="ADAL" clId="{5DEA5885-9311-4911-8138-04456D2533B9}" dt="2024-06-02T14:02:53.862" v="1056" actId="478"/>
-          <ac:picMkLst>
-            <pc:docMk/>
-            <pc:sldMk cId="4006097855" sldId="257"/>
-            <ac:picMk id="1026" creationId="{8A61C43A-CDE1-984C-8F98-377A8E537C8F}"/>
-          </ac:picMkLst>
-        </pc:picChg>
-      </pc:sldChg>
-      <pc:sldChg chg="addSp delSp modSp del mod setBg">
-        <pc:chgData name="Michele Scapinello" userId="a79d4642-63df-4d38-b9e0-8db605af2974" providerId="ADAL" clId="{5DEA5885-9311-4911-8138-04456D2533B9}" dt="2024-06-04T19:37:39.923" v="1606" actId="2696"/>
-        <pc:sldMkLst>
-          <pc:docMk/>
-          <pc:sldMk cId="1781163361" sldId="258"/>
-        </pc:sldMkLst>
-        <pc:spChg chg="mod">
-          <ac:chgData name="Michele Scapinello" userId="a79d4642-63df-4d38-b9e0-8db605af2974" providerId="ADAL" clId="{5DEA5885-9311-4911-8138-04456D2533B9}" dt="2024-06-04T17:38:47.520" v="1104" actId="207"/>
-          <ac:spMkLst>
-            <pc:docMk/>
-            <pc:sldMk cId="1781163361" sldId="258"/>
-            <ac:spMk id="2" creationId="{FA7A2E82-A58C-EC16-6F9F-8419F9F694BB}"/>
-          </ac:spMkLst>
-        </pc:spChg>
-        <pc:spChg chg="mod">
-          <ac:chgData name="Michele Scapinello" userId="a79d4642-63df-4d38-b9e0-8db605af2974" providerId="ADAL" clId="{5DEA5885-9311-4911-8138-04456D2533B9}" dt="2024-06-04T17:38:42.059" v="1103" actId="207"/>
-          <ac:spMkLst>
-            <pc:docMk/>
-            <pc:sldMk cId="1781163361" sldId="258"/>
-            <ac:spMk id="3" creationId="{4AF20D18-C71B-7C8E-C1F7-EB9D9F5349E1}"/>
-          </ac:spMkLst>
-        </pc:spChg>
-        <pc:spChg chg="del">
-          <ac:chgData name="Michele Scapinello" userId="a79d4642-63df-4d38-b9e0-8db605af2974" providerId="ADAL" clId="{5DEA5885-9311-4911-8138-04456D2533B9}" dt="2024-06-04T19:37:17.891" v="1605" actId="478"/>
-          <ac:spMkLst>
-            <pc:docMk/>
-            <pc:sldMk cId="1781163361" sldId="258"/>
-            <ac:spMk id="4" creationId="{4748684E-5E5A-BA49-C237-324349A5E16A}"/>
-          </ac:spMkLst>
-        </pc:spChg>
-        <pc:spChg chg="add del mod">
-          <ac:chgData name="Michele Scapinello" userId="a79d4642-63df-4d38-b9e0-8db605af2974" providerId="ADAL" clId="{5DEA5885-9311-4911-8138-04456D2533B9}" dt="2024-06-02T13:27:11.010" v="986" actId="478"/>
-          <ac:spMkLst>
-            <pc:docMk/>
-            <pc:sldMk cId="1781163361" sldId="258"/>
-            <ac:spMk id="4" creationId="{F6383485-7071-3402-11FB-4516AC700161}"/>
-          </ac:spMkLst>
-        </pc:spChg>
-      </pc:sldChg>
-      <pc:sldChg chg="addSp delSp modSp del mod ord setBg">
-        <pc:chgData name="Michele Scapinello" userId="a79d4642-63df-4d38-b9e0-8db605af2974" providerId="ADAL" clId="{5DEA5885-9311-4911-8138-04456D2533B9}" dt="2024-06-04T20:27:13.030" v="2105" actId="2696"/>
-        <pc:sldMkLst>
-          <pc:docMk/>
-          <pc:sldMk cId="1676984418" sldId="259"/>
-        </pc:sldMkLst>
-        <pc:spChg chg="mod">
-          <ac:chgData name="Michele Scapinello" userId="a79d4642-63df-4d38-b9e0-8db605af2974" providerId="ADAL" clId="{5DEA5885-9311-4911-8138-04456D2533B9}" dt="2024-06-04T17:39:09.461" v="1108" actId="20577"/>
-          <ac:spMkLst>
-            <pc:docMk/>
-            <pc:sldMk cId="1676984418" sldId="259"/>
-            <ac:spMk id="2" creationId="{BC32A5E0-4E48-D414-C9DE-8F4D2FEBA295}"/>
-          </ac:spMkLst>
-        </pc:spChg>
-        <pc:spChg chg="mod">
-          <ac:chgData name="Michele Scapinello" userId="a79d4642-63df-4d38-b9e0-8db605af2974" providerId="ADAL" clId="{5DEA5885-9311-4911-8138-04456D2533B9}" dt="2024-06-04T17:39:14.825" v="1109" actId="207"/>
-          <ac:spMkLst>
-            <pc:docMk/>
-            <pc:sldMk cId="1676984418" sldId="259"/>
-            <ac:spMk id="3" creationId="{DD620788-1D30-381A-31E2-CDE6C588D28E}"/>
-          </ac:spMkLst>
-        </pc:spChg>
-        <pc:picChg chg="add del mod">
-          <ac:chgData name="Michele Scapinello" userId="a79d4642-63df-4d38-b9e0-8db605af2974" providerId="ADAL" clId="{5DEA5885-9311-4911-8138-04456D2533B9}" dt="2024-06-02T14:08:04.103" v="1069" actId="478"/>
-          <ac:picMkLst>
-            <pc:docMk/>
-            <pc:sldMk cId="1676984418" sldId="259"/>
-            <ac:picMk id="6" creationId="{C26EB280-F66C-509D-342C-6E61D15C613B}"/>
-          </ac:picMkLst>
-        </pc:picChg>
-        <pc:picChg chg="add del mod">
-          <ac:chgData name="Michele Scapinello" userId="a79d4642-63df-4d38-b9e0-8db605af2974" providerId="ADAL" clId="{5DEA5885-9311-4911-8138-04456D2533B9}" dt="2024-06-02T14:09:21.094" v="1075" actId="478"/>
-          <ac:picMkLst>
-            <pc:docMk/>
-            <pc:sldMk cId="1676984418" sldId="259"/>
-            <ac:picMk id="8" creationId="{A330DABB-12EE-D076-32AF-0E9409134727}"/>
-          </ac:picMkLst>
-        </pc:picChg>
-        <pc:picChg chg="add del mod">
-          <ac:chgData name="Michele Scapinello" userId="a79d4642-63df-4d38-b9e0-8db605af2974" providerId="ADAL" clId="{5DEA5885-9311-4911-8138-04456D2533B9}" dt="2024-06-02T14:13:00.705" v="1086" actId="478"/>
-          <ac:picMkLst>
-            <pc:docMk/>
-            <pc:sldMk cId="1676984418" sldId="259"/>
-            <ac:picMk id="10" creationId="{9C942994-76CC-B8A8-F346-9CB9394EB3A9}"/>
-          </ac:picMkLst>
-        </pc:picChg>
-        <pc:picChg chg="add del mod">
-          <ac:chgData name="Michele Scapinello" userId="a79d4642-63df-4d38-b9e0-8db605af2974" providerId="ADAL" clId="{5DEA5885-9311-4911-8138-04456D2533B9}" dt="2024-06-04T17:39:20.075" v="1110" actId="478"/>
-          <ac:picMkLst>
-            <pc:docMk/>
-            <pc:sldMk cId="1676984418" sldId="259"/>
-            <ac:picMk id="16" creationId="{0C4D641F-592F-3852-9AE2-5FDD8CC6C047}"/>
-          </ac:picMkLst>
-        </pc:picChg>
-        <pc:picChg chg="add mod">
-          <ac:chgData name="Michele Scapinello" userId="a79d4642-63df-4d38-b9e0-8db605af2974" providerId="ADAL" clId="{5DEA5885-9311-4911-8138-04456D2533B9}" dt="2024-06-04T19:40:41.329" v="1619" actId="1076"/>
-          <ac:picMkLst>
-            <pc:docMk/>
-            <pc:sldMk cId="1676984418" sldId="259"/>
-            <ac:picMk id="1026" creationId="{C2F3B9E2-2A68-659F-46E6-110578866DFA}"/>
-          </ac:picMkLst>
-        </pc:picChg>
-        <pc:picChg chg="add mod">
-          <ac:chgData name="Michele Scapinello" userId="a79d4642-63df-4d38-b9e0-8db605af2974" providerId="ADAL" clId="{5DEA5885-9311-4911-8138-04456D2533B9}" dt="2024-06-04T19:40:52.670" v="1623" actId="1076"/>
-          <ac:picMkLst>
-            <pc:docMk/>
-            <pc:sldMk cId="1676984418" sldId="259"/>
-            <ac:picMk id="1028" creationId="{34E55E26-1457-2353-4540-5A9C7BE33EBD}"/>
-          </ac:picMkLst>
-        </pc:picChg>
-        <pc:picChg chg="add del mod">
-          <ac:chgData name="Michele Scapinello" userId="a79d4642-63df-4d38-b9e0-8db605af2974" providerId="ADAL" clId="{5DEA5885-9311-4911-8138-04456D2533B9}" dt="2024-06-02T14:07:42.552" v="1065" actId="478"/>
-          <ac:picMkLst>
-            <pc:docMk/>
-            <pc:sldMk cId="1676984418" sldId="259"/>
-            <ac:picMk id="2050" creationId="{09C98BEB-5D14-C62D-605A-3FEAA7B290C0}"/>
-          </ac:picMkLst>
-        </pc:picChg>
-        <pc:picChg chg="add del">
-          <ac:chgData name="Michele Scapinello" userId="a79d4642-63df-4d38-b9e0-8db605af2974" providerId="ADAL" clId="{5DEA5885-9311-4911-8138-04456D2533B9}" dt="2024-06-02T14:08:28.297" v="1071" actId="478"/>
-          <ac:picMkLst>
-            <pc:docMk/>
-            <pc:sldMk cId="1676984418" sldId="259"/>
-            <ac:picMk id="2052" creationId="{8030DD4F-1E8A-60EF-DF14-1AF7D46A35E4}"/>
-          </ac:picMkLst>
-        </pc:picChg>
-        <pc:picChg chg="add del mod">
-          <ac:chgData name="Michele Scapinello" userId="a79d4642-63df-4d38-b9e0-8db605af2974" providerId="ADAL" clId="{5DEA5885-9311-4911-8138-04456D2533B9}" dt="2024-06-02T14:10:23.633" v="1082" actId="478"/>
-          <ac:picMkLst>
-            <pc:docMk/>
-            <pc:sldMk cId="1676984418" sldId="259"/>
-            <ac:picMk id="2054" creationId="{3E44C702-9DF3-8E1B-39D1-DBE802B2DFCE}"/>
-          </ac:picMkLst>
-        </pc:picChg>
-      </pc:sldChg>
-      <pc:sldChg chg="modSp ord">
-        <pc:chgData name="Michele Scapinello" userId="a79d4642-63df-4d38-b9e0-8db605af2974" providerId="ADAL" clId="{5DEA5885-9311-4911-8138-04456D2533B9}" dt="2024-06-04T20:12:42.084" v="1917"/>
-        <pc:sldMkLst>
-          <pc:docMk/>
-          <pc:sldMk cId="4220491977" sldId="260"/>
-        </pc:sldMkLst>
-        <pc:spChg chg="mod">
-          <ac:chgData name="Michele Scapinello" userId="a79d4642-63df-4d38-b9e0-8db605af2974" providerId="ADAL" clId="{5DEA5885-9311-4911-8138-04456D2533B9}" dt="2024-06-02T13:26:14.061" v="985"/>
-          <ac:spMkLst>
-            <pc:docMk/>
-            <pc:sldMk cId="4220491977" sldId="260"/>
-            <ac:spMk id="2" creationId="{87E1427E-A358-EBEC-A9BE-936E8B089396}"/>
-          </ac:spMkLst>
-        </pc:spChg>
-        <pc:graphicFrameChg chg="mod">
-          <ac:chgData name="Michele Scapinello" userId="a79d4642-63df-4d38-b9e0-8db605af2974" providerId="ADAL" clId="{5DEA5885-9311-4911-8138-04456D2533B9}" dt="2024-06-02T13:25:59.257" v="983"/>
-          <ac:graphicFrameMkLst>
-            <pc:docMk/>
-            <pc:sldMk cId="4220491977" sldId="260"/>
-            <ac:graphicFrameMk id="4" creationId="{3AD821AF-F257-A98D-CEBD-9DB7360E5762}"/>
-          </ac:graphicFrameMkLst>
-        </pc:graphicFrameChg>
-      </pc:sldChg>
-      <pc:sldChg chg="modSp del">
-        <pc:chgData name="Michele Scapinello" userId="a79d4642-63df-4d38-b9e0-8db605af2974" providerId="ADAL" clId="{5DEA5885-9311-4911-8138-04456D2533B9}" dt="2024-06-04T20:12:45.771" v="1918" actId="2696"/>
-        <pc:sldMkLst>
-          <pc:docMk/>
-          <pc:sldMk cId="3818697753" sldId="261"/>
-        </pc:sldMkLst>
-        <pc:spChg chg="mod">
-          <ac:chgData name="Michele Scapinello" userId="a79d4642-63df-4d38-b9e0-8db605af2974" providerId="ADAL" clId="{5DEA5885-9311-4911-8138-04456D2533B9}" dt="2024-06-02T13:26:14.061" v="985"/>
-          <ac:spMkLst>
-            <pc:docMk/>
-            <pc:sldMk cId="3818697753" sldId="261"/>
-            <ac:spMk id="2" creationId="{CB6D2AF9-8F79-959F-21BA-5D198E1F28AD}"/>
-          </ac:spMkLst>
-        </pc:spChg>
-        <pc:spChg chg="mod">
-          <ac:chgData name="Michele Scapinello" userId="a79d4642-63df-4d38-b9e0-8db605af2974" providerId="ADAL" clId="{5DEA5885-9311-4911-8138-04456D2533B9}" dt="2024-06-02T13:26:14.061" v="985"/>
-          <ac:spMkLst>
-            <pc:docMk/>
-            <pc:sldMk cId="3818697753" sldId="261"/>
-            <ac:spMk id="3" creationId="{78B307B2-FC5B-725C-E482-72F4ABA4E4C0}"/>
-          </ac:spMkLst>
-        </pc:spChg>
-      </pc:sldChg>
-      <pc:sldChg chg="modSp del mod">
-        <pc:chgData name="Michele Scapinello" userId="a79d4642-63df-4d38-b9e0-8db605af2974" providerId="ADAL" clId="{5DEA5885-9311-4911-8138-04456D2533B9}" dt="2024-06-04T20:24:51.812" v="2104" actId="2696"/>
-        <pc:sldMkLst>
-          <pc:docMk/>
-          <pc:sldMk cId="23134932" sldId="262"/>
-        </pc:sldMkLst>
-        <pc:spChg chg="mod">
-          <ac:chgData name="Michele Scapinello" userId="a79d4642-63df-4d38-b9e0-8db605af2974" providerId="ADAL" clId="{5DEA5885-9311-4911-8138-04456D2533B9}" dt="2024-06-02T13:26:14.061" v="985"/>
-          <ac:spMkLst>
-            <pc:docMk/>
-            <pc:sldMk cId="23134932" sldId="262"/>
-            <ac:spMk id="2" creationId="{E26ABAAC-130A-7D08-295A-AC09DAFA0918}"/>
-          </ac:spMkLst>
-        </pc:spChg>
-        <pc:spChg chg="mod">
-          <ac:chgData name="Michele Scapinello" userId="a79d4642-63df-4d38-b9e0-8db605af2974" providerId="ADAL" clId="{5DEA5885-9311-4911-8138-04456D2533B9}" dt="2024-05-28T13:47:34.696" v="865" actId="1037"/>
-          <ac:spMkLst>
-            <pc:docMk/>
-            <pc:sldMk cId="23134932" sldId="262"/>
-            <ac:spMk id="3" creationId="{B769E687-91F1-CB0B-8ED4-2A927692D26E}"/>
-          </ac:spMkLst>
-        </pc:spChg>
-      </pc:sldChg>
-      <pc:sldChg chg="modSp del mod">
-        <pc:chgData name="Michele Scapinello" userId="a79d4642-63df-4d38-b9e0-8db605af2974" providerId="ADAL" clId="{5DEA5885-9311-4911-8138-04456D2533B9}" dt="2024-06-05T18:29:13.111" v="2516" actId="2696"/>
-        <pc:sldMkLst>
-          <pc:docMk/>
-          <pc:sldMk cId="4171531053" sldId="263"/>
-        </pc:sldMkLst>
-        <pc:spChg chg="mod">
-          <ac:chgData name="Michele Scapinello" userId="a79d4642-63df-4d38-b9e0-8db605af2974" providerId="ADAL" clId="{5DEA5885-9311-4911-8138-04456D2533B9}" dt="2024-06-02T13:26:14.061" v="985"/>
-          <ac:spMkLst>
-            <pc:docMk/>
-            <pc:sldMk cId="4171531053" sldId="263"/>
-            <ac:spMk id="2" creationId="{C6C13D93-EECE-97D6-391B-3255755E6E5C}"/>
-          </ac:spMkLst>
-        </pc:spChg>
-        <pc:spChg chg="mod">
-          <ac:chgData name="Michele Scapinello" userId="a79d4642-63df-4d38-b9e0-8db605af2974" providerId="ADAL" clId="{5DEA5885-9311-4911-8138-04456D2533B9}" dt="2024-06-02T13:26:14.061" v="985"/>
-          <ac:spMkLst>
-            <pc:docMk/>
-            <pc:sldMk cId="4171531053" sldId="263"/>
-            <ac:spMk id="3" creationId="{306569F6-E274-3904-4C4E-052408344336}"/>
-          </ac:spMkLst>
-        </pc:spChg>
-      </pc:sldChg>
-      <pc:sldChg chg="modSp mod">
-        <pc:chgData name="Michele Scapinello" userId="a79d4642-63df-4d38-b9e0-8db605af2974" providerId="ADAL" clId="{5DEA5885-9311-4911-8138-04456D2533B9}" dt="2024-06-02T13:26:14.061" v="985"/>
-        <pc:sldMkLst>
-          <pc:docMk/>
-          <pc:sldMk cId="1238300064" sldId="264"/>
-        </pc:sldMkLst>
-        <pc:spChg chg="mod">
-          <ac:chgData name="Michele Scapinello" userId="a79d4642-63df-4d38-b9e0-8db605af2974" providerId="ADAL" clId="{5DEA5885-9311-4911-8138-04456D2533B9}" dt="2024-06-02T13:26:14.061" v="985"/>
-          <ac:spMkLst>
-            <pc:docMk/>
-            <pc:sldMk cId="1238300064" sldId="264"/>
-            <ac:spMk id="2" creationId="{63F35A53-4F98-FB9E-D5BC-2C646A49E5F5}"/>
-          </ac:spMkLst>
-        </pc:spChg>
-        <pc:spChg chg="mod">
-          <ac:chgData name="Michele Scapinello" userId="a79d4642-63df-4d38-b9e0-8db605af2974" providerId="ADAL" clId="{5DEA5885-9311-4911-8138-04456D2533B9}" dt="2024-06-02T13:26:14.061" v="985"/>
-          <ac:spMkLst>
-            <pc:docMk/>
-            <pc:sldMk cId="1238300064" sldId="264"/>
-            <ac:spMk id="3" creationId="{C9B5D862-532F-6FC0-CCA0-5A5E38DD1610}"/>
-          </ac:spMkLst>
-        </pc:spChg>
-      </pc:sldChg>
-      <pc:sldChg chg="modSp new mod">
-        <pc:chgData name="Michele Scapinello" userId="a79d4642-63df-4d38-b9e0-8db605af2974" providerId="ADAL" clId="{5DEA5885-9311-4911-8138-04456D2533B9}" dt="2024-06-02T13:26:14.061" v="985"/>
-        <pc:sldMkLst>
-          <pc:docMk/>
-          <pc:sldMk cId="3708187138" sldId="265"/>
-        </pc:sldMkLst>
-        <pc:spChg chg="mod">
-          <ac:chgData name="Michele Scapinello" userId="a79d4642-63df-4d38-b9e0-8db605af2974" providerId="ADAL" clId="{5DEA5885-9311-4911-8138-04456D2533B9}" dt="2024-06-02T13:26:14.061" v="985"/>
-          <ac:spMkLst>
-            <pc:docMk/>
-            <pc:sldMk cId="3708187138" sldId="265"/>
-            <ac:spMk id="2" creationId="{F4E180E6-08BE-E85C-0594-55C5DF7ED010}"/>
-          </ac:spMkLst>
-        </pc:spChg>
-        <pc:spChg chg="mod">
-          <ac:chgData name="Michele Scapinello" userId="a79d4642-63df-4d38-b9e0-8db605af2974" providerId="ADAL" clId="{5DEA5885-9311-4911-8138-04456D2533B9}" dt="2024-06-02T13:26:14.061" v="985"/>
-          <ac:spMkLst>
-            <pc:docMk/>
-            <pc:sldMk cId="3708187138" sldId="265"/>
-            <ac:spMk id="3" creationId="{E5F409E9-ED7C-77C6-E102-E717C57B99DE}"/>
-          </ac:spMkLst>
-        </pc:spChg>
-      </pc:sldChg>
-      <pc:sldChg chg="new del">
-        <pc:chgData name="Michele Scapinello" userId="a79d4642-63df-4d38-b9e0-8db605af2974" providerId="ADAL" clId="{5DEA5885-9311-4911-8138-04456D2533B9}" dt="2024-05-28T13:46:56.761" v="833" actId="47"/>
-        <pc:sldMkLst>
-          <pc:docMk/>
-          <pc:sldMk cId="1858537879" sldId="266"/>
-        </pc:sldMkLst>
-      </pc:sldChg>
-      <pc:sldChg chg="new del">
-        <pc:chgData name="Michele Scapinello" userId="a79d4642-63df-4d38-b9e0-8db605af2974" providerId="ADAL" clId="{5DEA5885-9311-4911-8138-04456D2533B9}" dt="2024-05-28T13:46:57.887" v="834" actId="47"/>
-        <pc:sldMkLst>
-          <pc:docMk/>
-          <pc:sldMk cId="59168813" sldId="267"/>
-        </pc:sldMkLst>
-      </pc:sldChg>
-      <pc:sldChg chg="new del">
-        <pc:chgData name="Michele Scapinello" userId="a79d4642-63df-4d38-b9e0-8db605af2974" providerId="ADAL" clId="{5DEA5885-9311-4911-8138-04456D2533B9}" dt="2024-05-28T13:46:58.458" v="835" actId="47"/>
-        <pc:sldMkLst>
-          <pc:docMk/>
-          <pc:sldMk cId="1802520136" sldId="268"/>
-        </pc:sldMkLst>
-      </pc:sldChg>
-      <pc:sldChg chg="modSp new mod">
-        <pc:chgData name="Michele Scapinello" userId="a79d4642-63df-4d38-b9e0-8db605af2974" providerId="ADAL" clId="{5DEA5885-9311-4911-8138-04456D2533B9}" dt="2024-06-02T13:26:14.061" v="985"/>
-        <pc:sldMkLst>
-          <pc:docMk/>
-          <pc:sldMk cId="257592218" sldId="269"/>
-        </pc:sldMkLst>
-        <pc:spChg chg="mod">
-          <ac:chgData name="Michele Scapinello" userId="a79d4642-63df-4d38-b9e0-8db605af2974" providerId="ADAL" clId="{5DEA5885-9311-4911-8138-04456D2533B9}" dt="2024-06-02T13:26:14.061" v="985"/>
-          <ac:spMkLst>
-            <pc:docMk/>
-            <pc:sldMk cId="257592218" sldId="269"/>
-            <ac:spMk id="2" creationId="{67D42C8D-4165-C9E1-5CFF-55265687F5E4}"/>
-          </ac:spMkLst>
-        </pc:spChg>
-        <pc:spChg chg="mod">
-          <ac:chgData name="Michele Scapinello" userId="a79d4642-63df-4d38-b9e0-8db605af2974" providerId="ADAL" clId="{5DEA5885-9311-4911-8138-04456D2533B9}" dt="2024-06-02T13:26:14.061" v="985"/>
-          <ac:spMkLst>
-            <pc:docMk/>
-            <pc:sldMk cId="257592218" sldId="269"/>
-            <ac:spMk id="3" creationId="{4AA7991A-1484-783C-8F36-DF62C5A92B42}"/>
-          </ac:spMkLst>
-        </pc:spChg>
-      </pc:sldChg>
-      <pc:sldChg chg="modSp new mod">
-        <pc:chgData name="Michele Scapinello" userId="a79d4642-63df-4d38-b9e0-8db605af2974" providerId="ADAL" clId="{5DEA5885-9311-4911-8138-04456D2533B9}" dt="2024-06-02T13:26:14.061" v="985"/>
-        <pc:sldMkLst>
-          <pc:docMk/>
-          <pc:sldMk cId="3006645425" sldId="270"/>
-        </pc:sldMkLst>
-        <pc:spChg chg="mod">
-          <ac:chgData name="Michele Scapinello" userId="a79d4642-63df-4d38-b9e0-8db605af2974" providerId="ADAL" clId="{5DEA5885-9311-4911-8138-04456D2533B9}" dt="2024-06-02T13:26:14.061" v="985"/>
-          <ac:spMkLst>
-            <pc:docMk/>
-            <pc:sldMk cId="3006645425" sldId="270"/>
-            <ac:spMk id="2" creationId="{D1A91ABD-D096-A008-CC37-498FB3616530}"/>
-          </ac:spMkLst>
-        </pc:spChg>
-        <pc:spChg chg="mod">
-          <ac:chgData name="Michele Scapinello" userId="a79d4642-63df-4d38-b9e0-8db605af2974" providerId="ADAL" clId="{5DEA5885-9311-4911-8138-04456D2533B9}" dt="2024-06-02T13:26:14.061" v="985"/>
-          <ac:spMkLst>
-            <pc:docMk/>
-            <pc:sldMk cId="3006645425" sldId="270"/>
-            <ac:spMk id="3" creationId="{702E9902-8D34-E483-D144-B356BE214FA0}"/>
-          </ac:spMkLst>
-        </pc:spChg>
-      </pc:sldChg>
-      <pc:sldChg chg="modSp new mod">
-        <pc:chgData name="Michele Scapinello" userId="a79d4642-63df-4d38-b9e0-8db605af2974" providerId="ADAL" clId="{5DEA5885-9311-4911-8138-04456D2533B9}" dt="2024-06-02T13:26:14.061" v="985"/>
-        <pc:sldMkLst>
-          <pc:docMk/>
-          <pc:sldMk cId="1939069988" sldId="271"/>
-        </pc:sldMkLst>
-        <pc:spChg chg="mod">
-          <ac:chgData name="Michele Scapinello" userId="a79d4642-63df-4d38-b9e0-8db605af2974" providerId="ADAL" clId="{5DEA5885-9311-4911-8138-04456D2533B9}" dt="2024-06-02T13:26:14.061" v="985"/>
-          <ac:spMkLst>
-            <pc:docMk/>
-            <pc:sldMk cId="1939069988" sldId="271"/>
-            <ac:spMk id="2" creationId="{879829F6-CF3C-ABBB-83C0-89B50CB0CFCC}"/>
-          </ac:spMkLst>
-        </pc:spChg>
-        <pc:spChg chg="mod">
-          <ac:chgData name="Michele Scapinello" userId="a79d4642-63df-4d38-b9e0-8db605af2974" providerId="ADAL" clId="{5DEA5885-9311-4911-8138-04456D2533B9}" dt="2024-06-02T13:26:14.061" v="985"/>
-          <ac:spMkLst>
-            <pc:docMk/>
-            <pc:sldMk cId="1939069988" sldId="271"/>
-            <ac:spMk id="3" creationId="{304829F1-AF97-EE55-C538-1C22365C278D}"/>
-          </ac:spMkLst>
-        </pc:spChg>
-      </pc:sldChg>
-      <pc:sldChg chg="addSp delSp modSp add mod setBg">
-        <pc:chgData name="Michele Scapinello" userId="a79d4642-63df-4d38-b9e0-8db605af2974" providerId="ADAL" clId="{5DEA5885-9311-4911-8138-04456D2533B9}" dt="2024-06-05T18:30:05.128" v="2526" actId="2711"/>
-        <pc:sldMkLst>
-          <pc:docMk/>
-          <pc:sldMk cId="262631945" sldId="272"/>
-        </pc:sldMkLst>
-        <pc:spChg chg="mod">
-          <ac:chgData name="Michele Scapinello" userId="a79d4642-63df-4d38-b9e0-8db605af2974" providerId="ADAL" clId="{5DEA5885-9311-4911-8138-04456D2533B9}" dt="2024-06-05T18:29:55.449" v="2525" actId="2711"/>
-          <ac:spMkLst>
-            <pc:docMk/>
-            <pc:sldMk cId="262631945" sldId="272"/>
-            <ac:spMk id="2" creationId="{C460601A-5BDD-3012-8EEA-D8582AE64722}"/>
-          </ac:spMkLst>
-        </pc:spChg>
-        <pc:spChg chg="del">
-          <ac:chgData name="Michele Scapinello" userId="a79d4642-63df-4d38-b9e0-8db605af2974" providerId="ADAL" clId="{5DEA5885-9311-4911-8138-04456D2533B9}" dt="2024-06-04T17:39:50.659" v="1114" actId="478"/>
-          <ac:spMkLst>
-            <pc:docMk/>
-            <pc:sldMk cId="262631945" sldId="272"/>
-            <ac:spMk id="3" creationId="{63515330-567B-7FEB-6FCC-11069F5F01E4}"/>
-          </ac:spMkLst>
-        </pc:spChg>
-        <pc:spChg chg="add del mod">
-          <ac:chgData name="Michele Scapinello" userId="a79d4642-63df-4d38-b9e0-8db605af2974" providerId="ADAL" clId="{5DEA5885-9311-4911-8138-04456D2533B9}" dt="2024-06-04T17:39:55.968" v="1115" actId="478"/>
-          <ac:spMkLst>
-            <pc:docMk/>
-            <pc:sldMk cId="262631945" sldId="272"/>
-            <ac:spMk id="5" creationId="{50F630CE-0D7E-A355-CD59-FA3BEF9B929A}"/>
-          </ac:spMkLst>
-        </pc:spChg>
-        <pc:spChg chg="mod">
-          <ac:chgData name="Michele Scapinello" userId="a79d4642-63df-4d38-b9e0-8db605af2974" providerId="ADAL" clId="{5DEA5885-9311-4911-8138-04456D2533B9}" dt="2024-06-04T17:43:42.301" v="1183" actId="14100"/>
-          <ac:spMkLst>
-            <pc:docMk/>
-            <pc:sldMk cId="262631945" sldId="272"/>
-            <ac:spMk id="14" creationId="{33ADDE13-FBA3-7EF4-631A-33A8C34136EE}"/>
-          </ac:spMkLst>
-        </pc:spChg>
-        <pc:spChg chg="mod">
-          <ac:chgData name="Michele Scapinello" userId="a79d4642-63df-4d38-b9e0-8db605af2974" providerId="ADAL" clId="{5DEA5885-9311-4911-8138-04456D2533B9}" dt="2024-06-05T18:30:05.128" v="2526" actId="2711"/>
-          <ac:spMkLst>
-            <pc:docMk/>
-            <pc:sldMk cId="262631945" sldId="272"/>
-            <ac:spMk id="15" creationId="{FDCD7513-8D15-E07F-E478-3BC06B390FD0}"/>
-          </ac:spMkLst>
-        </pc:spChg>
-        <pc:spChg chg="add mod">
-          <ac:chgData name="Michele Scapinello" userId="a79d4642-63df-4d38-b9e0-8db605af2974" providerId="ADAL" clId="{5DEA5885-9311-4911-8138-04456D2533B9}" dt="2024-06-05T18:29:36.787" v="2518" actId="2711"/>
-          <ac:spMkLst>
-            <pc:docMk/>
-            <pc:sldMk cId="262631945" sldId="272"/>
-            <ac:spMk id="16" creationId="{D26AC525-0BA5-52D7-6B25-04910D4899CE}"/>
-          </ac:spMkLst>
-        </pc:spChg>
-        <pc:picChg chg="del">
-          <ac:chgData name="Michele Scapinello" userId="a79d4642-63df-4d38-b9e0-8db605af2974" providerId="ADAL" clId="{5DEA5885-9311-4911-8138-04456D2533B9}" dt="2024-06-04T17:39:56.996" v="1116" actId="478"/>
-          <ac:picMkLst>
-            <pc:docMk/>
-            <pc:sldMk cId="262631945" sldId="272"/>
-            <ac:picMk id="7" creationId="{B1E84088-74A6-92B6-3AB9-409695D61876}"/>
-          </ac:picMkLst>
-        </pc:picChg>
-        <pc:picChg chg="del">
-          <ac:chgData name="Michele Scapinello" userId="a79d4642-63df-4d38-b9e0-8db605af2974" providerId="ADAL" clId="{5DEA5885-9311-4911-8138-04456D2533B9}" dt="2024-06-04T17:39:58.709" v="1117" actId="478"/>
-          <ac:picMkLst>
-            <pc:docMk/>
-            <pc:sldMk cId="262631945" sldId="272"/>
-            <ac:picMk id="9" creationId="{4573A49F-0DF9-68E8-76C3-4F1C8FF7E653}"/>
-          </ac:picMkLst>
-        </pc:picChg>
-        <pc:picChg chg="add del mod">
-          <ac:chgData name="Michele Scapinello" userId="a79d4642-63df-4d38-b9e0-8db605af2974" providerId="ADAL" clId="{5DEA5885-9311-4911-8138-04456D2533B9}" dt="2024-06-04T19:35:44.097" v="1583" actId="478"/>
-          <ac:picMkLst>
-            <pc:docMk/>
-            <pc:sldMk cId="262631945" sldId="272"/>
-            <ac:picMk id="17" creationId="{315AAB51-41E5-66E5-B65C-B53F65DB4A9C}"/>
-          </ac:picMkLst>
-        </pc:picChg>
-        <pc:picChg chg="add del mod">
-          <ac:chgData name="Michele Scapinello" userId="a79d4642-63df-4d38-b9e0-8db605af2974" providerId="ADAL" clId="{5DEA5885-9311-4911-8138-04456D2533B9}" dt="2024-06-04T19:35:48.285" v="1588" actId="478"/>
-          <ac:picMkLst>
-            <pc:docMk/>
-            <pc:sldMk cId="262631945" sldId="272"/>
-            <ac:picMk id="18" creationId="{75353331-059B-8D51-DE1C-11215FF2F3AF}"/>
-          </ac:picMkLst>
-        </pc:picChg>
-        <pc:picChg chg="add mod">
-          <ac:chgData name="Michele Scapinello" userId="a79d4642-63df-4d38-b9e0-8db605af2974" providerId="ADAL" clId="{5DEA5885-9311-4911-8138-04456D2533B9}" dt="2024-06-05T13:43:35.552" v="2137" actId="207"/>
-          <ac:picMkLst>
-            <pc:docMk/>
-            <pc:sldMk cId="262631945" sldId="272"/>
-            <ac:picMk id="20" creationId="{D1F199DC-991D-E97E-5FE7-CCC715574C75}"/>
-          </ac:picMkLst>
-        </pc:picChg>
-        <pc:picChg chg="add mod">
-          <ac:chgData name="Michele Scapinello" userId="a79d4642-63df-4d38-b9e0-8db605af2974" providerId="ADAL" clId="{5DEA5885-9311-4911-8138-04456D2533B9}" dt="2024-06-05T18:29:49.874" v="2524" actId="1076"/>
-          <ac:picMkLst>
-            <pc:docMk/>
-            <pc:sldMk cId="262631945" sldId="272"/>
-            <ac:picMk id="22" creationId="{3229A964-22C4-AF18-C11A-0B4E639EDF5A}"/>
-          </ac:picMkLst>
-        </pc:picChg>
-        <pc:picChg chg="add mod">
-          <ac:chgData name="Michele Scapinello" userId="a79d4642-63df-4d38-b9e0-8db605af2974" providerId="ADAL" clId="{5DEA5885-9311-4911-8138-04456D2533B9}" dt="2024-06-05T18:29:49.874" v="2524" actId="1076"/>
-          <ac:picMkLst>
-            <pc:docMk/>
-            <pc:sldMk cId="262631945" sldId="272"/>
-            <ac:picMk id="24" creationId="{8B5AD6D5-CE7F-917A-55C7-9F37EE913303}"/>
-          </ac:picMkLst>
-        </pc:picChg>
-        <pc:picChg chg="add del mod">
-          <ac:chgData name="Michele Scapinello" userId="a79d4642-63df-4d38-b9e0-8db605af2974" providerId="ADAL" clId="{5DEA5885-9311-4911-8138-04456D2533B9}" dt="2024-06-04T18:57:49.802" v="1238" actId="478"/>
-          <ac:picMkLst>
-            <pc:docMk/>
-            <pc:sldMk cId="262631945" sldId="272"/>
-            <ac:picMk id="26" creationId="{F29694EF-E1E0-A739-83B4-891075F74EFF}"/>
-          </ac:picMkLst>
-        </pc:picChg>
-        <pc:picChg chg="add mod ord">
-          <ac:chgData name="Michele Scapinello" userId="a79d4642-63df-4d38-b9e0-8db605af2974" providerId="ADAL" clId="{5DEA5885-9311-4911-8138-04456D2533B9}" dt="2024-06-05T18:29:43.133" v="2521" actId="14100"/>
-          <ac:picMkLst>
-            <pc:docMk/>
-            <pc:sldMk cId="262631945" sldId="272"/>
-            <ac:picMk id="39" creationId="{7A7E178E-3341-5D89-A49D-E95EA14D3BD3}"/>
-          </ac:picMkLst>
-        </pc:picChg>
-        <pc:picChg chg="add mod">
-          <ac:chgData name="Michele Scapinello" userId="a79d4642-63df-4d38-b9e0-8db605af2974" providerId="ADAL" clId="{5DEA5885-9311-4911-8138-04456D2533B9}" dt="2024-06-05T18:29:44.579" v="2522" actId="14100"/>
-          <ac:picMkLst>
-            <pc:docMk/>
-            <pc:sldMk cId="262631945" sldId="272"/>
-            <ac:picMk id="41" creationId="{6ADA0C86-7A3A-18CD-07F3-81D8372B4B7B}"/>
-          </ac:picMkLst>
-        </pc:picChg>
-        <pc:cxnChg chg="add del mod">
-          <ac:chgData name="Michele Scapinello" userId="a79d4642-63df-4d38-b9e0-8db605af2974" providerId="ADAL" clId="{5DEA5885-9311-4911-8138-04456D2533B9}" dt="2024-06-04T17:41:37.872" v="1164" actId="478"/>
-          <ac:cxnSpMkLst>
-            <pc:docMk/>
-            <pc:sldMk cId="262631945" sldId="272"/>
-            <ac:cxnSpMk id="8" creationId="{966860DA-2605-CE84-7273-64355CBCF2A8}"/>
-          </ac:cxnSpMkLst>
-        </pc:cxnChg>
-        <pc:cxnChg chg="add mod">
-          <ac:chgData name="Michele Scapinello" userId="a79d4642-63df-4d38-b9e0-8db605af2974" providerId="ADAL" clId="{5DEA5885-9311-4911-8138-04456D2533B9}" dt="2024-06-05T18:29:49.874" v="2524" actId="1076"/>
-          <ac:cxnSpMkLst>
-            <pc:docMk/>
-            <pc:sldMk cId="262631945" sldId="272"/>
-            <ac:cxnSpMk id="28" creationId="{F8029EC7-2EF9-9339-9A61-179F064795B9}"/>
-          </ac:cxnSpMkLst>
-        </pc:cxnChg>
-        <pc:cxnChg chg="add mod">
-          <ac:chgData name="Michele Scapinello" userId="a79d4642-63df-4d38-b9e0-8db605af2974" providerId="ADAL" clId="{5DEA5885-9311-4911-8138-04456D2533B9}" dt="2024-06-05T18:29:49.874" v="2524" actId="1076"/>
-          <ac:cxnSpMkLst>
-            <pc:docMk/>
-            <pc:sldMk cId="262631945" sldId="272"/>
-            <ac:cxnSpMk id="34" creationId="{C3F79F3E-38B1-1521-B3B8-7D4FD2586141}"/>
-          </ac:cxnSpMkLst>
-        </pc:cxnChg>
-      </pc:sldChg>
-      <pc:sldChg chg="addSp delSp modSp add del mod">
-        <pc:chgData name="Michele Scapinello" userId="a79d4642-63df-4d38-b9e0-8db605af2974" providerId="ADAL" clId="{5DEA5885-9311-4911-8138-04456D2533B9}" dt="2024-06-04T19:35:39.825" v="1582" actId="2696"/>
-        <pc:sldMkLst>
-          <pc:docMk/>
-          <pc:sldMk cId="3203706281" sldId="273"/>
-        </pc:sldMkLst>
-        <pc:spChg chg="add del">
-          <ac:chgData name="Michele Scapinello" userId="a79d4642-63df-4d38-b9e0-8db605af2974" providerId="ADAL" clId="{5DEA5885-9311-4911-8138-04456D2533B9}" dt="2024-06-04T19:00:43.583" v="1264" actId="478"/>
-          <ac:spMkLst>
-            <pc:docMk/>
-            <pc:sldMk cId="3203706281" sldId="273"/>
-            <ac:spMk id="2" creationId="{C460601A-5BDD-3012-8EEA-D8582AE64722}"/>
-          </ac:spMkLst>
-        </pc:spChg>
-        <pc:spChg chg="add del mod">
-          <ac:chgData name="Michele Scapinello" userId="a79d4642-63df-4d38-b9e0-8db605af2974" providerId="ADAL" clId="{5DEA5885-9311-4911-8138-04456D2533B9}" dt="2024-06-04T19:00:42.001" v="1263" actId="478"/>
-          <ac:spMkLst>
-            <pc:docMk/>
-            <pc:sldMk cId="3203706281" sldId="273"/>
-            <ac:spMk id="4" creationId="{D32D6D04-1406-927C-8B97-9C9AF46BE855}"/>
-          </ac:spMkLst>
-        </pc:spChg>
-        <pc:spChg chg="add mod">
-          <ac:chgData name="Michele Scapinello" userId="a79d4642-63df-4d38-b9e0-8db605af2974" providerId="ADAL" clId="{5DEA5885-9311-4911-8138-04456D2533B9}" dt="2024-06-04T19:00:41.340" v="1262"/>
-          <ac:spMkLst>
-            <pc:docMk/>
-            <pc:sldMk cId="3203706281" sldId="273"/>
-            <ac:spMk id="5" creationId="{D666EDE4-DF47-A31F-3135-FE010F028B77}"/>
-          </ac:spMkLst>
-        </pc:spChg>
-        <pc:spChg chg="add mod">
-          <ac:chgData name="Michele Scapinello" userId="a79d4642-63df-4d38-b9e0-8db605af2974" providerId="ADAL" clId="{5DEA5885-9311-4911-8138-04456D2533B9}" dt="2024-06-04T19:00:40.981" v="1261" actId="1076"/>
-          <ac:spMkLst>
-            <pc:docMk/>
-            <pc:sldMk cId="3203706281" sldId="273"/>
-            <ac:spMk id="6" creationId="{71BF8555-210B-24A9-7622-F7C55C4A1000}"/>
-          </ac:spMkLst>
-        </pc:spChg>
-        <pc:spChg chg="add del mod">
-          <ac:chgData name="Michele Scapinello" userId="a79d4642-63df-4d38-b9e0-8db605af2974" providerId="ADAL" clId="{5DEA5885-9311-4911-8138-04456D2533B9}" dt="2024-06-04T19:00:45.290" v="1265" actId="478"/>
-          <ac:spMkLst>
-            <pc:docMk/>
-            <pc:sldMk cId="3203706281" sldId="273"/>
-            <ac:spMk id="8" creationId="{27182761-F9FF-A29C-2B22-C6872C933955}"/>
-          </ac:spMkLst>
-        </pc:spChg>
-        <pc:spChg chg="add mod">
-          <ac:chgData name="Michele Scapinello" userId="a79d4642-63df-4d38-b9e0-8db605af2974" providerId="ADAL" clId="{5DEA5885-9311-4911-8138-04456D2533B9}" dt="2024-06-04T19:03:02.052" v="1275" actId="2711"/>
-          <ac:spMkLst>
-            <pc:docMk/>
-            <pc:sldMk cId="3203706281" sldId="273"/>
-            <ac:spMk id="9" creationId="{25A4824A-52B4-69A0-8AF8-627E895D0D8F}"/>
-          </ac:spMkLst>
-        </pc:spChg>
-        <pc:spChg chg="add mod">
-          <ac:chgData name="Michele Scapinello" userId="a79d4642-63df-4d38-b9e0-8db605af2974" providerId="ADAL" clId="{5DEA5885-9311-4911-8138-04456D2533B9}" dt="2024-06-04T19:18:52.706" v="1378" actId="404"/>
-          <ac:spMkLst>
-            <pc:docMk/>
-            <pc:sldMk cId="3203706281" sldId="273"/>
-            <ac:spMk id="10" creationId="{CBF3E5DC-EFA9-753E-C8BC-26B2D4180768}"/>
-          </ac:spMkLst>
-        </pc:spChg>
-        <pc:spChg chg="add mod">
-          <ac:chgData name="Michele Scapinello" userId="a79d4642-63df-4d38-b9e0-8db605af2974" providerId="ADAL" clId="{5DEA5885-9311-4911-8138-04456D2533B9}" dt="2024-06-04T19:19:20.718" v="1385" actId="1076"/>
-          <ac:spMkLst>
-            <pc:docMk/>
-            <pc:sldMk cId="3203706281" sldId="273"/>
-            <ac:spMk id="12" creationId="{770AC267-A13B-5BFD-2D53-915780215AC5}"/>
-          </ac:spMkLst>
-        </pc:spChg>
-        <pc:spChg chg="add mod">
-          <ac:chgData name="Michele Scapinello" userId="a79d4642-63df-4d38-b9e0-8db605af2974" providerId="ADAL" clId="{5DEA5885-9311-4911-8138-04456D2533B9}" dt="2024-06-04T19:19:05.267" v="1382" actId="404"/>
-          <ac:spMkLst>
-            <pc:docMk/>
-            <pc:sldMk cId="3203706281" sldId="273"/>
-            <ac:spMk id="13" creationId="{C08A5A4A-D811-28EF-A262-E1DB90DC7EAA}"/>
-          </ac:spMkLst>
-        </pc:spChg>
-        <pc:picChg chg="add mod">
-          <ac:chgData name="Michele Scapinello" userId="a79d4642-63df-4d38-b9e0-8db605af2974" providerId="ADAL" clId="{5DEA5885-9311-4911-8138-04456D2533B9}" dt="2024-06-04T19:19:12.941" v="1383" actId="1076"/>
-          <ac:picMkLst>
-            <pc:docMk/>
-            <pc:sldMk cId="3203706281" sldId="273"/>
-            <ac:picMk id="11" creationId="{D26B6408-7454-2DE1-1937-D54ADCDD6E78}"/>
-          </ac:picMkLst>
-        </pc:picChg>
-      </pc:sldChg>
-      <pc:sldChg chg="addSp delSp modSp add mod setBg">
-        <pc:chgData name="Michele Scapinello" userId="a79d4642-63df-4d38-b9e0-8db605af2974" providerId="ADAL" clId="{5DEA5885-9311-4911-8138-04456D2533B9}" dt="2024-06-05T18:30:55.426" v="2551" actId="20577"/>
-        <pc:sldMkLst>
-          <pc:docMk/>
-          <pc:sldMk cId="2175201285" sldId="274"/>
-        </pc:sldMkLst>
-        <pc:spChg chg="mod">
-          <ac:chgData name="Michele Scapinello" userId="a79d4642-63df-4d38-b9e0-8db605af2974" providerId="ADAL" clId="{5DEA5885-9311-4911-8138-04456D2533B9}" dt="2024-06-05T18:30:17.372" v="2527" actId="2711"/>
-          <ac:spMkLst>
-            <pc:docMk/>
-            <pc:sldMk cId="2175201285" sldId="274"/>
-            <ac:spMk id="2" creationId="{C460601A-5BDD-3012-8EEA-D8582AE64722}"/>
-          </ac:spMkLst>
-        </pc:spChg>
-        <pc:spChg chg="mod">
-          <ac:chgData name="Michele Scapinello" userId="a79d4642-63df-4d38-b9e0-8db605af2974" providerId="ADAL" clId="{5DEA5885-9311-4911-8138-04456D2533B9}" dt="2024-06-05T18:30:17.372" v="2527" actId="2711"/>
-          <ac:spMkLst>
-            <pc:docMk/>
-            <pc:sldMk cId="2175201285" sldId="274"/>
-            <ac:spMk id="15" creationId="{FDCD7513-8D15-E07F-E478-3BC06B390FD0}"/>
-          </ac:spMkLst>
-        </pc:spChg>
-        <pc:graphicFrameChg chg="add mod modGraphic">
-          <ac:chgData name="Michele Scapinello" userId="a79d4642-63df-4d38-b9e0-8db605af2974" providerId="ADAL" clId="{5DEA5885-9311-4911-8138-04456D2533B9}" dt="2024-06-05T18:30:55.426" v="2551" actId="20577"/>
-          <ac:graphicFrameMkLst>
-            <pc:docMk/>
-            <pc:sldMk cId="2175201285" sldId="274"/>
-            <ac:graphicFrameMk id="3" creationId="{2AD79A97-A955-F558-B18A-1727468ADE8A}"/>
-          </ac:graphicFrameMkLst>
-        </pc:graphicFrameChg>
-        <pc:picChg chg="add del mod">
-          <ac:chgData name="Michele Scapinello" userId="a79d4642-63df-4d38-b9e0-8db605af2974" providerId="ADAL" clId="{5DEA5885-9311-4911-8138-04456D2533B9}" dt="2024-06-04T19:33:16.324" v="1562" actId="478"/>
-          <ac:picMkLst>
-            <pc:docMk/>
-            <pc:sldMk cId="2175201285" sldId="274"/>
-            <ac:picMk id="4" creationId="{7EC06AEC-8A0D-F4B1-22C8-2700AEA4A58F}"/>
-          </ac:picMkLst>
-        </pc:picChg>
-        <pc:picChg chg="add del mod">
-          <ac:chgData name="Michele Scapinello" userId="a79d4642-63df-4d38-b9e0-8db605af2974" providerId="ADAL" clId="{5DEA5885-9311-4911-8138-04456D2533B9}" dt="2024-06-04T19:33:15.023" v="1561" actId="478"/>
-          <ac:picMkLst>
-            <pc:docMk/>
-            <pc:sldMk cId="2175201285" sldId="274"/>
-            <ac:picMk id="6" creationId="{1B0DF4CF-1842-86A7-6661-4E04298387BF}"/>
-          </ac:picMkLst>
-        </pc:picChg>
-        <pc:picChg chg="add mod">
-          <ac:chgData name="Michele Scapinello" userId="a79d4642-63df-4d38-b9e0-8db605af2974" providerId="ADAL" clId="{5DEA5885-9311-4911-8138-04456D2533B9}" dt="2024-06-04T19:35:19.064" v="1579" actId="1076"/>
-          <ac:picMkLst>
-            <pc:docMk/>
-            <pc:sldMk cId="2175201285" sldId="274"/>
-            <ac:picMk id="8" creationId="{462912B9-F797-F0EC-36A3-49F1A4D8C9A0}"/>
-          </ac:picMkLst>
-        </pc:picChg>
-        <pc:picChg chg="add mod">
-          <ac:chgData name="Michele Scapinello" userId="a79d4642-63df-4d38-b9e0-8db605af2974" providerId="ADAL" clId="{5DEA5885-9311-4911-8138-04456D2533B9}" dt="2024-06-04T19:35:21.125" v="1580" actId="1076"/>
-          <ac:picMkLst>
-            <pc:docMk/>
-            <pc:sldMk cId="2175201285" sldId="274"/>
-            <ac:picMk id="10" creationId="{EF983346-3357-44A9-467D-23B85DA33603}"/>
-          </ac:picMkLst>
-        </pc:picChg>
-        <pc:picChg chg="add mod">
-          <ac:chgData name="Michele Scapinello" userId="a79d4642-63df-4d38-b9e0-8db605af2974" providerId="ADAL" clId="{5DEA5885-9311-4911-8138-04456D2533B9}" dt="2024-06-04T19:35:17.218" v="1578" actId="1076"/>
-          <ac:picMkLst>
-            <pc:docMk/>
-            <pc:sldMk cId="2175201285" sldId="274"/>
-            <ac:picMk id="12" creationId="{EBD49701-2E50-DC21-FA86-4695A83A680F}"/>
-          </ac:picMkLst>
-        </pc:picChg>
-      </pc:sldChg>
-      <pc:sldChg chg="addSp delSp modSp add mod setBg">
-        <pc:chgData name="Michele Scapinello" userId="a79d4642-63df-4d38-b9e0-8db605af2974" providerId="ADAL" clId="{5DEA5885-9311-4911-8138-04456D2533B9}" dt="2024-06-05T18:31:13.953" v="2553" actId="2711"/>
-        <pc:sldMkLst>
-          <pc:docMk/>
-          <pc:sldMk cId="3260102266" sldId="275"/>
-        </pc:sldMkLst>
-        <pc:spChg chg="del">
-          <ac:chgData name="Michele Scapinello" userId="a79d4642-63df-4d38-b9e0-8db605af2974" providerId="ADAL" clId="{5DEA5885-9311-4911-8138-04456D2533B9}" dt="2024-06-04T19:37:06.631" v="1602" actId="478"/>
-          <ac:spMkLst>
-            <pc:docMk/>
-            <pc:sldMk cId="3260102266" sldId="275"/>
-            <ac:spMk id="2" creationId="{C460601A-5BDD-3012-8EEA-D8582AE64722}"/>
-          </ac:spMkLst>
-        </pc:spChg>
-        <pc:spChg chg="add del mod">
-          <ac:chgData name="Michele Scapinello" userId="a79d4642-63df-4d38-b9e0-8db605af2974" providerId="ADAL" clId="{5DEA5885-9311-4911-8138-04456D2533B9}" dt="2024-06-04T19:37:10.083" v="1603" actId="478"/>
-          <ac:spMkLst>
-            <pc:docMk/>
-            <pc:sldMk cId="3260102266" sldId="275"/>
-            <ac:spMk id="4" creationId="{4F030F8F-2890-D299-1129-A4DFC9C56A45}"/>
-          </ac:spMkLst>
-        </pc:spChg>
-        <pc:spChg chg="add mod">
-          <ac:chgData name="Michele Scapinello" userId="a79d4642-63df-4d38-b9e0-8db605af2974" providerId="ADAL" clId="{5DEA5885-9311-4911-8138-04456D2533B9}" dt="2024-06-05T18:31:07.852" v="2552" actId="2711"/>
-          <ac:spMkLst>
-            <pc:docMk/>
-            <pc:sldMk cId="3260102266" sldId="275"/>
-            <ac:spMk id="5" creationId="{F6FE4EB7-902E-F4E9-D735-24F5845A5220}"/>
-          </ac:spMkLst>
-        </pc:spChg>
-        <pc:spChg chg="add mod ord">
-          <ac:chgData name="Michele Scapinello" userId="a79d4642-63df-4d38-b9e0-8db605af2974" providerId="ADAL" clId="{5DEA5885-9311-4911-8138-04456D2533B9}" dt="2024-06-05T13:43:35.115" v="2127" actId="207"/>
-          <ac:spMkLst>
-            <pc:docMk/>
-            <pc:sldMk cId="3260102266" sldId="275"/>
-            <ac:spMk id="10" creationId="{65EADBCD-0895-8229-4CDD-48342FF03815}"/>
-          </ac:spMkLst>
-        </pc:spChg>
-        <pc:spChg chg="add mod ord">
-          <ac:chgData name="Michele Scapinello" userId="a79d4642-63df-4d38-b9e0-8db605af2974" providerId="ADAL" clId="{5DEA5885-9311-4911-8138-04456D2533B9}" dt="2024-06-05T13:43:35.115" v="2127" actId="207"/>
-          <ac:spMkLst>
-            <pc:docMk/>
-            <pc:sldMk cId="3260102266" sldId="275"/>
-            <ac:spMk id="11" creationId="{5D27EA15-952F-7241-8D9C-1A3AD973C760}"/>
-          </ac:spMkLst>
-        </pc:spChg>
-        <pc:spChg chg="add del mod">
-          <ac:chgData name="Michele Scapinello" userId="a79d4642-63df-4d38-b9e0-8db605af2974" providerId="ADAL" clId="{5DEA5885-9311-4911-8138-04456D2533B9}" dt="2024-06-04T19:47:05.054" v="1711"/>
-          <ac:spMkLst>
-            <pc:docMk/>
-            <pc:sldMk cId="3260102266" sldId="275"/>
-            <ac:spMk id="12" creationId="{640BBED0-9100-435F-199A-220DE9185AA7}"/>
-          </ac:spMkLst>
-        </pc:spChg>
-        <pc:spChg chg="add mod">
-          <ac:chgData name="Michele Scapinello" userId="a79d4642-63df-4d38-b9e0-8db605af2974" providerId="ADAL" clId="{5DEA5885-9311-4911-8138-04456D2533B9}" dt="2024-06-05T18:31:07.852" v="2552" actId="2711"/>
-          <ac:spMkLst>
-            <pc:docMk/>
-            <pc:sldMk cId="3260102266" sldId="275"/>
-            <ac:spMk id="13" creationId="{26290276-D50A-540B-1A02-702C53941F18}"/>
-          </ac:spMkLst>
-        </pc:spChg>
-        <pc:spChg chg="mod">
-          <ac:chgData name="Michele Scapinello" userId="a79d4642-63df-4d38-b9e0-8db605af2974" providerId="ADAL" clId="{5DEA5885-9311-4911-8138-04456D2533B9}" dt="2024-06-05T13:43:35.115" v="2127" actId="207"/>
-          <ac:spMkLst>
-            <pc:docMk/>
-            <pc:sldMk cId="3260102266" sldId="275"/>
-            <ac:spMk id="14" creationId="{33ADDE13-FBA3-7EF4-631A-33A8C34136EE}"/>
-          </ac:spMkLst>
-        </pc:spChg>
-        <pc:spChg chg="mod">
-          <ac:chgData name="Michele Scapinello" userId="a79d4642-63df-4d38-b9e0-8db605af2974" providerId="ADAL" clId="{5DEA5885-9311-4911-8138-04456D2533B9}" dt="2024-06-05T18:31:13.953" v="2553" actId="2711"/>
-          <ac:spMkLst>
-            <pc:docMk/>
-            <pc:sldMk cId="3260102266" sldId="275"/>
-            <ac:spMk id="15" creationId="{FDCD7513-8D15-E07F-E478-3BC06B390FD0}"/>
-          </ac:spMkLst>
-        </pc:spChg>
-        <pc:spChg chg="add mod">
-          <ac:chgData name="Michele Scapinello" userId="a79d4642-63df-4d38-b9e0-8db605af2974" providerId="ADAL" clId="{5DEA5885-9311-4911-8138-04456D2533B9}" dt="2024-06-04T19:47:01.547" v="1709"/>
-          <ac:spMkLst>
-            <pc:docMk/>
-            <pc:sldMk cId="3260102266" sldId="275"/>
-            <ac:spMk id="16" creationId="{F39A53C1-9225-DBC5-AD78-964193745FC8}"/>
-          </ac:spMkLst>
-        </pc:spChg>
-        <pc:spChg chg="add mod">
-          <ac:chgData name="Michele Scapinello" userId="a79d4642-63df-4d38-b9e0-8db605af2974" providerId="ADAL" clId="{5DEA5885-9311-4911-8138-04456D2533B9}" dt="2024-06-05T18:31:07.852" v="2552" actId="2711"/>
-          <ac:spMkLst>
-            <pc:docMk/>
-            <pc:sldMk cId="3260102266" sldId="275"/>
-            <ac:spMk id="17" creationId="{3D0DAD1C-9AC6-46BB-A231-3539716B1E1F}"/>
-          </ac:spMkLst>
-        </pc:spChg>
-        <pc:graphicFrameChg chg="add del mod modGraphic">
-          <ac:chgData name="Michele Scapinello" userId="a79d4642-63df-4d38-b9e0-8db605af2974" providerId="ADAL" clId="{5DEA5885-9311-4911-8138-04456D2533B9}" dt="2024-06-04T19:46:13.395" v="1700" actId="478"/>
-          <ac:graphicFrameMkLst>
-            <pc:docMk/>
-            <pc:sldMk cId="3260102266" sldId="275"/>
-            <ac:graphicFrameMk id="6" creationId="{E540996D-E8E4-E208-4FC7-2FB9492DEAEC}"/>
-          </ac:graphicFrameMkLst>
-        </pc:graphicFrameChg>
-        <pc:picChg chg="add mod">
-          <ac:chgData name="Michele Scapinello" userId="a79d4642-63df-4d38-b9e0-8db605af2974" providerId="ADAL" clId="{5DEA5885-9311-4911-8138-04456D2533B9}" dt="2024-06-04T19:43:19.101" v="1665" actId="1076"/>
-          <ac:picMkLst>
-            <pc:docMk/>
-            <pc:sldMk cId="3260102266" sldId="275"/>
-            <ac:picMk id="7" creationId="{67A99EAE-C8D7-448F-6958-6ABDDCB92B84}"/>
-          </ac:picMkLst>
-        </pc:picChg>
-        <pc:picChg chg="add mod">
-          <ac:chgData name="Michele Scapinello" userId="a79d4642-63df-4d38-b9e0-8db605af2974" providerId="ADAL" clId="{5DEA5885-9311-4911-8138-04456D2533B9}" dt="2024-06-04T19:46:24.837" v="1702" actId="1076"/>
-          <ac:picMkLst>
-            <pc:docMk/>
-            <pc:sldMk cId="3260102266" sldId="275"/>
-            <ac:picMk id="8" creationId="{4E8624C7-7A48-39D2-E08C-963082BE2A1A}"/>
-          </ac:picMkLst>
-        </pc:picChg>
-        <pc:picChg chg="add mod">
-          <ac:chgData name="Michele Scapinello" userId="a79d4642-63df-4d38-b9e0-8db605af2974" providerId="ADAL" clId="{5DEA5885-9311-4911-8138-04456D2533B9}" dt="2024-06-04T19:46:20.123" v="1701" actId="1076"/>
-          <ac:picMkLst>
-            <pc:docMk/>
-            <pc:sldMk cId="3260102266" sldId="275"/>
-            <ac:picMk id="9" creationId="{5F2B2578-C0F8-3EDF-5384-E84121B9198B}"/>
-          </ac:picMkLst>
-        </pc:picChg>
-      </pc:sldChg>
-      <pc:sldChg chg="new del">
-        <pc:chgData name="Michele Scapinello" userId="a79d4642-63df-4d38-b9e0-8db605af2974" providerId="ADAL" clId="{5DEA5885-9311-4911-8138-04456D2533B9}" dt="2024-06-04T19:19:24.929" v="1387" actId="47"/>
-        <pc:sldMkLst>
-          <pc:docMk/>
-          <pc:sldMk cId="2850793953" sldId="276"/>
-        </pc:sldMkLst>
-      </pc:sldChg>
-      <pc:sldChg chg="addSp delSp modSp add mod">
-        <pc:chgData name="Michele Scapinello" userId="a79d4642-63df-4d38-b9e0-8db605af2974" providerId="ADAL" clId="{5DEA5885-9311-4911-8138-04456D2533B9}" dt="2024-06-05T18:33:15.453" v="2574" actId="207"/>
-        <pc:sldMkLst>
-          <pc:docMk/>
-          <pc:sldMk cId="2872309028" sldId="276"/>
-        </pc:sldMkLst>
-        <pc:spChg chg="add mod">
-          <ac:chgData name="Michele Scapinello" userId="a79d4642-63df-4d38-b9e0-8db605af2974" providerId="ADAL" clId="{5DEA5885-9311-4911-8138-04456D2533B9}" dt="2024-06-05T18:33:15.453" v="2574" actId="207"/>
-          <ac:spMkLst>
-            <pc:docMk/>
-            <pc:sldMk cId="2872309028" sldId="276"/>
-            <ac:spMk id="2" creationId="{B3216943-7EE2-EFFF-630F-52F731D96251}"/>
-          </ac:spMkLst>
-        </pc:spChg>
-        <pc:spChg chg="add del mod">
-          <ac:chgData name="Michele Scapinello" userId="a79d4642-63df-4d38-b9e0-8db605af2974" providerId="ADAL" clId="{5DEA5885-9311-4911-8138-04456D2533B9}" dt="2024-06-05T18:32:51.729" v="2570"/>
-          <ac:spMkLst>
-            <pc:docMk/>
-            <pc:sldMk cId="2872309028" sldId="276"/>
-            <ac:spMk id="3" creationId="{B8C4092A-D9B2-7737-3D4E-09A7CBDC5327}"/>
-          </ac:spMkLst>
-        </pc:spChg>
-        <pc:spChg chg="add mod">
-          <ac:chgData name="Michele Scapinello" userId="a79d4642-63df-4d38-b9e0-8db605af2974" providerId="ADAL" clId="{5DEA5885-9311-4911-8138-04456D2533B9}" dt="2024-06-05T18:31:36.855" v="2555" actId="1076"/>
-          <ac:spMkLst>
-            <pc:docMk/>
-            <pc:sldMk cId="2872309028" sldId="276"/>
-            <ac:spMk id="7" creationId="{219925B1-EE54-CB30-0162-B12942CE4717}"/>
-          </ac:spMkLst>
-        </pc:spChg>
-        <pc:spChg chg="add mod">
-          <ac:chgData name="Michele Scapinello" userId="a79d4642-63df-4d38-b9e0-8db605af2974" providerId="ADAL" clId="{5DEA5885-9311-4911-8138-04456D2533B9}" dt="2024-06-05T18:31:46.382" v="2557" actId="1076"/>
-          <ac:spMkLst>
-            <pc:docMk/>
-            <pc:sldMk cId="2872309028" sldId="276"/>
-            <ac:spMk id="8" creationId="{6FA1A1F6-C2DE-4892-D76F-E472A1EA474A}"/>
-          </ac:spMkLst>
-        </pc:spChg>
-        <pc:spChg chg="add mod">
-          <ac:chgData name="Michele Scapinello" userId="a79d4642-63df-4d38-b9e0-8db605af2974" providerId="ADAL" clId="{5DEA5885-9311-4911-8138-04456D2533B9}" dt="2024-06-05T18:32:21.165" v="2563" actId="1076"/>
-          <ac:spMkLst>
-            <pc:docMk/>
-            <pc:sldMk cId="2872309028" sldId="276"/>
-            <ac:spMk id="9" creationId="{834B28D0-E621-60CF-EC75-041AC1252946}"/>
-          </ac:spMkLst>
-        </pc:spChg>
-        <pc:spChg chg="add mod">
-          <ac:chgData name="Michele Scapinello" userId="a79d4642-63df-4d38-b9e0-8db605af2974" providerId="ADAL" clId="{5DEA5885-9311-4911-8138-04456D2533B9}" dt="2024-06-05T18:32:29.692" v="2564" actId="1076"/>
-          <ac:spMkLst>
-            <pc:docMk/>
-            <pc:sldMk cId="2872309028" sldId="276"/>
-            <ac:spMk id="10" creationId="{3E16CF82-7D5E-507F-D5C5-AA3E6189D657}"/>
-          </ac:spMkLst>
-        </pc:spChg>
-        <pc:picChg chg="add mod">
-          <ac:chgData name="Michele Scapinello" userId="a79d4642-63df-4d38-b9e0-8db605af2974" providerId="ADAL" clId="{5DEA5885-9311-4911-8138-04456D2533B9}" dt="2024-06-05T18:32:40.606" v="2567" actId="14100"/>
-          <ac:picMkLst>
-            <pc:docMk/>
-            <pc:sldMk cId="2872309028" sldId="276"/>
-            <ac:picMk id="4" creationId="{EA740B3E-50A3-66F9-30F1-797EB754B894}"/>
-          </ac:picMkLst>
-        </pc:picChg>
-        <pc:picChg chg="add mod">
-          <ac:chgData name="Michele Scapinello" userId="a79d4642-63df-4d38-b9e0-8db605af2974" providerId="ADAL" clId="{5DEA5885-9311-4911-8138-04456D2533B9}" dt="2024-06-05T18:32:37.125" v="2566" actId="1076"/>
-          <ac:picMkLst>
-            <pc:docMk/>
-            <pc:sldMk cId="2872309028" sldId="276"/>
-            <ac:picMk id="6" creationId="{677F1544-72EC-C30B-5BA5-09F217C4E17B}"/>
-          </ac:picMkLst>
-        </pc:picChg>
-        <pc:cxnChg chg="add mod">
-          <ac:chgData name="Michele Scapinello" userId="a79d4642-63df-4d38-b9e0-8db605af2974" providerId="ADAL" clId="{5DEA5885-9311-4911-8138-04456D2533B9}" dt="2024-06-05T18:31:39.893" v="2556" actId="1076"/>
-          <ac:cxnSpMkLst>
-            <pc:docMk/>
-            <pc:sldMk cId="2872309028" sldId="276"/>
-            <ac:cxnSpMk id="12" creationId="{437EAF71-011D-0F44-AB8A-5F1081231018}"/>
-          </ac:cxnSpMkLst>
-        </pc:cxnChg>
-        <pc:cxnChg chg="add mod">
-          <ac:chgData name="Michele Scapinello" userId="a79d4642-63df-4d38-b9e0-8db605af2974" providerId="ADAL" clId="{5DEA5885-9311-4911-8138-04456D2533B9}" dt="2024-06-05T18:31:49.815" v="2558" actId="1076"/>
-          <ac:cxnSpMkLst>
-            <pc:docMk/>
-            <pc:sldMk cId="2872309028" sldId="276"/>
-            <ac:cxnSpMk id="16" creationId="{A397814A-67CF-FF27-F115-12C5698FDDF3}"/>
-          </ac:cxnSpMkLst>
-        </pc:cxnChg>
-        <pc:cxnChg chg="add mod">
-          <ac:chgData name="Michele Scapinello" userId="a79d4642-63df-4d38-b9e0-8db605af2974" providerId="ADAL" clId="{5DEA5885-9311-4911-8138-04456D2533B9}" dt="2024-06-05T18:32:21.165" v="2563" actId="1076"/>
-          <ac:cxnSpMkLst>
-            <pc:docMk/>
-            <pc:sldMk cId="2872309028" sldId="276"/>
-            <ac:cxnSpMk id="17" creationId="{C3838AF7-4A34-9120-9F97-844FC9808CBF}"/>
-          </ac:cxnSpMkLst>
-        </pc:cxnChg>
-      </pc:sldChg>
-      <pc:sldChg chg="addSp delSp modSp add mod">
-        <pc:chgData name="Michele Scapinello" userId="a79d4642-63df-4d38-b9e0-8db605af2974" providerId="ADAL" clId="{5DEA5885-9311-4911-8138-04456D2533B9}" dt="2024-06-05T18:33:12.184" v="2573" actId="207"/>
-        <pc:sldMkLst>
-          <pc:docMk/>
-          <pc:sldMk cId="1460708208" sldId="277"/>
-        </pc:sldMkLst>
-        <pc:spChg chg="mod">
-          <ac:chgData name="Michele Scapinello" userId="a79d4642-63df-4d38-b9e0-8db605af2974" providerId="ADAL" clId="{5DEA5885-9311-4911-8138-04456D2533B9}" dt="2024-06-05T18:33:12.184" v="2573" actId="207"/>
-          <ac:spMkLst>
-            <pc:docMk/>
-            <pc:sldMk cId="1460708208" sldId="277"/>
-            <ac:spMk id="2" creationId="{B3216943-7EE2-EFFF-630F-52F731D96251}"/>
-          </ac:spMkLst>
-        </pc:spChg>
-        <pc:spChg chg="del">
-          <ac:chgData name="Michele Scapinello" userId="a79d4642-63df-4d38-b9e0-8db605af2974" providerId="ADAL" clId="{5DEA5885-9311-4911-8138-04456D2533B9}" dt="2024-06-04T20:13:30.501" v="1925" actId="478"/>
-          <ac:spMkLst>
-            <pc:docMk/>
-            <pc:sldMk cId="1460708208" sldId="277"/>
-            <ac:spMk id="7" creationId="{219925B1-EE54-CB30-0162-B12942CE4717}"/>
-          </ac:spMkLst>
-        </pc:spChg>
-        <pc:spChg chg="del">
-          <ac:chgData name="Michele Scapinello" userId="a79d4642-63df-4d38-b9e0-8db605af2974" providerId="ADAL" clId="{5DEA5885-9311-4911-8138-04456D2533B9}" dt="2024-06-04T20:13:25.918" v="1924" actId="478"/>
-          <ac:spMkLst>
-            <pc:docMk/>
-            <pc:sldMk cId="1460708208" sldId="277"/>
-            <ac:spMk id="8" creationId="{6FA1A1F6-C2DE-4892-D76F-E472A1EA474A}"/>
-          </ac:spMkLst>
-        </pc:spChg>
-        <pc:spChg chg="del">
-          <ac:chgData name="Michele Scapinello" userId="a79d4642-63df-4d38-b9e0-8db605af2974" providerId="ADAL" clId="{5DEA5885-9311-4911-8138-04456D2533B9}" dt="2024-06-04T20:13:25.918" v="1924" actId="478"/>
-          <ac:spMkLst>
-            <pc:docMk/>
-            <pc:sldMk cId="1460708208" sldId="277"/>
-            <ac:spMk id="9" creationId="{834B28D0-E621-60CF-EC75-041AC1252946}"/>
-          </ac:spMkLst>
-        </pc:spChg>
-        <pc:spChg chg="del">
-          <ac:chgData name="Michele Scapinello" userId="a79d4642-63df-4d38-b9e0-8db605af2974" providerId="ADAL" clId="{5DEA5885-9311-4911-8138-04456D2533B9}" dt="2024-06-04T20:13:25.918" v="1924" actId="478"/>
-          <ac:spMkLst>
-            <pc:docMk/>
-            <pc:sldMk cId="1460708208" sldId="277"/>
-            <ac:spMk id="10" creationId="{3E16CF82-7D5E-507F-D5C5-AA3E6189D657}"/>
-          </ac:spMkLst>
-        </pc:spChg>
-        <pc:spChg chg="add mod">
-          <ac:chgData name="Michele Scapinello" userId="a79d4642-63df-4d38-b9e0-8db605af2974" providerId="ADAL" clId="{5DEA5885-9311-4911-8138-04456D2533B9}" dt="2024-06-05T18:33:02.668" v="2572" actId="2711"/>
-          <ac:spMkLst>
-            <pc:docMk/>
-            <pc:sldMk cId="1460708208" sldId="277"/>
-            <ac:spMk id="20" creationId="{B3444202-3863-7163-71DD-E180C788EDFB}"/>
-          </ac:spMkLst>
-        </pc:spChg>
-        <pc:spChg chg="add mod">
-          <ac:chgData name="Michele Scapinello" userId="a79d4642-63df-4d38-b9e0-8db605af2974" providerId="ADAL" clId="{5DEA5885-9311-4911-8138-04456D2533B9}" dt="2024-06-05T18:33:02.668" v="2572" actId="2711"/>
-          <ac:spMkLst>
-            <pc:docMk/>
-            <pc:sldMk cId="1460708208" sldId="277"/>
-            <ac:spMk id="23" creationId="{D800D4D4-DFDF-FE58-E93B-C754A3767DA0}"/>
-          </ac:spMkLst>
-        </pc:spChg>
-        <pc:spChg chg="add mod">
-          <ac:chgData name="Michele Scapinello" userId="a79d4642-63df-4d38-b9e0-8db605af2974" providerId="ADAL" clId="{5DEA5885-9311-4911-8138-04456D2533B9}" dt="2024-06-05T18:33:02.668" v="2572" actId="2711"/>
-          <ac:spMkLst>
-            <pc:docMk/>
-            <pc:sldMk cId="1460708208" sldId="277"/>
-            <ac:spMk id="25" creationId="{A1E01DA0-4AB5-2484-033E-8CC399A09116}"/>
-          </ac:spMkLst>
-        </pc:spChg>
-        <pc:spChg chg="add mod">
-          <ac:chgData name="Michele Scapinello" userId="a79d4642-63df-4d38-b9e0-8db605af2974" providerId="ADAL" clId="{5DEA5885-9311-4911-8138-04456D2533B9}" dt="2024-06-05T18:33:02.668" v="2572" actId="2711"/>
-          <ac:spMkLst>
-            <pc:docMk/>
-            <pc:sldMk cId="1460708208" sldId="277"/>
-            <ac:spMk id="28" creationId="{14634ABE-8596-A741-2BCC-7880BF6323DD}"/>
-          </ac:spMkLst>
-        </pc:spChg>
-        <pc:spChg chg="add mod">
-          <ac:chgData name="Michele Scapinello" userId="a79d4642-63df-4d38-b9e0-8db605af2974" providerId="ADAL" clId="{5DEA5885-9311-4911-8138-04456D2533B9}" dt="2024-06-05T18:33:02.668" v="2572" actId="2711"/>
-          <ac:spMkLst>
-            <pc:docMk/>
-            <pc:sldMk cId="1460708208" sldId="277"/>
-            <ac:spMk id="31" creationId="{04C4B180-BDDD-8AC9-3FC0-B21945FF669B}"/>
-          </ac:spMkLst>
-        </pc:spChg>
-        <pc:spChg chg="add mod">
-          <ac:chgData name="Michele Scapinello" userId="a79d4642-63df-4d38-b9e0-8db605af2974" providerId="ADAL" clId="{5DEA5885-9311-4911-8138-04456D2533B9}" dt="2024-06-04T20:21:27.053" v="2069" actId="692"/>
-          <ac:spMkLst>
-            <pc:docMk/>
-            <pc:sldMk cId="1460708208" sldId="277"/>
-            <ac:spMk id="33" creationId="{B66B36FF-C7A0-6223-2CBE-CF14DA2E19BB}"/>
-          </ac:spMkLst>
-        </pc:spChg>
-        <pc:spChg chg="add del">
-          <ac:chgData name="Michele Scapinello" userId="a79d4642-63df-4d38-b9e0-8db605af2974" providerId="ADAL" clId="{5DEA5885-9311-4911-8138-04456D2533B9}" dt="2024-06-04T20:22:43.102" v="2083" actId="478"/>
-          <ac:spMkLst>
-            <pc:docMk/>
-            <pc:sldMk cId="1460708208" sldId="277"/>
-            <ac:spMk id="38" creationId="{1C7D3C60-34FE-31C4-0D6E-E36070D02036}"/>
-          </ac:spMkLst>
-        </pc:spChg>
-        <pc:spChg chg="add mod">
-          <ac:chgData name="Michele Scapinello" userId="a79d4642-63df-4d38-b9e0-8db605af2974" providerId="ADAL" clId="{5DEA5885-9311-4911-8138-04456D2533B9}" dt="2024-06-04T20:23:00.820" v="2087" actId="692"/>
-          <ac:spMkLst>
-            <pc:docMk/>
-            <pc:sldMk cId="1460708208" sldId="277"/>
-            <ac:spMk id="39" creationId="{8E25AF87-7766-C171-B49D-E13AE255774A}"/>
-          </ac:spMkLst>
-        </pc:spChg>
-        <pc:spChg chg="add mod">
-          <ac:chgData name="Michele Scapinello" userId="a79d4642-63df-4d38-b9e0-8db605af2974" providerId="ADAL" clId="{5DEA5885-9311-4911-8138-04456D2533B9}" dt="2024-06-04T20:23:51.340" v="2094" actId="14100"/>
-          <ac:spMkLst>
-            <pc:docMk/>
-            <pc:sldMk cId="1460708208" sldId="277"/>
-            <ac:spMk id="41" creationId="{408E335E-CC96-BDD9-D586-84DEC1A932B2}"/>
-          </ac:spMkLst>
-        </pc:spChg>
-        <pc:spChg chg="add mod">
-          <ac:chgData name="Michele Scapinello" userId="a79d4642-63df-4d38-b9e0-8db605af2974" providerId="ADAL" clId="{5DEA5885-9311-4911-8138-04456D2533B9}" dt="2024-06-04T20:24:29.303" v="2103" actId="14100"/>
-          <ac:spMkLst>
-            <pc:docMk/>
-            <pc:sldMk cId="1460708208" sldId="277"/>
-            <ac:spMk id="42" creationId="{037EB8E2-11F3-ABFD-99D5-F6F9B095C4B5}"/>
-          </ac:spMkLst>
-        </pc:spChg>
-        <pc:picChg chg="del">
-          <ac:chgData name="Michele Scapinello" userId="a79d4642-63df-4d38-b9e0-8db605af2974" providerId="ADAL" clId="{5DEA5885-9311-4911-8138-04456D2533B9}" dt="2024-06-04T20:13:23.773" v="1923" actId="478"/>
-          <ac:picMkLst>
-            <pc:docMk/>
-            <pc:sldMk cId="1460708208" sldId="277"/>
-            <ac:picMk id="4" creationId="{EA740B3E-50A3-66F9-30F1-797EB754B894}"/>
-          </ac:picMkLst>
-        </pc:picChg>
-        <pc:picChg chg="add mod">
-          <ac:chgData name="Michele Scapinello" userId="a79d4642-63df-4d38-b9e0-8db605af2974" providerId="ADAL" clId="{5DEA5885-9311-4911-8138-04456D2533B9}" dt="2024-06-04T20:18:13.766" v="1970" actId="1076"/>
-          <ac:picMkLst>
-            <pc:docMk/>
-            <pc:sldMk cId="1460708208" sldId="277"/>
-            <ac:picMk id="5" creationId="{680A4985-84D1-D31D-0995-7247F2551D36}"/>
-          </ac:picMkLst>
-        </pc:picChg>
-        <pc:picChg chg="del">
-          <ac:chgData name="Michele Scapinello" userId="a79d4642-63df-4d38-b9e0-8db605af2974" providerId="ADAL" clId="{5DEA5885-9311-4911-8138-04456D2533B9}" dt="2024-06-04T20:13:23.773" v="1923" actId="478"/>
-          <ac:picMkLst>
-            <pc:docMk/>
-            <pc:sldMk cId="1460708208" sldId="277"/>
-            <ac:picMk id="6" creationId="{677F1544-72EC-C30B-5BA5-09F217C4E17B}"/>
-          </ac:picMkLst>
-        </pc:picChg>
-        <pc:picChg chg="add mod">
-          <ac:chgData name="Michele Scapinello" userId="a79d4642-63df-4d38-b9e0-8db605af2974" providerId="ADAL" clId="{5DEA5885-9311-4911-8138-04456D2533B9}" dt="2024-06-04T20:22:12.876" v="2079" actId="1076"/>
-          <ac:picMkLst>
-            <pc:docMk/>
-            <pc:sldMk cId="1460708208" sldId="277"/>
-            <ac:picMk id="13" creationId="{63A1F06B-357A-7CCB-6ADD-D271FB5C262B}"/>
-          </ac:picMkLst>
-        </pc:picChg>
-        <pc:picChg chg="add mod">
-          <ac:chgData name="Michele Scapinello" userId="a79d4642-63df-4d38-b9e0-8db605af2974" providerId="ADAL" clId="{5DEA5885-9311-4911-8138-04456D2533B9}" dt="2024-06-04T20:27:24.162" v="2111" actId="1036"/>
-          <ac:picMkLst>
-            <pc:docMk/>
-            <pc:sldMk cId="1460708208" sldId="277"/>
-            <ac:picMk id="19" creationId="{E3CCCEC8-640C-9DCF-9164-F2DBDB627F71}"/>
-          </ac:picMkLst>
-        </pc:picChg>
-        <pc:cxnChg chg="del">
-          <ac:chgData name="Michele Scapinello" userId="a79d4642-63df-4d38-b9e0-8db605af2974" providerId="ADAL" clId="{5DEA5885-9311-4911-8138-04456D2533B9}" dt="2024-06-04T20:13:25.918" v="1924" actId="478"/>
-          <ac:cxnSpMkLst>
-            <pc:docMk/>
-            <pc:sldMk cId="1460708208" sldId="277"/>
-            <ac:cxnSpMk id="12" creationId="{437EAF71-011D-0F44-AB8A-5F1081231018}"/>
-          </ac:cxnSpMkLst>
-        </pc:cxnChg>
-        <pc:cxnChg chg="del">
-          <ac:chgData name="Michele Scapinello" userId="a79d4642-63df-4d38-b9e0-8db605af2974" providerId="ADAL" clId="{5DEA5885-9311-4911-8138-04456D2533B9}" dt="2024-06-04T20:13:25.918" v="1924" actId="478"/>
-          <ac:cxnSpMkLst>
-            <pc:docMk/>
-            <pc:sldMk cId="1460708208" sldId="277"/>
-            <ac:cxnSpMk id="16" creationId="{A397814A-67CF-FF27-F115-12C5698FDDF3}"/>
-          </ac:cxnSpMkLst>
-        </pc:cxnChg>
-        <pc:cxnChg chg="del">
-          <ac:chgData name="Michele Scapinello" userId="a79d4642-63df-4d38-b9e0-8db605af2974" providerId="ADAL" clId="{5DEA5885-9311-4911-8138-04456D2533B9}" dt="2024-06-04T20:13:25.918" v="1924" actId="478"/>
-          <ac:cxnSpMkLst>
-            <pc:docMk/>
-            <pc:sldMk cId="1460708208" sldId="277"/>
-            <ac:cxnSpMk id="17" creationId="{C3838AF7-4A34-9120-9F97-844FC9808CBF}"/>
-          </ac:cxnSpMkLst>
-        </pc:cxnChg>
-        <pc:cxnChg chg="add mod">
-          <ac:chgData name="Michele Scapinello" userId="a79d4642-63df-4d38-b9e0-8db605af2974" providerId="ADAL" clId="{5DEA5885-9311-4911-8138-04456D2533B9}" dt="2024-06-04T20:23:10.892" v="2088" actId="14100"/>
-          <ac:cxnSpMkLst>
-            <pc:docMk/>
-            <pc:sldMk cId="1460708208" sldId="277"/>
-            <ac:cxnSpMk id="21" creationId="{A7DB6D03-101B-0A99-3630-147C57623069}"/>
-          </ac:cxnSpMkLst>
-        </pc:cxnChg>
-        <pc:cxnChg chg="add mod">
-          <ac:chgData name="Michele Scapinello" userId="a79d4642-63df-4d38-b9e0-8db605af2974" providerId="ADAL" clId="{5DEA5885-9311-4911-8138-04456D2533B9}" dt="2024-06-04T20:20:45.797" v="2063" actId="14100"/>
-          <ac:cxnSpMkLst>
-            <pc:docMk/>
-            <pc:sldMk cId="1460708208" sldId="277"/>
-            <ac:cxnSpMk id="22" creationId="{1C30FAE0-7159-AA90-D214-8CF64BE0AEDE}"/>
-          </ac:cxnSpMkLst>
-        </pc:cxnChg>
-        <pc:cxnChg chg="add mod">
-          <ac:chgData name="Michele Scapinello" userId="a79d4642-63df-4d38-b9e0-8db605af2974" providerId="ADAL" clId="{5DEA5885-9311-4911-8138-04456D2533B9}" dt="2024-06-04T20:20:56.425" v="2065" actId="1076"/>
-          <ac:cxnSpMkLst>
-            <pc:docMk/>
-            <pc:sldMk cId="1460708208" sldId="277"/>
-            <ac:cxnSpMk id="26" creationId="{4C632862-FA7C-475F-C675-E298CBC0A266}"/>
-          </ac:cxnSpMkLst>
-        </pc:cxnChg>
-        <pc:cxnChg chg="add mod">
-          <ac:chgData name="Michele Scapinello" userId="a79d4642-63df-4d38-b9e0-8db605af2974" providerId="ADAL" clId="{5DEA5885-9311-4911-8138-04456D2533B9}" dt="2024-06-04T20:22:10.167" v="2077" actId="13822"/>
-          <ac:cxnSpMkLst>
-            <pc:docMk/>
-            <pc:sldMk cId="1460708208" sldId="277"/>
-            <ac:cxnSpMk id="35" creationId="{DB309845-941E-1577-3A91-785F29CCC872}"/>
-          </ac:cxnSpMkLst>
-        </pc:cxnChg>
-        <pc:cxnChg chg="add mod">
-          <ac:chgData name="Michele Scapinello" userId="a79d4642-63df-4d38-b9e0-8db605af2974" providerId="ADAL" clId="{5DEA5885-9311-4911-8138-04456D2533B9}" dt="2024-06-04T20:22:28.849" v="2081" actId="692"/>
-          <ac:cxnSpMkLst>
-            <pc:docMk/>
-            <pc:sldMk cId="1460708208" sldId="277"/>
-            <ac:cxnSpMk id="37" creationId="{DDB87150-FC98-487D-98AE-112A433FC3F6}"/>
-          </ac:cxnSpMkLst>
-        </pc:cxnChg>
-      </pc:sldChg>
-      <pc:sldChg chg="modSp add mod setBg">
-        <pc:chgData name="Michele Scapinello" userId="a79d4642-63df-4d38-b9e0-8db605af2974" providerId="ADAL" clId="{5DEA5885-9311-4911-8138-04456D2533B9}" dt="2024-06-05T13:45:48.122" v="2182" actId="20577"/>
-        <pc:sldMkLst>
-          <pc:docMk/>
-          <pc:sldMk cId="426325349" sldId="278"/>
-        </pc:sldMkLst>
-        <pc:spChg chg="mod">
-          <ac:chgData name="Michele Scapinello" userId="a79d4642-63df-4d38-b9e0-8db605af2974" providerId="ADAL" clId="{5DEA5885-9311-4911-8138-04456D2533B9}" dt="2024-06-05T13:44:24.761" v="2144" actId="692"/>
-          <ac:spMkLst>
-            <pc:docMk/>
-            <pc:sldMk cId="426325349" sldId="278"/>
-            <ac:spMk id="10" creationId="{65EADBCD-0895-8229-4CDD-48342FF03815}"/>
-          </ac:spMkLst>
-        </pc:spChg>
-        <pc:spChg chg="mod">
-          <ac:chgData name="Michele Scapinello" userId="a79d4642-63df-4d38-b9e0-8db605af2974" providerId="ADAL" clId="{5DEA5885-9311-4911-8138-04456D2533B9}" dt="2024-06-05T13:44:24.761" v="2144" actId="692"/>
-          <ac:spMkLst>
-            <pc:docMk/>
-            <pc:sldMk cId="426325349" sldId="278"/>
-            <ac:spMk id="11" creationId="{5D27EA15-952F-7241-8D9C-1A3AD973C760}"/>
-          </ac:spMkLst>
-        </pc:spChg>
-        <pc:spChg chg="mod">
-          <ac:chgData name="Michele Scapinello" userId="a79d4642-63df-4d38-b9e0-8db605af2974" providerId="ADAL" clId="{5DEA5885-9311-4911-8138-04456D2533B9}" dt="2024-06-05T13:45:32.015" v="2151" actId="20577"/>
-          <ac:spMkLst>
-            <pc:docMk/>
-            <pc:sldMk cId="426325349" sldId="278"/>
-            <ac:spMk id="13" creationId="{26290276-D50A-540B-1A02-702C53941F18}"/>
-          </ac:spMkLst>
-        </pc:spChg>
-        <pc:spChg chg="mod">
-          <ac:chgData name="Michele Scapinello" userId="a79d4642-63df-4d38-b9e0-8db605af2974" providerId="ADAL" clId="{5DEA5885-9311-4911-8138-04456D2533B9}" dt="2024-06-05T13:44:56.332" v="2146" actId="207"/>
-          <ac:spMkLst>
-            <pc:docMk/>
-            <pc:sldMk cId="426325349" sldId="278"/>
-            <ac:spMk id="14" creationId="{33ADDE13-FBA3-7EF4-631A-33A8C34136EE}"/>
-          </ac:spMkLst>
-        </pc:spChg>
-        <pc:spChg chg="mod">
-          <ac:chgData name="Michele Scapinello" userId="a79d4642-63df-4d38-b9e0-8db605af2974" providerId="ADAL" clId="{5DEA5885-9311-4911-8138-04456D2533B9}" dt="2024-06-05T13:45:48.122" v="2182" actId="20577"/>
-          <ac:spMkLst>
-            <pc:docMk/>
-            <pc:sldMk cId="426325349" sldId="278"/>
-            <ac:spMk id="17" creationId="{3D0DAD1C-9AC6-46BB-A231-3539716B1E1F}"/>
-          </ac:spMkLst>
-        </pc:spChg>
-      </pc:sldChg>
-      <pc:sldChg chg="addSp delSp modSp add mod ord setBg">
-        <pc:chgData name="Michele Scapinello" userId="a79d4642-63df-4d38-b9e0-8db605af2974" providerId="ADAL" clId="{5DEA5885-9311-4911-8138-04456D2533B9}" dt="2024-06-05T18:33:22.622" v="2575" actId="207"/>
-        <pc:sldMkLst>
-          <pc:docMk/>
-          <pc:sldMk cId="3239761053" sldId="279"/>
-        </pc:sldMkLst>
-        <pc:spChg chg="mod ord">
-          <ac:chgData name="Michele Scapinello" userId="a79d4642-63df-4d38-b9e0-8db605af2974" providerId="ADAL" clId="{5DEA5885-9311-4911-8138-04456D2533B9}" dt="2024-06-05T18:33:22.622" v="2575" actId="207"/>
-          <ac:spMkLst>
-            <pc:docMk/>
-            <pc:sldMk cId="3239761053" sldId="279"/>
-            <ac:spMk id="2" creationId="{B3216943-7EE2-EFFF-630F-52F731D96251}"/>
-          </ac:spMkLst>
-        </pc:spChg>
-        <pc:spChg chg="add mod">
-          <ac:chgData name="Michele Scapinello" userId="a79d4642-63df-4d38-b9e0-8db605af2974" providerId="ADAL" clId="{5DEA5885-9311-4911-8138-04456D2533B9}" dt="2024-06-05T18:28:53.528" v="2513" actId="1076"/>
-          <ac:spMkLst>
-            <pc:docMk/>
-            <pc:sldMk cId="3239761053" sldId="279"/>
-            <ac:spMk id="3" creationId="{7F562F13-0406-ABD2-AA69-0D4B2E0970B0}"/>
-          </ac:spMkLst>
-        </pc:spChg>
-        <pc:spChg chg="add mod">
-          <ac:chgData name="Michele Scapinello" userId="a79d4642-63df-4d38-b9e0-8db605af2974" providerId="ADAL" clId="{5DEA5885-9311-4911-8138-04456D2533B9}" dt="2024-06-05T18:28:53.528" v="2513" actId="1076"/>
-          <ac:spMkLst>
-            <pc:docMk/>
-            <pc:sldMk cId="3239761053" sldId="279"/>
-            <ac:spMk id="4" creationId="{6D2830D3-57A3-52AB-3BD0-76916E4074F4}"/>
-          </ac:spMkLst>
-        </pc:spChg>
-        <pc:spChg chg="add mod">
-          <ac:chgData name="Michele Scapinello" userId="a79d4642-63df-4d38-b9e0-8db605af2974" providerId="ADAL" clId="{5DEA5885-9311-4911-8138-04456D2533B9}" dt="2024-06-05T18:28:53.528" v="2513" actId="1076"/>
-          <ac:spMkLst>
-            <pc:docMk/>
-            <pc:sldMk cId="3239761053" sldId="279"/>
-            <ac:spMk id="6" creationId="{06BA8F05-6E0E-7189-746B-3243F214D0F5}"/>
-          </ac:spMkLst>
-        </pc:spChg>
-        <pc:spChg chg="add mod">
-          <ac:chgData name="Michele Scapinello" userId="a79d4642-63df-4d38-b9e0-8db605af2974" providerId="ADAL" clId="{5DEA5885-9311-4911-8138-04456D2533B9}" dt="2024-06-05T18:28:53.528" v="2513" actId="1076"/>
-          <ac:spMkLst>
-            <pc:docMk/>
-            <pc:sldMk cId="3239761053" sldId="279"/>
-            <ac:spMk id="7" creationId="{6B9CB382-5BEA-D0A6-A0E8-1296D6456038}"/>
-          </ac:spMkLst>
-        </pc:spChg>
-        <pc:spChg chg="add mod">
-          <ac:chgData name="Michele Scapinello" userId="a79d4642-63df-4d38-b9e0-8db605af2974" providerId="ADAL" clId="{5DEA5885-9311-4911-8138-04456D2533B9}" dt="2024-06-05T18:28:57.922" v="2514" actId="1076"/>
-          <ac:spMkLst>
-            <pc:docMk/>
-            <pc:sldMk cId="3239761053" sldId="279"/>
-            <ac:spMk id="8" creationId="{388A8494-2DD4-FC1D-A9AB-1D5FDC83E90E}"/>
-          </ac:spMkLst>
-        </pc:spChg>
-        <pc:spChg chg="add mod">
-          <ac:chgData name="Michele Scapinello" userId="a79d4642-63df-4d38-b9e0-8db605af2974" providerId="ADAL" clId="{5DEA5885-9311-4911-8138-04456D2533B9}" dt="2024-06-05T18:28:57.922" v="2514" actId="1076"/>
-          <ac:spMkLst>
-            <pc:docMk/>
-            <pc:sldMk cId="3239761053" sldId="279"/>
-            <ac:spMk id="9" creationId="{E579A618-BBA1-48CA-613B-8E35EBA3FF44}"/>
-          </ac:spMkLst>
-        </pc:spChg>
-        <pc:spChg chg="mod">
-          <ac:chgData name="Michele Scapinello" userId="a79d4642-63df-4d38-b9e0-8db605af2974" providerId="ADAL" clId="{5DEA5885-9311-4911-8138-04456D2533B9}" dt="2024-06-05T18:26:41.514" v="2505" actId="26606"/>
-          <ac:spMkLst>
-            <pc:docMk/>
-            <pc:sldMk cId="3239761053" sldId="279"/>
-            <ac:spMk id="14" creationId="{33ADDE13-FBA3-7EF4-631A-33A8C34136EE}"/>
-          </ac:spMkLst>
-        </pc:spChg>
-        <pc:spChg chg="mod">
-          <ac:chgData name="Michele Scapinello" userId="a79d4642-63df-4d38-b9e0-8db605af2974" providerId="ADAL" clId="{5DEA5885-9311-4911-8138-04456D2533B9}" dt="2024-06-05T18:26:41.514" v="2505" actId="26606"/>
-          <ac:spMkLst>
-            <pc:docMk/>
-            <pc:sldMk cId="3239761053" sldId="279"/>
-            <ac:spMk id="15" creationId="{FDCD7513-8D15-E07F-E478-3BC06B390FD0}"/>
-          </ac:spMkLst>
-        </pc:spChg>
-        <pc:spChg chg="del">
-          <ac:chgData name="Michele Scapinello" userId="a79d4642-63df-4d38-b9e0-8db605af2974" providerId="ADAL" clId="{5DEA5885-9311-4911-8138-04456D2533B9}" dt="2024-06-05T17:37:42.740" v="2186" actId="478"/>
-          <ac:spMkLst>
-            <pc:docMk/>
-            <pc:sldMk cId="3239761053" sldId="279"/>
-            <ac:spMk id="20" creationId="{B3444202-3863-7163-71DD-E180C788EDFB}"/>
-          </ac:spMkLst>
-        </pc:spChg>
-        <pc:spChg chg="del">
-          <ac:chgData name="Michele Scapinello" userId="a79d4642-63df-4d38-b9e0-8db605af2974" providerId="ADAL" clId="{5DEA5885-9311-4911-8138-04456D2533B9}" dt="2024-06-05T17:37:42.740" v="2186" actId="478"/>
-          <ac:spMkLst>
-            <pc:docMk/>
-            <pc:sldMk cId="3239761053" sldId="279"/>
-            <ac:spMk id="23" creationId="{D800D4D4-DFDF-FE58-E93B-C754A3767DA0}"/>
-          </ac:spMkLst>
-        </pc:spChg>
-        <pc:spChg chg="del">
-          <ac:chgData name="Michele Scapinello" userId="a79d4642-63df-4d38-b9e0-8db605af2974" providerId="ADAL" clId="{5DEA5885-9311-4911-8138-04456D2533B9}" dt="2024-06-05T17:37:42.740" v="2186" actId="478"/>
-          <ac:spMkLst>
-            <pc:docMk/>
-            <pc:sldMk cId="3239761053" sldId="279"/>
-            <ac:spMk id="25" creationId="{A1E01DA0-4AB5-2484-033E-8CC399A09116}"/>
-          </ac:spMkLst>
-        </pc:spChg>
-        <pc:spChg chg="del">
-          <ac:chgData name="Michele Scapinello" userId="a79d4642-63df-4d38-b9e0-8db605af2974" providerId="ADAL" clId="{5DEA5885-9311-4911-8138-04456D2533B9}" dt="2024-06-05T17:37:42.740" v="2186" actId="478"/>
-          <ac:spMkLst>
-            <pc:docMk/>
-            <pc:sldMk cId="3239761053" sldId="279"/>
-            <ac:spMk id="28" creationId="{14634ABE-8596-A741-2BCC-7880BF6323DD}"/>
-          </ac:spMkLst>
-        </pc:spChg>
-        <pc:spChg chg="del">
-          <ac:chgData name="Michele Scapinello" userId="a79d4642-63df-4d38-b9e0-8db605af2974" providerId="ADAL" clId="{5DEA5885-9311-4911-8138-04456D2533B9}" dt="2024-06-05T17:37:42.740" v="2186" actId="478"/>
-          <ac:spMkLst>
-            <pc:docMk/>
-            <pc:sldMk cId="3239761053" sldId="279"/>
-            <ac:spMk id="31" creationId="{04C4B180-BDDD-8AC9-3FC0-B21945FF669B}"/>
-          </ac:spMkLst>
-        </pc:spChg>
-        <pc:spChg chg="del">
-          <ac:chgData name="Michele Scapinello" userId="a79d4642-63df-4d38-b9e0-8db605af2974" providerId="ADAL" clId="{5DEA5885-9311-4911-8138-04456D2533B9}" dt="2024-06-05T17:37:42.740" v="2186" actId="478"/>
-          <ac:spMkLst>
-            <pc:docMk/>
-            <pc:sldMk cId="3239761053" sldId="279"/>
-            <ac:spMk id="33" creationId="{B66B36FF-C7A0-6223-2CBE-CF14DA2E19BB}"/>
-          </ac:spMkLst>
-        </pc:spChg>
-        <pc:spChg chg="del">
-          <ac:chgData name="Michele Scapinello" userId="a79d4642-63df-4d38-b9e0-8db605af2974" providerId="ADAL" clId="{5DEA5885-9311-4911-8138-04456D2533B9}" dt="2024-06-05T17:37:42.740" v="2186" actId="478"/>
-          <ac:spMkLst>
-            <pc:docMk/>
-            <pc:sldMk cId="3239761053" sldId="279"/>
-            <ac:spMk id="39" creationId="{8E25AF87-7766-C171-B49D-E13AE255774A}"/>
-          </ac:spMkLst>
-        </pc:spChg>
-        <pc:spChg chg="del">
-          <ac:chgData name="Michele Scapinello" userId="a79d4642-63df-4d38-b9e0-8db605af2974" providerId="ADAL" clId="{5DEA5885-9311-4911-8138-04456D2533B9}" dt="2024-06-05T17:37:42.740" v="2186" actId="478"/>
-          <ac:spMkLst>
-            <pc:docMk/>
-            <pc:sldMk cId="3239761053" sldId="279"/>
-            <ac:spMk id="41" creationId="{408E335E-CC96-BDD9-D586-84DEC1A932B2}"/>
-          </ac:spMkLst>
-        </pc:spChg>
-        <pc:spChg chg="del">
-          <ac:chgData name="Michele Scapinello" userId="a79d4642-63df-4d38-b9e0-8db605af2974" providerId="ADAL" clId="{5DEA5885-9311-4911-8138-04456D2533B9}" dt="2024-06-05T17:37:42.740" v="2186" actId="478"/>
-          <ac:spMkLst>
-            <pc:docMk/>
-            <pc:sldMk cId="3239761053" sldId="279"/>
-            <ac:spMk id="42" creationId="{037EB8E2-11F3-ABFD-99D5-F6F9B095C4B5}"/>
-          </ac:spMkLst>
-        </pc:spChg>
-        <pc:spChg chg="add del">
-          <ac:chgData name="Michele Scapinello" userId="a79d4642-63df-4d38-b9e0-8db605af2974" providerId="ADAL" clId="{5DEA5885-9311-4911-8138-04456D2533B9}" dt="2024-06-05T18:26:30.148" v="2501" actId="26606"/>
-          <ac:spMkLst>
-            <pc:docMk/>
-            <pc:sldMk cId="3239761053" sldId="279"/>
-            <ac:spMk id="49" creationId="{08953E74-D241-4DDF-8508-F0365EA13A92}"/>
-          </ac:spMkLst>
-        </pc:spChg>
-        <pc:spChg chg="add del">
-          <ac:chgData name="Michele Scapinello" userId="a79d4642-63df-4d38-b9e0-8db605af2974" providerId="ADAL" clId="{5DEA5885-9311-4911-8138-04456D2533B9}" dt="2024-06-05T18:26:30.148" v="2501" actId="26606"/>
-          <ac:spMkLst>
-            <pc:docMk/>
-            <pc:sldMk cId="3239761053" sldId="279"/>
-            <ac:spMk id="50" creationId="{5C3C901A-B2F4-4A3C-BCDD-7C8D587ECA2E}"/>
-          </ac:spMkLst>
-        </pc:spChg>
-        <pc:spChg chg="add del">
-          <ac:chgData name="Michele Scapinello" userId="a79d4642-63df-4d38-b9e0-8db605af2974" providerId="ADAL" clId="{5DEA5885-9311-4911-8138-04456D2533B9}" dt="2024-06-05T18:26:36.982" v="2503" actId="26606"/>
-          <ac:spMkLst>
-            <pc:docMk/>
-            <pc:sldMk cId="3239761053" sldId="279"/>
-            <ac:spMk id="51" creationId="{70DFC902-7D23-471A-B557-B6B6917D7A0D}"/>
-          </ac:spMkLst>
-        </pc:spChg>
-        <pc:spChg chg="add del">
-          <ac:chgData name="Michele Scapinello" userId="a79d4642-63df-4d38-b9e0-8db605af2974" providerId="ADAL" clId="{5DEA5885-9311-4911-8138-04456D2533B9}" dt="2024-06-05T18:26:27.209" v="2499" actId="26606"/>
-          <ac:spMkLst>
-            <pc:docMk/>
-            <pc:sldMk cId="3239761053" sldId="279"/>
-            <ac:spMk id="52" creationId="{A7AE9375-4664-4DB2-922D-2782A6E439AC}"/>
-          </ac:spMkLst>
-        </pc:spChg>
-        <pc:spChg chg="add del">
-          <ac:chgData name="Michele Scapinello" userId="a79d4642-63df-4d38-b9e0-8db605af2974" providerId="ADAL" clId="{5DEA5885-9311-4911-8138-04456D2533B9}" dt="2024-06-05T18:26:36.982" v="2503" actId="26606"/>
-          <ac:spMkLst>
-            <pc:docMk/>
-            <pc:sldMk cId="3239761053" sldId="279"/>
-            <ac:spMk id="53" creationId="{A55D5633-D557-4DCA-982C-FF36EB7A1C00}"/>
-          </ac:spMkLst>
-        </pc:spChg>
-        <pc:spChg chg="add del">
-          <ac:chgData name="Michele Scapinello" userId="a79d4642-63df-4d38-b9e0-8db605af2974" providerId="ADAL" clId="{5DEA5885-9311-4911-8138-04456D2533B9}" dt="2024-06-05T18:26:41.514" v="2505" actId="26606"/>
-          <ac:spMkLst>
-            <pc:docMk/>
-            <pc:sldMk cId="3239761053" sldId="279"/>
-            <ac:spMk id="55" creationId="{BACC6370-2D7E-4714-9D71-7542949D7D5D}"/>
-          </ac:spMkLst>
-        </pc:spChg>
-        <pc:spChg chg="add del">
-          <ac:chgData name="Michele Scapinello" userId="a79d4642-63df-4d38-b9e0-8db605af2974" providerId="ADAL" clId="{5DEA5885-9311-4911-8138-04456D2533B9}" dt="2024-06-05T18:26:41.514" v="2505" actId="26606"/>
-          <ac:spMkLst>
-            <pc:docMk/>
-            <pc:sldMk cId="3239761053" sldId="279"/>
-            <ac:spMk id="57" creationId="{256B2C21-A230-48C0-8DF1-C46611373C44}"/>
-          </ac:spMkLst>
-        </pc:spChg>
-        <pc:spChg chg="add del">
-          <ac:chgData name="Michele Scapinello" userId="a79d4642-63df-4d38-b9e0-8db605af2974" providerId="ADAL" clId="{5DEA5885-9311-4911-8138-04456D2533B9}" dt="2024-06-05T18:26:41.514" v="2505" actId="26606"/>
-          <ac:spMkLst>
-            <pc:docMk/>
-            <pc:sldMk cId="3239761053" sldId="279"/>
-            <ac:spMk id="58" creationId="{3150CB11-0C61-439E-910F-5787759E72A0}"/>
-          </ac:spMkLst>
-        </pc:spChg>
-        <pc:spChg chg="add del">
-          <ac:chgData name="Michele Scapinello" userId="a79d4642-63df-4d38-b9e0-8db605af2974" providerId="ADAL" clId="{5DEA5885-9311-4911-8138-04456D2533B9}" dt="2024-06-05T18:26:41.514" v="2505" actId="26606"/>
-          <ac:spMkLst>
-            <pc:docMk/>
-            <pc:sldMk cId="3239761053" sldId="279"/>
-            <ac:spMk id="59" creationId="{3847E18C-932D-4C95-AABA-FEC7C9499AD7}"/>
-          </ac:spMkLst>
-        </pc:spChg>
-        <pc:spChg chg="add del">
-          <ac:chgData name="Michele Scapinello" userId="a79d4642-63df-4d38-b9e0-8db605af2974" providerId="ADAL" clId="{5DEA5885-9311-4911-8138-04456D2533B9}" dt="2024-06-05T18:26:41.514" v="2505" actId="26606"/>
-          <ac:spMkLst>
-            <pc:docMk/>
-            <pc:sldMk cId="3239761053" sldId="279"/>
-            <ac:spMk id="60" creationId="{43F8A58B-5155-44CE-A5FF-7647B47D0A7A}"/>
-          </ac:spMkLst>
-        </pc:spChg>
-        <pc:spChg chg="add del">
-          <ac:chgData name="Michele Scapinello" userId="a79d4642-63df-4d38-b9e0-8db605af2974" providerId="ADAL" clId="{5DEA5885-9311-4911-8138-04456D2533B9}" dt="2024-06-05T18:26:41.514" v="2505" actId="26606"/>
-          <ac:spMkLst>
-            <pc:docMk/>
-            <pc:sldMk cId="3239761053" sldId="279"/>
-            <ac:spMk id="62" creationId="{443F2ACA-E6D6-4028-82DD-F03C262D5DE6}"/>
-          </ac:spMkLst>
-        </pc:spChg>
-        <pc:picChg chg="del">
-          <ac:chgData name="Michele Scapinello" userId="a79d4642-63df-4d38-b9e0-8db605af2974" providerId="ADAL" clId="{5DEA5885-9311-4911-8138-04456D2533B9}" dt="2024-06-05T17:37:42.740" v="2186" actId="478"/>
-          <ac:picMkLst>
-            <pc:docMk/>
-            <pc:sldMk cId="3239761053" sldId="279"/>
-            <ac:picMk id="5" creationId="{680A4985-84D1-D31D-0995-7247F2551D36}"/>
-          </ac:picMkLst>
-        </pc:picChg>
-        <pc:picChg chg="add mod">
-          <ac:chgData name="Michele Scapinello" userId="a79d4642-63df-4d38-b9e0-8db605af2974" providerId="ADAL" clId="{5DEA5885-9311-4911-8138-04456D2533B9}" dt="2024-06-05T18:26:41.514" v="2505" actId="26606"/>
-          <ac:picMkLst>
-            <pc:docMk/>
-            <pc:sldMk cId="3239761053" sldId="279"/>
-            <ac:picMk id="11" creationId="{0919866B-2B47-95F6-6BD0-8D03D05B8D3D}"/>
-          </ac:picMkLst>
-        </pc:picChg>
-        <pc:picChg chg="del">
-          <ac:chgData name="Michele Scapinello" userId="a79d4642-63df-4d38-b9e0-8db605af2974" providerId="ADAL" clId="{5DEA5885-9311-4911-8138-04456D2533B9}" dt="2024-06-05T17:37:42.740" v="2186" actId="478"/>
-          <ac:picMkLst>
-            <pc:docMk/>
-            <pc:sldMk cId="3239761053" sldId="279"/>
-            <ac:picMk id="13" creationId="{63A1F06B-357A-7CCB-6ADD-D271FB5C262B}"/>
-          </ac:picMkLst>
-        </pc:picChg>
-        <pc:picChg chg="add mod">
-          <ac:chgData name="Michele Scapinello" userId="a79d4642-63df-4d38-b9e0-8db605af2974" providerId="ADAL" clId="{5DEA5885-9311-4911-8138-04456D2533B9}" dt="2024-06-05T18:26:41.514" v="2505" actId="26606"/>
-          <ac:picMkLst>
-            <pc:docMk/>
-            <pc:sldMk cId="3239761053" sldId="279"/>
-            <ac:picMk id="16" creationId="{3AA9A51B-6C08-B227-A847-CB7AE80FD395}"/>
-          </ac:picMkLst>
-        </pc:picChg>
-        <pc:picChg chg="add mod">
-          <ac:chgData name="Michele Scapinello" userId="a79d4642-63df-4d38-b9e0-8db605af2974" providerId="ADAL" clId="{5DEA5885-9311-4911-8138-04456D2533B9}" dt="2024-06-05T18:26:41.514" v="2505" actId="26606"/>
-          <ac:picMkLst>
-            <pc:docMk/>
-            <pc:sldMk cId="3239761053" sldId="279"/>
-            <ac:picMk id="18" creationId="{3010D86C-B82F-0BD2-663E-3496A056D91F}"/>
-          </ac:picMkLst>
-        </pc:picChg>
-        <pc:picChg chg="del">
-          <ac:chgData name="Michele Scapinello" userId="a79d4642-63df-4d38-b9e0-8db605af2974" providerId="ADAL" clId="{5DEA5885-9311-4911-8138-04456D2533B9}" dt="2024-06-05T17:37:42.740" v="2186" actId="478"/>
-          <ac:picMkLst>
-            <pc:docMk/>
-            <pc:sldMk cId="3239761053" sldId="279"/>
-            <ac:picMk id="19" creationId="{E3CCCEC8-640C-9DCF-9164-F2DBDB627F71}"/>
-          </ac:picMkLst>
-        </pc:picChg>
-        <pc:picChg chg="add mod">
-          <ac:chgData name="Michele Scapinello" userId="a79d4642-63df-4d38-b9e0-8db605af2974" providerId="ADAL" clId="{5DEA5885-9311-4911-8138-04456D2533B9}" dt="2024-06-05T18:29:06.623" v="2515" actId="1076"/>
-          <ac:picMkLst>
-            <pc:docMk/>
-            <pc:sldMk cId="3239761053" sldId="279"/>
-            <ac:picMk id="27" creationId="{4FE10EF9-209B-2585-8CA8-199AE5C303D1}"/>
-          </ac:picMkLst>
-        </pc:picChg>
-        <pc:picChg chg="add mod">
-          <ac:chgData name="Michele Scapinello" userId="a79d4642-63df-4d38-b9e0-8db605af2974" providerId="ADAL" clId="{5DEA5885-9311-4911-8138-04456D2533B9}" dt="2024-06-05T18:26:41.514" v="2505" actId="26606"/>
-          <ac:picMkLst>
-            <pc:docMk/>
-            <pc:sldMk cId="3239761053" sldId="279"/>
-            <ac:picMk id="30" creationId="{958D101E-824F-FB79-1495-5CB88697681F}"/>
-          </ac:picMkLst>
-        </pc:picChg>
-        <pc:picChg chg="add mod">
-          <ac:chgData name="Michele Scapinello" userId="a79d4642-63df-4d38-b9e0-8db605af2974" providerId="ADAL" clId="{5DEA5885-9311-4911-8138-04456D2533B9}" dt="2024-06-05T18:26:41.514" v="2505" actId="26606"/>
-          <ac:picMkLst>
-            <pc:docMk/>
-            <pc:sldMk cId="3239761053" sldId="279"/>
-            <ac:picMk id="34" creationId="{CA3BC837-5D3A-6B84-8C85-1B48F67F0A15}"/>
-          </ac:picMkLst>
-        </pc:picChg>
-        <pc:picChg chg="add mod">
-          <ac:chgData name="Michele Scapinello" userId="a79d4642-63df-4d38-b9e0-8db605af2974" providerId="ADAL" clId="{5DEA5885-9311-4911-8138-04456D2533B9}" dt="2024-06-05T18:26:41.514" v="2505" actId="26606"/>
-          <ac:picMkLst>
-            <pc:docMk/>
-            <pc:sldMk cId="3239761053" sldId="279"/>
-            <ac:picMk id="38" creationId="{134ADE54-A0A5-A162-5B9F-38F36AFD7960}"/>
-          </ac:picMkLst>
-        </pc:picChg>
-        <pc:picChg chg="add mod">
-          <ac:chgData name="Michele Scapinello" userId="a79d4642-63df-4d38-b9e0-8db605af2974" providerId="ADAL" clId="{5DEA5885-9311-4911-8138-04456D2533B9}" dt="2024-06-05T18:26:41.514" v="2505" actId="26606"/>
-          <ac:picMkLst>
-            <pc:docMk/>
-            <pc:sldMk cId="3239761053" sldId="279"/>
-            <ac:picMk id="40" creationId="{6AE66E56-3D25-3D4F-B401-8C32DDF6D007}"/>
-          </ac:picMkLst>
-        </pc:picChg>
-        <pc:picChg chg="add mod">
-          <ac:chgData name="Michele Scapinello" userId="a79d4642-63df-4d38-b9e0-8db605af2974" providerId="ADAL" clId="{5DEA5885-9311-4911-8138-04456D2533B9}" dt="2024-06-05T18:26:41.514" v="2505" actId="26606"/>
-          <ac:picMkLst>
-            <pc:docMk/>
-            <pc:sldMk cId="3239761053" sldId="279"/>
-            <ac:picMk id="43" creationId="{6AE86E5C-DB36-530F-FD3F-6995473DA646}"/>
-          </ac:picMkLst>
-        </pc:picChg>
-        <pc:picChg chg="add del mod">
-          <ac:chgData name="Michele Scapinello" userId="a79d4642-63df-4d38-b9e0-8db605af2974" providerId="ADAL" clId="{5DEA5885-9311-4911-8138-04456D2533B9}" dt="2024-06-05T17:55:02.090" v="2482" actId="478"/>
-          <ac:picMkLst>
-            <pc:docMk/>
-            <pc:sldMk cId="3239761053" sldId="279"/>
-            <ac:picMk id="45" creationId="{BC663799-FF73-F790-4E61-DCF0DEFD6325}"/>
-          </ac:picMkLst>
-        </pc:picChg>
-        <pc:picChg chg="add mod">
-          <ac:chgData name="Michele Scapinello" userId="a79d4642-63df-4d38-b9e0-8db605af2974" providerId="ADAL" clId="{5DEA5885-9311-4911-8138-04456D2533B9}" dt="2024-06-05T18:26:41.514" v="2505" actId="26606"/>
-          <ac:picMkLst>
-            <pc:docMk/>
-            <pc:sldMk cId="3239761053" sldId="279"/>
-            <ac:picMk id="47" creationId="{018FFC49-5414-3361-CC0C-4B58A98918D5}"/>
-          </ac:picMkLst>
-        </pc:picChg>
-        <pc:cxnChg chg="del">
-          <ac:chgData name="Michele Scapinello" userId="a79d4642-63df-4d38-b9e0-8db605af2974" providerId="ADAL" clId="{5DEA5885-9311-4911-8138-04456D2533B9}" dt="2024-06-05T17:37:42.740" v="2186" actId="478"/>
-          <ac:cxnSpMkLst>
-            <pc:docMk/>
-            <pc:sldMk cId="3239761053" sldId="279"/>
-            <ac:cxnSpMk id="21" creationId="{A7DB6D03-101B-0A99-3630-147C57623069}"/>
-          </ac:cxnSpMkLst>
-        </pc:cxnChg>
-        <pc:cxnChg chg="del">
-          <ac:chgData name="Michele Scapinello" userId="a79d4642-63df-4d38-b9e0-8db605af2974" providerId="ADAL" clId="{5DEA5885-9311-4911-8138-04456D2533B9}" dt="2024-06-05T17:37:42.740" v="2186" actId="478"/>
-          <ac:cxnSpMkLst>
-            <pc:docMk/>
-            <pc:sldMk cId="3239761053" sldId="279"/>
-            <ac:cxnSpMk id="22" creationId="{1C30FAE0-7159-AA90-D214-8CF64BE0AEDE}"/>
-          </ac:cxnSpMkLst>
-        </pc:cxnChg>
-        <pc:cxnChg chg="del">
-          <ac:chgData name="Michele Scapinello" userId="a79d4642-63df-4d38-b9e0-8db605af2974" providerId="ADAL" clId="{5DEA5885-9311-4911-8138-04456D2533B9}" dt="2024-06-05T17:37:42.740" v="2186" actId="478"/>
-          <ac:cxnSpMkLst>
-            <pc:docMk/>
-            <pc:sldMk cId="3239761053" sldId="279"/>
-            <ac:cxnSpMk id="26" creationId="{4C632862-FA7C-475F-C675-E298CBC0A266}"/>
-          </ac:cxnSpMkLst>
-        </pc:cxnChg>
-        <pc:cxnChg chg="del">
-          <ac:chgData name="Michele Scapinello" userId="a79d4642-63df-4d38-b9e0-8db605af2974" providerId="ADAL" clId="{5DEA5885-9311-4911-8138-04456D2533B9}" dt="2024-06-05T17:37:42.740" v="2186" actId="478"/>
-          <ac:cxnSpMkLst>
-            <pc:docMk/>
-            <pc:sldMk cId="3239761053" sldId="279"/>
-            <ac:cxnSpMk id="35" creationId="{DB309845-941E-1577-3A91-785F29CCC872}"/>
-          </ac:cxnSpMkLst>
-        </pc:cxnChg>
-        <pc:cxnChg chg="del">
-          <ac:chgData name="Michele Scapinello" userId="a79d4642-63df-4d38-b9e0-8db605af2974" providerId="ADAL" clId="{5DEA5885-9311-4911-8138-04456D2533B9}" dt="2024-06-05T17:37:42.740" v="2186" actId="478"/>
-          <ac:cxnSpMkLst>
-            <pc:docMk/>
-            <pc:sldMk cId="3239761053" sldId="279"/>
-            <ac:cxnSpMk id="37" creationId="{DDB87150-FC98-487D-98AE-112A433FC3F6}"/>
-          </ac:cxnSpMkLst>
-        </pc:cxnChg>
-        <pc:cxnChg chg="add del">
-          <ac:chgData name="Michele Scapinello" userId="a79d4642-63df-4d38-b9e0-8db605af2974" providerId="ADAL" clId="{5DEA5885-9311-4911-8138-04456D2533B9}" dt="2024-06-05T18:26:27.209" v="2499" actId="26606"/>
-          <ac:cxnSpMkLst>
-            <pc:docMk/>
-            <pc:sldMk cId="3239761053" sldId="279"/>
-            <ac:cxnSpMk id="54" creationId="{EE504C98-6397-41C1-A8D8-2D9C4ED307E0}"/>
-          </ac:cxnSpMkLst>
-        </pc:cxnChg>
-        <pc:cxnChg chg="add del">
-          <ac:chgData name="Michele Scapinello" userId="a79d4642-63df-4d38-b9e0-8db605af2974" providerId="ADAL" clId="{5DEA5885-9311-4911-8138-04456D2533B9}" dt="2024-06-05T18:26:27.209" v="2499" actId="26606"/>
-          <ac:cxnSpMkLst>
-            <pc:docMk/>
-            <pc:sldMk cId="3239761053" sldId="279"/>
-            <ac:cxnSpMk id="56" creationId="{17C2F6CE-0CF2-4DDD-85F5-96799A328F15}"/>
-          </ac:cxnSpMkLst>
-        </pc:cxnChg>
-      </pc:sldChg>
-    </pc:docChg>
-  </pc:docChgLst>
-</pc:chgInfo>
-</file>
-
 <file path=ppt/notesMasters/notesMaster1.xml><?xml version="1.0" encoding="utf-8"?>
 <p:notesMaster xmlns:a="http://schemas.openxmlformats.org/drawingml/2006/main" xmlns:r="http://schemas.openxmlformats.org/officeDocument/2006/relationships" xmlns:p="http://schemas.openxmlformats.org/presentationml/2006/main">
   <p:cSld>
@@ -1991,7 +208,7 @@
           <a:p>
             <a:fld id="{EB084C20-C73A-40CE-AFFB-E5A6E9A09CDA}" type="datetimeFigureOut">
               <a:rPr lang="it-IT" smtClean="0"/>
-              <a:t>05/06/2024</a:t>
+              <a:t>06/06/2024</a:t>
             </a:fld>
             <a:endParaRPr lang="it-IT"/>
           </a:p>
@@ -2474,7 +691,7 @@
           <a:p>
             <a:fld id="{716563A5-5042-4400-A102-0AEF26D25570}" type="datetime1">
               <a:rPr lang="it-IT" smtClean="0"/>
-              <a:t>05/06/2024</a:t>
+              <a:t>06/06/2024</a:t>
             </a:fld>
             <a:endParaRPr lang="it-IT"/>
           </a:p>
@@ -2644,7 +861,7 @@
           <a:p>
             <a:fld id="{7960278F-A204-4C6B-AD88-BEE8450D5FF4}" type="datetime1">
               <a:rPr lang="it-IT" smtClean="0"/>
-              <a:t>05/06/2024</a:t>
+              <a:t>06/06/2024</a:t>
             </a:fld>
             <a:endParaRPr lang="it-IT"/>
           </a:p>
@@ -2824,7 +1041,7 @@
           <a:p>
             <a:fld id="{3626C1E0-4099-402C-A241-4ACC21A2C681}" type="datetime1">
               <a:rPr lang="it-IT" smtClean="0"/>
-              <a:t>05/06/2024</a:t>
+              <a:t>06/06/2024</a:t>
             </a:fld>
             <a:endParaRPr lang="it-IT"/>
           </a:p>
@@ -2994,7 +1211,7 @@
           <a:p>
             <a:fld id="{29E24CBB-81FE-4E15-82FE-06D74E229BD7}" type="datetime1">
               <a:rPr lang="it-IT" smtClean="0"/>
-              <a:t>05/06/2024</a:t>
+              <a:t>06/06/2024</a:t>
             </a:fld>
             <a:endParaRPr lang="it-IT"/>
           </a:p>
@@ -3240,7 +1457,7 @@
           <a:p>
             <a:fld id="{320008DC-BF36-475B-8BAA-EB1B96426DAA}" type="datetime1">
               <a:rPr lang="it-IT" smtClean="0"/>
-              <a:t>05/06/2024</a:t>
+              <a:t>06/06/2024</a:t>
             </a:fld>
             <a:endParaRPr lang="it-IT"/>
           </a:p>
@@ -3472,7 +1689,7 @@
           <a:p>
             <a:fld id="{5195E9AF-D275-4EDC-8E5B-91202E2D6359}" type="datetime1">
               <a:rPr lang="it-IT" smtClean="0"/>
-              <a:t>05/06/2024</a:t>
+              <a:t>06/06/2024</a:t>
             </a:fld>
             <a:endParaRPr lang="it-IT"/>
           </a:p>
@@ -3839,7 +2056,7 @@
           <a:p>
             <a:fld id="{1F8906FC-37E7-42C2-9937-A1FF63807AEA}" type="datetime1">
               <a:rPr lang="it-IT" smtClean="0"/>
-              <a:t>05/06/2024</a:t>
+              <a:t>06/06/2024</a:t>
             </a:fld>
             <a:endParaRPr lang="it-IT"/>
           </a:p>
@@ -3957,7 +2174,7 @@
           <a:p>
             <a:fld id="{EECEB948-3B89-449F-B83C-73E528B0FB59}" type="datetime1">
               <a:rPr lang="it-IT" smtClean="0"/>
-              <a:t>05/06/2024</a:t>
+              <a:t>06/06/2024</a:t>
             </a:fld>
             <a:endParaRPr lang="it-IT"/>
           </a:p>
@@ -4052,7 +2269,7 @@
           <a:p>
             <a:fld id="{140A3494-F64A-421F-BA23-E98B1E94489C}" type="datetime1">
               <a:rPr lang="it-IT" smtClean="0"/>
-              <a:t>05/06/2024</a:t>
+              <a:t>06/06/2024</a:t>
             </a:fld>
             <a:endParaRPr lang="it-IT"/>
           </a:p>
@@ -4329,7 +2546,7 @@
           <a:p>
             <a:fld id="{FA751072-EE9A-41DC-B488-93901E8A09E9}" type="datetime1">
               <a:rPr lang="it-IT" smtClean="0"/>
-              <a:t>05/06/2024</a:t>
+              <a:t>06/06/2024</a:t>
             </a:fld>
             <a:endParaRPr lang="it-IT"/>
           </a:p>
@@ -4586,7 +2803,7 @@
           <a:p>
             <a:fld id="{D03C8101-077A-4389-B764-789DA6B3543D}" type="datetime1">
               <a:rPr lang="it-IT" smtClean="0"/>
-              <a:t>05/06/2024</a:t>
+              <a:t>06/06/2024</a:t>
             </a:fld>
             <a:endParaRPr lang="it-IT"/>
           </a:p>
@@ -4799,7 +3016,7 @@
           <a:p>
             <a:fld id="{3FB577B0-449C-451E-9F44-FD3474700A58}" type="datetime1">
               <a:rPr lang="it-IT" smtClean="0"/>
-              <a:t>05/06/2024</a:t>
+              <a:t>06/06/2024</a:t>
             </a:fld>
             <a:endParaRPr lang="it-IT"/>
           </a:p>
@@ -5258,7 +3475,9 @@
           </a:xfrm>
         </p:spPr>
         <p:txBody>
-          <a:bodyPr/>
+          <a:bodyPr>
+            <a:normAutofit/>
+          </a:bodyPr>
           <a:lstStyle/>
           <a:p>
             <a:r>
@@ -5281,27 +3500,7 @@
                 <a:latin typeface="Audiowide" panose="02000503000000020004" pitchFamily="2" charset="0"/>
                 <a:cs typeface="Helvetica" panose="020B0604020202020204" pitchFamily="34" charset="0"/>
               </a:rPr>
-              <a:t>Manuel Rigobello, Filippo </a:t>
-            </a:r>
-            <a:r>
-              <a:rPr lang="it-IT" dirty="0">
-                <a:solidFill>
-                  <a:schemeClr val="bg2"/>
-                </a:solidFill>
-                <a:latin typeface="Audiowide" panose="02000503000000020004" pitchFamily="2" charset="0"/>
-                <a:cs typeface="Helvetica" panose="020B0604020202020204" pitchFamily="34" charset="0"/>
-              </a:rPr>
-              <a:t>Galli</a:t>
-            </a:r>
-            <a:r>
-              <a:rPr lang="it-IT" dirty="0">
-                <a:solidFill>
-                  <a:schemeClr val="bg1"/>
-                </a:solidFill>
-                <a:latin typeface="Audiowide" panose="02000503000000020004" pitchFamily="2" charset="0"/>
-                <a:cs typeface="Helvetica" panose="020B0604020202020204" pitchFamily="34" charset="0"/>
-              </a:rPr>
-              <a:t>, Alessandro Leonardi, Ludovico Di Martino, Michele Scapinello</a:t>
+              <a:t>Di Martino Ludovico, Galli Filippo, Leonardi Alessandro, Rigobello Manuel, Scapinello Michele</a:t>
             </a:r>
           </a:p>
         </p:txBody>
@@ -5358,6 +3557,14 @@
 <file path=ppt/slides/slide10.xml><?xml version="1.0" encoding="utf-8"?>
 <p:sld xmlns:a="http://schemas.openxmlformats.org/drawingml/2006/main" xmlns:r="http://schemas.openxmlformats.org/officeDocument/2006/relationships" xmlns:p="http://schemas.openxmlformats.org/presentationml/2006/main">
   <p:cSld>
+    <p:bg>
+      <p:bgPr>
+        <a:solidFill>
+          <a:srgbClr val="1C1C1E"/>
+        </a:solidFill>
+        <a:effectLst/>
+      </p:bgPr>
+    </p:bg>
     <p:spTree>
       <p:nvGrpSpPr>
         <p:cNvPr id="1" name=""/>
@@ -5394,18 +3601,93 @@
           <a:lstStyle/>
           <a:p>
             <a:r>
-              <a:rPr lang="it-IT" dirty="0"/>
+              <a:rPr lang="it-IT" dirty="0">
+                <a:solidFill>
+                  <a:srgbClr val="D76464"/>
+                </a:solidFill>
+                <a:latin typeface="Audiowide" panose="02000503000000020004" pitchFamily="2" charset="0"/>
+              </a:rPr>
               <a:t>Admin Features</a:t>
             </a:r>
           </a:p>
         </p:txBody>
       </p:sp>
-      <p:sp>
-        <p:nvSpPr>
-          <p:cNvPr id="3" name="Content Placeholder 2">
-            <a:extLst>
-              <a:ext uri="{FF2B5EF4-FFF2-40B4-BE49-F238E27FC236}">
-                <a16:creationId xmlns:a16="http://schemas.microsoft.com/office/drawing/2014/main" id="{C9B5D862-532F-6FC0-CCA0-5A5E38DD1610}"/>
+      <p:pic>
+        <p:nvPicPr>
+          <p:cNvPr id="16" name="Picture 15">
+            <a:extLst>
+              <a:ext uri="{FF2B5EF4-FFF2-40B4-BE49-F238E27FC236}">
+                <a16:creationId xmlns:a16="http://schemas.microsoft.com/office/drawing/2014/main" id="{362991E4-4D2E-7081-1D01-156116AE7137}"/>
+              </a:ext>
+            </a:extLst>
+          </p:cNvPr>
+          <p:cNvPicPr>
+            <a:picLocks noChangeAspect="1"/>
+          </p:cNvPicPr>
+          <p:nvPr/>
+        </p:nvPicPr>
+        <p:blipFill>
+          <a:blip r:embed="rId2">
+            <a:extLst>
+              <a:ext uri="{28A0092B-C50C-407E-A947-70E740481C1C}">
+                <a14:useLocalDpi xmlns:a14="http://schemas.microsoft.com/office/drawing/2010/main" val="0"/>
+              </a:ext>
+            </a:extLst>
+          </a:blip>
+          <a:srcRect/>
+          <a:stretch/>
+        </p:blipFill>
+        <p:spPr>
+          <a:xfrm>
+            <a:off x="8042266" y="2767608"/>
+            <a:ext cx="3255708" cy="2619535"/>
+          </a:xfrm>
+          <a:prstGeom prst="rect">
+            <a:avLst/>
+          </a:prstGeom>
+        </p:spPr>
+      </p:pic>
+      <p:pic>
+        <p:nvPicPr>
+          <p:cNvPr id="18" name="Picture 17">
+            <a:extLst>
+              <a:ext uri="{FF2B5EF4-FFF2-40B4-BE49-F238E27FC236}">
+                <a16:creationId xmlns:a16="http://schemas.microsoft.com/office/drawing/2014/main" id="{B561AD3D-C245-BDC4-F8AA-5D827AB78730}"/>
+              </a:ext>
+            </a:extLst>
+          </p:cNvPr>
+          <p:cNvPicPr>
+            <a:picLocks noChangeAspect="1"/>
+          </p:cNvPicPr>
+          <p:nvPr/>
+        </p:nvPicPr>
+        <p:blipFill>
+          <a:blip r:embed="rId3">
+            <a:extLst>
+              <a:ext uri="{28A0092B-C50C-407E-A947-70E740481C1C}">
+                <a14:useLocalDpi xmlns:a14="http://schemas.microsoft.com/office/drawing/2010/main" val="0"/>
+              </a:ext>
+            </a:extLst>
+          </a:blip>
+          <a:srcRect/>
+          <a:stretch/>
+        </p:blipFill>
+        <p:spPr>
+          <a:xfrm>
+            <a:off x="4509939" y="2767608"/>
+            <a:ext cx="3255709" cy="2619535"/>
+          </a:xfrm>
+          <a:prstGeom prst="rect">
+            <a:avLst/>
+          </a:prstGeom>
+        </p:spPr>
+      </p:pic>
+      <p:sp>
+        <p:nvSpPr>
+          <p:cNvPr id="19" name="Footer Placeholder 13">
+            <a:extLst>
+              <a:ext uri="{FF2B5EF4-FFF2-40B4-BE49-F238E27FC236}">
+                <a16:creationId xmlns:a16="http://schemas.microsoft.com/office/drawing/2014/main" id="{3D9FC9D4-F555-25FF-F63A-3C79123C572F}"/>
               </a:ext>
             </a:extLst>
           </p:cNvPr>
@@ -5413,56 +3695,39 @@
             <a:spLocks noGrp="1"/>
           </p:cNvSpPr>
           <p:nvPr>
-            <p:ph idx="1"/>
-          </p:nvPr>
-        </p:nvSpPr>
-        <p:spPr/>
+            <p:ph type="ftr" sz="quarter" idx="11"/>
+          </p:nvPr>
+        </p:nvSpPr>
+        <p:spPr>
+          <a:xfrm>
+            <a:off x="0" y="6711885"/>
+            <a:ext cx="12192000" cy="155542"/>
+          </a:xfrm>
+          <a:solidFill>
+            <a:srgbClr val="D76464"/>
+          </a:solidFill>
+        </p:spPr>
         <p:txBody>
           <a:bodyPr/>
           <a:lstStyle/>
           <a:p>
-            <a:r>
-              <a:rPr lang="it-IT" dirty="0" err="1"/>
-              <a:t>Manage</a:t>
-            </a:r>
-            <a:r>
-              <a:rPr lang="it-IT" dirty="0"/>
-              <a:t> Cars</a:t>
-            </a:r>
-          </a:p>
-          <a:p>
-            <a:r>
-              <a:rPr lang="it-IT" dirty="0" err="1"/>
-              <a:t>Manage</a:t>
-            </a:r>
-            <a:r>
-              <a:rPr lang="it-IT" dirty="0"/>
-              <a:t> </a:t>
-            </a:r>
-            <a:r>
-              <a:rPr lang="it-IT" dirty="0" err="1"/>
-              <a:t>Circuits</a:t>
-            </a:r>
-            <a:endParaRPr lang="it-IT" dirty="0"/>
-          </a:p>
-          <a:p>
-            <a:r>
-              <a:rPr lang="it-IT" dirty="0" err="1"/>
-              <a:t>Bind</a:t>
-            </a:r>
-            <a:r>
-              <a:rPr lang="it-IT" dirty="0"/>
-              <a:t> Car to Circuit</a:t>
-            </a:r>
-          </a:p>
-        </p:txBody>
-      </p:sp>
-      <p:sp>
-        <p:nvSpPr>
-          <p:cNvPr id="4" name="Slide Number Placeholder 3">
-            <a:extLst>
-              <a:ext uri="{FF2B5EF4-FFF2-40B4-BE49-F238E27FC236}">
-                <a16:creationId xmlns:a16="http://schemas.microsoft.com/office/drawing/2014/main" id="{25D6ED6C-98E0-9CAD-C3E0-6B1764701FB1}"/>
+            <a:pPr algn="r"/>
+            <a:endParaRPr lang="it-IT" dirty="0">
+              <a:solidFill>
+                <a:schemeClr val="bg1"/>
+              </a:solidFill>
+              <a:latin typeface="Abadi Extra Light" panose="020F0502020204030204" pitchFamily="34" charset="0"/>
+              <a:cs typeface="Helvetica" panose="020B0604020202020204" pitchFamily="34" charset="0"/>
+            </a:endParaRPr>
+          </a:p>
+        </p:txBody>
+      </p:sp>
+      <p:sp>
+        <p:nvSpPr>
+          <p:cNvPr id="20" name="Slide Number Placeholder 14">
+            <a:extLst>
+              <a:ext uri="{FF2B5EF4-FFF2-40B4-BE49-F238E27FC236}">
+                <a16:creationId xmlns:a16="http://schemas.microsoft.com/office/drawing/2014/main" id="{F8371D68-7728-A314-3D4E-A8FC8219F35F}"/>
               </a:ext>
             </a:extLst>
           </p:cNvPr>
@@ -5473,25 +3738,76 @@
             <p:ph type="sldNum" sz="quarter" idx="12"/>
           </p:nvPr>
         </p:nvSpPr>
-        <p:spPr/>
+        <p:spPr>
+          <a:xfrm>
+            <a:off x="11802358" y="6346760"/>
+            <a:ext cx="389641" cy="365125"/>
+          </a:xfrm>
+        </p:spPr>
         <p:txBody>
           <a:bodyPr/>
           <a:lstStyle/>
           <a:p>
+            <a:pPr algn="ctr"/>
             <a:fld id="{A9EE5928-F148-40B0-A685-C3EA8FBFEFC2}" type="slidenum">
-              <a:rPr lang="it-IT" smtClean="0"/>
+              <a:rPr lang="it-IT" smtClean="0">
+                <a:solidFill>
+                  <a:schemeClr val="bg1"/>
+                </a:solidFill>
+              </a:rPr>
+              <a:pPr algn="ctr"/>
               <a:t>10</a:t>
             </a:fld>
-            <a:endParaRPr lang="it-IT"/>
-          </a:p>
-        </p:txBody>
-      </p:sp>
-      <p:sp>
-        <p:nvSpPr>
-          <p:cNvPr id="5" name="Footer Placeholder 4">
-            <a:extLst>
-              <a:ext uri="{FF2B5EF4-FFF2-40B4-BE49-F238E27FC236}">
-                <a16:creationId xmlns:a16="http://schemas.microsoft.com/office/drawing/2014/main" id="{29413D43-3B59-6DE5-CB83-85A5106AF81D}"/>
+            <a:endParaRPr lang="it-IT" dirty="0">
+              <a:solidFill>
+                <a:schemeClr val="bg1"/>
+              </a:solidFill>
+            </a:endParaRPr>
+          </a:p>
+        </p:txBody>
+      </p:sp>
+      <p:pic>
+        <p:nvPicPr>
+          <p:cNvPr id="22" name="Picture 21" descr="A screenshot of a car list&#10;&#10;Description automatically generated">
+            <a:extLst>
+              <a:ext uri="{FF2B5EF4-FFF2-40B4-BE49-F238E27FC236}">
+                <a16:creationId xmlns:a16="http://schemas.microsoft.com/office/drawing/2014/main" id="{5792CD30-7C34-9E71-2742-EE362454740A}"/>
+              </a:ext>
+            </a:extLst>
+          </p:cNvPr>
+          <p:cNvPicPr>
+            <a:picLocks noChangeAspect="1"/>
+          </p:cNvPicPr>
+          <p:nvPr/>
+        </p:nvPicPr>
+        <p:blipFill>
+          <a:blip r:embed="rId4">
+            <a:extLst>
+              <a:ext uri="{28A0092B-C50C-407E-A947-70E740481C1C}">
+                <a14:useLocalDpi xmlns:a14="http://schemas.microsoft.com/office/drawing/2010/main" val="0"/>
+              </a:ext>
+            </a:extLst>
+          </a:blip>
+          <a:stretch>
+            <a:fillRect/>
+          </a:stretch>
+        </p:blipFill>
+        <p:spPr>
+          <a:xfrm>
+            <a:off x="894026" y="2767608"/>
+            <a:ext cx="3255708" cy="2619535"/>
+          </a:xfrm>
+          <a:prstGeom prst="rect">
+            <a:avLst/>
+          </a:prstGeom>
+        </p:spPr>
+      </p:pic>
+      <p:sp>
+        <p:nvSpPr>
+          <p:cNvPr id="23" name="Content Placeholder 2">
+            <a:extLst>
+              <a:ext uri="{FF2B5EF4-FFF2-40B4-BE49-F238E27FC236}">
+                <a16:creationId xmlns:a16="http://schemas.microsoft.com/office/drawing/2014/main" id="{84261342-C179-AAD2-366F-0CB02F6EEE82}"/>
               </a:ext>
             </a:extLst>
           </p:cNvPr>
@@ -5499,15 +3815,202 @@
             <a:spLocks noGrp="1"/>
           </p:cNvSpPr>
           <p:nvPr>
-            <p:ph type="ftr" sz="quarter" idx="11"/>
-          </p:nvPr>
-        </p:nvSpPr>
-        <p:spPr/>
+            <p:ph idx="1"/>
+          </p:nvPr>
+        </p:nvSpPr>
+        <p:spPr>
+          <a:xfrm>
+            <a:off x="838200" y="1825625"/>
+            <a:ext cx="10515600" cy="4351338"/>
+          </a:xfrm>
+        </p:spPr>
         <p:txBody>
           <a:bodyPr/>
           <a:lstStyle/>
           <a:p>
-            <a:endParaRPr lang="it-IT"/>
+            <a:pPr marL="0" indent="0">
+              <a:buNone/>
+            </a:pPr>
+            <a:r>
+              <a:rPr lang="it-IT" dirty="0">
+                <a:solidFill>
+                  <a:schemeClr val="bg1"/>
+                </a:solidFill>
+                <a:latin typeface="Audiowide" panose="02000503000000020004" pitchFamily="2" charset="0"/>
+              </a:rPr>
+              <a:t>Cars/</a:t>
+            </a:r>
+            <a:r>
+              <a:rPr lang="it-IT" dirty="0" err="1">
+                <a:solidFill>
+                  <a:schemeClr val="bg1"/>
+                </a:solidFill>
+                <a:latin typeface="Audiowide" panose="02000503000000020004" pitchFamily="2" charset="0"/>
+              </a:rPr>
+              <a:t>Circuits</a:t>
+            </a:r>
+            <a:r>
+              <a:rPr lang="it-IT" dirty="0">
+                <a:solidFill>
+                  <a:schemeClr val="bg1"/>
+                </a:solidFill>
+                <a:latin typeface="Audiowide" panose="02000503000000020004" pitchFamily="2" charset="0"/>
+              </a:rPr>
+              <a:t> management</a:t>
+            </a:r>
+          </a:p>
+        </p:txBody>
+      </p:sp>
+      <p:sp>
+        <p:nvSpPr>
+          <p:cNvPr id="24" name="TextBox 23">
+            <a:extLst>
+              <a:ext uri="{FF2B5EF4-FFF2-40B4-BE49-F238E27FC236}">
+                <a16:creationId xmlns:a16="http://schemas.microsoft.com/office/drawing/2014/main" id="{C9677CA2-E843-B66E-157C-4CB7C7A3D99D}"/>
+              </a:ext>
+            </a:extLst>
+          </p:cNvPr>
+          <p:cNvSpPr txBox="1"/>
+          <p:nvPr/>
+        </p:nvSpPr>
+        <p:spPr>
+          <a:xfrm>
+            <a:off x="894026" y="5593517"/>
+            <a:ext cx="3243218" cy="377072"/>
+          </a:xfrm>
+          <a:prstGeom prst="rect">
+            <a:avLst/>
+          </a:prstGeom>
+          <a:noFill/>
+        </p:spPr>
+        <p:txBody>
+          <a:bodyPr wrap="square" rtlCol="0">
+            <a:spAutoFit/>
+          </a:bodyPr>
+          <a:lstStyle/>
+          <a:p>
+            <a:pPr algn="ctr"/>
+            <a:r>
+              <a:rPr lang="it-IT" dirty="0">
+                <a:solidFill>
+                  <a:schemeClr val="bg1"/>
+                </a:solidFill>
+                <a:latin typeface="Audiowide" panose="02000503000000020004" pitchFamily="2" charset="0"/>
+              </a:rPr>
+              <a:t>1. Edit</a:t>
+            </a:r>
+          </a:p>
+        </p:txBody>
+      </p:sp>
+      <p:sp>
+        <p:nvSpPr>
+          <p:cNvPr id="25" name="TextBox 24">
+            <a:extLst>
+              <a:ext uri="{FF2B5EF4-FFF2-40B4-BE49-F238E27FC236}">
+                <a16:creationId xmlns:a16="http://schemas.microsoft.com/office/drawing/2014/main" id="{72EA4EC8-6670-5507-CB16-1DD5E70C22A8}"/>
+              </a:ext>
+            </a:extLst>
+          </p:cNvPr>
+          <p:cNvSpPr txBox="1"/>
+          <p:nvPr/>
+        </p:nvSpPr>
+        <p:spPr>
+          <a:xfrm>
+            <a:off x="7931870" y="5593517"/>
+            <a:ext cx="3255708" cy="377072"/>
+          </a:xfrm>
+          <a:prstGeom prst="rect">
+            <a:avLst/>
+          </a:prstGeom>
+          <a:noFill/>
+        </p:spPr>
+        <p:txBody>
+          <a:bodyPr wrap="square" rtlCol="0">
+            <a:spAutoFit/>
+          </a:bodyPr>
+          <a:lstStyle/>
+          <a:p>
+            <a:pPr algn="ctr"/>
+            <a:r>
+              <a:rPr lang="it-IT" dirty="0">
+                <a:solidFill>
+                  <a:schemeClr val="bg1"/>
+                </a:solidFill>
+                <a:latin typeface="Audiowide" panose="02000503000000020004" pitchFamily="2" charset="0"/>
+              </a:rPr>
+              <a:t>3. </a:t>
+            </a:r>
+            <a:r>
+              <a:rPr lang="it-IT" dirty="0" err="1">
+                <a:solidFill>
+                  <a:schemeClr val="bg1"/>
+                </a:solidFill>
+                <a:latin typeface="Audiowide" panose="02000503000000020004" pitchFamily="2" charset="0"/>
+              </a:rPr>
+              <a:t>Map</a:t>
+            </a:r>
+            <a:endParaRPr lang="it-IT" dirty="0">
+              <a:solidFill>
+                <a:schemeClr val="bg1"/>
+              </a:solidFill>
+              <a:latin typeface="Audiowide" panose="02000503000000020004" pitchFamily="2" charset="0"/>
+            </a:endParaRPr>
+          </a:p>
+        </p:txBody>
+      </p:sp>
+      <p:sp>
+        <p:nvSpPr>
+          <p:cNvPr id="26" name="TextBox 25">
+            <a:extLst>
+              <a:ext uri="{FF2B5EF4-FFF2-40B4-BE49-F238E27FC236}">
+                <a16:creationId xmlns:a16="http://schemas.microsoft.com/office/drawing/2014/main" id="{1EE931CB-51B8-1BF8-1FC1-23D109F4C7EB}"/>
+              </a:ext>
+            </a:extLst>
+          </p:cNvPr>
+          <p:cNvSpPr txBox="1"/>
+          <p:nvPr/>
+        </p:nvSpPr>
+        <p:spPr>
+          <a:xfrm>
+            <a:off x="4509939" y="5593517"/>
+            <a:ext cx="3255709" cy="377072"/>
+          </a:xfrm>
+          <a:prstGeom prst="rect">
+            <a:avLst/>
+          </a:prstGeom>
+          <a:noFill/>
+        </p:spPr>
+        <p:txBody>
+          <a:bodyPr wrap="square" rtlCol="0">
+            <a:spAutoFit/>
+          </a:bodyPr>
+          <a:lstStyle/>
+          <a:p>
+            <a:pPr algn="ctr"/>
+            <a:r>
+              <a:rPr lang="it-IT" dirty="0">
+                <a:solidFill>
+                  <a:schemeClr val="bg1"/>
+                </a:solidFill>
+                <a:latin typeface="Audiowide" panose="02000503000000020004" pitchFamily="2" charset="0"/>
+              </a:rPr>
+              <a:t>2. </a:t>
+            </a:r>
+            <a:r>
+              <a:rPr lang="it-IT" dirty="0" err="1">
+                <a:solidFill>
+                  <a:schemeClr val="bg1"/>
+                </a:solidFill>
+                <a:latin typeface="Audiowide" panose="02000503000000020004" pitchFamily="2" charset="0"/>
+              </a:rPr>
+              <a:t>Insert</a:t>
+            </a:r>
+            <a:endParaRPr lang="it-IT" dirty="0">
+              <a:solidFill>
+                <a:schemeClr val="bg1"/>
+              </a:solidFill>
+              <a:latin typeface="Audiowide" panose="02000503000000020004" pitchFamily="2" charset="0"/>
+            </a:endParaRPr>
           </a:p>
         </p:txBody>
       </p:sp>
@@ -5527,6 +4030,14 @@
 <file path=ppt/slides/slide11.xml><?xml version="1.0" encoding="utf-8"?>
 <p:sld xmlns:a="http://schemas.openxmlformats.org/drawingml/2006/main" xmlns:r="http://schemas.openxmlformats.org/officeDocument/2006/relationships" xmlns:p="http://schemas.openxmlformats.org/presentationml/2006/main">
   <p:cSld>
+    <p:bg>
+      <p:bgPr>
+        <a:solidFill>
+          <a:srgbClr val="1C1C1E"/>
+        </a:solidFill>
+        <a:effectLst/>
+      </p:bgPr>
+    </p:bg>
     <p:spTree>
       <p:nvGrpSpPr>
         <p:cNvPr id="1" name=""/>
@@ -5543,10 +4054,10 @@
       </p:grpSpPr>
       <p:sp>
         <p:nvSpPr>
-          <p:cNvPr id="2" name="Title 1">
-            <a:extLst>
-              <a:ext uri="{FF2B5EF4-FFF2-40B4-BE49-F238E27FC236}">
-                <a16:creationId xmlns:a16="http://schemas.microsoft.com/office/drawing/2014/main" id="{67D42C8D-4165-C9E1-5CFF-55265687F5E4}"/>
+          <p:cNvPr id="14" name="Footer Placeholder 13">
+            <a:extLst>
+              <a:ext uri="{FF2B5EF4-FFF2-40B4-BE49-F238E27FC236}">
+                <a16:creationId xmlns:a16="http://schemas.microsoft.com/office/drawing/2014/main" id="{33ADDE13-FBA3-7EF4-631A-33A8C34136EE}"/>
               </a:ext>
             </a:extLst>
           </p:cNvPr>
@@ -5554,27 +4065,39 @@
             <a:spLocks noGrp="1"/>
           </p:cNvSpPr>
           <p:nvPr>
-            <p:ph type="title"/>
-          </p:nvPr>
-        </p:nvSpPr>
-        <p:spPr/>
+            <p:ph type="ftr" sz="quarter" idx="11"/>
+          </p:nvPr>
+        </p:nvSpPr>
+        <p:spPr>
+          <a:xfrm>
+            <a:off x="0" y="6711885"/>
+            <a:ext cx="12192000" cy="155542"/>
+          </a:xfrm>
+          <a:solidFill>
+            <a:srgbClr val="D76464"/>
+          </a:solidFill>
+        </p:spPr>
         <p:txBody>
           <a:bodyPr/>
           <a:lstStyle/>
           <a:p>
-            <a:r>
-              <a:rPr lang="it-IT" dirty="0"/>
-              <a:t>Car Management</a:t>
-            </a:r>
-          </a:p>
-        </p:txBody>
-      </p:sp>
-      <p:sp>
-        <p:nvSpPr>
-          <p:cNvPr id="3" name="Content Placeholder 2">
-            <a:extLst>
-              <a:ext uri="{FF2B5EF4-FFF2-40B4-BE49-F238E27FC236}">
-                <a16:creationId xmlns:a16="http://schemas.microsoft.com/office/drawing/2014/main" id="{4AA7991A-1484-783C-8F36-DF62C5A92B42}"/>
+            <a:pPr algn="r"/>
+            <a:endParaRPr lang="it-IT" dirty="0">
+              <a:solidFill>
+                <a:schemeClr val="bg1"/>
+              </a:solidFill>
+              <a:latin typeface="Abadi Extra Light" panose="020F0502020204030204" pitchFamily="34" charset="0"/>
+              <a:cs typeface="Helvetica" panose="020B0604020202020204" pitchFamily="34" charset="0"/>
+            </a:endParaRPr>
+          </a:p>
+        </p:txBody>
+      </p:sp>
+      <p:sp>
+        <p:nvSpPr>
+          <p:cNvPr id="15" name="Slide Number Placeholder 14">
+            <a:extLst>
+              <a:ext uri="{FF2B5EF4-FFF2-40B4-BE49-F238E27FC236}">
+                <a16:creationId xmlns:a16="http://schemas.microsoft.com/office/drawing/2014/main" id="{FDCD7513-8D15-E07F-E478-3BC06B390FD0}"/>
               </a:ext>
             </a:extLst>
           </p:cNvPr>
@@ -5582,49 +4105,43 @@
             <a:spLocks noGrp="1"/>
           </p:cNvSpPr>
           <p:nvPr>
-            <p:ph idx="1"/>
-          </p:nvPr>
-        </p:nvSpPr>
-        <p:spPr/>
+            <p:ph type="sldNum" sz="quarter" idx="12"/>
+          </p:nvPr>
+        </p:nvSpPr>
+        <p:spPr>
+          <a:xfrm>
+            <a:off x="11802358" y="6346760"/>
+            <a:ext cx="389641" cy="365125"/>
+          </a:xfrm>
+        </p:spPr>
         <p:txBody>
           <a:bodyPr/>
           <a:lstStyle/>
           <a:p>
-            <a:r>
-              <a:rPr lang="it-IT" dirty="0" err="1"/>
-              <a:t>Insert</a:t>
-            </a:r>
-            <a:endParaRPr lang="it-IT" dirty="0"/>
-          </a:p>
-          <a:p>
-            <a:r>
-              <a:rPr lang="it-IT" dirty="0"/>
-              <a:t>Edit</a:t>
-            </a:r>
-          </a:p>
-          <a:p>
-            <a:r>
-              <a:rPr lang="it-IT" dirty="0" err="1"/>
-              <a:t>Available</a:t>
-            </a:r>
-            <a:r>
-              <a:rPr lang="it-IT" dirty="0"/>
-              <a:t>/</a:t>
-            </a:r>
-            <a:r>
-              <a:rPr lang="it-IT" dirty="0" err="1"/>
-              <a:t>Unavailable</a:t>
-            </a:r>
-            <a:endParaRPr lang="it-IT" dirty="0"/>
-          </a:p>
-        </p:txBody>
-      </p:sp>
-      <p:sp>
-        <p:nvSpPr>
-          <p:cNvPr id="4" name="Slide Number Placeholder 3">
-            <a:extLst>
-              <a:ext uri="{FF2B5EF4-FFF2-40B4-BE49-F238E27FC236}">
-                <a16:creationId xmlns:a16="http://schemas.microsoft.com/office/drawing/2014/main" id="{FDFA93F5-DEFE-C442-9231-2753E97DC214}"/>
+            <a:pPr algn="ctr"/>
+            <a:fld id="{A9EE5928-F148-40B0-A685-C3EA8FBFEFC2}" type="slidenum">
+              <a:rPr lang="it-IT" smtClean="0">
+                <a:solidFill>
+                  <a:schemeClr val="bg1"/>
+                </a:solidFill>
+              </a:rPr>
+              <a:pPr algn="ctr"/>
+              <a:t>11</a:t>
+            </a:fld>
+            <a:endParaRPr lang="it-IT" dirty="0">
+              <a:solidFill>
+                <a:schemeClr val="bg1"/>
+              </a:solidFill>
+            </a:endParaRPr>
+          </a:p>
+        </p:txBody>
+      </p:sp>
+      <p:sp>
+        <p:nvSpPr>
+          <p:cNvPr id="2" name="Title 1">
+            <a:extLst>
+              <a:ext uri="{FF2B5EF4-FFF2-40B4-BE49-F238E27FC236}">
+                <a16:creationId xmlns:a16="http://schemas.microsoft.com/office/drawing/2014/main" id="{B3216943-7EE2-EFFF-630F-52F731D96251}"/>
               </a:ext>
             </a:extLst>
           </p:cNvPr>
@@ -5632,51 +4149,106 @@
             <a:spLocks noGrp="1"/>
           </p:cNvSpPr>
           <p:nvPr>
-            <p:ph type="sldNum" sz="quarter" idx="12"/>
-          </p:nvPr>
-        </p:nvSpPr>
-        <p:spPr/>
+            <p:ph type="title"/>
+          </p:nvPr>
+        </p:nvSpPr>
+        <p:spPr>
+          <a:xfrm>
+            <a:off x="838200" y="365125"/>
+            <a:ext cx="10515600" cy="1325563"/>
+          </a:xfrm>
+        </p:spPr>
         <p:txBody>
           <a:bodyPr/>
           <a:lstStyle/>
           <a:p>
-            <a:fld id="{A9EE5928-F148-40B0-A685-C3EA8FBFEFC2}" type="slidenum">
-              <a:rPr lang="it-IT" smtClean="0"/>
-              <a:t>11</a:t>
-            </a:fld>
-            <a:endParaRPr lang="it-IT"/>
-          </a:p>
-        </p:txBody>
-      </p:sp>
-      <p:sp>
-        <p:nvSpPr>
-          <p:cNvPr id="5" name="Footer Placeholder 4">
-            <a:extLst>
-              <a:ext uri="{FF2B5EF4-FFF2-40B4-BE49-F238E27FC236}">
-                <a16:creationId xmlns:a16="http://schemas.microsoft.com/office/drawing/2014/main" id="{D0DAA939-F107-FA6A-6943-C756C12D936C}"/>
-              </a:ext>
-            </a:extLst>
-          </p:cNvPr>
-          <p:cNvSpPr>
-            <a:spLocks noGrp="1"/>
-          </p:cNvSpPr>
-          <p:nvPr>
-            <p:ph type="ftr" sz="quarter" idx="11"/>
-          </p:nvPr>
-        </p:nvSpPr>
-        <p:spPr/>
-        <p:txBody>
-          <a:bodyPr/>
-          <a:lstStyle/>
-          <a:p>
-            <a:endParaRPr lang="it-IT"/>
-          </a:p>
-        </p:txBody>
-      </p:sp>
+            <a:r>
+              <a:rPr lang="it-IT" dirty="0">
+                <a:solidFill>
+                  <a:srgbClr val="D76464"/>
+                </a:solidFill>
+                <a:latin typeface="Audiowide" panose="02000503000000020004" pitchFamily="2" charset="0"/>
+              </a:rPr>
+              <a:t>Responsive Design</a:t>
+            </a:r>
+          </a:p>
+        </p:txBody>
+      </p:sp>
+      <p:pic>
+        <p:nvPicPr>
+          <p:cNvPr id="12" name="Picture 11" descr="A computer with a screen on&#10;&#10;Description automatically generated">
+            <a:extLst>
+              <a:ext uri="{FF2B5EF4-FFF2-40B4-BE49-F238E27FC236}">
+                <a16:creationId xmlns:a16="http://schemas.microsoft.com/office/drawing/2014/main" id="{D7E90F36-5910-F03B-9BD1-ACA8BECDD798}"/>
+              </a:ext>
+            </a:extLst>
+          </p:cNvPr>
+          <p:cNvPicPr>
+            <a:picLocks noChangeAspect="1"/>
+          </p:cNvPicPr>
+          <p:nvPr/>
+        </p:nvPicPr>
+        <p:blipFill rotWithShape="1">
+          <a:blip r:embed="rId2">
+            <a:extLst>
+              <a:ext uri="{28A0092B-C50C-407E-A947-70E740481C1C}">
+                <a14:useLocalDpi xmlns:a14="http://schemas.microsoft.com/office/drawing/2010/main" val="0"/>
+              </a:ext>
+            </a:extLst>
+          </a:blip>
+          <a:srcRect l="16160" t="20858" r="16717" b="17534"/>
+          <a:stretch/>
+        </p:blipFill>
+        <p:spPr>
+          <a:xfrm>
+            <a:off x="838200" y="1690688"/>
+            <a:ext cx="7067551" cy="4541732"/>
+          </a:xfrm>
+          <a:prstGeom prst="rect">
+            <a:avLst/>
+          </a:prstGeom>
+        </p:spPr>
+      </p:pic>
+      <p:pic>
+        <p:nvPicPr>
+          <p:cNvPr id="17" name="Picture 16" descr="A white cell phone with a screen on it&#10;&#10;Description automatically generated">
+            <a:extLst>
+              <a:ext uri="{FF2B5EF4-FFF2-40B4-BE49-F238E27FC236}">
+                <a16:creationId xmlns:a16="http://schemas.microsoft.com/office/drawing/2014/main" id="{46819313-9F8C-E5E0-5F0B-C0FCE9717933}"/>
+              </a:ext>
+            </a:extLst>
+          </p:cNvPr>
+          <p:cNvPicPr>
+            <a:picLocks noChangeAspect="1"/>
+          </p:cNvPicPr>
+          <p:nvPr/>
+        </p:nvPicPr>
+        <p:blipFill>
+          <a:blip r:embed="rId3">
+            <a:extLst>
+              <a:ext uri="{28A0092B-C50C-407E-A947-70E740481C1C}">
+                <a14:useLocalDpi xmlns:a14="http://schemas.microsoft.com/office/drawing/2010/main" val="0"/>
+              </a:ext>
+            </a:extLst>
+          </a:blip>
+          <a:stretch>
+            <a:fillRect/>
+          </a:stretch>
+        </p:blipFill>
+        <p:spPr>
+          <a:xfrm>
+            <a:off x="6764506" y="1566510"/>
+            <a:ext cx="5037851" cy="4790088"/>
+          </a:xfrm>
+          <a:prstGeom prst="rect">
+            <a:avLst/>
+          </a:prstGeom>
+        </p:spPr>
+      </p:pic>
     </p:spTree>
     <p:extLst>
       <p:ext uri="{BB962C8B-B14F-4D97-AF65-F5344CB8AC3E}">
-        <p14:creationId xmlns:p14="http://schemas.microsoft.com/office/powerpoint/2010/main" val="257592218"/>
+        <p14:creationId xmlns:p14="http://schemas.microsoft.com/office/powerpoint/2010/main" val="3826666006"/>
       </p:ext>
     </p:extLst>
   </p:cSld>
@@ -5689,6 +4261,14 @@
 <file path=ppt/slides/slide12.xml><?xml version="1.0" encoding="utf-8"?>
 <p:sld xmlns:a="http://schemas.openxmlformats.org/drawingml/2006/main" xmlns:r="http://schemas.openxmlformats.org/officeDocument/2006/relationships" xmlns:p="http://schemas.openxmlformats.org/presentationml/2006/main">
   <p:cSld>
+    <p:bg>
+      <p:bgPr>
+        <a:solidFill>
+          <a:srgbClr val="1C1C1E"/>
+        </a:solidFill>
+        <a:effectLst/>
+      </p:bgPr>
+    </p:bg>
     <p:spTree>
       <p:nvGrpSpPr>
         <p:cNvPr id="1" name=""/>
@@ -5708,7 +4288,7 @@
           <p:cNvPr id="2" name="Title 1">
             <a:extLst>
               <a:ext uri="{FF2B5EF4-FFF2-40B4-BE49-F238E27FC236}">
-                <a16:creationId xmlns:a16="http://schemas.microsoft.com/office/drawing/2014/main" id="{D1A91ABD-D096-A008-CC37-498FB3616530}"/>
+                <a16:creationId xmlns:a16="http://schemas.microsoft.com/office/drawing/2014/main" id="{F4E180E6-08BE-E85C-0594-55C5DF7ED010}"/>
               </a:ext>
             </a:extLst>
           </p:cNvPr>
@@ -5725,9 +4305,20 @@
           <a:lstStyle/>
           <a:p>
             <a:r>
-              <a:rPr lang="it-IT" dirty="0"/>
-              <a:t>Circuit Management</a:t>
-            </a:r>
+              <a:rPr lang="it-IT" dirty="0" err="1">
+                <a:solidFill>
+                  <a:srgbClr val="D76464"/>
+                </a:solidFill>
+                <a:latin typeface="Audiowide" panose="02000503000000020004" pitchFamily="2" charset="0"/>
+              </a:rPr>
+              <a:t>Conclusions</a:t>
+            </a:r>
+            <a:endParaRPr lang="it-IT" dirty="0">
+              <a:solidFill>
+                <a:srgbClr val="D76464"/>
+              </a:solidFill>
+              <a:latin typeface="Audiowide" panose="02000503000000020004" pitchFamily="2" charset="0"/>
+            </a:endParaRPr>
           </a:p>
         </p:txBody>
       </p:sp>
@@ -5736,7 +4327,7 @@
           <p:cNvPr id="3" name="Content Placeholder 2">
             <a:extLst>
               <a:ext uri="{FF2B5EF4-FFF2-40B4-BE49-F238E27FC236}">
-                <a16:creationId xmlns:a16="http://schemas.microsoft.com/office/drawing/2014/main" id="{702E9902-8D34-E483-D144-B356BE214FA0}"/>
+                <a16:creationId xmlns:a16="http://schemas.microsoft.com/office/drawing/2014/main" id="{E5F409E9-ED7C-77C6-E102-E717C57B99DE}"/>
               </a:ext>
             </a:extLst>
           </p:cNvPr>
@@ -5753,40 +4344,495 @@
           <a:lstStyle/>
           <a:p>
             <a:r>
-              <a:rPr lang="it-IT" dirty="0" err="1"/>
-              <a:t>Insert</a:t>
-            </a:r>
-            <a:endParaRPr lang="it-IT" dirty="0"/>
-          </a:p>
-          <a:p>
-            <a:r>
-              <a:rPr lang="it-IT" dirty="0"/>
-              <a:t>Edit</a:t>
-            </a:r>
-          </a:p>
-          <a:p>
-            <a:r>
-              <a:rPr lang="it-IT" dirty="0" err="1"/>
-              <a:t>Available</a:t>
-            </a:r>
-            <a:r>
-              <a:rPr lang="it-IT" dirty="0"/>
-              <a:t>/</a:t>
-            </a:r>
-            <a:r>
-              <a:rPr lang="it-IT" dirty="0" err="1"/>
-              <a:t>Unavailable</a:t>
-            </a:r>
-            <a:endParaRPr lang="it-IT" dirty="0"/>
-          </a:p>
-        </p:txBody>
-      </p:sp>
-      <p:sp>
-        <p:nvSpPr>
-          <p:cNvPr id="4" name="Slide Number Placeholder 3">
-            <a:extLst>
-              <a:ext uri="{FF2B5EF4-FFF2-40B4-BE49-F238E27FC236}">
-                <a16:creationId xmlns:a16="http://schemas.microsoft.com/office/drawing/2014/main" id="{647C8B7A-34E1-8DC3-380A-83257D530462}"/>
+              <a:rPr lang="it-IT" dirty="0" err="1">
+                <a:solidFill>
+                  <a:schemeClr val="bg1"/>
+                </a:solidFill>
+                <a:latin typeface="Audiowide" panose="02000503000000020004" pitchFamily="2" charset="0"/>
+              </a:rPr>
+              <a:t>WaCar</a:t>
+            </a:r>
+            <a:r>
+              <a:rPr lang="it-IT" dirty="0">
+                <a:solidFill>
+                  <a:schemeClr val="bg1"/>
+                </a:solidFill>
+                <a:latin typeface="Audiowide" panose="02000503000000020004" pitchFamily="2" charset="0"/>
+              </a:rPr>
+              <a:t> </a:t>
+            </a:r>
+            <a:r>
+              <a:rPr lang="it-IT" dirty="0" err="1">
+                <a:solidFill>
+                  <a:schemeClr val="bg1"/>
+                </a:solidFill>
+                <a:latin typeface="Audiowide" panose="02000503000000020004" pitchFamily="2" charset="0"/>
+              </a:rPr>
+              <a:t>satistifies</a:t>
+            </a:r>
+            <a:r>
+              <a:rPr lang="it-IT" dirty="0">
+                <a:solidFill>
+                  <a:schemeClr val="bg1"/>
+                </a:solidFill>
+                <a:latin typeface="Audiowide" panose="02000503000000020004" pitchFamily="2" charset="0"/>
+              </a:rPr>
+              <a:t> the </a:t>
+            </a:r>
+            <a:r>
+              <a:rPr lang="it-IT" dirty="0" err="1">
+                <a:solidFill>
+                  <a:schemeClr val="bg1"/>
+                </a:solidFill>
+                <a:latin typeface="Audiowide" panose="02000503000000020004" pitchFamily="2" charset="0"/>
+              </a:rPr>
+              <a:t>needs</a:t>
+            </a:r>
+            <a:r>
+              <a:rPr lang="it-IT" dirty="0">
+                <a:solidFill>
+                  <a:schemeClr val="bg1"/>
+                </a:solidFill>
+                <a:latin typeface="Audiowide" panose="02000503000000020004" pitchFamily="2" charset="0"/>
+              </a:rPr>
+              <a:t> of customers and </a:t>
+            </a:r>
+            <a:r>
+              <a:rPr lang="it-IT" dirty="0" err="1">
+                <a:solidFill>
+                  <a:schemeClr val="bg1"/>
+                </a:solidFill>
+                <a:latin typeface="Audiowide" panose="02000503000000020004" pitchFamily="2" charset="0"/>
+              </a:rPr>
+              <a:t>owners</a:t>
+            </a:r>
+            <a:r>
+              <a:rPr lang="it-IT" dirty="0">
+                <a:solidFill>
+                  <a:schemeClr val="bg1"/>
+                </a:solidFill>
+                <a:latin typeface="Audiowide" panose="02000503000000020004" pitchFamily="2" charset="0"/>
+              </a:rPr>
+              <a:t> with </a:t>
+            </a:r>
+            <a:r>
+              <a:rPr lang="it-IT" dirty="0" err="1">
+                <a:solidFill>
+                  <a:schemeClr val="bg1"/>
+                </a:solidFill>
+                <a:latin typeface="Audiowide" panose="02000503000000020004" pitchFamily="2" charset="0"/>
+              </a:rPr>
+              <a:t>its</a:t>
+            </a:r>
+            <a:r>
+              <a:rPr lang="it-IT" dirty="0">
+                <a:solidFill>
+                  <a:schemeClr val="bg1"/>
+                </a:solidFill>
+                <a:latin typeface="Audiowide" panose="02000503000000020004" pitchFamily="2" charset="0"/>
+              </a:rPr>
+              <a:t> </a:t>
+            </a:r>
+            <a:r>
+              <a:rPr lang="it-IT" dirty="0" err="1">
+                <a:solidFill>
+                  <a:schemeClr val="bg1"/>
+                </a:solidFill>
+                <a:latin typeface="Audiowide" panose="02000503000000020004" pitchFamily="2" charset="0"/>
+              </a:rPr>
+              <a:t>simple</a:t>
+            </a:r>
+            <a:r>
+              <a:rPr lang="it-IT" dirty="0">
+                <a:solidFill>
+                  <a:schemeClr val="bg1"/>
+                </a:solidFill>
+                <a:latin typeface="Audiowide" panose="02000503000000020004" pitchFamily="2" charset="0"/>
+              </a:rPr>
+              <a:t> </a:t>
+            </a:r>
+            <a:r>
+              <a:rPr lang="it-IT" dirty="0" err="1">
+                <a:solidFill>
+                  <a:schemeClr val="bg1"/>
+                </a:solidFill>
+                <a:latin typeface="Audiowide" panose="02000503000000020004" pitchFamily="2" charset="0"/>
+              </a:rPr>
+              <a:t>interface</a:t>
+            </a:r>
+            <a:r>
+              <a:rPr lang="it-IT" dirty="0">
+                <a:solidFill>
+                  <a:schemeClr val="bg1"/>
+                </a:solidFill>
+                <a:latin typeface="Audiowide" panose="02000503000000020004" pitchFamily="2" charset="0"/>
+              </a:rPr>
+              <a:t> and </a:t>
+            </a:r>
+            <a:r>
+              <a:rPr lang="it-IT" dirty="0" err="1">
+                <a:solidFill>
+                  <a:schemeClr val="bg1"/>
+                </a:solidFill>
+                <a:latin typeface="Audiowide" panose="02000503000000020004" pitchFamily="2" charset="0"/>
+              </a:rPr>
+              <a:t>usage</a:t>
+            </a:r>
+            <a:endParaRPr lang="it-IT" dirty="0">
+              <a:solidFill>
+                <a:schemeClr val="bg1"/>
+              </a:solidFill>
+              <a:latin typeface="Audiowide" panose="02000503000000020004" pitchFamily="2" charset="0"/>
+            </a:endParaRPr>
+          </a:p>
+          <a:p>
+            <a:endParaRPr lang="it-IT" dirty="0">
+              <a:solidFill>
+                <a:schemeClr val="bg1"/>
+              </a:solidFill>
+              <a:latin typeface="Audiowide" panose="02000503000000020004" pitchFamily="2" charset="0"/>
+            </a:endParaRPr>
+          </a:p>
+          <a:p>
+            <a:r>
+              <a:rPr lang="it-IT" dirty="0">
+                <a:solidFill>
+                  <a:schemeClr val="bg1"/>
+                </a:solidFill>
+                <a:latin typeface="Audiowide" panose="02000503000000020004" pitchFamily="2" charset="0"/>
+              </a:rPr>
+              <a:t>The goal of the project </a:t>
+            </a:r>
+            <a:r>
+              <a:rPr lang="it-IT" dirty="0" err="1">
+                <a:solidFill>
+                  <a:schemeClr val="bg1"/>
+                </a:solidFill>
+                <a:latin typeface="Audiowide" panose="02000503000000020004" pitchFamily="2" charset="0"/>
+              </a:rPr>
+              <a:t>has</a:t>
+            </a:r>
+            <a:r>
+              <a:rPr lang="it-IT" dirty="0">
+                <a:solidFill>
+                  <a:schemeClr val="bg1"/>
+                </a:solidFill>
+                <a:latin typeface="Audiowide" panose="02000503000000020004" pitchFamily="2" charset="0"/>
+              </a:rPr>
+              <a:t> </a:t>
+            </a:r>
+            <a:r>
+              <a:rPr lang="it-IT" dirty="0" err="1">
+                <a:solidFill>
+                  <a:schemeClr val="bg1"/>
+                </a:solidFill>
+                <a:latin typeface="Audiowide" panose="02000503000000020004" pitchFamily="2" charset="0"/>
+              </a:rPr>
+              <a:t>been</a:t>
+            </a:r>
+            <a:r>
+              <a:rPr lang="it-IT" dirty="0">
+                <a:solidFill>
+                  <a:schemeClr val="bg1"/>
+                </a:solidFill>
+                <a:latin typeface="Audiowide" panose="02000503000000020004" pitchFamily="2" charset="0"/>
+              </a:rPr>
+              <a:t> </a:t>
+            </a:r>
+            <a:r>
+              <a:rPr lang="it-IT" dirty="0" err="1">
+                <a:solidFill>
+                  <a:schemeClr val="bg1"/>
+                </a:solidFill>
+                <a:latin typeface="Audiowide" panose="02000503000000020004" pitchFamily="2" charset="0"/>
+              </a:rPr>
+              <a:t>achieved</a:t>
+            </a:r>
+            <a:r>
+              <a:rPr lang="it-IT" dirty="0">
+                <a:solidFill>
+                  <a:schemeClr val="bg1"/>
+                </a:solidFill>
+                <a:latin typeface="Audiowide" panose="02000503000000020004" pitchFamily="2" charset="0"/>
+              </a:rPr>
+              <a:t> by </a:t>
+            </a:r>
+            <a:r>
+              <a:rPr lang="it-IT" dirty="0" err="1">
+                <a:solidFill>
+                  <a:schemeClr val="bg1"/>
+                </a:solidFill>
+                <a:latin typeface="Audiowide" panose="02000503000000020004" pitchFamily="2" charset="0"/>
+              </a:rPr>
+              <a:t>providing</a:t>
+            </a:r>
+            <a:r>
+              <a:rPr lang="it-IT" dirty="0">
+                <a:solidFill>
+                  <a:schemeClr val="bg1"/>
+                </a:solidFill>
+                <a:latin typeface="Audiowide" panose="02000503000000020004" pitchFamily="2" charset="0"/>
+              </a:rPr>
+              <a:t> a </a:t>
+            </a:r>
+            <a:r>
+              <a:rPr lang="it-IT" dirty="0" err="1">
+                <a:solidFill>
+                  <a:schemeClr val="bg1"/>
+                </a:solidFill>
+                <a:latin typeface="Audiowide" panose="02000503000000020004" pitchFamily="2" charset="0"/>
+              </a:rPr>
+              <a:t>solution</a:t>
+            </a:r>
+            <a:r>
+              <a:rPr lang="it-IT" dirty="0">
+                <a:solidFill>
+                  <a:schemeClr val="bg1"/>
+                </a:solidFill>
+                <a:latin typeface="Audiowide" panose="02000503000000020004" pitchFamily="2" charset="0"/>
+              </a:rPr>
+              <a:t> </a:t>
+            </a:r>
+            <a:r>
+              <a:rPr lang="it-IT" dirty="0" err="1">
+                <a:solidFill>
+                  <a:schemeClr val="bg1"/>
+                </a:solidFill>
+                <a:latin typeface="Audiowide" panose="02000503000000020004" pitchFamily="2" charset="0"/>
+              </a:rPr>
+              <a:t>that</a:t>
+            </a:r>
+            <a:r>
+              <a:rPr lang="it-IT" dirty="0">
+                <a:solidFill>
+                  <a:schemeClr val="bg1"/>
+                </a:solidFill>
+                <a:latin typeface="Audiowide" panose="02000503000000020004" pitchFamily="2" charset="0"/>
+              </a:rPr>
+              <a:t> </a:t>
+            </a:r>
+            <a:r>
+              <a:rPr lang="it-IT" dirty="0" err="1">
+                <a:solidFill>
+                  <a:schemeClr val="bg1"/>
+                </a:solidFill>
+                <a:latin typeface="Audiowide" panose="02000503000000020004" pitchFamily="2" charset="0"/>
+              </a:rPr>
+              <a:t>facilitates</a:t>
+            </a:r>
+            <a:r>
+              <a:rPr lang="it-IT" dirty="0">
+                <a:solidFill>
+                  <a:schemeClr val="bg1"/>
+                </a:solidFill>
+                <a:latin typeface="Audiowide" panose="02000503000000020004" pitchFamily="2" charset="0"/>
+              </a:rPr>
+              <a:t> the book of </a:t>
+            </a:r>
+            <a:r>
+              <a:rPr lang="it-IT" dirty="0" err="1">
+                <a:solidFill>
+                  <a:schemeClr val="bg1"/>
+                </a:solidFill>
+                <a:latin typeface="Audiowide" panose="02000503000000020004" pitchFamily="2" charset="0"/>
+              </a:rPr>
+              <a:t>such</a:t>
+            </a:r>
+            <a:r>
+              <a:rPr lang="it-IT" dirty="0">
+                <a:solidFill>
+                  <a:schemeClr val="bg1"/>
+                </a:solidFill>
+                <a:latin typeface="Audiowide" panose="02000503000000020004" pitchFamily="2" charset="0"/>
+              </a:rPr>
+              <a:t> </a:t>
+            </a:r>
+            <a:r>
+              <a:rPr lang="it-IT" dirty="0" err="1">
+                <a:solidFill>
+                  <a:schemeClr val="bg1"/>
+                </a:solidFill>
+                <a:latin typeface="Audiowide" panose="02000503000000020004" pitchFamily="2" charset="0"/>
+              </a:rPr>
+              <a:t>experiences</a:t>
+            </a:r>
+            <a:r>
+              <a:rPr lang="it-IT" dirty="0">
+                <a:solidFill>
+                  <a:schemeClr val="bg1"/>
+                </a:solidFill>
+                <a:latin typeface="Audiowide" panose="02000503000000020004" pitchFamily="2" charset="0"/>
+              </a:rPr>
+              <a:t> and the management of the </a:t>
+            </a:r>
+            <a:r>
+              <a:rPr lang="it-IT" dirty="0" err="1">
+                <a:solidFill>
+                  <a:schemeClr val="bg1"/>
+                </a:solidFill>
+                <a:latin typeface="Audiowide" panose="02000503000000020004" pitchFamily="2" charset="0"/>
+              </a:rPr>
+              <a:t>offered</a:t>
+            </a:r>
+            <a:r>
+              <a:rPr lang="it-IT" dirty="0">
+                <a:solidFill>
+                  <a:schemeClr val="bg1"/>
+                </a:solidFill>
+                <a:latin typeface="Audiowide" panose="02000503000000020004" pitchFamily="2" charset="0"/>
+              </a:rPr>
+              <a:t> products</a:t>
+            </a:r>
+          </a:p>
+        </p:txBody>
+      </p:sp>
+      <p:sp>
+        <p:nvSpPr>
+          <p:cNvPr id="6" name="Slide Number Placeholder 14">
+            <a:extLst>
+              <a:ext uri="{FF2B5EF4-FFF2-40B4-BE49-F238E27FC236}">
+                <a16:creationId xmlns:a16="http://schemas.microsoft.com/office/drawing/2014/main" id="{EBDE457B-96A4-526C-68D9-F8425C3F680B}"/>
+              </a:ext>
+            </a:extLst>
+          </p:cNvPr>
+          <p:cNvSpPr txBox="1">
+            <a:spLocks/>
+          </p:cNvSpPr>
+          <p:nvPr/>
+        </p:nvSpPr>
+        <p:spPr>
+          <a:xfrm>
+            <a:off x="11802358" y="6346760"/>
+            <a:ext cx="389641" cy="365125"/>
+          </a:xfrm>
+          <a:prstGeom prst="rect">
+            <a:avLst/>
+          </a:prstGeom>
+        </p:spPr>
+        <p:txBody>
+          <a:bodyPr vert="horz" lIns="91440" tIns="45720" rIns="91440" bIns="45720" rtlCol="0" anchor="ctr"/>
+          <a:lstStyle>
+            <a:defPPr>
+              <a:defRPr lang="en-US"/>
+            </a:defPPr>
+            <a:lvl1pPr marL="0" algn="r" defTabSz="457200" rtl="0" eaLnBrk="1" latinLnBrk="0" hangingPunct="1">
+              <a:defRPr sz="1200" kern="1200">
+                <a:solidFill>
+                  <a:schemeClr val="tx1">
+                    <a:tint val="82000"/>
+                  </a:schemeClr>
+                </a:solidFill>
+                <a:latin typeface="+mn-lt"/>
+                <a:ea typeface="+mn-ea"/>
+                <a:cs typeface="+mn-cs"/>
+              </a:defRPr>
+            </a:lvl1pPr>
+            <a:lvl2pPr marL="457200" algn="l" defTabSz="457200" rtl="0" eaLnBrk="1" latinLnBrk="0" hangingPunct="1">
+              <a:defRPr sz="1800" kern="1200">
+                <a:solidFill>
+                  <a:schemeClr val="tx1"/>
+                </a:solidFill>
+                <a:latin typeface="+mn-lt"/>
+                <a:ea typeface="+mn-ea"/>
+                <a:cs typeface="+mn-cs"/>
+              </a:defRPr>
+            </a:lvl2pPr>
+            <a:lvl3pPr marL="914400" algn="l" defTabSz="457200" rtl="0" eaLnBrk="1" latinLnBrk="0" hangingPunct="1">
+              <a:defRPr sz="1800" kern="1200">
+                <a:solidFill>
+                  <a:schemeClr val="tx1"/>
+                </a:solidFill>
+                <a:latin typeface="+mn-lt"/>
+                <a:ea typeface="+mn-ea"/>
+                <a:cs typeface="+mn-cs"/>
+              </a:defRPr>
+            </a:lvl3pPr>
+            <a:lvl4pPr marL="1371600" algn="l" defTabSz="457200" rtl="0" eaLnBrk="1" latinLnBrk="0" hangingPunct="1">
+              <a:defRPr sz="1800" kern="1200">
+                <a:solidFill>
+                  <a:schemeClr val="tx1"/>
+                </a:solidFill>
+                <a:latin typeface="+mn-lt"/>
+                <a:ea typeface="+mn-ea"/>
+                <a:cs typeface="+mn-cs"/>
+              </a:defRPr>
+            </a:lvl4pPr>
+            <a:lvl5pPr marL="1828800" algn="l" defTabSz="457200" rtl="0" eaLnBrk="1" latinLnBrk="0" hangingPunct="1">
+              <a:defRPr sz="1800" kern="1200">
+                <a:solidFill>
+                  <a:schemeClr val="tx1"/>
+                </a:solidFill>
+                <a:latin typeface="+mn-lt"/>
+                <a:ea typeface="+mn-ea"/>
+                <a:cs typeface="+mn-cs"/>
+              </a:defRPr>
+            </a:lvl5pPr>
+            <a:lvl6pPr marL="2286000" algn="l" defTabSz="457200" rtl="0" eaLnBrk="1" latinLnBrk="0" hangingPunct="1">
+              <a:defRPr sz="1800" kern="1200">
+                <a:solidFill>
+                  <a:schemeClr val="tx1"/>
+                </a:solidFill>
+                <a:latin typeface="+mn-lt"/>
+                <a:ea typeface="+mn-ea"/>
+                <a:cs typeface="+mn-cs"/>
+              </a:defRPr>
+            </a:lvl6pPr>
+            <a:lvl7pPr marL="2743200" algn="l" defTabSz="457200" rtl="0" eaLnBrk="1" latinLnBrk="0" hangingPunct="1">
+              <a:defRPr sz="1800" kern="1200">
+                <a:solidFill>
+                  <a:schemeClr val="tx1"/>
+                </a:solidFill>
+                <a:latin typeface="+mn-lt"/>
+                <a:ea typeface="+mn-ea"/>
+                <a:cs typeface="+mn-cs"/>
+              </a:defRPr>
+            </a:lvl7pPr>
+            <a:lvl8pPr marL="3200400" algn="l" defTabSz="457200" rtl="0" eaLnBrk="1" latinLnBrk="0" hangingPunct="1">
+              <a:defRPr sz="1800" kern="1200">
+                <a:solidFill>
+                  <a:schemeClr val="tx1"/>
+                </a:solidFill>
+                <a:latin typeface="+mn-lt"/>
+                <a:ea typeface="+mn-ea"/>
+                <a:cs typeface="+mn-cs"/>
+              </a:defRPr>
+            </a:lvl8pPr>
+            <a:lvl9pPr marL="3657600" algn="l" defTabSz="457200" rtl="0" eaLnBrk="1" latinLnBrk="0" hangingPunct="1">
+              <a:defRPr sz="1800" kern="1200">
+                <a:solidFill>
+                  <a:schemeClr val="tx1"/>
+                </a:solidFill>
+                <a:latin typeface="+mn-lt"/>
+                <a:ea typeface="+mn-ea"/>
+                <a:cs typeface="+mn-cs"/>
+              </a:defRPr>
+            </a:lvl9pPr>
+          </a:lstStyle>
+          <a:p>
+            <a:pPr algn="ctr"/>
+            <a:fld id="{A9EE5928-F148-40B0-A685-C3EA8FBFEFC2}" type="slidenum">
+              <a:rPr lang="it-IT" smtClean="0">
+                <a:solidFill>
+                  <a:schemeClr val="bg1"/>
+                </a:solidFill>
+              </a:rPr>
+              <a:pPr algn="ctr"/>
+              <a:t>12</a:t>
+            </a:fld>
+            <a:endParaRPr lang="it-IT" dirty="0">
+              <a:solidFill>
+                <a:schemeClr val="bg1"/>
+              </a:solidFill>
+            </a:endParaRPr>
+          </a:p>
+        </p:txBody>
+      </p:sp>
+      <p:sp>
+        <p:nvSpPr>
+          <p:cNvPr id="7" name="Footer Placeholder 13">
+            <a:extLst>
+              <a:ext uri="{FF2B5EF4-FFF2-40B4-BE49-F238E27FC236}">
+                <a16:creationId xmlns:a16="http://schemas.microsoft.com/office/drawing/2014/main" id="{FA48AF46-64C5-1BCC-074E-5CD46E33DA73}"/>
               </a:ext>
             </a:extLst>
           </p:cNvPr>
@@ -5794,468 +4840,30 @@
             <a:spLocks noGrp="1"/>
           </p:cNvSpPr>
           <p:nvPr>
-            <p:ph type="sldNum" sz="quarter" idx="12"/>
-          </p:nvPr>
-        </p:nvSpPr>
-        <p:spPr/>
+            <p:ph type="ftr" sz="quarter" idx="11"/>
+          </p:nvPr>
+        </p:nvSpPr>
+        <p:spPr>
+          <a:xfrm>
+            <a:off x="0" y="6711885"/>
+            <a:ext cx="12192000" cy="155542"/>
+          </a:xfrm>
+          <a:solidFill>
+            <a:srgbClr val="D76464"/>
+          </a:solidFill>
+        </p:spPr>
         <p:txBody>
           <a:bodyPr/>
           <a:lstStyle/>
           <a:p>
-            <a:fld id="{A9EE5928-F148-40B0-A685-C3EA8FBFEFC2}" type="slidenum">
-              <a:rPr lang="it-IT" smtClean="0"/>
-              <a:t>12</a:t>
-            </a:fld>
-            <a:endParaRPr lang="it-IT"/>
-          </a:p>
-        </p:txBody>
-      </p:sp>
-      <p:sp>
-        <p:nvSpPr>
-          <p:cNvPr id="5" name="Footer Placeholder 4">
-            <a:extLst>
-              <a:ext uri="{FF2B5EF4-FFF2-40B4-BE49-F238E27FC236}">
-                <a16:creationId xmlns:a16="http://schemas.microsoft.com/office/drawing/2014/main" id="{0064F932-5F75-48F4-0753-61111224B8CE}"/>
-              </a:ext>
-            </a:extLst>
-          </p:cNvPr>
-          <p:cNvSpPr>
-            <a:spLocks noGrp="1"/>
-          </p:cNvSpPr>
-          <p:nvPr>
-            <p:ph type="ftr" sz="quarter" idx="11"/>
-          </p:nvPr>
-        </p:nvSpPr>
-        <p:spPr/>
-        <p:txBody>
-          <a:bodyPr/>
-          <a:lstStyle/>
-          <a:p>
-            <a:endParaRPr lang="it-IT"/>
-          </a:p>
-        </p:txBody>
-      </p:sp>
-    </p:spTree>
-    <p:extLst>
-      <p:ext uri="{BB962C8B-B14F-4D97-AF65-F5344CB8AC3E}">
-        <p14:creationId xmlns:p14="http://schemas.microsoft.com/office/powerpoint/2010/main" val="3006645425"/>
-      </p:ext>
-    </p:extLst>
-  </p:cSld>
-  <p:clrMapOvr>
-    <a:masterClrMapping/>
-  </p:clrMapOvr>
-</p:sld>
-</file>
-
-<file path=ppt/slides/slide13.xml><?xml version="1.0" encoding="utf-8"?>
-<p:sld xmlns:a="http://schemas.openxmlformats.org/drawingml/2006/main" xmlns:r="http://schemas.openxmlformats.org/officeDocument/2006/relationships" xmlns:p="http://schemas.openxmlformats.org/presentationml/2006/main">
-  <p:cSld>
-    <p:spTree>
-      <p:nvGrpSpPr>
-        <p:cNvPr id="1" name=""/>
-        <p:cNvGrpSpPr/>
-        <p:nvPr/>
-      </p:nvGrpSpPr>
-      <p:grpSpPr>
-        <a:xfrm>
-          <a:off x="0" y="0"/>
-          <a:ext cx="0" cy="0"/>
-          <a:chOff x="0" y="0"/>
-          <a:chExt cx="0" cy="0"/>
-        </a:xfrm>
-      </p:grpSpPr>
-      <p:sp>
-        <p:nvSpPr>
-          <p:cNvPr id="2" name="Title 1">
-            <a:extLst>
-              <a:ext uri="{FF2B5EF4-FFF2-40B4-BE49-F238E27FC236}">
-                <a16:creationId xmlns:a16="http://schemas.microsoft.com/office/drawing/2014/main" id="{879829F6-CF3C-ABBB-83C0-89B50CB0CFCC}"/>
-              </a:ext>
-            </a:extLst>
-          </p:cNvPr>
-          <p:cNvSpPr>
-            <a:spLocks noGrp="1"/>
-          </p:cNvSpPr>
-          <p:nvPr>
-            <p:ph type="title"/>
-          </p:nvPr>
-        </p:nvSpPr>
-        <p:spPr/>
-        <p:txBody>
-          <a:bodyPr/>
-          <a:lstStyle/>
-          <a:p>
-            <a:r>
-              <a:rPr lang="it-IT" dirty="0"/>
-              <a:t>(Responsive Design)</a:t>
-            </a:r>
-          </a:p>
-        </p:txBody>
-      </p:sp>
-      <p:sp>
-        <p:nvSpPr>
-          <p:cNvPr id="3" name="Content Placeholder 2">
-            <a:extLst>
-              <a:ext uri="{FF2B5EF4-FFF2-40B4-BE49-F238E27FC236}">
-                <a16:creationId xmlns:a16="http://schemas.microsoft.com/office/drawing/2014/main" id="{304829F1-AF97-EE55-C538-1C22365C278D}"/>
-              </a:ext>
-            </a:extLst>
-          </p:cNvPr>
-          <p:cNvSpPr>
-            <a:spLocks noGrp="1"/>
-          </p:cNvSpPr>
-          <p:nvPr>
-            <p:ph idx="1"/>
-          </p:nvPr>
-        </p:nvSpPr>
-        <p:spPr/>
-        <p:txBody>
-          <a:bodyPr/>
-          <a:lstStyle/>
-          <a:p>
-            <a:endParaRPr lang="it-IT"/>
-          </a:p>
-        </p:txBody>
-      </p:sp>
-      <p:sp>
-        <p:nvSpPr>
-          <p:cNvPr id="4" name="Slide Number Placeholder 3">
-            <a:extLst>
-              <a:ext uri="{FF2B5EF4-FFF2-40B4-BE49-F238E27FC236}">
-                <a16:creationId xmlns:a16="http://schemas.microsoft.com/office/drawing/2014/main" id="{6732DD56-B6DC-4231-9608-07092BF3F844}"/>
-              </a:ext>
-            </a:extLst>
-          </p:cNvPr>
-          <p:cNvSpPr>
-            <a:spLocks noGrp="1"/>
-          </p:cNvSpPr>
-          <p:nvPr>
-            <p:ph type="sldNum" sz="quarter" idx="12"/>
-          </p:nvPr>
-        </p:nvSpPr>
-        <p:spPr/>
-        <p:txBody>
-          <a:bodyPr/>
-          <a:lstStyle/>
-          <a:p>
-            <a:fld id="{A9EE5928-F148-40B0-A685-C3EA8FBFEFC2}" type="slidenum">
-              <a:rPr lang="it-IT" smtClean="0"/>
-              <a:t>13</a:t>
-            </a:fld>
-            <a:endParaRPr lang="it-IT"/>
-          </a:p>
-        </p:txBody>
-      </p:sp>
-      <p:sp>
-        <p:nvSpPr>
-          <p:cNvPr id="5" name="Footer Placeholder 4">
-            <a:extLst>
-              <a:ext uri="{FF2B5EF4-FFF2-40B4-BE49-F238E27FC236}">
-                <a16:creationId xmlns:a16="http://schemas.microsoft.com/office/drawing/2014/main" id="{B1F2E25B-DA60-3CED-D8B6-848F811F551C}"/>
-              </a:ext>
-            </a:extLst>
-          </p:cNvPr>
-          <p:cNvSpPr>
-            <a:spLocks noGrp="1"/>
-          </p:cNvSpPr>
-          <p:nvPr>
-            <p:ph type="ftr" sz="quarter" idx="11"/>
-          </p:nvPr>
-        </p:nvSpPr>
-        <p:spPr/>
-        <p:txBody>
-          <a:bodyPr/>
-          <a:lstStyle/>
-          <a:p>
-            <a:endParaRPr lang="it-IT"/>
-          </a:p>
-        </p:txBody>
-      </p:sp>
-    </p:spTree>
-    <p:extLst>
-      <p:ext uri="{BB962C8B-B14F-4D97-AF65-F5344CB8AC3E}">
-        <p14:creationId xmlns:p14="http://schemas.microsoft.com/office/powerpoint/2010/main" val="1939069988"/>
-      </p:ext>
-    </p:extLst>
-  </p:cSld>
-  <p:clrMapOvr>
-    <a:masterClrMapping/>
-  </p:clrMapOvr>
-</p:sld>
-</file>
-
-<file path=ppt/slides/slide14.xml><?xml version="1.0" encoding="utf-8"?>
-<p:sld xmlns:a="http://schemas.openxmlformats.org/drawingml/2006/main" xmlns:r="http://schemas.openxmlformats.org/officeDocument/2006/relationships" xmlns:p="http://schemas.openxmlformats.org/presentationml/2006/main">
-  <p:cSld>
-    <p:spTree>
-      <p:nvGrpSpPr>
-        <p:cNvPr id="1" name=""/>
-        <p:cNvGrpSpPr/>
-        <p:nvPr/>
-      </p:nvGrpSpPr>
-      <p:grpSpPr>
-        <a:xfrm>
-          <a:off x="0" y="0"/>
-          <a:ext cx="0" cy="0"/>
-          <a:chOff x="0" y="0"/>
-          <a:chExt cx="0" cy="0"/>
-        </a:xfrm>
-      </p:grpSpPr>
-      <p:sp>
-        <p:nvSpPr>
-          <p:cNvPr id="2" name="Title 1">
-            <a:extLst>
-              <a:ext uri="{FF2B5EF4-FFF2-40B4-BE49-F238E27FC236}">
-                <a16:creationId xmlns:a16="http://schemas.microsoft.com/office/drawing/2014/main" id="{F4E180E6-08BE-E85C-0594-55C5DF7ED010}"/>
-              </a:ext>
-            </a:extLst>
-          </p:cNvPr>
-          <p:cNvSpPr>
-            <a:spLocks noGrp="1"/>
-          </p:cNvSpPr>
-          <p:nvPr>
-            <p:ph type="title"/>
-          </p:nvPr>
-        </p:nvSpPr>
-        <p:spPr/>
-        <p:txBody>
-          <a:bodyPr/>
-          <a:lstStyle/>
-          <a:p>
-            <a:r>
-              <a:rPr lang="it-IT" dirty="0" err="1"/>
-              <a:t>Conclusions</a:t>
-            </a:r>
-            <a:endParaRPr lang="it-IT" dirty="0"/>
-          </a:p>
-        </p:txBody>
-      </p:sp>
-      <p:sp>
-        <p:nvSpPr>
-          <p:cNvPr id="3" name="Content Placeholder 2">
-            <a:extLst>
-              <a:ext uri="{FF2B5EF4-FFF2-40B4-BE49-F238E27FC236}">
-                <a16:creationId xmlns:a16="http://schemas.microsoft.com/office/drawing/2014/main" id="{E5F409E9-ED7C-77C6-E102-E717C57B99DE}"/>
-              </a:ext>
-            </a:extLst>
-          </p:cNvPr>
-          <p:cNvSpPr>
-            <a:spLocks noGrp="1"/>
-          </p:cNvSpPr>
-          <p:nvPr>
-            <p:ph idx="1"/>
-          </p:nvPr>
-        </p:nvSpPr>
-        <p:spPr/>
-        <p:txBody>
-          <a:bodyPr/>
-          <a:lstStyle/>
-          <a:p>
-            <a:r>
-              <a:rPr lang="it-IT" dirty="0" err="1"/>
-              <a:t>WaCar</a:t>
-            </a:r>
-            <a:r>
-              <a:rPr lang="it-IT" dirty="0"/>
-              <a:t> </a:t>
-            </a:r>
-            <a:r>
-              <a:rPr lang="it-IT" dirty="0" err="1"/>
-              <a:t>satistifies</a:t>
-            </a:r>
-            <a:r>
-              <a:rPr lang="it-IT" dirty="0"/>
-              <a:t> the </a:t>
-            </a:r>
-            <a:r>
-              <a:rPr lang="it-IT" dirty="0" err="1"/>
-              <a:t>needs</a:t>
-            </a:r>
-            <a:r>
-              <a:rPr lang="it-IT" dirty="0"/>
-              <a:t> of customers and </a:t>
-            </a:r>
-            <a:r>
-              <a:rPr lang="it-IT" dirty="0" err="1"/>
-              <a:t>owners</a:t>
-            </a:r>
-            <a:r>
-              <a:rPr lang="it-IT" dirty="0"/>
-              <a:t> with </a:t>
-            </a:r>
-            <a:r>
-              <a:rPr lang="it-IT" dirty="0" err="1"/>
-              <a:t>its</a:t>
-            </a:r>
-            <a:r>
-              <a:rPr lang="it-IT" dirty="0"/>
-              <a:t> </a:t>
-            </a:r>
-            <a:r>
-              <a:rPr lang="it-IT" dirty="0" err="1"/>
-              <a:t>simple</a:t>
-            </a:r>
-            <a:r>
-              <a:rPr lang="it-IT" dirty="0"/>
-              <a:t> </a:t>
-            </a:r>
-            <a:r>
-              <a:rPr lang="it-IT" dirty="0" err="1"/>
-              <a:t>interface</a:t>
-            </a:r>
-            <a:r>
-              <a:rPr lang="it-IT" dirty="0"/>
-              <a:t> and </a:t>
-            </a:r>
-            <a:r>
-              <a:rPr lang="it-IT" dirty="0" err="1"/>
-              <a:t>usage</a:t>
-            </a:r>
-            <a:endParaRPr lang="it-IT" dirty="0"/>
-          </a:p>
-          <a:p>
-            <a:endParaRPr lang="it-IT" dirty="0"/>
-          </a:p>
-          <a:p>
-            <a:r>
-              <a:rPr lang="it-IT" dirty="0"/>
-              <a:t>The goal of the project </a:t>
-            </a:r>
-            <a:r>
-              <a:rPr lang="it-IT" dirty="0" err="1"/>
-              <a:t>has</a:t>
-            </a:r>
-            <a:r>
-              <a:rPr lang="it-IT" dirty="0"/>
-              <a:t> </a:t>
-            </a:r>
-            <a:r>
-              <a:rPr lang="it-IT" dirty="0" err="1"/>
-              <a:t>been</a:t>
-            </a:r>
-            <a:r>
-              <a:rPr lang="it-IT" dirty="0"/>
-              <a:t> </a:t>
-            </a:r>
-            <a:r>
-              <a:rPr lang="it-IT" dirty="0" err="1"/>
-              <a:t>achieved</a:t>
-            </a:r>
-            <a:r>
-              <a:rPr lang="it-IT" dirty="0"/>
-              <a:t> by </a:t>
-            </a:r>
-            <a:r>
-              <a:rPr lang="it-IT" dirty="0" err="1"/>
-              <a:t>providing</a:t>
-            </a:r>
-            <a:r>
-              <a:rPr lang="it-IT" dirty="0"/>
-              <a:t> a </a:t>
-            </a:r>
-            <a:r>
-              <a:rPr lang="it-IT" dirty="0" err="1"/>
-              <a:t>solution</a:t>
-            </a:r>
-            <a:r>
-              <a:rPr lang="it-IT" dirty="0"/>
-              <a:t> </a:t>
-            </a:r>
-            <a:r>
-              <a:rPr lang="it-IT" dirty="0" err="1"/>
-              <a:t>that</a:t>
-            </a:r>
-            <a:r>
-              <a:rPr lang="it-IT" dirty="0"/>
-              <a:t> </a:t>
-            </a:r>
-            <a:r>
-              <a:rPr lang="it-IT" dirty="0" err="1"/>
-              <a:t>facilitates</a:t>
-            </a:r>
-            <a:r>
-              <a:rPr lang="it-IT" dirty="0"/>
-              <a:t> the book of </a:t>
-            </a:r>
-            <a:r>
-              <a:rPr lang="it-IT" dirty="0" err="1"/>
-              <a:t>such</a:t>
-            </a:r>
-            <a:r>
-              <a:rPr lang="it-IT" dirty="0"/>
-              <a:t> </a:t>
-            </a:r>
-            <a:r>
-              <a:rPr lang="it-IT" dirty="0" err="1"/>
-              <a:t>experiences</a:t>
-            </a:r>
-            <a:r>
-              <a:rPr lang="it-IT" dirty="0"/>
-              <a:t> and the management of the </a:t>
-            </a:r>
-            <a:r>
-              <a:rPr lang="it-IT" dirty="0" err="1"/>
-              <a:t>offered</a:t>
-            </a:r>
-            <a:r>
-              <a:rPr lang="it-IT" dirty="0"/>
-              <a:t> products</a:t>
-            </a:r>
-          </a:p>
-        </p:txBody>
-      </p:sp>
-      <p:sp>
-        <p:nvSpPr>
-          <p:cNvPr id="4" name="Slide Number Placeholder 3">
-            <a:extLst>
-              <a:ext uri="{FF2B5EF4-FFF2-40B4-BE49-F238E27FC236}">
-                <a16:creationId xmlns:a16="http://schemas.microsoft.com/office/drawing/2014/main" id="{2DE2B11E-9CB4-72C1-3B53-D82F5226027B}"/>
-              </a:ext>
-            </a:extLst>
-          </p:cNvPr>
-          <p:cNvSpPr>
-            <a:spLocks noGrp="1"/>
-          </p:cNvSpPr>
-          <p:nvPr>
-            <p:ph type="sldNum" sz="quarter" idx="12"/>
-          </p:nvPr>
-        </p:nvSpPr>
-        <p:spPr/>
-        <p:txBody>
-          <a:bodyPr/>
-          <a:lstStyle/>
-          <a:p>
-            <a:fld id="{A9EE5928-F148-40B0-A685-C3EA8FBFEFC2}" type="slidenum">
-              <a:rPr lang="it-IT" smtClean="0"/>
-              <a:t>14</a:t>
-            </a:fld>
-            <a:endParaRPr lang="it-IT"/>
-          </a:p>
-        </p:txBody>
-      </p:sp>
-      <p:sp>
-        <p:nvSpPr>
-          <p:cNvPr id="5" name="Footer Placeholder 4">
-            <a:extLst>
-              <a:ext uri="{FF2B5EF4-FFF2-40B4-BE49-F238E27FC236}">
-                <a16:creationId xmlns:a16="http://schemas.microsoft.com/office/drawing/2014/main" id="{7C31F284-864B-EE30-F883-D476AC623E2E}"/>
-              </a:ext>
-            </a:extLst>
-          </p:cNvPr>
-          <p:cNvSpPr>
-            <a:spLocks noGrp="1"/>
-          </p:cNvSpPr>
-          <p:nvPr>
-            <p:ph type="ftr" sz="quarter" idx="11"/>
-          </p:nvPr>
-        </p:nvSpPr>
-        <p:spPr/>
-        <p:txBody>
-          <a:bodyPr/>
-          <a:lstStyle/>
-          <a:p>
-            <a:endParaRPr lang="it-IT"/>
+            <a:pPr algn="r"/>
+            <a:endParaRPr lang="it-IT" dirty="0">
+              <a:solidFill>
+                <a:schemeClr val="bg1"/>
+              </a:solidFill>
+              <a:latin typeface="Abadi Extra Light" panose="020F0502020204030204" pitchFamily="34" charset="0"/>
+              <a:cs typeface="Helvetica" panose="020B0604020202020204" pitchFamily="34" charset="0"/>
+            </a:endParaRPr>
           </a:p>
         </p:txBody>
       </p:sp>
@@ -6809,20 +5417,14 @@
           <a:lstStyle/>
           <a:p>
             <a:r>
-              <a:rPr lang="it-IT" dirty="0" err="1">
+              <a:rPr lang="it-IT" dirty="0">
                 <a:solidFill>
                   <a:srgbClr val="D76464"/>
                 </a:solidFill>
                 <a:latin typeface="Audiowide" panose="02000503000000020004" pitchFamily="2" charset="0"/>
               </a:rPr>
-              <a:t>WaCar</a:t>
-            </a:r>
-            <a:endParaRPr lang="it-IT" dirty="0">
-              <a:solidFill>
-                <a:srgbClr val="D76464"/>
-              </a:solidFill>
-              <a:latin typeface="Audiowide" panose="02000503000000020004" pitchFamily="2" charset="0"/>
-            </a:endParaRPr>
+              <a:t>Goals</a:t>
+            </a:r>
           </a:p>
         </p:txBody>
       </p:sp>
@@ -7382,7 +5984,7 @@
         </p:nvSpPr>
         <p:spPr>
           <a:xfrm>
-            <a:off x="6675772" y="1690686"/>
+            <a:off x="6599644" y="2177107"/>
             <a:ext cx="4601901" cy="4048359"/>
           </a:xfrm>
           <a:prstGeom prst="roundRect">
@@ -7436,7 +6038,7 @@
         </p:nvSpPr>
         <p:spPr>
           <a:xfrm>
-            <a:off x="914328" y="1690686"/>
+            <a:off x="838200" y="2177107"/>
             <a:ext cx="4601901" cy="4048359"/>
           </a:xfrm>
           <a:prstGeom prst="roundRect">
@@ -7591,7 +6193,7 @@
             <a:r>
               <a:rPr lang="it-IT" dirty="0" err="1">
                 <a:solidFill>
-                  <a:schemeClr val="accent2"/>
+                  <a:srgbClr val="D76464"/>
                 </a:solidFill>
                 <a:latin typeface="Audiowide" panose="02000503000000020004" pitchFamily="2" charset="0"/>
               </a:rPr>
@@ -7600,7 +6202,7 @@
             <a:r>
               <a:rPr lang="it-IT" dirty="0">
                 <a:solidFill>
-                  <a:schemeClr val="accent2"/>
+                  <a:srgbClr val="D76464"/>
                 </a:solidFill>
                 <a:latin typeface="Audiowide" panose="02000503000000020004" pitchFamily="2" charset="0"/>
               </a:rPr>
@@ -7638,7 +6240,7 @@
         </p:blipFill>
         <p:spPr bwMode="auto">
           <a:xfrm>
-            <a:off x="2207847" y="1873883"/>
+            <a:off x="2131719" y="2360304"/>
             <a:ext cx="2014861" cy="2014861"/>
           </a:xfrm>
           <a:prstGeom prst="rect">
@@ -7685,7 +6287,7 @@
         </p:blipFill>
         <p:spPr bwMode="auto">
           <a:xfrm>
-            <a:off x="7969292" y="1841904"/>
+            <a:off x="7893164" y="2328325"/>
             <a:ext cx="2014861" cy="2014861"/>
           </a:xfrm>
           <a:prstGeom prst="rect">
@@ -7717,7 +6319,7 @@
         </p:nvSpPr>
         <p:spPr>
           <a:xfrm>
-            <a:off x="7106857" y="3981690"/>
+            <a:off x="7030729" y="4468111"/>
             <a:ext cx="3703898" cy="1631216"/>
           </a:xfrm>
           <a:prstGeom prst="rect">
@@ -7805,7 +6407,7 @@
         </p:nvSpPr>
         <p:spPr>
           <a:xfrm>
-            <a:off x="1305454" y="3981690"/>
+            <a:off x="1229326" y="4468111"/>
             <a:ext cx="3787407" cy="1292662"/>
           </a:xfrm>
           <a:prstGeom prst="rect">
@@ -7826,7 +6428,7 @@
                 </a:solidFill>
                 <a:latin typeface="Audiowide" panose="02000503000000020004" pitchFamily="2" charset="0"/>
               </a:rPr>
-              <a:t>Customer</a:t>
+              <a:t>Basic user</a:t>
             </a:r>
           </a:p>
           <a:p>
@@ -7957,7 +6559,7 @@
     <p:bg>
       <p:bgPr>
         <a:solidFill>
-          <a:schemeClr val="bg1"/>
+          <a:srgbClr val="1C1C1E"/>
         </a:solidFill>
         <a:effectLst/>
       </p:bgPr>
@@ -7978,118 +6580,10 @@
       </p:grpSpPr>
       <p:sp>
         <p:nvSpPr>
-          <p:cNvPr id="11" name="Rectangle: Rounded Corners 10">
-            <a:extLst>
-              <a:ext uri="{FF2B5EF4-FFF2-40B4-BE49-F238E27FC236}">
-                <a16:creationId xmlns:a16="http://schemas.microsoft.com/office/drawing/2014/main" id="{5D27EA15-952F-7241-8D9C-1A3AD973C760}"/>
-              </a:ext>
-            </a:extLst>
-          </p:cNvPr>
-          <p:cNvSpPr/>
-          <p:nvPr/>
-        </p:nvSpPr>
-        <p:spPr>
-          <a:xfrm>
-            <a:off x="6675772" y="1690686"/>
-            <a:ext cx="4601901" cy="4048359"/>
-          </a:xfrm>
-          <a:prstGeom prst="roundRect">
-            <a:avLst/>
-          </a:prstGeom>
-          <a:solidFill>
-            <a:srgbClr val="1C1C1E"/>
-          </a:solidFill>
-          <a:ln w="25400">
-            <a:solidFill>
-              <a:srgbClr val="D76464"/>
-            </a:solidFill>
-          </a:ln>
-        </p:spPr>
-        <p:style>
-          <a:lnRef idx="2">
-            <a:schemeClr val="accent1">
-              <a:shade val="15000"/>
-            </a:schemeClr>
-          </a:lnRef>
-          <a:fillRef idx="1">
-            <a:schemeClr val="accent1"/>
-          </a:fillRef>
-          <a:effectRef idx="0">
-            <a:schemeClr val="accent1"/>
-          </a:effectRef>
-          <a:fontRef idx="minor">
-            <a:schemeClr val="lt1"/>
-          </a:fontRef>
-        </p:style>
-        <p:txBody>
-          <a:bodyPr rtlCol="0" anchor="ctr"/>
-          <a:lstStyle/>
-          <a:p>
-            <a:pPr algn="ctr"/>
-            <a:endParaRPr lang="it-IT"/>
-          </a:p>
-        </p:txBody>
-      </p:sp>
-      <p:sp>
-        <p:nvSpPr>
-          <p:cNvPr id="10" name="Rectangle: Rounded Corners 9">
-            <a:extLst>
-              <a:ext uri="{FF2B5EF4-FFF2-40B4-BE49-F238E27FC236}">
-                <a16:creationId xmlns:a16="http://schemas.microsoft.com/office/drawing/2014/main" id="{65EADBCD-0895-8229-4CDD-48342FF03815}"/>
-              </a:ext>
-            </a:extLst>
-          </p:cNvPr>
-          <p:cNvSpPr/>
-          <p:nvPr/>
-        </p:nvSpPr>
-        <p:spPr>
-          <a:xfrm>
-            <a:off x="914328" y="1690686"/>
-            <a:ext cx="4601901" cy="4048359"/>
-          </a:xfrm>
-          <a:prstGeom prst="roundRect">
-            <a:avLst/>
-          </a:prstGeom>
-          <a:solidFill>
-            <a:srgbClr val="1C1C1E"/>
-          </a:solidFill>
-          <a:ln w="25400">
-            <a:solidFill>
-              <a:srgbClr val="D76464"/>
-            </a:solidFill>
-          </a:ln>
-        </p:spPr>
-        <p:style>
-          <a:lnRef idx="2">
-            <a:schemeClr val="accent1">
-              <a:shade val="15000"/>
-            </a:schemeClr>
-          </a:lnRef>
-          <a:fillRef idx="1">
-            <a:schemeClr val="accent1"/>
-          </a:fillRef>
-          <a:effectRef idx="0">
-            <a:schemeClr val="accent1"/>
-          </a:effectRef>
-          <a:fontRef idx="minor">
-            <a:schemeClr val="lt1"/>
-          </a:fontRef>
-        </p:style>
-        <p:txBody>
-          <a:bodyPr rtlCol="0" anchor="ctr"/>
-          <a:lstStyle/>
-          <a:p>
-            <a:pPr algn="ctr"/>
-            <a:endParaRPr lang="it-IT" dirty="0"/>
-          </a:p>
-        </p:txBody>
-      </p:sp>
-      <p:sp>
-        <p:nvSpPr>
-          <p:cNvPr id="14" name="Footer Placeholder 13">
-            <a:extLst>
-              <a:ext uri="{FF2B5EF4-FFF2-40B4-BE49-F238E27FC236}">
-                <a16:creationId xmlns:a16="http://schemas.microsoft.com/office/drawing/2014/main" id="{33ADDE13-FBA3-7EF4-631A-33A8C34136EE}"/>
+          <p:cNvPr id="2" name="Title 1">
+            <a:extLst>
+              <a:ext uri="{FF2B5EF4-FFF2-40B4-BE49-F238E27FC236}">
+                <a16:creationId xmlns:a16="http://schemas.microsoft.com/office/drawing/2014/main" id="{87E1427E-A358-EBEC-A9BE-936E8B089396}"/>
               </a:ext>
             </a:extLst>
           </p:cNvPr>
@@ -8097,519 +6591,38 @@
             <a:spLocks noGrp="1"/>
           </p:cNvSpPr>
           <p:nvPr>
-            <p:ph type="ftr" sz="quarter" idx="11"/>
-          </p:nvPr>
-        </p:nvSpPr>
-        <p:spPr>
-          <a:xfrm>
-            <a:off x="0" y="6711885"/>
-            <a:ext cx="12191999" cy="146115"/>
-          </a:xfrm>
-          <a:solidFill>
-            <a:srgbClr val="D76464"/>
-          </a:solidFill>
-        </p:spPr>
+            <p:ph type="title"/>
+          </p:nvPr>
+        </p:nvSpPr>
+        <p:spPr/>
         <p:txBody>
           <a:bodyPr/>
           <a:lstStyle/>
           <a:p>
-            <a:pPr algn="r"/>
+            <a:r>
+              <a:rPr lang="it-IT" dirty="0">
+                <a:solidFill>
+                  <a:srgbClr val="D76464"/>
+                </a:solidFill>
+                <a:latin typeface="Audiowide" panose="02000503000000020004" pitchFamily="2" charset="0"/>
+              </a:rPr>
+              <a:t>REST </a:t>
+            </a:r>
+            <a:r>
+              <a:rPr lang="it-IT" dirty="0" err="1">
+                <a:solidFill>
+                  <a:srgbClr val="D76464"/>
+                </a:solidFill>
+                <a:latin typeface="Audiowide" panose="02000503000000020004" pitchFamily="2" charset="0"/>
+              </a:rPr>
+              <a:t>Resources</a:t>
+            </a:r>
             <a:endParaRPr lang="it-IT" dirty="0">
               <a:solidFill>
-                <a:schemeClr val="bg1"/>
+                <a:srgbClr val="D76464"/>
               </a:solidFill>
-              <a:latin typeface="Abadi Extra Light" panose="020F0502020204030204" pitchFamily="34" charset="0"/>
-              <a:cs typeface="Helvetica" panose="020B0604020202020204" pitchFamily="34" charset="0"/>
+              <a:latin typeface="Audiowide" panose="02000503000000020004" pitchFamily="2" charset="0"/>
             </a:endParaRPr>
-          </a:p>
-        </p:txBody>
-      </p:sp>
-      <p:sp>
-        <p:nvSpPr>
-          <p:cNvPr id="15" name="Slide Number Placeholder 14">
-            <a:extLst>
-              <a:ext uri="{FF2B5EF4-FFF2-40B4-BE49-F238E27FC236}">
-                <a16:creationId xmlns:a16="http://schemas.microsoft.com/office/drawing/2014/main" id="{FDCD7513-8D15-E07F-E478-3BC06B390FD0}"/>
-              </a:ext>
-            </a:extLst>
-          </p:cNvPr>
-          <p:cNvSpPr>
-            <a:spLocks noGrp="1"/>
-          </p:cNvSpPr>
-          <p:nvPr>
-            <p:ph type="sldNum" sz="quarter" idx="12"/>
-          </p:nvPr>
-        </p:nvSpPr>
-        <p:spPr>
-          <a:xfrm>
-            <a:off x="11802358" y="6346760"/>
-            <a:ext cx="389641" cy="365125"/>
-          </a:xfrm>
-        </p:spPr>
-        <p:txBody>
-          <a:bodyPr/>
-          <a:lstStyle/>
-          <a:p>
-            <a:pPr algn="ctr"/>
-            <a:fld id="{A9EE5928-F148-40B0-A685-C3EA8FBFEFC2}" type="slidenum">
-              <a:rPr lang="it-IT" smtClean="0">
-                <a:solidFill>
-                  <a:schemeClr val="bg1"/>
-                </a:solidFill>
-              </a:rPr>
-              <a:pPr algn="ctr"/>
-              <a:t>5</a:t>
-            </a:fld>
-            <a:endParaRPr lang="it-IT" dirty="0">
-              <a:solidFill>
-                <a:schemeClr val="bg1"/>
-              </a:solidFill>
-            </a:endParaRPr>
-          </a:p>
-        </p:txBody>
-      </p:sp>
-      <p:sp>
-        <p:nvSpPr>
-          <p:cNvPr id="5" name="Title 1">
-            <a:extLst>
-              <a:ext uri="{FF2B5EF4-FFF2-40B4-BE49-F238E27FC236}">
-                <a16:creationId xmlns:a16="http://schemas.microsoft.com/office/drawing/2014/main" id="{F6FE4EB7-902E-F4E9-D735-24F5845A5220}"/>
-              </a:ext>
-            </a:extLst>
-          </p:cNvPr>
-          <p:cNvSpPr>
-            <a:spLocks noGrp="1"/>
-          </p:cNvSpPr>
-          <p:nvPr>
-            <p:ph type="title"/>
-          </p:nvPr>
-        </p:nvSpPr>
-        <p:spPr>
-          <a:xfrm>
-            <a:off x="838200" y="365125"/>
-            <a:ext cx="10515600" cy="1325563"/>
-          </a:xfrm>
-        </p:spPr>
-        <p:txBody>
-          <a:bodyPr/>
-          <a:lstStyle/>
-          <a:p>
-            <a:r>
-              <a:rPr lang="it-IT" dirty="0" err="1">
-                <a:solidFill>
-                  <a:schemeClr val="accent2"/>
-                </a:solidFill>
-              </a:rPr>
-              <a:t>Types</a:t>
-            </a:r>
-            <a:r>
-              <a:rPr lang="it-IT" dirty="0">
-                <a:solidFill>
-                  <a:schemeClr val="accent2"/>
-                </a:solidFill>
-              </a:rPr>
-              <a:t> of User	</a:t>
-            </a:r>
-          </a:p>
-        </p:txBody>
-      </p:sp>
-      <p:pic>
-        <p:nvPicPr>
-          <p:cNvPr id="8" name="Picture 2" descr="Man User Circle icon PNG and SVG Vector Free Download">
-            <a:extLst>
-              <a:ext uri="{FF2B5EF4-FFF2-40B4-BE49-F238E27FC236}">
-                <a16:creationId xmlns:a16="http://schemas.microsoft.com/office/drawing/2014/main" id="{4E8624C7-7A48-39D2-E08C-963082BE2A1A}"/>
-              </a:ext>
-            </a:extLst>
-          </p:cNvPr>
-          <p:cNvPicPr>
-            <a:picLocks noChangeAspect="1" noChangeArrowheads="1"/>
-          </p:cNvPicPr>
-          <p:nvPr/>
-        </p:nvPicPr>
-        <p:blipFill>
-          <a:blip r:embed="rId2">
-            <a:extLst>
-              <a:ext uri="{28A0092B-C50C-407E-A947-70E740481C1C}">
-                <a14:useLocalDpi xmlns:a14="http://schemas.microsoft.com/office/drawing/2010/main" val="0"/>
-              </a:ext>
-            </a:extLst>
-          </a:blip>
-          <a:srcRect/>
-          <a:stretch>
-            <a:fillRect/>
-          </a:stretch>
-        </p:blipFill>
-        <p:spPr bwMode="auto">
-          <a:xfrm>
-            <a:off x="2207847" y="1873883"/>
-            <a:ext cx="2014861" cy="2014861"/>
-          </a:xfrm>
-          <a:prstGeom prst="rect">
-            <a:avLst/>
-          </a:prstGeom>
-          <a:noFill/>
-          <a:extLst>
-            <a:ext uri="{909E8E84-426E-40DD-AFC4-6F175D3DCCD1}">
-              <a14:hiddenFill xmlns:a14="http://schemas.microsoft.com/office/drawing/2010/main">
-                <a:solidFill>
-                  <a:srgbClr val="FFFFFF"/>
-                </a:solidFill>
-              </a14:hiddenFill>
-            </a:ext>
-          </a:extLst>
-        </p:spPr>
-      </p:pic>
-      <p:pic>
-        <p:nvPicPr>
-          <p:cNvPr id="9" name="Picture 4" descr="flat-faces-icons-circle-16 - Online Wholesaler and Manufacturer of Wedding  Invitations">
-            <a:extLst>
-              <a:ext uri="{FF2B5EF4-FFF2-40B4-BE49-F238E27FC236}">
-                <a16:creationId xmlns:a16="http://schemas.microsoft.com/office/drawing/2014/main" id="{5F2B2578-C0F8-3EDF-5384-E84121B9198B}"/>
-              </a:ext>
-            </a:extLst>
-          </p:cNvPr>
-          <p:cNvPicPr>
-            <a:picLocks noChangeAspect="1" noChangeArrowheads="1"/>
-          </p:cNvPicPr>
-          <p:nvPr/>
-        </p:nvPicPr>
-        <p:blipFill>
-          <a:blip r:embed="rId3">
-            <a:extLst>
-              <a:ext uri="{28A0092B-C50C-407E-A947-70E740481C1C}">
-                <a14:useLocalDpi xmlns:a14="http://schemas.microsoft.com/office/drawing/2010/main" val="0"/>
-              </a:ext>
-            </a:extLst>
-          </a:blip>
-          <a:srcRect/>
-          <a:stretch>
-            <a:fillRect/>
-          </a:stretch>
-        </p:blipFill>
-        <p:spPr bwMode="auto">
-          <a:xfrm>
-            <a:off x="7969292" y="1841904"/>
-            <a:ext cx="2014861" cy="2014861"/>
-          </a:xfrm>
-          <a:prstGeom prst="rect">
-            <a:avLst/>
-          </a:prstGeom>
-          <a:noFill/>
-          <a:extLst>
-            <a:ext uri="{909E8E84-426E-40DD-AFC4-6F175D3DCCD1}">
-              <a14:hiddenFill xmlns:a14="http://schemas.microsoft.com/office/drawing/2010/main">
-                <a:solidFill>
-                  <a:srgbClr val="FFFFFF"/>
-                </a:solidFill>
-              </a14:hiddenFill>
-            </a:ext>
-          </a:extLst>
-        </p:spPr>
-      </p:pic>
-      <p:sp>
-        <p:nvSpPr>
-          <p:cNvPr id="13" name="TextBox 12">
-            <a:extLst>
-              <a:ext uri="{FF2B5EF4-FFF2-40B4-BE49-F238E27FC236}">
-                <a16:creationId xmlns:a16="http://schemas.microsoft.com/office/drawing/2014/main" id="{26290276-D50A-540B-1A02-702C53941F18}"/>
-              </a:ext>
-            </a:extLst>
-          </p:cNvPr>
-          <p:cNvSpPr txBox="1"/>
-          <p:nvPr/>
-        </p:nvSpPr>
-        <p:spPr>
-          <a:xfrm>
-            <a:off x="7106857" y="3981690"/>
-            <a:ext cx="3703898" cy="1323439"/>
-          </a:xfrm>
-          <a:prstGeom prst="rect">
-            <a:avLst/>
-          </a:prstGeom>
-          <a:noFill/>
-        </p:spPr>
-        <p:txBody>
-          <a:bodyPr wrap="square" rtlCol="0">
-            <a:spAutoFit/>
-          </a:bodyPr>
-          <a:lstStyle/>
-          <a:p>
-            <a:r>
-              <a:rPr lang="it-IT" sz="2000" b="1" dirty="0">
-                <a:solidFill>
-                  <a:schemeClr val="bg1"/>
-                </a:solidFill>
-              </a:rPr>
-              <a:t>Administrator</a:t>
-            </a:r>
-          </a:p>
-          <a:p>
-            <a:pPr marL="742950" lvl="1" indent="-285750">
-              <a:buFont typeface="Arial" panose="020B0604020202020204" pitchFamily="34" charset="0"/>
-              <a:buChar char="•"/>
-            </a:pPr>
-            <a:r>
-              <a:rPr lang="it-IT" sz="2000" dirty="0">
-                <a:solidFill>
-                  <a:schemeClr val="bg1"/>
-                </a:solidFill>
-              </a:rPr>
-              <a:t>Basic features</a:t>
-            </a:r>
-          </a:p>
-          <a:p>
-            <a:pPr marL="742950" lvl="1" indent="-285750">
-              <a:buFont typeface="Arial" panose="020B0604020202020204" pitchFamily="34" charset="0"/>
-              <a:buChar char="•"/>
-            </a:pPr>
-            <a:r>
-              <a:rPr lang="it-IT" sz="2000" dirty="0">
-                <a:solidFill>
-                  <a:schemeClr val="bg1"/>
-                </a:solidFill>
-              </a:rPr>
-              <a:t>Cars and </a:t>
-            </a:r>
-            <a:r>
-              <a:rPr lang="it-IT" sz="2000" dirty="0" err="1">
-                <a:solidFill>
-                  <a:schemeClr val="bg1"/>
-                </a:solidFill>
-              </a:rPr>
-              <a:t>Circuits</a:t>
-            </a:r>
-            <a:r>
-              <a:rPr lang="it-IT" sz="2000" dirty="0">
-                <a:solidFill>
-                  <a:schemeClr val="bg1"/>
-                </a:solidFill>
-              </a:rPr>
-              <a:t> management</a:t>
-            </a:r>
-          </a:p>
-        </p:txBody>
-      </p:sp>
-      <p:sp>
-        <p:nvSpPr>
-          <p:cNvPr id="17" name="TextBox 16">
-            <a:extLst>
-              <a:ext uri="{FF2B5EF4-FFF2-40B4-BE49-F238E27FC236}">
-                <a16:creationId xmlns:a16="http://schemas.microsoft.com/office/drawing/2014/main" id="{3D0DAD1C-9AC6-46BB-A231-3539716B1E1F}"/>
-              </a:ext>
-            </a:extLst>
-          </p:cNvPr>
-          <p:cNvSpPr txBox="1"/>
-          <p:nvPr/>
-        </p:nvSpPr>
-        <p:spPr>
-          <a:xfrm>
-            <a:off x="1305454" y="3981690"/>
-            <a:ext cx="3787407" cy="1600438"/>
-          </a:xfrm>
-          <a:prstGeom prst="rect">
-            <a:avLst/>
-          </a:prstGeom>
-          <a:noFill/>
-        </p:spPr>
-        <p:txBody>
-          <a:bodyPr wrap="square" rtlCol="0">
-            <a:spAutoFit/>
-          </a:bodyPr>
-          <a:lstStyle/>
-          <a:p>
-            <a:r>
-              <a:rPr lang="it-IT" sz="2000" b="1" dirty="0">
-                <a:solidFill>
-                  <a:schemeClr val="bg1"/>
-                </a:solidFill>
-              </a:rPr>
-              <a:t>Customer</a:t>
-            </a:r>
-          </a:p>
-          <a:p>
-            <a:pPr marL="800100" lvl="1" indent="-342900">
-              <a:buFont typeface="Arial" panose="020B0604020202020204" pitchFamily="34" charset="0"/>
-              <a:buChar char="•"/>
-            </a:pPr>
-            <a:r>
-              <a:rPr lang="it-IT" sz="2000" dirty="0">
-                <a:solidFill>
-                  <a:schemeClr val="bg1"/>
-                </a:solidFill>
-              </a:rPr>
-              <a:t>Basic </a:t>
-            </a:r>
-            <a:r>
-              <a:rPr lang="it-IT" sz="2000" dirty="0" err="1">
-                <a:solidFill>
-                  <a:schemeClr val="bg1"/>
-                </a:solidFill>
-              </a:rPr>
-              <a:t>fetures</a:t>
-            </a:r>
-            <a:endParaRPr lang="it-IT" sz="2000" dirty="0">
-              <a:solidFill>
-                <a:schemeClr val="bg1"/>
-              </a:solidFill>
-            </a:endParaRPr>
-          </a:p>
-          <a:p>
-            <a:pPr marL="742950" lvl="1" indent="-285750">
-              <a:buFont typeface="Arial" panose="020B0604020202020204" pitchFamily="34" charset="0"/>
-              <a:buChar char="•"/>
-            </a:pPr>
-            <a:r>
-              <a:rPr lang="it-IT" sz="2000" dirty="0">
-                <a:solidFill>
-                  <a:schemeClr val="bg1"/>
-                </a:solidFill>
-              </a:rPr>
-              <a:t>Create and </a:t>
-            </a:r>
-            <a:r>
-              <a:rPr lang="it-IT" sz="2000" dirty="0" err="1">
-                <a:solidFill>
-                  <a:schemeClr val="bg1"/>
-                </a:solidFill>
-              </a:rPr>
-              <a:t>Manage</a:t>
-            </a:r>
-            <a:r>
-              <a:rPr lang="it-IT" sz="2000" dirty="0">
-                <a:solidFill>
-                  <a:schemeClr val="bg1"/>
-                </a:solidFill>
-              </a:rPr>
-              <a:t> </a:t>
-            </a:r>
-            <a:r>
-              <a:rPr lang="it-IT" sz="2000" dirty="0" err="1">
-                <a:solidFill>
-                  <a:schemeClr val="bg1"/>
-                </a:solidFill>
-              </a:rPr>
-              <a:t>her</a:t>
-            </a:r>
-            <a:r>
-              <a:rPr lang="it-IT" sz="2000" dirty="0">
-                <a:solidFill>
-                  <a:schemeClr val="bg1"/>
-                </a:solidFill>
-              </a:rPr>
-              <a:t>/</a:t>
-            </a:r>
-            <a:r>
-              <a:rPr lang="it-IT" sz="2000" dirty="0" err="1">
-                <a:solidFill>
-                  <a:schemeClr val="bg1"/>
-                </a:solidFill>
-              </a:rPr>
-              <a:t>his</a:t>
-            </a:r>
-            <a:r>
-              <a:rPr lang="it-IT" sz="2000" dirty="0">
-                <a:solidFill>
-                  <a:schemeClr val="bg1"/>
-                </a:solidFill>
-              </a:rPr>
-              <a:t> </a:t>
-            </a:r>
-            <a:r>
-              <a:rPr lang="it-IT" sz="2000" dirty="0" err="1">
-                <a:solidFill>
-                  <a:schemeClr val="bg1"/>
-                </a:solidFill>
-              </a:rPr>
-              <a:t>own</a:t>
-            </a:r>
-            <a:r>
-              <a:rPr lang="it-IT" sz="2000" dirty="0">
-                <a:solidFill>
-                  <a:schemeClr val="bg1"/>
-                </a:solidFill>
-              </a:rPr>
-              <a:t> </a:t>
-            </a:r>
-            <a:r>
-              <a:rPr lang="it-IT" sz="2000" dirty="0" err="1">
-                <a:solidFill>
-                  <a:schemeClr val="bg1"/>
-                </a:solidFill>
-              </a:rPr>
-              <a:t>orders</a:t>
-            </a:r>
-            <a:endParaRPr lang="it-IT" sz="2000" dirty="0">
-              <a:solidFill>
-                <a:schemeClr val="bg1"/>
-              </a:solidFill>
-            </a:endParaRPr>
-          </a:p>
-          <a:p>
-            <a:endParaRPr lang="it-IT" dirty="0"/>
-          </a:p>
-        </p:txBody>
-      </p:sp>
-    </p:spTree>
-    <p:extLst>
-      <p:ext uri="{BB962C8B-B14F-4D97-AF65-F5344CB8AC3E}">
-        <p14:creationId xmlns:p14="http://schemas.microsoft.com/office/powerpoint/2010/main" val="426325349"/>
-      </p:ext>
-    </p:extLst>
-  </p:cSld>
-  <p:clrMapOvr>
-    <a:masterClrMapping/>
-  </p:clrMapOvr>
-</p:sld>
-</file>
-
-<file path=ppt/slides/slide6.xml><?xml version="1.0" encoding="utf-8"?>
-<p:sld xmlns:a="http://schemas.openxmlformats.org/drawingml/2006/main" xmlns:r="http://schemas.openxmlformats.org/officeDocument/2006/relationships" xmlns:p="http://schemas.openxmlformats.org/presentationml/2006/main">
-  <p:cSld>
-    <p:spTree>
-      <p:nvGrpSpPr>
-        <p:cNvPr id="1" name=""/>
-        <p:cNvGrpSpPr/>
-        <p:nvPr/>
-      </p:nvGrpSpPr>
-      <p:grpSpPr>
-        <a:xfrm>
-          <a:off x="0" y="0"/>
-          <a:ext cx="0" cy="0"/>
-          <a:chOff x="0" y="0"/>
-          <a:chExt cx="0" cy="0"/>
-        </a:xfrm>
-      </p:grpSpPr>
-      <p:sp>
-        <p:nvSpPr>
-          <p:cNvPr id="2" name="Title 1">
-            <a:extLst>
-              <a:ext uri="{FF2B5EF4-FFF2-40B4-BE49-F238E27FC236}">
-                <a16:creationId xmlns:a16="http://schemas.microsoft.com/office/drawing/2014/main" id="{87E1427E-A358-EBEC-A9BE-936E8B089396}"/>
-              </a:ext>
-            </a:extLst>
-          </p:cNvPr>
-          <p:cNvSpPr>
-            <a:spLocks noGrp="1"/>
-          </p:cNvSpPr>
-          <p:nvPr>
-            <p:ph type="title"/>
-          </p:nvPr>
-        </p:nvSpPr>
-        <p:spPr/>
-        <p:txBody>
-          <a:bodyPr/>
-          <a:lstStyle/>
-          <a:p>
-            <a:r>
-              <a:rPr lang="it-IT" dirty="0"/>
-              <a:t>REST </a:t>
-            </a:r>
-            <a:r>
-              <a:rPr lang="it-IT" dirty="0" err="1"/>
-              <a:t>Resources</a:t>
-            </a:r>
-            <a:endParaRPr lang="it-IT" dirty="0"/>
           </a:p>
         </p:txBody>
       </p:sp>
@@ -8629,7 +6642,7 @@
             <p:ph idx="1"/>
             <p:extLst>
               <p:ext uri="{D42A27DB-BD31-4B8C-83A1-F6EECF244321}">
-                <p14:modId xmlns:p14="http://schemas.microsoft.com/office/powerpoint/2010/main" val="2127742329"/>
+                <p14:modId xmlns:p14="http://schemas.microsoft.com/office/powerpoint/2010/main" val="1414334369"/>
               </p:ext>
             </p:extLst>
           </p:nvPr>
@@ -8672,7 +6685,11 @@
                       </a:r>
                     </a:p>
                   </a:txBody>
-                  <a:tcPr/>
+                  <a:tcPr>
+                    <a:solidFill>
+                      <a:srgbClr val="D76464"/>
+                    </a:solidFill>
+                  </a:tcPr>
                 </a:tc>
                 <a:tc>
                   <a:txBody>
@@ -8685,7 +6702,11 @@
                       </a:r>
                     </a:p>
                   </a:txBody>
-                  <a:tcPr/>
+                  <a:tcPr>
+                    <a:solidFill>
+                      <a:srgbClr val="D76464"/>
+                    </a:solidFill>
+                  </a:tcPr>
                 </a:tc>
                 <a:extLst>
                   <a:ext uri="{0D108BD9-81ED-4DB2-BD59-A6C34878D82A}">
@@ -8699,10 +6720,6 @@
                     <a:bodyPr/>
                     <a:lstStyle/>
                     <a:p>
-                      <a:r>
-                        <a:rPr lang="it-IT" dirty="0" err="1"/>
-                        <a:t>wacar</a:t>
-                      </a:r>
                       <a:r>
                         <a:rPr lang="it-IT" dirty="0"/>
                         <a:t>/</a:t>
@@ -8762,7 +6779,15 @@
                     <a:p>
                       <a:r>
                         <a:rPr lang="it-IT" dirty="0"/>
-                        <a:t>user/</a:t>
+                        <a:t>/</a:t>
+                      </a:r>
+                      <a:r>
+                        <a:rPr lang="it-IT" dirty="0" err="1"/>
+                        <a:t>rest</a:t>
+                      </a:r>
+                      <a:r>
+                        <a:rPr lang="it-IT" dirty="0"/>
+                        <a:t>/user/</a:t>
                       </a:r>
                       <a:r>
                         <a:rPr lang="it-IT" dirty="0" err="1"/>
@@ -8808,7 +6833,15 @@
                     <a:p>
                       <a:r>
                         <a:rPr lang="it-IT" dirty="0"/>
-                        <a:t>user/</a:t>
+                        <a:t>/</a:t>
+                      </a:r>
+                      <a:r>
+                        <a:rPr lang="it-IT" dirty="0" err="1"/>
+                        <a:t>rest</a:t>
+                      </a:r>
+                      <a:r>
+                        <a:rPr lang="it-IT" dirty="0"/>
+                        <a:t>/user/</a:t>
                       </a:r>
                       <a:r>
                         <a:rPr lang="it-IT" dirty="0" err="1"/>
@@ -8882,7 +6915,15 @@
                       </a:pPr>
                       <a:r>
                         <a:rPr lang="it-IT" dirty="0"/>
-                        <a:t>user/</a:t>
+                        <a:t>/</a:t>
+                      </a:r>
+                      <a:r>
+                        <a:rPr lang="it-IT" dirty="0" err="1"/>
+                        <a:t>rest</a:t>
+                      </a:r>
+                      <a:r>
+                        <a:rPr lang="it-IT" dirty="0"/>
+                        <a:t>/user/</a:t>
                       </a:r>
                       <a:r>
                         <a:rPr lang="it-IT" dirty="0" err="1"/>
@@ -8964,10 +7005,10 @@
       </p:graphicFrame>
       <p:sp>
         <p:nvSpPr>
-          <p:cNvPr id="3" name="Slide Number Placeholder 2">
-            <a:extLst>
-              <a:ext uri="{FF2B5EF4-FFF2-40B4-BE49-F238E27FC236}">
-                <a16:creationId xmlns:a16="http://schemas.microsoft.com/office/drawing/2014/main" id="{1AD93D27-24D0-AE67-B36A-8C603F9AA06C}"/>
+          <p:cNvPr id="6" name="Footer Placeholder 13">
+            <a:extLst>
+              <a:ext uri="{FF2B5EF4-FFF2-40B4-BE49-F238E27FC236}">
+                <a16:creationId xmlns:a16="http://schemas.microsoft.com/office/drawing/2014/main" id="{D64507D3-FCBB-F7B2-7056-AD1107ABF92C}"/>
               </a:ext>
             </a:extLst>
           </p:cNvPr>
@@ -8975,28 +7016,39 @@
             <a:spLocks noGrp="1"/>
           </p:cNvSpPr>
           <p:nvPr>
-            <p:ph type="sldNum" sz="quarter" idx="12"/>
-          </p:nvPr>
-        </p:nvSpPr>
-        <p:spPr/>
+            <p:ph type="ftr" sz="quarter" idx="11"/>
+          </p:nvPr>
+        </p:nvSpPr>
+        <p:spPr>
+          <a:xfrm>
+            <a:off x="0" y="6711885"/>
+            <a:ext cx="12191999" cy="146115"/>
+          </a:xfrm>
+          <a:solidFill>
+            <a:srgbClr val="D76464"/>
+          </a:solidFill>
+        </p:spPr>
         <p:txBody>
           <a:bodyPr/>
           <a:lstStyle/>
           <a:p>
-            <a:fld id="{A9EE5928-F148-40B0-A685-C3EA8FBFEFC2}" type="slidenum">
-              <a:rPr lang="it-IT" smtClean="0"/>
-              <a:t>6</a:t>
-            </a:fld>
-            <a:endParaRPr lang="it-IT"/>
-          </a:p>
-        </p:txBody>
-      </p:sp>
-      <p:sp>
-        <p:nvSpPr>
-          <p:cNvPr id="5" name="Footer Placeholder 4">
-            <a:extLst>
-              <a:ext uri="{FF2B5EF4-FFF2-40B4-BE49-F238E27FC236}">
-                <a16:creationId xmlns:a16="http://schemas.microsoft.com/office/drawing/2014/main" id="{1F585BF7-AF2D-1F14-A00E-415F19523B49}"/>
+            <a:pPr algn="r"/>
+            <a:endParaRPr lang="it-IT" dirty="0">
+              <a:solidFill>
+                <a:schemeClr val="bg1"/>
+              </a:solidFill>
+              <a:latin typeface="Abadi Extra Light" panose="020F0502020204030204" pitchFamily="34" charset="0"/>
+              <a:cs typeface="Helvetica" panose="020B0604020202020204" pitchFamily="34" charset="0"/>
+            </a:endParaRPr>
+          </a:p>
+        </p:txBody>
+      </p:sp>
+      <p:sp>
+        <p:nvSpPr>
+          <p:cNvPr id="7" name="Slide Number Placeholder 14">
+            <a:extLst>
+              <a:ext uri="{FF2B5EF4-FFF2-40B4-BE49-F238E27FC236}">
+                <a16:creationId xmlns:a16="http://schemas.microsoft.com/office/drawing/2014/main" id="{CB86D1F8-0E50-C719-3397-8225D04A6366}"/>
               </a:ext>
             </a:extLst>
           </p:cNvPr>
@@ -9004,15 +7056,36 @@
             <a:spLocks noGrp="1"/>
           </p:cNvSpPr>
           <p:nvPr>
-            <p:ph type="ftr" sz="quarter" idx="11"/>
-          </p:nvPr>
-        </p:nvSpPr>
-        <p:spPr/>
+            <p:ph type="sldNum" sz="quarter" idx="12"/>
+          </p:nvPr>
+        </p:nvSpPr>
+        <p:spPr>
+          <a:xfrm>
+            <a:off x="11802358" y="6346760"/>
+            <a:ext cx="389641" cy="365125"/>
+          </a:xfrm>
+        </p:spPr>
         <p:txBody>
           <a:bodyPr/>
           <a:lstStyle/>
           <a:p>
-            <a:endParaRPr lang="it-IT"/>
+            <a:pPr algn="ctr"/>
+            <a:fld id="{A9EE5928-F148-40B0-A685-C3EA8FBFEFC2}" type="slidenum">
+              <a:rPr lang="it-IT" smtClean="0">
+                <a:solidFill>
+                  <a:schemeClr val="bg1"/>
+                </a:solidFill>
+                <a:latin typeface="Audiowide" panose="02000503000000020004" pitchFamily="2" charset="0"/>
+              </a:rPr>
+              <a:pPr algn="ctr"/>
+              <a:t>5</a:t>
+            </a:fld>
+            <a:endParaRPr lang="it-IT" dirty="0">
+              <a:solidFill>
+                <a:schemeClr val="bg1"/>
+              </a:solidFill>
+              <a:latin typeface="Audiowide" panose="02000503000000020004" pitchFamily="2" charset="0"/>
+            </a:endParaRPr>
           </a:p>
         </p:txBody>
       </p:sp>
@@ -9020,6 +7093,593 @@
     <p:extLst>
       <p:ext uri="{BB962C8B-B14F-4D97-AF65-F5344CB8AC3E}">
         <p14:creationId xmlns:p14="http://schemas.microsoft.com/office/powerpoint/2010/main" val="4220491977"/>
+      </p:ext>
+    </p:extLst>
+  </p:cSld>
+  <p:clrMapOvr>
+    <a:masterClrMapping/>
+  </p:clrMapOvr>
+</p:sld>
+</file>
+
+<file path=ppt/slides/slide6.xml><?xml version="1.0" encoding="utf-8"?>
+<p:sld xmlns:a="http://schemas.openxmlformats.org/drawingml/2006/main" xmlns:r="http://schemas.openxmlformats.org/officeDocument/2006/relationships" xmlns:p="http://schemas.openxmlformats.org/presentationml/2006/main">
+  <p:cSld>
+    <p:bg>
+      <p:bgPr>
+        <a:solidFill>
+          <a:srgbClr val="1C1C1E"/>
+        </a:solidFill>
+        <a:effectLst/>
+      </p:bgPr>
+    </p:bg>
+    <p:spTree>
+      <p:nvGrpSpPr>
+        <p:cNvPr id="1" name=""/>
+        <p:cNvGrpSpPr/>
+        <p:nvPr/>
+      </p:nvGrpSpPr>
+      <p:grpSpPr>
+        <a:xfrm>
+          <a:off x="0" y="0"/>
+          <a:ext cx="0" cy="0"/>
+          <a:chOff x="0" y="0"/>
+          <a:chExt cx="0" cy="0"/>
+        </a:xfrm>
+      </p:grpSpPr>
+      <p:sp>
+        <p:nvSpPr>
+          <p:cNvPr id="14" name="Footer Placeholder 13">
+            <a:extLst>
+              <a:ext uri="{FF2B5EF4-FFF2-40B4-BE49-F238E27FC236}">
+                <a16:creationId xmlns:a16="http://schemas.microsoft.com/office/drawing/2014/main" id="{33ADDE13-FBA3-7EF4-631A-33A8C34136EE}"/>
+              </a:ext>
+            </a:extLst>
+          </p:cNvPr>
+          <p:cNvSpPr>
+            <a:spLocks noGrp="1"/>
+          </p:cNvSpPr>
+          <p:nvPr>
+            <p:ph type="ftr" sz="quarter" idx="11"/>
+          </p:nvPr>
+        </p:nvSpPr>
+        <p:spPr>
+          <a:xfrm>
+            <a:off x="0" y="6711885"/>
+            <a:ext cx="12192000" cy="155542"/>
+          </a:xfrm>
+          <a:solidFill>
+            <a:srgbClr val="D76464"/>
+          </a:solidFill>
+        </p:spPr>
+        <p:txBody>
+          <a:bodyPr/>
+          <a:lstStyle/>
+          <a:p>
+            <a:pPr algn="r"/>
+            <a:endParaRPr lang="it-IT" dirty="0">
+              <a:solidFill>
+                <a:schemeClr val="bg1"/>
+              </a:solidFill>
+              <a:latin typeface="Abadi Extra Light" panose="020F0502020204030204" pitchFamily="34" charset="0"/>
+              <a:cs typeface="Helvetica" panose="020B0604020202020204" pitchFamily="34" charset="0"/>
+            </a:endParaRPr>
+          </a:p>
+        </p:txBody>
+      </p:sp>
+      <p:sp>
+        <p:nvSpPr>
+          <p:cNvPr id="15" name="Slide Number Placeholder 14">
+            <a:extLst>
+              <a:ext uri="{FF2B5EF4-FFF2-40B4-BE49-F238E27FC236}">
+                <a16:creationId xmlns:a16="http://schemas.microsoft.com/office/drawing/2014/main" id="{FDCD7513-8D15-E07F-E478-3BC06B390FD0}"/>
+              </a:ext>
+            </a:extLst>
+          </p:cNvPr>
+          <p:cNvSpPr>
+            <a:spLocks noGrp="1"/>
+          </p:cNvSpPr>
+          <p:nvPr>
+            <p:ph type="sldNum" sz="quarter" idx="12"/>
+          </p:nvPr>
+        </p:nvSpPr>
+        <p:spPr>
+          <a:xfrm>
+            <a:off x="11802358" y="6346760"/>
+            <a:ext cx="389641" cy="365125"/>
+          </a:xfrm>
+        </p:spPr>
+        <p:txBody>
+          <a:bodyPr/>
+          <a:lstStyle/>
+          <a:p>
+            <a:pPr algn="ctr"/>
+            <a:fld id="{A9EE5928-F148-40B0-A685-C3EA8FBFEFC2}" type="slidenum">
+              <a:rPr lang="it-IT" smtClean="0">
+                <a:solidFill>
+                  <a:schemeClr val="bg1"/>
+                </a:solidFill>
+              </a:rPr>
+              <a:pPr algn="ctr"/>
+              <a:t>6</a:t>
+            </a:fld>
+            <a:endParaRPr lang="it-IT" dirty="0">
+              <a:solidFill>
+                <a:schemeClr val="bg1"/>
+              </a:solidFill>
+            </a:endParaRPr>
+          </a:p>
+        </p:txBody>
+      </p:sp>
+      <p:sp>
+        <p:nvSpPr>
+          <p:cNvPr id="2" name="Title 1">
+            <a:extLst>
+              <a:ext uri="{FF2B5EF4-FFF2-40B4-BE49-F238E27FC236}">
+                <a16:creationId xmlns:a16="http://schemas.microsoft.com/office/drawing/2014/main" id="{B3216943-7EE2-EFFF-630F-52F731D96251}"/>
+              </a:ext>
+            </a:extLst>
+          </p:cNvPr>
+          <p:cNvSpPr>
+            <a:spLocks noGrp="1"/>
+          </p:cNvSpPr>
+          <p:nvPr>
+            <p:ph type="title"/>
+          </p:nvPr>
+        </p:nvSpPr>
+        <p:spPr>
+          <a:xfrm>
+            <a:off x="838200" y="365125"/>
+            <a:ext cx="10515600" cy="1325563"/>
+          </a:xfrm>
+        </p:spPr>
+        <p:txBody>
+          <a:bodyPr/>
+          <a:lstStyle/>
+          <a:p>
+            <a:r>
+              <a:rPr lang="it-IT" dirty="0">
+                <a:solidFill>
+                  <a:srgbClr val="D76464"/>
+                </a:solidFill>
+                <a:latin typeface="Audiowide" panose="02000503000000020004" pitchFamily="2" charset="0"/>
+              </a:rPr>
+              <a:t>REST Flow</a:t>
+            </a:r>
+          </a:p>
+        </p:txBody>
+      </p:sp>
+      <p:pic>
+        <p:nvPicPr>
+          <p:cNvPr id="4" name="Picture 3">
+            <a:extLst>
+              <a:ext uri="{FF2B5EF4-FFF2-40B4-BE49-F238E27FC236}">
+                <a16:creationId xmlns:a16="http://schemas.microsoft.com/office/drawing/2014/main" id="{EA740B3E-50A3-66F9-30F1-797EB754B894}"/>
+              </a:ext>
+            </a:extLst>
+          </p:cNvPr>
+          <p:cNvPicPr>
+            <a:picLocks noChangeAspect="1"/>
+          </p:cNvPicPr>
+          <p:nvPr/>
+        </p:nvPicPr>
+        <p:blipFill>
+          <a:blip r:embed="rId2"/>
+          <a:stretch>
+            <a:fillRect/>
+          </a:stretch>
+        </p:blipFill>
+        <p:spPr>
+          <a:xfrm>
+            <a:off x="5790940" y="2408443"/>
+            <a:ext cx="6228804" cy="3664003"/>
+          </a:xfrm>
+          <a:prstGeom prst="rect">
+            <a:avLst/>
+          </a:prstGeom>
+          <a:solidFill>
+            <a:srgbClr val="FFFFFF">
+              <a:shade val="85000"/>
+            </a:srgbClr>
+          </a:solidFill>
+          <a:ln w="12700" cap="sq">
+            <a:solidFill>
+              <a:srgbClr val="FFFFFF"/>
+            </a:solidFill>
+            <a:miter lim="800000"/>
+          </a:ln>
+          <a:effectLst>
+            <a:outerShdw blurRad="55000" dist="18000" dir="5400000" algn="tl" rotWithShape="0">
+              <a:srgbClr val="000000">
+                <a:alpha val="40000"/>
+              </a:srgbClr>
+            </a:outerShdw>
+          </a:effectLst>
+          <a:scene3d>
+            <a:camera prst="orthographicFront"/>
+            <a:lightRig rig="twoPt" dir="t">
+              <a:rot lat="0" lon="0" rev="7200000"/>
+            </a:lightRig>
+          </a:scene3d>
+          <a:sp3d>
+            <a:bevelT w="25400" h="19050"/>
+            <a:contourClr>
+              <a:srgbClr val="FFFFFF"/>
+            </a:contourClr>
+          </a:sp3d>
+        </p:spPr>
+      </p:pic>
+      <p:pic>
+        <p:nvPicPr>
+          <p:cNvPr id="6" name="Picture 5">
+            <a:extLst>
+              <a:ext uri="{FF2B5EF4-FFF2-40B4-BE49-F238E27FC236}">
+                <a16:creationId xmlns:a16="http://schemas.microsoft.com/office/drawing/2014/main" id="{677F1544-72EC-C30B-5BA5-09F217C4E17B}"/>
+              </a:ext>
+            </a:extLst>
+          </p:cNvPr>
+          <p:cNvPicPr>
+            <a:picLocks noChangeAspect="1"/>
+          </p:cNvPicPr>
+          <p:nvPr/>
+        </p:nvPicPr>
+        <p:blipFill>
+          <a:blip r:embed="rId3"/>
+          <a:stretch>
+            <a:fillRect/>
+          </a:stretch>
+        </p:blipFill>
+        <p:spPr>
+          <a:xfrm>
+            <a:off x="838200" y="2186810"/>
+            <a:ext cx="4848371" cy="4122983"/>
+          </a:xfrm>
+          <a:prstGeom prst="rect">
+            <a:avLst/>
+          </a:prstGeom>
+          <a:solidFill>
+            <a:srgbClr val="FFFFFF">
+              <a:shade val="85000"/>
+            </a:srgbClr>
+          </a:solidFill>
+          <a:ln w="12700" cap="sq">
+            <a:solidFill>
+              <a:srgbClr val="FFFFFF"/>
+            </a:solidFill>
+            <a:miter lim="800000"/>
+          </a:ln>
+          <a:effectLst>
+            <a:outerShdw blurRad="55000" dist="18000" dir="5400000" algn="tl" rotWithShape="0">
+              <a:srgbClr val="000000">
+                <a:alpha val="40000"/>
+              </a:srgbClr>
+            </a:outerShdw>
+          </a:effectLst>
+          <a:scene3d>
+            <a:camera prst="orthographicFront"/>
+            <a:lightRig rig="twoPt" dir="t">
+              <a:rot lat="0" lon="0" rev="7200000"/>
+            </a:lightRig>
+          </a:scene3d>
+          <a:sp3d>
+            <a:bevelT w="25400" h="19050"/>
+            <a:contourClr>
+              <a:srgbClr val="FFFFFF"/>
+            </a:contourClr>
+          </a:sp3d>
+        </p:spPr>
+      </p:pic>
+      <p:sp>
+        <p:nvSpPr>
+          <p:cNvPr id="7" name="TextBox 6">
+            <a:extLst>
+              <a:ext uri="{FF2B5EF4-FFF2-40B4-BE49-F238E27FC236}">
+                <a16:creationId xmlns:a16="http://schemas.microsoft.com/office/drawing/2014/main" id="{219925B1-EE54-CB30-0162-B12942CE4717}"/>
+              </a:ext>
+            </a:extLst>
+          </p:cNvPr>
+          <p:cNvSpPr txBox="1"/>
+          <p:nvPr/>
+        </p:nvSpPr>
+        <p:spPr>
+          <a:xfrm>
+            <a:off x="875269" y="1686481"/>
+            <a:ext cx="1463862" cy="369332"/>
+          </a:xfrm>
+          <a:prstGeom prst="rect">
+            <a:avLst/>
+          </a:prstGeom>
+          <a:noFill/>
+        </p:spPr>
+        <p:txBody>
+          <a:bodyPr wrap="none" rtlCol="0">
+            <a:spAutoFit/>
+          </a:bodyPr>
+          <a:lstStyle/>
+          <a:p>
+            <a:r>
+              <a:rPr lang="it-IT" dirty="0">
+                <a:solidFill>
+                  <a:schemeClr val="bg1"/>
+                </a:solidFill>
+                <a:latin typeface="Audiowide" panose="02000503000000020004" pitchFamily="2" charset="0"/>
+              </a:rPr>
+              <a:t>REQUEST</a:t>
+            </a:r>
+          </a:p>
+        </p:txBody>
+      </p:sp>
+      <p:sp>
+        <p:nvSpPr>
+          <p:cNvPr id="8" name="TextBox 7">
+            <a:extLst>
+              <a:ext uri="{FF2B5EF4-FFF2-40B4-BE49-F238E27FC236}">
+                <a16:creationId xmlns:a16="http://schemas.microsoft.com/office/drawing/2014/main" id="{6FA1A1F6-C2DE-4892-D76F-E472A1EA474A}"/>
+              </a:ext>
+            </a:extLst>
+          </p:cNvPr>
+          <p:cNvSpPr txBox="1"/>
+          <p:nvPr/>
+        </p:nvSpPr>
+        <p:spPr>
+          <a:xfrm>
+            <a:off x="3117997" y="1676228"/>
+            <a:ext cx="3270447" cy="369332"/>
+          </a:xfrm>
+          <a:prstGeom prst="rect">
+            <a:avLst/>
+          </a:prstGeom>
+          <a:noFill/>
+        </p:spPr>
+        <p:txBody>
+          <a:bodyPr wrap="none" rtlCol="0">
+            <a:spAutoFit/>
+          </a:bodyPr>
+          <a:lstStyle/>
+          <a:p>
+            <a:r>
+              <a:rPr lang="it-IT" dirty="0" err="1">
+                <a:solidFill>
+                  <a:schemeClr val="bg1"/>
+                </a:solidFill>
+                <a:latin typeface="Audiowide" panose="02000503000000020004" pitchFamily="2" charset="0"/>
+              </a:rPr>
+              <a:t>RESTDispatcherServlet</a:t>
+            </a:r>
+            <a:endParaRPr lang="it-IT" dirty="0">
+              <a:solidFill>
+                <a:schemeClr val="bg1"/>
+              </a:solidFill>
+              <a:latin typeface="Audiowide" panose="02000503000000020004" pitchFamily="2" charset="0"/>
+            </a:endParaRPr>
+          </a:p>
+        </p:txBody>
+      </p:sp>
+      <p:sp>
+        <p:nvSpPr>
+          <p:cNvPr id="9" name="TextBox 8">
+            <a:extLst>
+              <a:ext uri="{FF2B5EF4-FFF2-40B4-BE49-F238E27FC236}">
+                <a16:creationId xmlns:a16="http://schemas.microsoft.com/office/drawing/2014/main" id="{834B28D0-E621-60CF-EC75-041AC1252946}"/>
+              </a:ext>
+            </a:extLst>
+          </p:cNvPr>
+          <p:cNvSpPr txBox="1"/>
+          <p:nvPr/>
+        </p:nvSpPr>
+        <p:spPr>
+          <a:xfrm>
+            <a:off x="7058089" y="1676228"/>
+            <a:ext cx="2085827" cy="369332"/>
+          </a:xfrm>
+          <a:prstGeom prst="rect">
+            <a:avLst/>
+          </a:prstGeom>
+          <a:noFill/>
+        </p:spPr>
+        <p:txBody>
+          <a:bodyPr wrap="none" rtlCol="0">
+            <a:spAutoFit/>
+          </a:bodyPr>
+          <a:lstStyle/>
+          <a:p>
+            <a:r>
+              <a:rPr lang="it-IT" dirty="0" err="1">
+                <a:solidFill>
+                  <a:schemeClr val="bg1"/>
+                </a:solidFill>
+                <a:latin typeface="Audiowide" panose="02000503000000020004" pitchFamily="2" charset="0"/>
+              </a:rPr>
+              <a:t>Rest</a:t>
+            </a:r>
+            <a:r>
+              <a:rPr lang="it-IT" dirty="0">
+                <a:solidFill>
+                  <a:schemeClr val="bg1"/>
+                </a:solidFill>
+                <a:latin typeface="Audiowide" panose="02000503000000020004" pitchFamily="2" charset="0"/>
+              </a:rPr>
+              <a:t> Resource</a:t>
+            </a:r>
+          </a:p>
+        </p:txBody>
+      </p:sp>
+      <p:sp>
+        <p:nvSpPr>
+          <p:cNvPr id="10" name="TextBox 9">
+            <a:extLst>
+              <a:ext uri="{FF2B5EF4-FFF2-40B4-BE49-F238E27FC236}">
+                <a16:creationId xmlns:a16="http://schemas.microsoft.com/office/drawing/2014/main" id="{3E16CF82-7D5E-507F-D5C5-AA3E6189D657}"/>
+              </a:ext>
+            </a:extLst>
+          </p:cNvPr>
+          <p:cNvSpPr txBox="1"/>
+          <p:nvPr/>
+        </p:nvSpPr>
+        <p:spPr>
+          <a:xfrm>
+            <a:off x="9813561" y="1673986"/>
+            <a:ext cx="766557" cy="369332"/>
+          </a:xfrm>
+          <a:prstGeom prst="rect">
+            <a:avLst/>
+          </a:prstGeom>
+          <a:noFill/>
+        </p:spPr>
+        <p:txBody>
+          <a:bodyPr wrap="none" rtlCol="0">
+            <a:spAutoFit/>
+          </a:bodyPr>
+          <a:lstStyle/>
+          <a:p>
+            <a:r>
+              <a:rPr lang="it-IT" dirty="0">
+                <a:solidFill>
+                  <a:schemeClr val="bg1"/>
+                </a:solidFill>
+                <a:latin typeface="Audiowide" panose="02000503000000020004" pitchFamily="2" charset="0"/>
+              </a:rPr>
+              <a:t>DAO</a:t>
+            </a:r>
+          </a:p>
+        </p:txBody>
+      </p:sp>
+      <p:cxnSp>
+        <p:nvCxnSpPr>
+          <p:cNvPr id="12" name="Straight Arrow Connector 11">
+            <a:extLst>
+              <a:ext uri="{FF2B5EF4-FFF2-40B4-BE49-F238E27FC236}">
+                <a16:creationId xmlns:a16="http://schemas.microsoft.com/office/drawing/2014/main" id="{437EAF71-011D-0F44-AB8A-5F1081231018}"/>
+              </a:ext>
+            </a:extLst>
+          </p:cNvPr>
+          <p:cNvCxnSpPr>
+            <a:cxnSpLocks/>
+          </p:cNvCxnSpPr>
+          <p:nvPr/>
+        </p:nvCxnSpPr>
+        <p:spPr>
+          <a:xfrm>
+            <a:off x="2445760" y="1858652"/>
+            <a:ext cx="565608" cy="0"/>
+          </a:xfrm>
+          <a:prstGeom prst="straightConnector1">
+            <a:avLst/>
+          </a:prstGeom>
+          <a:ln w="28575">
+            <a:solidFill>
+              <a:schemeClr val="bg1"/>
+            </a:solidFill>
+            <a:tailEnd type="triangle"/>
+          </a:ln>
+        </p:spPr>
+        <p:style>
+          <a:lnRef idx="2">
+            <a:schemeClr val="accent1"/>
+          </a:lnRef>
+          <a:fillRef idx="0">
+            <a:schemeClr val="accent1"/>
+          </a:fillRef>
+          <a:effectRef idx="1">
+            <a:schemeClr val="accent1"/>
+          </a:effectRef>
+          <a:fontRef idx="minor">
+            <a:schemeClr val="tx1"/>
+          </a:fontRef>
+        </p:style>
+      </p:cxnSp>
+      <p:cxnSp>
+        <p:nvCxnSpPr>
+          <p:cNvPr id="16" name="Straight Arrow Connector 15">
+            <a:extLst>
+              <a:ext uri="{FF2B5EF4-FFF2-40B4-BE49-F238E27FC236}">
+                <a16:creationId xmlns:a16="http://schemas.microsoft.com/office/drawing/2014/main" id="{A397814A-67CF-FF27-F115-12C5698FDDF3}"/>
+              </a:ext>
+            </a:extLst>
+          </p:cNvPr>
+          <p:cNvCxnSpPr>
+            <a:cxnSpLocks/>
+          </p:cNvCxnSpPr>
+          <p:nvPr/>
+        </p:nvCxnSpPr>
+        <p:spPr>
+          <a:xfrm>
+            <a:off x="6388444" y="1858652"/>
+            <a:ext cx="565608" cy="0"/>
+          </a:xfrm>
+          <a:prstGeom prst="straightConnector1">
+            <a:avLst/>
+          </a:prstGeom>
+          <a:ln w="28575">
+            <a:solidFill>
+              <a:schemeClr val="bg1"/>
+            </a:solidFill>
+            <a:tailEnd type="triangle"/>
+          </a:ln>
+        </p:spPr>
+        <p:style>
+          <a:lnRef idx="2">
+            <a:schemeClr val="accent1"/>
+          </a:lnRef>
+          <a:fillRef idx="0">
+            <a:schemeClr val="accent1"/>
+          </a:fillRef>
+          <a:effectRef idx="1">
+            <a:schemeClr val="accent1"/>
+          </a:effectRef>
+          <a:fontRef idx="minor">
+            <a:schemeClr val="tx1"/>
+          </a:fontRef>
+        </p:style>
+      </p:cxnSp>
+      <p:cxnSp>
+        <p:nvCxnSpPr>
+          <p:cNvPr id="17" name="Straight Arrow Connector 16">
+            <a:extLst>
+              <a:ext uri="{FF2B5EF4-FFF2-40B4-BE49-F238E27FC236}">
+                <a16:creationId xmlns:a16="http://schemas.microsoft.com/office/drawing/2014/main" id="{C3838AF7-4A34-9120-9F97-844FC9808CBF}"/>
+              </a:ext>
+            </a:extLst>
+          </p:cNvPr>
+          <p:cNvCxnSpPr>
+            <a:cxnSpLocks/>
+          </p:cNvCxnSpPr>
+          <p:nvPr/>
+        </p:nvCxnSpPr>
+        <p:spPr>
+          <a:xfrm>
+            <a:off x="9143916" y="1858652"/>
+            <a:ext cx="565608" cy="0"/>
+          </a:xfrm>
+          <a:prstGeom prst="straightConnector1">
+            <a:avLst/>
+          </a:prstGeom>
+          <a:ln w="28575">
+            <a:solidFill>
+              <a:schemeClr val="bg1"/>
+            </a:solidFill>
+            <a:tailEnd type="triangle"/>
+          </a:ln>
+        </p:spPr>
+        <p:style>
+          <a:lnRef idx="2">
+            <a:schemeClr val="accent1"/>
+          </a:lnRef>
+          <a:fillRef idx="0">
+            <a:schemeClr val="accent1"/>
+          </a:fillRef>
+          <a:effectRef idx="1">
+            <a:schemeClr val="accent1"/>
+          </a:effectRef>
+          <a:fontRef idx="minor">
+            <a:schemeClr val="tx1"/>
+          </a:fontRef>
+        </p:style>
+      </p:cxnSp>
+    </p:spTree>
+    <p:extLst>
+      <p:ext uri="{BB962C8B-B14F-4D97-AF65-F5344CB8AC3E}">
+        <p14:creationId xmlns:p14="http://schemas.microsoft.com/office/powerpoint/2010/main" val="2872309028"/>
       </p:ext>
     </p:extLst>
   </p:cSld>
@@ -9156,7 +7816,7 @@
         </p:nvSpPr>
         <p:spPr>
           <a:xfrm>
-            <a:off x="838200" y="365125"/>
+            <a:off x="806775" y="365125"/>
             <a:ext cx="10515600" cy="1325563"/>
           </a:xfrm>
         </p:spPr>
@@ -9165,23 +7825,32 @@
           <a:lstStyle/>
           <a:p>
             <a:r>
+              <a:rPr lang="it-IT" dirty="0" err="1">
+                <a:solidFill>
+                  <a:srgbClr val="D76464"/>
+                </a:solidFill>
+                <a:latin typeface="Audiowide" panose="02000503000000020004" pitchFamily="2" charset="0"/>
+              </a:rPr>
+              <a:t>Generic</a:t>
+            </a:r>
+            <a:r>
               <a:rPr lang="it-IT" dirty="0">
                 <a:solidFill>
                   <a:srgbClr val="D76464"/>
                 </a:solidFill>
                 <a:latin typeface="Audiowide" panose="02000503000000020004" pitchFamily="2" charset="0"/>
               </a:rPr>
-              <a:t>REST Flow</a:t>
+              <a:t> Flow</a:t>
             </a:r>
           </a:p>
         </p:txBody>
       </p:sp>
       <p:pic>
         <p:nvPicPr>
-          <p:cNvPr id="4" name="Picture 3">
-            <a:extLst>
-              <a:ext uri="{FF2B5EF4-FFF2-40B4-BE49-F238E27FC236}">
-                <a16:creationId xmlns:a16="http://schemas.microsoft.com/office/drawing/2014/main" id="{EA740B3E-50A3-66F9-30F1-797EB754B894}"/>
+          <p:cNvPr id="5" name="Picture 4">
+            <a:extLst>
+              <a:ext uri="{FF2B5EF4-FFF2-40B4-BE49-F238E27FC236}">
+                <a16:creationId xmlns:a16="http://schemas.microsoft.com/office/drawing/2014/main" id="{680A4985-84D1-D31D-0995-7247F2551D36}"/>
               </a:ext>
             </a:extLst>
           </p:cNvPr>
@@ -9198,50 +7867,20 @@
         </p:blipFill>
         <p:spPr>
           <a:xfrm>
-            <a:off x="5790940" y="2408443"/>
-            <a:ext cx="6228804" cy="3664003"/>
+            <a:off x="2325071" y="1385037"/>
+            <a:ext cx="4196979" cy="2438985"/>
           </a:xfrm>
           <a:prstGeom prst="rect">
             <a:avLst/>
           </a:prstGeom>
-          <a:solidFill>
-            <a:srgbClr val="FFFFFF">
-              <a:shade val="85000"/>
-            </a:srgbClr>
-          </a:solidFill>
-          <a:ln w="12700" cap="sq">
-            <a:solidFill>
-              <a:srgbClr val="FFFFFF"/>
-            </a:solidFill>
-            <a:miter lim="800000"/>
-          </a:ln>
-          <a:effectLst>
-            <a:outerShdw blurRad="55000" dist="18000" dir="5400000" algn="tl" rotWithShape="0">
-              <a:srgbClr val="000000">
-                <a:alpha val="40000"/>
-              </a:srgbClr>
-            </a:outerShdw>
-          </a:effectLst>
-          <a:scene3d>
-            <a:camera prst="orthographicFront"/>
-            <a:lightRig rig="twoPt" dir="t">
-              <a:rot lat="0" lon="0" rev="7200000"/>
-            </a:lightRig>
-          </a:scene3d>
-          <a:sp3d>
-            <a:bevelT w="25400" h="19050"/>
-            <a:contourClr>
-              <a:srgbClr val="FFFFFF"/>
-            </a:contourClr>
-          </a:sp3d>
         </p:spPr>
       </p:pic>
       <p:pic>
         <p:nvPicPr>
-          <p:cNvPr id="6" name="Picture 5">
-            <a:extLst>
-              <a:ext uri="{FF2B5EF4-FFF2-40B4-BE49-F238E27FC236}">
-                <a16:creationId xmlns:a16="http://schemas.microsoft.com/office/drawing/2014/main" id="{677F1544-72EC-C30B-5BA5-09F217C4E17B}"/>
+          <p:cNvPr id="13" name="Picture 12">
+            <a:extLst>
+              <a:ext uri="{FF2B5EF4-FFF2-40B4-BE49-F238E27FC236}">
+                <a16:creationId xmlns:a16="http://schemas.microsoft.com/office/drawing/2014/main" id="{63A1F06B-357A-7CCB-6ADD-D271FB5C262B}"/>
               </a:ext>
             </a:extLst>
           </p:cNvPr>
@@ -9258,50 +7897,50 @@
         </p:blipFill>
         <p:spPr>
           <a:xfrm>
-            <a:off x="838200" y="2186810"/>
-            <a:ext cx="4848371" cy="4122983"/>
+            <a:off x="7240332" y="2414728"/>
+            <a:ext cx="4562026" cy="2028543"/>
           </a:xfrm>
           <a:prstGeom prst="rect">
             <a:avLst/>
           </a:prstGeom>
-          <a:solidFill>
-            <a:srgbClr val="FFFFFF">
-              <a:shade val="85000"/>
-            </a:srgbClr>
-          </a:solidFill>
-          <a:ln w="12700" cap="sq">
-            <a:solidFill>
-              <a:srgbClr val="FFFFFF"/>
-            </a:solidFill>
-            <a:miter lim="800000"/>
-          </a:ln>
-          <a:effectLst>
-            <a:outerShdw blurRad="55000" dist="18000" dir="5400000" algn="tl" rotWithShape="0">
-              <a:srgbClr val="000000">
-                <a:alpha val="40000"/>
-              </a:srgbClr>
-            </a:outerShdw>
-          </a:effectLst>
-          <a:scene3d>
-            <a:camera prst="orthographicFront"/>
-            <a:lightRig rig="twoPt" dir="t">
-              <a:rot lat="0" lon="0" rev="7200000"/>
-            </a:lightRig>
-          </a:scene3d>
-          <a:sp3d>
-            <a:bevelT w="25400" h="19050"/>
-            <a:contourClr>
-              <a:srgbClr val="FFFFFF"/>
-            </a:contourClr>
-          </a:sp3d>
         </p:spPr>
       </p:pic>
-      <p:sp>
-        <p:nvSpPr>
-          <p:cNvPr id="7" name="TextBox 6">
-            <a:extLst>
-              <a:ext uri="{FF2B5EF4-FFF2-40B4-BE49-F238E27FC236}">
-                <a16:creationId xmlns:a16="http://schemas.microsoft.com/office/drawing/2014/main" id="{219925B1-EE54-CB30-0162-B12942CE4717}"/>
+      <p:pic>
+        <p:nvPicPr>
+          <p:cNvPr id="19" name="Picture 18">
+            <a:extLst>
+              <a:ext uri="{FF2B5EF4-FFF2-40B4-BE49-F238E27FC236}">
+                <a16:creationId xmlns:a16="http://schemas.microsoft.com/office/drawing/2014/main" id="{E3CCCEC8-640C-9DCF-9164-F2DBDB627F71}"/>
+              </a:ext>
+            </a:extLst>
+          </p:cNvPr>
+          <p:cNvPicPr>
+            <a:picLocks noChangeAspect="1"/>
+          </p:cNvPicPr>
+          <p:nvPr/>
+        </p:nvPicPr>
+        <p:blipFill>
+          <a:blip r:embed="rId4"/>
+          <a:stretch>
+            <a:fillRect/>
+          </a:stretch>
+        </p:blipFill>
+        <p:spPr>
+          <a:xfrm>
+            <a:off x="2395065" y="4024705"/>
+            <a:ext cx="4486126" cy="2486496"/>
+          </a:xfrm>
+          <a:prstGeom prst="rect">
+            <a:avLst/>
+          </a:prstGeom>
+        </p:spPr>
+      </p:pic>
+      <p:sp>
+        <p:nvSpPr>
+          <p:cNvPr id="20" name="TextBox 19">
+            <a:extLst>
+              <a:ext uri="{FF2B5EF4-FFF2-40B4-BE49-F238E27FC236}">
+                <a16:creationId xmlns:a16="http://schemas.microsoft.com/office/drawing/2014/main" id="{B3444202-3863-7163-71DD-E180C788EDFB}"/>
               </a:ext>
             </a:extLst>
           </p:cNvPr>
@@ -9310,8 +7949,8 @@
         </p:nvSpPr>
         <p:spPr>
           <a:xfrm>
-            <a:off x="875269" y="1686481"/>
-            <a:ext cx="1463862" cy="369332"/>
+            <a:off x="939536" y="1819373"/>
+            <a:ext cx="1418978" cy="369332"/>
           </a:xfrm>
           <a:prstGeom prst="rect">
             <a:avLst/>
@@ -9331,39 +7970,8 @@
                 </a:solidFill>
                 <a:latin typeface="Audiowide" panose="02000503000000020004" pitchFamily="2" charset="0"/>
               </a:rPr>
-              <a:t>REQUEST</a:t>
-            </a:r>
-          </a:p>
-        </p:txBody>
-      </p:sp>
-      <p:sp>
-        <p:nvSpPr>
-          <p:cNvPr id="8" name="TextBox 7">
-            <a:extLst>
-              <a:ext uri="{FF2B5EF4-FFF2-40B4-BE49-F238E27FC236}">
-                <a16:creationId xmlns:a16="http://schemas.microsoft.com/office/drawing/2014/main" id="{6FA1A1F6-C2DE-4892-D76F-E472A1EA474A}"/>
-              </a:ext>
-            </a:extLst>
-          </p:cNvPr>
-          <p:cNvSpPr txBox="1"/>
-          <p:nvPr/>
-        </p:nvSpPr>
-        <p:spPr>
-          <a:xfrm>
-            <a:off x="3117997" y="1676228"/>
-            <a:ext cx="3270447" cy="369332"/>
-          </a:xfrm>
-          <a:prstGeom prst="rect">
-            <a:avLst/>
-          </a:prstGeom>
-          <a:noFill/>
-        </p:spPr>
-        <p:txBody>
-          <a:bodyPr wrap="none" rtlCol="0">
-            <a:spAutoFit/>
-          </a:bodyPr>
-          <a:lstStyle/>
-          <a:p>
+              <a:t>Post/</a:t>
+            </a:r>
             <a:r>
               <a:rPr lang="it-IT" dirty="0" err="1">
                 <a:solidFill>
@@ -9371,7 +7979,7 @@
                 </a:solidFill>
                 <a:latin typeface="Audiowide" panose="02000503000000020004" pitchFamily="2" charset="0"/>
               </a:rPr>
-              <a:t>RESTDispatcherServlet</a:t>
+              <a:t>Get</a:t>
             </a:r>
             <a:endParaRPr lang="it-IT" dirty="0">
               <a:solidFill>
@@ -9382,101 +7990,12 @@
           </a:p>
         </p:txBody>
       </p:sp>
-      <p:sp>
-        <p:nvSpPr>
-          <p:cNvPr id="9" name="TextBox 8">
-            <a:extLst>
-              <a:ext uri="{FF2B5EF4-FFF2-40B4-BE49-F238E27FC236}">
-                <a16:creationId xmlns:a16="http://schemas.microsoft.com/office/drawing/2014/main" id="{834B28D0-E621-60CF-EC75-041AC1252946}"/>
-              </a:ext>
-            </a:extLst>
-          </p:cNvPr>
-          <p:cNvSpPr txBox="1"/>
-          <p:nvPr/>
-        </p:nvSpPr>
-        <p:spPr>
-          <a:xfrm>
-            <a:off x="7058089" y="1676228"/>
-            <a:ext cx="2085827" cy="369332"/>
-          </a:xfrm>
-          <a:prstGeom prst="rect">
-            <a:avLst/>
-          </a:prstGeom>
-          <a:noFill/>
-        </p:spPr>
-        <p:txBody>
-          <a:bodyPr wrap="none" rtlCol="0">
-            <a:spAutoFit/>
-          </a:bodyPr>
-          <a:lstStyle/>
-          <a:p>
-            <a:r>
-              <a:rPr lang="it-IT" dirty="0" err="1">
-                <a:solidFill>
-                  <a:schemeClr val="bg1"/>
-                </a:solidFill>
-                <a:latin typeface="Audiowide" panose="02000503000000020004" pitchFamily="2" charset="0"/>
-              </a:rPr>
-              <a:t>Rest</a:t>
-            </a:r>
-            <a:r>
-              <a:rPr lang="it-IT" dirty="0">
-                <a:solidFill>
-                  <a:schemeClr val="bg1"/>
-                </a:solidFill>
-                <a:latin typeface="Audiowide" panose="02000503000000020004" pitchFamily="2" charset="0"/>
-              </a:rPr>
-              <a:t> Resource</a:t>
-            </a:r>
-          </a:p>
-        </p:txBody>
-      </p:sp>
-      <p:sp>
-        <p:nvSpPr>
-          <p:cNvPr id="10" name="TextBox 9">
-            <a:extLst>
-              <a:ext uri="{FF2B5EF4-FFF2-40B4-BE49-F238E27FC236}">
-                <a16:creationId xmlns:a16="http://schemas.microsoft.com/office/drawing/2014/main" id="{3E16CF82-7D5E-507F-D5C5-AA3E6189D657}"/>
-              </a:ext>
-            </a:extLst>
-          </p:cNvPr>
-          <p:cNvSpPr txBox="1"/>
-          <p:nvPr/>
-        </p:nvSpPr>
-        <p:spPr>
-          <a:xfrm>
-            <a:off x="9813561" y="1673986"/>
-            <a:ext cx="766557" cy="369332"/>
-          </a:xfrm>
-          <a:prstGeom prst="rect">
-            <a:avLst/>
-          </a:prstGeom>
-          <a:noFill/>
-        </p:spPr>
-        <p:txBody>
-          <a:bodyPr wrap="none" rtlCol="0">
-            <a:spAutoFit/>
-          </a:bodyPr>
-          <a:lstStyle/>
-          <a:p>
-            <a:r>
-              <a:rPr lang="it-IT" dirty="0">
-                <a:solidFill>
-                  <a:schemeClr val="bg1"/>
-                </a:solidFill>
-                <a:latin typeface="Audiowide" panose="02000503000000020004" pitchFamily="2" charset="0"/>
-              </a:rPr>
-              <a:t>DAO</a:t>
-            </a:r>
-          </a:p>
-        </p:txBody>
-      </p:sp>
       <p:cxnSp>
         <p:nvCxnSpPr>
-          <p:cNvPr id="12" name="Straight Arrow Connector 11">
-            <a:extLst>
-              <a:ext uri="{FF2B5EF4-FFF2-40B4-BE49-F238E27FC236}">
-                <a16:creationId xmlns:a16="http://schemas.microsoft.com/office/drawing/2014/main" id="{437EAF71-011D-0F44-AB8A-5F1081231018}"/>
+          <p:cNvPr id="21" name="Straight Arrow Connector 20">
+            <a:extLst>
+              <a:ext uri="{FF2B5EF4-FFF2-40B4-BE49-F238E27FC236}">
+                <a16:creationId xmlns:a16="http://schemas.microsoft.com/office/drawing/2014/main" id="{A7DB6D03-101B-0A99-3630-147C57623069}"/>
               </a:ext>
             </a:extLst>
           </p:cNvPr>
@@ -9487,8 +8006,8 @@
         </p:nvCxnSpPr>
         <p:spPr>
           <a:xfrm>
-            <a:off x="2445760" y="1858652"/>
-            <a:ext cx="565608" cy="0"/>
+            <a:off x="1242060" y="2271860"/>
+            <a:ext cx="920381" cy="0"/>
           </a:xfrm>
           <a:prstGeom prst="straightConnector1">
             <a:avLst/>
@@ -9517,10 +8036,10 @@
       </p:cxnSp>
       <p:cxnSp>
         <p:nvCxnSpPr>
-          <p:cNvPr id="16" name="Straight Arrow Connector 15">
-            <a:extLst>
-              <a:ext uri="{FF2B5EF4-FFF2-40B4-BE49-F238E27FC236}">
-                <a16:creationId xmlns:a16="http://schemas.microsoft.com/office/drawing/2014/main" id="{A397814A-67CF-FF27-F115-12C5698FDDF3}"/>
+          <p:cNvPr id="22" name="Straight Arrow Connector 21">
+            <a:extLst>
+              <a:ext uri="{FF2B5EF4-FFF2-40B4-BE49-F238E27FC236}">
+                <a16:creationId xmlns:a16="http://schemas.microsoft.com/office/drawing/2014/main" id="{1C30FAE0-7159-AA90-D214-8CF64BE0AEDE}"/>
               </a:ext>
             </a:extLst>
           </p:cNvPr>
@@ -9531,8 +8050,8 @@
         </p:nvCxnSpPr>
         <p:spPr>
           <a:xfrm>
-            <a:off x="6388444" y="1858652"/>
-            <a:ext cx="565608" cy="0"/>
+            <a:off x="6684680" y="1946788"/>
+            <a:ext cx="630520" cy="325072"/>
           </a:xfrm>
           <a:prstGeom prst="straightConnector1">
             <a:avLst/>
@@ -9559,12 +8078,98 @@
           </a:fontRef>
         </p:style>
       </p:cxnSp>
+      <p:sp>
+        <p:nvSpPr>
+          <p:cNvPr id="23" name="TextBox 22">
+            <a:extLst>
+              <a:ext uri="{FF2B5EF4-FFF2-40B4-BE49-F238E27FC236}">
+                <a16:creationId xmlns:a16="http://schemas.microsoft.com/office/drawing/2014/main" id="{D800D4D4-DFDF-FE58-E93B-C754A3767DA0}"/>
+              </a:ext>
+            </a:extLst>
+          </p:cNvPr>
+          <p:cNvSpPr txBox="1"/>
+          <p:nvPr/>
+        </p:nvSpPr>
+        <p:spPr>
+          <a:xfrm>
+            <a:off x="6902746" y="1648089"/>
+            <a:ext cx="1149674" cy="369332"/>
+          </a:xfrm>
+          <a:prstGeom prst="rect">
+            <a:avLst/>
+          </a:prstGeom>
+          <a:noFill/>
+        </p:spPr>
+        <p:txBody>
+          <a:bodyPr wrap="none" rtlCol="0">
+            <a:spAutoFit/>
+          </a:bodyPr>
+          <a:lstStyle/>
+          <a:p>
+            <a:r>
+              <a:rPr lang="it-IT" dirty="0" err="1">
+                <a:solidFill>
+                  <a:schemeClr val="bg1"/>
+                </a:solidFill>
+                <a:latin typeface="Audiowide" panose="02000503000000020004" pitchFamily="2" charset="0"/>
+              </a:rPr>
+              <a:t>Servlet</a:t>
+            </a:r>
+            <a:endParaRPr lang="it-IT" dirty="0">
+              <a:solidFill>
+                <a:schemeClr val="bg1"/>
+              </a:solidFill>
+              <a:latin typeface="Audiowide" panose="02000503000000020004" pitchFamily="2" charset="0"/>
+            </a:endParaRPr>
+          </a:p>
+        </p:txBody>
+      </p:sp>
+      <p:sp>
+        <p:nvSpPr>
+          <p:cNvPr id="25" name="TextBox 24">
+            <a:extLst>
+              <a:ext uri="{FF2B5EF4-FFF2-40B4-BE49-F238E27FC236}">
+                <a16:creationId xmlns:a16="http://schemas.microsoft.com/office/drawing/2014/main" id="{A1E01DA0-4AB5-2484-033E-8CC399A09116}"/>
+              </a:ext>
+            </a:extLst>
+          </p:cNvPr>
+          <p:cNvSpPr txBox="1"/>
+          <p:nvPr/>
+        </p:nvSpPr>
+        <p:spPr>
+          <a:xfrm>
+            <a:off x="9170569" y="4439064"/>
+            <a:ext cx="766557" cy="369332"/>
+          </a:xfrm>
+          <a:prstGeom prst="rect">
+            <a:avLst/>
+          </a:prstGeom>
+          <a:noFill/>
+        </p:spPr>
+        <p:txBody>
+          <a:bodyPr wrap="none" rtlCol="0">
+            <a:spAutoFit/>
+          </a:bodyPr>
+          <a:lstStyle/>
+          <a:p>
+            <a:r>
+              <a:rPr lang="it-IT" dirty="0">
+                <a:solidFill>
+                  <a:schemeClr val="bg1"/>
+                </a:solidFill>
+                <a:latin typeface="Audiowide" panose="02000503000000020004" pitchFamily="2" charset="0"/>
+              </a:rPr>
+              <a:t>DAO</a:t>
+            </a:r>
+          </a:p>
+        </p:txBody>
+      </p:sp>
       <p:cxnSp>
         <p:nvCxnSpPr>
-          <p:cNvPr id="17" name="Straight Arrow Connector 16">
-            <a:extLst>
-              <a:ext uri="{FF2B5EF4-FFF2-40B4-BE49-F238E27FC236}">
-                <a16:creationId xmlns:a16="http://schemas.microsoft.com/office/drawing/2014/main" id="{C3838AF7-4A34-9120-9F97-844FC9808CBF}"/>
+          <p:cNvPr id="26" name="Straight Arrow Connector 25">
+            <a:extLst>
+              <a:ext uri="{FF2B5EF4-FFF2-40B4-BE49-F238E27FC236}">
+                <a16:creationId xmlns:a16="http://schemas.microsoft.com/office/drawing/2014/main" id="{4C632862-FA7C-475F-C675-E298CBC0A266}"/>
               </a:ext>
             </a:extLst>
           </p:cNvPr>
@@ -9574,9 +8179,9 @@
           <p:nvPr/>
         </p:nvCxnSpPr>
         <p:spPr>
-          <a:xfrm>
-            <a:off x="9143916" y="1858652"/>
-            <a:ext cx="565608" cy="0"/>
+          <a:xfrm flipH="1">
+            <a:off x="6981942" y="4612125"/>
+            <a:ext cx="781878" cy="392542"/>
           </a:xfrm>
           <a:prstGeom prst="straightConnector1">
             <a:avLst/>
@@ -9603,10 +8208,393 @@
           </a:fontRef>
         </p:style>
       </p:cxnSp>
+      <p:sp>
+        <p:nvSpPr>
+          <p:cNvPr id="28" name="TextBox 27">
+            <a:extLst>
+              <a:ext uri="{FF2B5EF4-FFF2-40B4-BE49-F238E27FC236}">
+                <a16:creationId xmlns:a16="http://schemas.microsoft.com/office/drawing/2014/main" id="{14634ABE-8596-A741-2BCC-7880BF6323DD}"/>
+              </a:ext>
+            </a:extLst>
+          </p:cNvPr>
+          <p:cNvSpPr txBox="1"/>
+          <p:nvPr/>
+        </p:nvSpPr>
+        <p:spPr>
+          <a:xfrm>
+            <a:off x="7255663" y="4841017"/>
+            <a:ext cx="796757" cy="369332"/>
+          </a:xfrm>
+          <a:prstGeom prst="rect">
+            <a:avLst/>
+          </a:prstGeom>
+          <a:noFill/>
+        </p:spPr>
+        <p:txBody>
+          <a:bodyPr wrap="square" rtlCol="0">
+            <a:spAutoFit/>
+          </a:bodyPr>
+          <a:lstStyle/>
+          <a:p>
+            <a:r>
+              <a:rPr lang="it-IT" dirty="0">
+                <a:solidFill>
+                  <a:schemeClr val="bg1"/>
+                </a:solidFill>
+                <a:latin typeface="Audiowide" panose="02000503000000020004" pitchFamily="2" charset="0"/>
+              </a:rPr>
+              <a:t>JSP</a:t>
+            </a:r>
+          </a:p>
+        </p:txBody>
+      </p:sp>
+      <p:sp>
+        <p:nvSpPr>
+          <p:cNvPr id="31" name="TextBox 30">
+            <a:extLst>
+              <a:ext uri="{FF2B5EF4-FFF2-40B4-BE49-F238E27FC236}">
+                <a16:creationId xmlns:a16="http://schemas.microsoft.com/office/drawing/2014/main" id="{04C4B180-BDDD-8AC9-3FC0-B21945FF669B}"/>
+              </a:ext>
+            </a:extLst>
+          </p:cNvPr>
+          <p:cNvSpPr txBox="1"/>
+          <p:nvPr/>
+        </p:nvSpPr>
+        <p:spPr>
+          <a:xfrm>
+            <a:off x="780849" y="4944788"/>
+            <a:ext cx="1771639" cy="646331"/>
+          </a:xfrm>
+          <a:prstGeom prst="rect">
+            <a:avLst/>
+          </a:prstGeom>
+          <a:noFill/>
+        </p:spPr>
+        <p:txBody>
+          <a:bodyPr wrap="none" rtlCol="0">
+            <a:spAutoFit/>
+          </a:bodyPr>
+          <a:lstStyle/>
+          <a:p>
+            <a:r>
+              <a:rPr lang="it-IT" dirty="0">
+                <a:solidFill>
+                  <a:schemeClr val="bg1"/>
+                </a:solidFill>
+                <a:latin typeface="Audiowide" panose="02000503000000020004" pitchFamily="2" charset="0"/>
+              </a:rPr>
+              <a:t>Return and </a:t>
+            </a:r>
+          </a:p>
+          <a:p>
+            <a:r>
+              <a:rPr lang="it-IT" dirty="0" err="1">
+                <a:solidFill>
+                  <a:schemeClr val="bg1"/>
+                </a:solidFill>
+                <a:latin typeface="Audiowide" panose="02000503000000020004" pitchFamily="2" charset="0"/>
+              </a:rPr>
+              <a:t>visualization</a:t>
+            </a:r>
+            <a:endParaRPr lang="it-IT" dirty="0">
+              <a:solidFill>
+                <a:schemeClr val="bg1"/>
+              </a:solidFill>
+              <a:latin typeface="Audiowide" panose="02000503000000020004" pitchFamily="2" charset="0"/>
+            </a:endParaRPr>
+          </a:p>
+        </p:txBody>
+      </p:sp>
+      <p:sp>
+        <p:nvSpPr>
+          <p:cNvPr id="33" name="Rectangle 32">
+            <a:extLst>
+              <a:ext uri="{FF2B5EF4-FFF2-40B4-BE49-F238E27FC236}">
+                <a16:creationId xmlns:a16="http://schemas.microsoft.com/office/drawing/2014/main" id="{B66B36FF-C7A0-6223-2CBE-CF14DA2E19BB}"/>
+              </a:ext>
+            </a:extLst>
+          </p:cNvPr>
+          <p:cNvSpPr/>
+          <p:nvPr/>
+        </p:nvSpPr>
+        <p:spPr>
+          <a:xfrm>
+            <a:off x="2771775" y="1366838"/>
+            <a:ext cx="195263" cy="109537"/>
+          </a:xfrm>
+          <a:prstGeom prst="rect">
+            <a:avLst/>
+          </a:prstGeom>
+          <a:noFill/>
+          <a:ln>
+            <a:solidFill>
+              <a:schemeClr val="bg1"/>
+            </a:solidFill>
+          </a:ln>
+        </p:spPr>
+        <p:style>
+          <a:lnRef idx="2">
+            <a:schemeClr val="accent1">
+              <a:shade val="15000"/>
+            </a:schemeClr>
+          </a:lnRef>
+          <a:fillRef idx="1">
+            <a:schemeClr val="accent1"/>
+          </a:fillRef>
+          <a:effectRef idx="0">
+            <a:schemeClr val="accent1"/>
+          </a:effectRef>
+          <a:fontRef idx="minor">
+            <a:schemeClr val="lt1"/>
+          </a:fontRef>
+        </p:style>
+        <p:txBody>
+          <a:bodyPr rtlCol="0" anchor="ctr"/>
+          <a:lstStyle/>
+          <a:p>
+            <a:pPr algn="ctr"/>
+            <a:endParaRPr lang="it-IT"/>
+          </a:p>
+        </p:txBody>
+      </p:sp>
+      <p:cxnSp>
+        <p:nvCxnSpPr>
+          <p:cNvPr id="35" name="Straight Connector 34">
+            <a:extLst>
+              <a:ext uri="{FF2B5EF4-FFF2-40B4-BE49-F238E27FC236}">
+                <a16:creationId xmlns:a16="http://schemas.microsoft.com/office/drawing/2014/main" id="{DB309845-941E-1577-3A91-785F29CCC872}"/>
+              </a:ext>
+            </a:extLst>
+          </p:cNvPr>
+          <p:cNvCxnSpPr/>
+          <p:nvPr/>
+        </p:nvCxnSpPr>
+        <p:spPr>
+          <a:xfrm>
+            <a:off x="2900204" y="3183593"/>
+            <a:ext cx="311812" cy="0"/>
+          </a:xfrm>
+          <a:prstGeom prst="line">
+            <a:avLst/>
+          </a:prstGeom>
+          <a:ln/>
+        </p:spPr>
+        <p:style>
+          <a:lnRef idx="2">
+            <a:schemeClr val="dk1"/>
+          </a:lnRef>
+          <a:fillRef idx="0">
+            <a:schemeClr val="dk1"/>
+          </a:fillRef>
+          <a:effectRef idx="1">
+            <a:schemeClr val="dk1"/>
+          </a:effectRef>
+          <a:fontRef idx="minor">
+            <a:schemeClr val="tx1"/>
+          </a:fontRef>
+        </p:style>
+      </p:cxnSp>
+      <p:cxnSp>
+        <p:nvCxnSpPr>
+          <p:cNvPr id="37" name="Straight Connector 36">
+            <a:extLst>
+              <a:ext uri="{FF2B5EF4-FFF2-40B4-BE49-F238E27FC236}">
+                <a16:creationId xmlns:a16="http://schemas.microsoft.com/office/drawing/2014/main" id="{DDB87150-FC98-487D-98AE-112A433FC3F6}"/>
+              </a:ext>
+            </a:extLst>
+          </p:cNvPr>
+          <p:cNvCxnSpPr/>
+          <p:nvPr/>
+        </p:nvCxnSpPr>
+        <p:spPr>
+          <a:xfrm>
+            <a:off x="8832850" y="2708636"/>
+            <a:ext cx="964085" cy="0"/>
+          </a:xfrm>
+          <a:prstGeom prst="line">
+            <a:avLst/>
+          </a:prstGeom>
+          <a:ln>
+            <a:solidFill>
+              <a:schemeClr val="bg1"/>
+            </a:solidFill>
+          </a:ln>
+        </p:spPr>
+        <p:style>
+          <a:lnRef idx="2">
+            <a:schemeClr val="accent1"/>
+          </a:lnRef>
+          <a:fillRef idx="0">
+            <a:schemeClr val="accent1"/>
+          </a:fillRef>
+          <a:effectRef idx="1">
+            <a:schemeClr val="accent1"/>
+          </a:effectRef>
+          <a:fontRef idx="minor">
+            <a:schemeClr val="tx1"/>
+          </a:fontRef>
+        </p:style>
+      </p:cxnSp>
+      <p:sp>
+        <p:nvSpPr>
+          <p:cNvPr id="39" name="Rectangle 38">
+            <a:extLst>
+              <a:ext uri="{FF2B5EF4-FFF2-40B4-BE49-F238E27FC236}">
+                <a16:creationId xmlns:a16="http://schemas.microsoft.com/office/drawing/2014/main" id="{8E25AF87-7766-C171-B49D-E13AE255774A}"/>
+              </a:ext>
+            </a:extLst>
+          </p:cNvPr>
+          <p:cNvSpPr/>
+          <p:nvPr/>
+        </p:nvSpPr>
+        <p:spPr>
+          <a:xfrm>
+            <a:off x="7670800" y="2382546"/>
+            <a:ext cx="419100" cy="141579"/>
+          </a:xfrm>
+          <a:prstGeom prst="rect">
+            <a:avLst/>
+          </a:prstGeom>
+          <a:noFill/>
+          <a:ln>
+            <a:solidFill>
+              <a:schemeClr val="bg1"/>
+            </a:solidFill>
+          </a:ln>
+        </p:spPr>
+        <p:style>
+          <a:lnRef idx="2">
+            <a:schemeClr val="accent1">
+              <a:shade val="15000"/>
+            </a:schemeClr>
+          </a:lnRef>
+          <a:fillRef idx="1">
+            <a:schemeClr val="accent1"/>
+          </a:fillRef>
+          <a:effectRef idx="0">
+            <a:schemeClr val="accent1"/>
+          </a:effectRef>
+          <a:fontRef idx="minor">
+            <a:schemeClr val="lt1"/>
+          </a:fontRef>
+        </p:style>
+        <p:txBody>
+          <a:bodyPr rtlCol="0" anchor="ctr"/>
+          <a:lstStyle/>
+          <a:p>
+            <a:pPr algn="ctr"/>
+            <a:endParaRPr lang="it-IT"/>
+          </a:p>
+        </p:txBody>
+      </p:sp>
+      <p:sp>
+        <p:nvSpPr>
+          <p:cNvPr id="41" name="Rectangle 40">
+            <a:extLst>
+              <a:ext uri="{FF2B5EF4-FFF2-40B4-BE49-F238E27FC236}">
+                <a16:creationId xmlns:a16="http://schemas.microsoft.com/office/drawing/2014/main" id="{408E335E-CC96-BDD9-D586-84DEC1A932B2}"/>
+              </a:ext>
+            </a:extLst>
+          </p:cNvPr>
+          <p:cNvSpPr/>
+          <p:nvPr/>
+        </p:nvSpPr>
+        <p:spPr>
+          <a:xfrm>
+            <a:off x="2506980" y="4264819"/>
+            <a:ext cx="1082040" cy="174245"/>
+          </a:xfrm>
+          <a:prstGeom prst="rect">
+            <a:avLst/>
+          </a:prstGeom>
+          <a:noFill/>
+          <a:ln>
+            <a:solidFill>
+              <a:schemeClr val="bg1"/>
+            </a:solidFill>
+          </a:ln>
+        </p:spPr>
+        <p:style>
+          <a:lnRef idx="2">
+            <a:schemeClr val="accent1">
+              <a:shade val="15000"/>
+            </a:schemeClr>
+          </a:lnRef>
+          <a:fillRef idx="1">
+            <a:schemeClr val="accent1"/>
+          </a:fillRef>
+          <a:effectRef idx="0">
+            <a:schemeClr val="accent1"/>
+          </a:effectRef>
+          <a:fontRef idx="minor">
+            <a:schemeClr val="lt1"/>
+          </a:fontRef>
+        </p:style>
+        <p:txBody>
+          <a:bodyPr rtlCol="0" anchor="ctr"/>
+          <a:lstStyle/>
+          <a:p>
+            <a:pPr algn="ctr"/>
+            <a:endParaRPr lang="it-IT"/>
+          </a:p>
+        </p:txBody>
+      </p:sp>
+      <p:sp>
+        <p:nvSpPr>
+          <p:cNvPr id="42" name="Rectangle 41">
+            <a:extLst>
+              <a:ext uri="{FF2B5EF4-FFF2-40B4-BE49-F238E27FC236}">
+                <a16:creationId xmlns:a16="http://schemas.microsoft.com/office/drawing/2014/main" id="{037EB8E2-11F3-ABFD-99D5-F6F9B095C4B5}"/>
+              </a:ext>
+            </a:extLst>
+          </p:cNvPr>
+          <p:cNvSpPr/>
+          <p:nvPr/>
+        </p:nvSpPr>
+        <p:spPr>
+          <a:xfrm>
+            <a:off x="2940844" y="4657725"/>
+            <a:ext cx="1928812" cy="146464"/>
+          </a:xfrm>
+          <a:prstGeom prst="rect">
+            <a:avLst/>
+          </a:prstGeom>
+          <a:noFill/>
+          <a:ln>
+            <a:solidFill>
+              <a:schemeClr val="bg1"/>
+            </a:solidFill>
+          </a:ln>
+        </p:spPr>
+        <p:style>
+          <a:lnRef idx="2">
+            <a:schemeClr val="accent1">
+              <a:shade val="15000"/>
+            </a:schemeClr>
+          </a:lnRef>
+          <a:fillRef idx="1">
+            <a:schemeClr val="accent1"/>
+          </a:fillRef>
+          <a:effectRef idx="0">
+            <a:schemeClr val="accent1"/>
+          </a:effectRef>
+          <a:fontRef idx="minor">
+            <a:schemeClr val="lt1"/>
+          </a:fontRef>
+        </p:style>
+        <p:txBody>
+          <a:bodyPr rtlCol="0" anchor="ctr"/>
+          <a:lstStyle/>
+          <a:p>
+            <a:pPr algn="ctr"/>
+            <a:endParaRPr lang="it-IT"/>
+          </a:p>
+        </p:txBody>
+      </p:sp>
     </p:spTree>
     <p:extLst>
       <p:ext uri="{BB962C8B-B14F-4D97-AF65-F5344CB8AC3E}">
-        <p14:creationId xmlns:p14="http://schemas.microsoft.com/office/powerpoint/2010/main" val="2872309028"/>
+        <p14:creationId xmlns:p14="http://schemas.microsoft.com/office/powerpoint/2010/main" val="1460708208"/>
       </p:ext>
     </p:extLst>
   </p:cSld>
@@ -9743,7 +8731,7 @@
         </p:nvSpPr>
         <p:spPr>
           <a:xfrm>
-            <a:off x="806775" y="365125"/>
+            <a:off x="838200" y="365125"/>
             <a:ext cx="10515600" cy="1325563"/>
           </a:xfrm>
         </p:spPr>
@@ -9758,17 +8746,91 @@
                 </a:solidFill>
                 <a:latin typeface="Audiowide" panose="02000503000000020004" pitchFamily="2" charset="0"/>
               </a:rPr>
-              <a:t>General Flow</a:t>
-            </a:r>
+              <a:t>User features</a:t>
+            </a:r>
+          </a:p>
+        </p:txBody>
+      </p:sp>
+      <p:sp>
+        <p:nvSpPr>
+          <p:cNvPr id="5" name="Content Placeholder 2">
+            <a:extLst>
+              <a:ext uri="{FF2B5EF4-FFF2-40B4-BE49-F238E27FC236}">
+                <a16:creationId xmlns:a16="http://schemas.microsoft.com/office/drawing/2014/main" id="{1EE89E1A-9D54-8473-9B83-E5AEECD31EFE}"/>
+              </a:ext>
+            </a:extLst>
+          </p:cNvPr>
+          <p:cNvSpPr>
+            <a:spLocks noGrp="1"/>
+          </p:cNvSpPr>
+          <p:nvPr>
+            <p:ph idx="1"/>
+          </p:nvPr>
+        </p:nvSpPr>
+        <p:spPr>
+          <a:xfrm>
+            <a:off x="838200" y="1825625"/>
+            <a:ext cx="10515600" cy="4351338"/>
+          </a:xfrm>
+        </p:spPr>
+        <p:txBody>
+          <a:bodyPr/>
+          <a:lstStyle/>
+          <a:p>
+            <a:pPr marL="0" indent="0">
+              <a:buNone/>
+            </a:pPr>
+            <a:r>
+              <a:rPr lang="it-IT" dirty="0">
+                <a:solidFill>
+                  <a:schemeClr val="bg1"/>
+                </a:solidFill>
+                <a:latin typeface="Audiowide" panose="02000503000000020004" pitchFamily="2" charset="0"/>
+              </a:rPr>
+              <a:t>Create and </a:t>
+            </a:r>
+            <a:r>
+              <a:rPr lang="it-IT" dirty="0" err="1">
+                <a:solidFill>
+                  <a:schemeClr val="bg1"/>
+                </a:solidFill>
+                <a:latin typeface="Audiowide" panose="02000503000000020004" pitchFamily="2" charset="0"/>
+              </a:rPr>
+              <a:t>manage</a:t>
+            </a:r>
+            <a:r>
+              <a:rPr lang="it-IT" dirty="0">
+                <a:solidFill>
+                  <a:schemeClr val="bg1"/>
+                </a:solidFill>
+                <a:latin typeface="Audiowide" panose="02000503000000020004" pitchFamily="2" charset="0"/>
+              </a:rPr>
+              <a:t> </a:t>
+            </a:r>
+            <a:r>
+              <a:rPr lang="it-IT" dirty="0" err="1">
+                <a:solidFill>
+                  <a:schemeClr val="bg1"/>
+                </a:solidFill>
+                <a:latin typeface="Audiowide" panose="02000503000000020004" pitchFamily="2" charset="0"/>
+              </a:rPr>
+              <a:t>Orders</a:t>
+            </a:r>
+            <a:endParaRPr lang="it-IT" dirty="0">
+              <a:solidFill>
+                <a:schemeClr val="bg1"/>
+              </a:solidFill>
+              <a:latin typeface="Audiowide" panose="02000503000000020004" pitchFamily="2" charset="0"/>
+            </a:endParaRPr>
           </a:p>
         </p:txBody>
       </p:sp>
       <p:pic>
         <p:nvPicPr>
-          <p:cNvPr id="5" name="Picture 4">
-            <a:extLst>
-              <a:ext uri="{FF2B5EF4-FFF2-40B4-BE49-F238E27FC236}">
-                <a16:creationId xmlns:a16="http://schemas.microsoft.com/office/drawing/2014/main" id="{680A4985-84D1-D31D-0995-7247F2551D36}"/>
+          <p:cNvPr id="10" name="Picture 9">
+            <a:extLst>
+              <a:ext uri="{FF2B5EF4-FFF2-40B4-BE49-F238E27FC236}">
+                <a16:creationId xmlns:a16="http://schemas.microsoft.com/office/drawing/2014/main" id="{B69EFF09-A189-301F-7865-0AAB681F06CC}"/>
               </a:ext>
             </a:extLst>
           </p:cNvPr>
@@ -9778,15 +8840,20 @@
           <p:nvPr/>
         </p:nvPicPr>
         <p:blipFill>
-          <a:blip r:embed="rId2"/>
-          <a:stretch>
-            <a:fillRect/>
-          </a:stretch>
+          <a:blip r:embed="rId2">
+            <a:extLst>
+              <a:ext uri="{28A0092B-C50C-407E-A947-70E740481C1C}">
+                <a14:useLocalDpi xmlns:a14="http://schemas.microsoft.com/office/drawing/2010/main" val="0"/>
+              </a:ext>
+            </a:extLst>
+          </a:blip>
+          <a:srcRect/>
+          <a:stretch/>
         </p:blipFill>
         <p:spPr>
           <a:xfrm>
-            <a:off x="2325071" y="1385037"/>
-            <a:ext cx="4196979" cy="2438985"/>
+            <a:off x="8042266" y="2767607"/>
+            <a:ext cx="3255708" cy="2619535"/>
           </a:xfrm>
           <a:prstGeom prst="rect">
             <a:avLst/>
@@ -9798,7 +8865,7 @@
           <p:cNvPr id="13" name="Picture 12">
             <a:extLst>
               <a:ext uri="{FF2B5EF4-FFF2-40B4-BE49-F238E27FC236}">
-                <a16:creationId xmlns:a16="http://schemas.microsoft.com/office/drawing/2014/main" id="{63A1F06B-357A-7CCB-6ADD-D271FB5C262B}"/>
+                <a16:creationId xmlns:a16="http://schemas.microsoft.com/office/drawing/2014/main" id="{77A7299C-E2C0-997A-7FDC-2AC6C3333AE1}"/>
               </a:ext>
             </a:extLst>
           </p:cNvPr>
@@ -9808,15 +8875,20 @@
           <p:nvPr/>
         </p:nvPicPr>
         <p:blipFill>
-          <a:blip r:embed="rId3"/>
-          <a:stretch>
-            <a:fillRect/>
-          </a:stretch>
+          <a:blip r:embed="rId3">
+            <a:extLst>
+              <a:ext uri="{28A0092B-C50C-407E-A947-70E740481C1C}">
+                <a14:useLocalDpi xmlns:a14="http://schemas.microsoft.com/office/drawing/2010/main" val="0"/>
+              </a:ext>
+            </a:extLst>
+          </a:blip>
+          <a:srcRect/>
+          <a:stretch/>
         </p:blipFill>
         <p:spPr>
           <a:xfrm>
-            <a:off x="7240332" y="2414728"/>
-            <a:ext cx="4562026" cy="2028543"/>
+            <a:off x="910323" y="2767608"/>
+            <a:ext cx="3223114" cy="2619535"/>
           </a:xfrm>
           <a:prstGeom prst="rect">
             <a:avLst/>
@@ -9828,7 +8900,7 @@
           <p:cNvPr id="19" name="Picture 18">
             <a:extLst>
               <a:ext uri="{FF2B5EF4-FFF2-40B4-BE49-F238E27FC236}">
-                <a16:creationId xmlns:a16="http://schemas.microsoft.com/office/drawing/2014/main" id="{E3CCCEC8-640C-9DCF-9164-F2DBDB627F71}"/>
+                <a16:creationId xmlns:a16="http://schemas.microsoft.com/office/drawing/2014/main" id="{ED33C34A-16AA-EDE5-8AE5-AC42898C5CB3}"/>
               </a:ext>
             </a:extLst>
           </p:cNvPr>
@@ -9837,16 +8909,21 @@
           </p:cNvPicPr>
           <p:nvPr/>
         </p:nvPicPr>
-        <p:blipFill>
-          <a:blip r:embed="rId4"/>
-          <a:stretch>
-            <a:fillRect/>
-          </a:stretch>
+        <p:blipFill rotWithShape="1">
+          <a:blip r:embed="rId4">
+            <a:extLst>
+              <a:ext uri="{28A0092B-C50C-407E-A947-70E740481C1C}">
+                <a14:useLocalDpi xmlns:a14="http://schemas.microsoft.com/office/drawing/2010/main" val="0"/>
+              </a:ext>
+            </a:extLst>
+          </a:blip>
+          <a:srcRect r="1270"/>
+          <a:stretch/>
         </p:blipFill>
         <p:spPr>
           <a:xfrm>
-            <a:off x="2395065" y="4024705"/>
-            <a:ext cx="4486126" cy="2486496"/>
+            <a:off x="4458309" y="2780452"/>
+            <a:ext cx="3255708" cy="2476660"/>
           </a:xfrm>
           <a:prstGeom prst="rect">
             <a:avLst/>
@@ -9855,10 +8932,10 @@
       </p:pic>
       <p:sp>
         <p:nvSpPr>
-          <p:cNvPr id="20" name="TextBox 19">
-            <a:extLst>
-              <a:ext uri="{FF2B5EF4-FFF2-40B4-BE49-F238E27FC236}">
-                <a16:creationId xmlns:a16="http://schemas.microsoft.com/office/drawing/2014/main" id="{B3444202-3863-7163-71DD-E180C788EDFB}"/>
+          <p:cNvPr id="24" name="TextBox 23">
+            <a:extLst>
+              <a:ext uri="{FF2B5EF4-FFF2-40B4-BE49-F238E27FC236}">
+                <a16:creationId xmlns:a16="http://schemas.microsoft.com/office/drawing/2014/main" id="{97B370AF-639F-8928-8D3A-FE4E021B4568}"/>
               </a:ext>
             </a:extLst>
           </p:cNvPr>
@@ -9867,8 +8944,8 @@
         </p:nvSpPr>
         <p:spPr>
           <a:xfrm>
-            <a:off x="939536" y="1819373"/>
-            <a:ext cx="1418978" cy="369332"/>
+            <a:off x="910323" y="5522079"/>
+            <a:ext cx="3223114" cy="377072"/>
           </a:xfrm>
           <a:prstGeom prst="rect">
             <a:avLst/>
@@ -9876,11 +8953,12 @@
           <a:noFill/>
         </p:spPr>
         <p:txBody>
-          <a:bodyPr wrap="none" rtlCol="0">
+          <a:bodyPr wrap="square" rtlCol="0">
             <a:spAutoFit/>
           </a:bodyPr>
           <a:lstStyle/>
           <a:p>
+            <a:pPr algn="ctr"/>
             <a:r>
               <a:rPr lang="it-IT" dirty="0">
                 <a:solidFill>
@@ -9888,120 +8966,17 @@
                 </a:solidFill>
                 <a:latin typeface="Audiowide" panose="02000503000000020004" pitchFamily="2" charset="0"/>
               </a:rPr>
-              <a:t>Post/</a:t>
-            </a:r>
-            <a:r>
-              <a:rPr lang="it-IT" dirty="0" err="1">
-                <a:solidFill>
-                  <a:schemeClr val="bg1"/>
-                </a:solidFill>
-                <a:latin typeface="Audiowide" panose="02000503000000020004" pitchFamily="2" charset="0"/>
-              </a:rPr>
-              <a:t>Get</a:t>
-            </a:r>
-            <a:endParaRPr lang="it-IT" dirty="0">
-              <a:solidFill>
-                <a:schemeClr val="bg1"/>
-              </a:solidFill>
-              <a:latin typeface="Audiowide" panose="02000503000000020004" pitchFamily="2" charset="0"/>
-            </a:endParaRPr>
-          </a:p>
-        </p:txBody>
-      </p:sp>
-      <p:cxnSp>
-        <p:nvCxnSpPr>
-          <p:cNvPr id="21" name="Straight Arrow Connector 20">
-            <a:extLst>
-              <a:ext uri="{FF2B5EF4-FFF2-40B4-BE49-F238E27FC236}">
-                <a16:creationId xmlns:a16="http://schemas.microsoft.com/office/drawing/2014/main" id="{A7DB6D03-101B-0A99-3630-147C57623069}"/>
-              </a:ext>
-            </a:extLst>
-          </p:cNvPr>
-          <p:cNvCxnSpPr>
-            <a:cxnSpLocks/>
-          </p:cNvCxnSpPr>
-          <p:nvPr/>
-        </p:nvCxnSpPr>
-        <p:spPr>
-          <a:xfrm>
-            <a:off x="1242060" y="2271860"/>
-            <a:ext cx="920381" cy="0"/>
-          </a:xfrm>
-          <a:prstGeom prst="straightConnector1">
-            <a:avLst/>
-          </a:prstGeom>
-          <a:ln w="28575">
-            <a:solidFill>
-              <a:schemeClr val="bg1"/>
-            </a:solidFill>
-            <a:tailEnd type="triangle"/>
-          </a:ln>
-        </p:spPr>
-        <p:style>
-          <a:lnRef idx="2">
-            <a:schemeClr val="accent1"/>
-          </a:lnRef>
-          <a:fillRef idx="0">
-            <a:schemeClr val="accent1"/>
-          </a:fillRef>
-          <a:effectRef idx="1">
-            <a:schemeClr val="accent1"/>
-          </a:effectRef>
-          <a:fontRef idx="minor">
-            <a:schemeClr val="tx1"/>
-          </a:fontRef>
-        </p:style>
-      </p:cxnSp>
-      <p:cxnSp>
-        <p:nvCxnSpPr>
-          <p:cNvPr id="22" name="Straight Arrow Connector 21">
-            <a:extLst>
-              <a:ext uri="{FF2B5EF4-FFF2-40B4-BE49-F238E27FC236}">
-                <a16:creationId xmlns:a16="http://schemas.microsoft.com/office/drawing/2014/main" id="{1C30FAE0-7159-AA90-D214-8CF64BE0AEDE}"/>
-              </a:ext>
-            </a:extLst>
-          </p:cNvPr>
-          <p:cNvCxnSpPr>
-            <a:cxnSpLocks/>
-          </p:cNvCxnSpPr>
-          <p:nvPr/>
-        </p:nvCxnSpPr>
-        <p:spPr>
-          <a:xfrm>
-            <a:off x="6684680" y="1946788"/>
-            <a:ext cx="630520" cy="325072"/>
-          </a:xfrm>
-          <a:prstGeom prst="straightConnector1">
-            <a:avLst/>
-          </a:prstGeom>
-          <a:ln w="28575">
-            <a:solidFill>
-              <a:schemeClr val="bg1"/>
-            </a:solidFill>
-            <a:tailEnd type="triangle"/>
-          </a:ln>
-        </p:spPr>
-        <p:style>
-          <a:lnRef idx="2">
-            <a:schemeClr val="accent1"/>
-          </a:lnRef>
-          <a:fillRef idx="0">
-            <a:schemeClr val="accent1"/>
-          </a:fillRef>
-          <a:effectRef idx="1">
-            <a:schemeClr val="accent1"/>
-          </a:effectRef>
-          <a:fontRef idx="minor">
-            <a:schemeClr val="tx1"/>
-          </a:fontRef>
-        </p:style>
-      </p:cxnSp>
-      <p:sp>
-        <p:nvSpPr>
-          <p:cNvPr id="23" name="TextBox 22">
-            <a:extLst>
-              <a:ext uri="{FF2B5EF4-FFF2-40B4-BE49-F238E27FC236}">
-                <a16:creationId xmlns:a16="http://schemas.microsoft.com/office/drawing/2014/main" id="{D800D4D4-DFDF-FE58-E93B-C754A3767DA0}"/>
+              <a:t>1. Create</a:t>
+            </a:r>
+          </a:p>
+        </p:txBody>
+      </p:sp>
+      <p:sp>
+        <p:nvSpPr>
+          <p:cNvPr id="25" name="TextBox 24">
+            <a:extLst>
+              <a:ext uri="{FF2B5EF4-FFF2-40B4-BE49-F238E27FC236}">
+                <a16:creationId xmlns:a16="http://schemas.microsoft.com/office/drawing/2014/main" id="{E24E1613-4AF9-2D25-4827-8EA81844B85C}"/>
               </a:ext>
             </a:extLst>
           </p:cNvPr>
@@ -10010,8 +8985,8 @@
         </p:nvSpPr>
         <p:spPr>
           <a:xfrm>
-            <a:off x="6902746" y="1648089"/>
-            <a:ext cx="1149674" cy="369332"/>
+            <a:off x="8038889" y="5522079"/>
+            <a:ext cx="3235527" cy="377072"/>
           </a:xfrm>
           <a:prstGeom prst="rect">
             <a:avLst/>
@@ -10019,11 +8994,21 @@
           <a:noFill/>
         </p:spPr>
         <p:txBody>
-          <a:bodyPr wrap="none" rtlCol="0">
+          <a:bodyPr wrap="square" rtlCol="0">
             <a:spAutoFit/>
           </a:bodyPr>
           <a:lstStyle/>
           <a:p>
+            <a:pPr algn="ctr"/>
+            <a:r>
+              <a:rPr lang="it-IT" dirty="0">
+                <a:solidFill>
+                  <a:schemeClr val="bg1"/>
+                </a:solidFill>
+                <a:latin typeface="Audiowide" panose="02000503000000020004" pitchFamily="2" charset="0"/>
+              </a:rPr>
+              <a:t>3. </a:t>
+            </a:r>
             <a:r>
               <a:rPr lang="it-IT" dirty="0" err="1">
                 <a:solidFill>
@@ -10031,23 +9016,26 @@
                 </a:solidFill>
                 <a:latin typeface="Audiowide" panose="02000503000000020004" pitchFamily="2" charset="0"/>
               </a:rPr>
-              <a:t>Servlet</a:t>
-            </a:r>
-            <a:endParaRPr lang="it-IT" dirty="0">
-              <a:solidFill>
-                <a:schemeClr val="bg1"/>
-              </a:solidFill>
-              <a:latin typeface="Audiowide" panose="02000503000000020004" pitchFamily="2" charset="0"/>
-            </a:endParaRPr>
-          </a:p>
-        </p:txBody>
-      </p:sp>
-      <p:sp>
-        <p:nvSpPr>
-          <p:cNvPr id="25" name="TextBox 24">
-            <a:extLst>
-              <a:ext uri="{FF2B5EF4-FFF2-40B4-BE49-F238E27FC236}">
-                <a16:creationId xmlns:a16="http://schemas.microsoft.com/office/drawing/2014/main" id="{A1E01DA0-4AB5-2484-033E-8CC399A09116}"/>
+              <a:t>Favourites</a:t>
+            </a:r>
+            <a:r>
+              <a:rPr lang="it-IT" dirty="0">
+                <a:solidFill>
+                  <a:schemeClr val="bg1"/>
+                </a:solidFill>
+                <a:latin typeface="Audiowide" panose="02000503000000020004" pitchFamily="2" charset="0"/>
+              </a:rPr>
+              <a:t> feature</a:t>
+            </a:r>
+          </a:p>
+        </p:txBody>
+      </p:sp>
+      <p:sp>
+        <p:nvSpPr>
+          <p:cNvPr id="26" name="TextBox 25">
+            <a:extLst>
+              <a:ext uri="{FF2B5EF4-FFF2-40B4-BE49-F238E27FC236}">
+                <a16:creationId xmlns:a16="http://schemas.microsoft.com/office/drawing/2014/main" id="{2831DA1F-9069-95BC-E328-0D592BBE2685}"/>
               </a:ext>
             </a:extLst>
           </p:cNvPr>
@@ -10056,8 +9044,8 @@
         </p:nvSpPr>
         <p:spPr>
           <a:xfrm>
-            <a:off x="9170569" y="4439064"/>
-            <a:ext cx="766557" cy="369332"/>
+            <a:off x="4478489" y="5522079"/>
+            <a:ext cx="3235528" cy="377072"/>
           </a:xfrm>
           <a:prstGeom prst="rect">
             <a:avLst/>
@@ -10065,95 +9053,12 @@
           <a:noFill/>
         </p:spPr>
         <p:txBody>
-          <a:bodyPr wrap="none" rtlCol="0">
-            <a:spAutoFit/>
-          </a:bodyPr>
-          <a:lstStyle/>
-          <a:p>
-            <a:r>
-              <a:rPr lang="it-IT" dirty="0">
-                <a:solidFill>
-                  <a:schemeClr val="bg1"/>
-                </a:solidFill>
-                <a:latin typeface="Audiowide" panose="02000503000000020004" pitchFamily="2" charset="0"/>
-              </a:rPr>
-              <a:t>DAO</a:t>
-            </a:r>
-          </a:p>
-        </p:txBody>
-      </p:sp>
-      <p:cxnSp>
-        <p:nvCxnSpPr>
-          <p:cNvPr id="26" name="Straight Arrow Connector 25">
-            <a:extLst>
-              <a:ext uri="{FF2B5EF4-FFF2-40B4-BE49-F238E27FC236}">
-                <a16:creationId xmlns:a16="http://schemas.microsoft.com/office/drawing/2014/main" id="{4C632862-FA7C-475F-C675-E298CBC0A266}"/>
-              </a:ext>
-            </a:extLst>
-          </p:cNvPr>
-          <p:cNvCxnSpPr>
-            <a:cxnSpLocks/>
-          </p:cNvCxnSpPr>
-          <p:nvPr/>
-        </p:nvCxnSpPr>
-        <p:spPr>
-          <a:xfrm flipH="1">
-            <a:off x="6981942" y="4612125"/>
-            <a:ext cx="781878" cy="392542"/>
-          </a:xfrm>
-          <a:prstGeom prst="straightConnector1">
-            <a:avLst/>
-          </a:prstGeom>
-          <a:ln w="28575">
-            <a:solidFill>
-              <a:schemeClr val="bg1"/>
-            </a:solidFill>
-            <a:tailEnd type="triangle"/>
-          </a:ln>
-        </p:spPr>
-        <p:style>
-          <a:lnRef idx="2">
-            <a:schemeClr val="accent1"/>
-          </a:lnRef>
-          <a:fillRef idx="0">
-            <a:schemeClr val="accent1"/>
-          </a:fillRef>
-          <a:effectRef idx="1">
-            <a:schemeClr val="accent1"/>
-          </a:effectRef>
-          <a:fontRef idx="minor">
-            <a:schemeClr val="tx1"/>
-          </a:fontRef>
-        </p:style>
-      </p:cxnSp>
-      <p:sp>
-        <p:nvSpPr>
-          <p:cNvPr id="28" name="TextBox 27">
-            <a:extLst>
-              <a:ext uri="{FF2B5EF4-FFF2-40B4-BE49-F238E27FC236}">
-                <a16:creationId xmlns:a16="http://schemas.microsoft.com/office/drawing/2014/main" id="{14634ABE-8596-A741-2BCC-7880BF6323DD}"/>
-              </a:ext>
-            </a:extLst>
-          </p:cNvPr>
-          <p:cNvSpPr txBox="1"/>
-          <p:nvPr/>
-        </p:nvSpPr>
-        <p:spPr>
-          <a:xfrm>
-            <a:off x="7255663" y="4841017"/>
-            <a:ext cx="524503" cy="923330"/>
-          </a:xfrm>
-          <a:prstGeom prst="rect">
-            <a:avLst/>
-          </a:prstGeom>
-          <a:noFill/>
-        </p:spPr>
-        <p:txBody>
           <a:bodyPr wrap="square" rtlCol="0">
             <a:spAutoFit/>
           </a:bodyPr>
           <a:lstStyle/>
           <a:p>
+            <a:pPr algn="ctr"/>
             <a:r>
               <a:rPr lang="it-IT" dirty="0">
                 <a:solidFill>
@@ -10161,39 +9066,17 @@
                 </a:solidFill>
                 <a:latin typeface="Audiowide" panose="02000503000000020004" pitchFamily="2" charset="0"/>
               </a:rPr>
-              <a:t>JSP</a:t>
-            </a:r>
-          </a:p>
-        </p:txBody>
-      </p:sp>
-      <p:sp>
-        <p:nvSpPr>
-          <p:cNvPr id="31" name="TextBox 30">
-            <a:extLst>
-              <a:ext uri="{FF2B5EF4-FFF2-40B4-BE49-F238E27FC236}">
-                <a16:creationId xmlns:a16="http://schemas.microsoft.com/office/drawing/2014/main" id="{04C4B180-BDDD-8AC9-3FC0-B21945FF669B}"/>
-              </a:ext>
-            </a:extLst>
-          </p:cNvPr>
-          <p:cNvSpPr txBox="1"/>
-          <p:nvPr/>
-        </p:nvSpPr>
-        <p:spPr>
-          <a:xfrm>
-            <a:off x="780849" y="4944788"/>
-            <a:ext cx="1771639" cy="646331"/>
-          </a:xfrm>
-          <a:prstGeom prst="rect">
-            <a:avLst/>
-          </a:prstGeom>
-          <a:noFill/>
-        </p:spPr>
-        <p:txBody>
-          <a:bodyPr wrap="none" rtlCol="0">
-            <a:spAutoFit/>
-          </a:bodyPr>
-          <a:lstStyle/>
-          <a:p>
+              <a:t>2. </a:t>
+            </a:r>
+            <a:r>
+              <a:rPr lang="it-IT" dirty="0" err="1">
+                <a:solidFill>
+                  <a:schemeClr val="bg1"/>
+                </a:solidFill>
+                <a:latin typeface="Audiowide" panose="02000503000000020004" pitchFamily="2" charset="0"/>
+              </a:rPr>
+              <a:t>Modify</a:t>
+            </a:r>
             <a:r>
               <a:rPr lang="it-IT" dirty="0">
                 <a:solidFill>
@@ -10201,318 +9084,15 @@
                 </a:solidFill>
                 <a:latin typeface="Audiowide" panose="02000503000000020004" pitchFamily="2" charset="0"/>
               </a:rPr>
-              <a:t>Return and </a:t>
-            </a:r>
-          </a:p>
-          <a:p>
-            <a:r>
-              <a:rPr lang="it-IT" dirty="0" err="1">
-                <a:solidFill>
-                  <a:schemeClr val="bg1"/>
-                </a:solidFill>
-                <a:latin typeface="Audiowide" panose="02000503000000020004" pitchFamily="2" charset="0"/>
-              </a:rPr>
-              <a:t>visualization</a:t>
-            </a:r>
-            <a:endParaRPr lang="it-IT" dirty="0">
-              <a:solidFill>
-                <a:schemeClr val="bg1"/>
-              </a:solidFill>
-              <a:latin typeface="Audiowide" panose="02000503000000020004" pitchFamily="2" charset="0"/>
-            </a:endParaRPr>
-          </a:p>
-        </p:txBody>
-      </p:sp>
-      <p:sp>
-        <p:nvSpPr>
-          <p:cNvPr id="33" name="Rectangle 32">
-            <a:extLst>
-              <a:ext uri="{FF2B5EF4-FFF2-40B4-BE49-F238E27FC236}">
-                <a16:creationId xmlns:a16="http://schemas.microsoft.com/office/drawing/2014/main" id="{B66B36FF-C7A0-6223-2CBE-CF14DA2E19BB}"/>
-              </a:ext>
-            </a:extLst>
-          </p:cNvPr>
-          <p:cNvSpPr/>
-          <p:nvPr/>
-        </p:nvSpPr>
-        <p:spPr>
-          <a:xfrm>
-            <a:off x="2771775" y="1366838"/>
-            <a:ext cx="195263" cy="109537"/>
-          </a:xfrm>
-          <a:prstGeom prst="rect">
-            <a:avLst/>
-          </a:prstGeom>
-          <a:noFill/>
-          <a:ln>
-            <a:solidFill>
-              <a:schemeClr val="bg1"/>
-            </a:solidFill>
-          </a:ln>
-        </p:spPr>
-        <p:style>
-          <a:lnRef idx="2">
-            <a:schemeClr val="accent1">
-              <a:shade val="15000"/>
-            </a:schemeClr>
-          </a:lnRef>
-          <a:fillRef idx="1">
-            <a:schemeClr val="accent1"/>
-          </a:fillRef>
-          <a:effectRef idx="0">
-            <a:schemeClr val="accent1"/>
-          </a:effectRef>
-          <a:fontRef idx="minor">
-            <a:schemeClr val="lt1"/>
-          </a:fontRef>
-        </p:style>
-        <p:txBody>
-          <a:bodyPr rtlCol="0" anchor="ctr"/>
-          <a:lstStyle/>
-          <a:p>
-            <a:pPr algn="ctr"/>
-            <a:endParaRPr lang="it-IT"/>
-          </a:p>
-        </p:txBody>
-      </p:sp>
-      <p:cxnSp>
-        <p:nvCxnSpPr>
-          <p:cNvPr id="35" name="Straight Connector 34">
-            <a:extLst>
-              <a:ext uri="{FF2B5EF4-FFF2-40B4-BE49-F238E27FC236}">
-                <a16:creationId xmlns:a16="http://schemas.microsoft.com/office/drawing/2014/main" id="{DB309845-941E-1577-3A91-785F29CCC872}"/>
-              </a:ext>
-            </a:extLst>
-          </p:cNvPr>
-          <p:cNvCxnSpPr/>
-          <p:nvPr/>
-        </p:nvCxnSpPr>
-        <p:spPr>
-          <a:xfrm>
-            <a:off x="2900204" y="3183593"/>
-            <a:ext cx="311812" cy="0"/>
-          </a:xfrm>
-          <a:prstGeom prst="line">
-            <a:avLst/>
-          </a:prstGeom>
-          <a:ln/>
-        </p:spPr>
-        <p:style>
-          <a:lnRef idx="2">
-            <a:schemeClr val="dk1"/>
-          </a:lnRef>
-          <a:fillRef idx="0">
-            <a:schemeClr val="dk1"/>
-          </a:fillRef>
-          <a:effectRef idx="1">
-            <a:schemeClr val="dk1"/>
-          </a:effectRef>
-          <a:fontRef idx="minor">
-            <a:schemeClr val="tx1"/>
-          </a:fontRef>
-        </p:style>
-      </p:cxnSp>
-      <p:cxnSp>
-        <p:nvCxnSpPr>
-          <p:cNvPr id="37" name="Straight Connector 36">
-            <a:extLst>
-              <a:ext uri="{FF2B5EF4-FFF2-40B4-BE49-F238E27FC236}">
-                <a16:creationId xmlns:a16="http://schemas.microsoft.com/office/drawing/2014/main" id="{DDB87150-FC98-487D-98AE-112A433FC3F6}"/>
-              </a:ext>
-            </a:extLst>
-          </p:cNvPr>
-          <p:cNvCxnSpPr/>
-          <p:nvPr/>
-        </p:nvCxnSpPr>
-        <p:spPr>
-          <a:xfrm>
-            <a:off x="8832850" y="2708636"/>
-            <a:ext cx="964085" cy="0"/>
-          </a:xfrm>
-          <a:prstGeom prst="line">
-            <a:avLst/>
-          </a:prstGeom>
-          <a:ln>
-            <a:solidFill>
-              <a:schemeClr val="bg1"/>
-            </a:solidFill>
-          </a:ln>
-        </p:spPr>
-        <p:style>
-          <a:lnRef idx="2">
-            <a:schemeClr val="accent1"/>
-          </a:lnRef>
-          <a:fillRef idx="0">
-            <a:schemeClr val="accent1"/>
-          </a:fillRef>
-          <a:effectRef idx="1">
-            <a:schemeClr val="accent1"/>
-          </a:effectRef>
-          <a:fontRef idx="minor">
-            <a:schemeClr val="tx1"/>
-          </a:fontRef>
-        </p:style>
-      </p:cxnSp>
-      <p:sp>
-        <p:nvSpPr>
-          <p:cNvPr id="39" name="Rectangle 38">
-            <a:extLst>
-              <a:ext uri="{FF2B5EF4-FFF2-40B4-BE49-F238E27FC236}">
-                <a16:creationId xmlns:a16="http://schemas.microsoft.com/office/drawing/2014/main" id="{8E25AF87-7766-C171-B49D-E13AE255774A}"/>
-              </a:ext>
-            </a:extLst>
-          </p:cNvPr>
-          <p:cNvSpPr/>
-          <p:nvPr/>
-        </p:nvSpPr>
-        <p:spPr>
-          <a:xfrm>
-            <a:off x="7670800" y="2382546"/>
-            <a:ext cx="419100" cy="141579"/>
-          </a:xfrm>
-          <a:prstGeom prst="rect">
-            <a:avLst/>
-          </a:prstGeom>
-          <a:noFill/>
-          <a:ln>
-            <a:solidFill>
-              <a:schemeClr val="bg1"/>
-            </a:solidFill>
-          </a:ln>
-        </p:spPr>
-        <p:style>
-          <a:lnRef idx="2">
-            <a:schemeClr val="accent1">
-              <a:shade val="15000"/>
-            </a:schemeClr>
-          </a:lnRef>
-          <a:fillRef idx="1">
-            <a:schemeClr val="accent1"/>
-          </a:fillRef>
-          <a:effectRef idx="0">
-            <a:schemeClr val="accent1"/>
-          </a:effectRef>
-          <a:fontRef idx="minor">
-            <a:schemeClr val="lt1"/>
-          </a:fontRef>
-        </p:style>
-        <p:txBody>
-          <a:bodyPr rtlCol="0" anchor="ctr"/>
-          <a:lstStyle/>
-          <a:p>
-            <a:pPr algn="ctr"/>
-            <a:endParaRPr lang="it-IT"/>
-          </a:p>
-        </p:txBody>
-      </p:sp>
-      <p:sp>
-        <p:nvSpPr>
-          <p:cNvPr id="41" name="Rectangle 40">
-            <a:extLst>
-              <a:ext uri="{FF2B5EF4-FFF2-40B4-BE49-F238E27FC236}">
-                <a16:creationId xmlns:a16="http://schemas.microsoft.com/office/drawing/2014/main" id="{408E335E-CC96-BDD9-D586-84DEC1A932B2}"/>
-              </a:ext>
-            </a:extLst>
-          </p:cNvPr>
-          <p:cNvSpPr/>
-          <p:nvPr/>
-        </p:nvSpPr>
-        <p:spPr>
-          <a:xfrm>
-            <a:off x="2506980" y="4264819"/>
-            <a:ext cx="1082040" cy="174245"/>
-          </a:xfrm>
-          <a:prstGeom prst="rect">
-            <a:avLst/>
-          </a:prstGeom>
-          <a:noFill/>
-          <a:ln>
-            <a:solidFill>
-              <a:schemeClr val="bg1"/>
-            </a:solidFill>
-          </a:ln>
-        </p:spPr>
-        <p:style>
-          <a:lnRef idx="2">
-            <a:schemeClr val="accent1">
-              <a:shade val="15000"/>
-            </a:schemeClr>
-          </a:lnRef>
-          <a:fillRef idx="1">
-            <a:schemeClr val="accent1"/>
-          </a:fillRef>
-          <a:effectRef idx="0">
-            <a:schemeClr val="accent1"/>
-          </a:effectRef>
-          <a:fontRef idx="minor">
-            <a:schemeClr val="lt1"/>
-          </a:fontRef>
-        </p:style>
-        <p:txBody>
-          <a:bodyPr rtlCol="0" anchor="ctr"/>
-          <a:lstStyle/>
-          <a:p>
-            <a:pPr algn="ctr"/>
-            <a:endParaRPr lang="it-IT"/>
-          </a:p>
-        </p:txBody>
-      </p:sp>
-      <p:sp>
-        <p:nvSpPr>
-          <p:cNvPr id="42" name="Rectangle 41">
-            <a:extLst>
-              <a:ext uri="{FF2B5EF4-FFF2-40B4-BE49-F238E27FC236}">
-                <a16:creationId xmlns:a16="http://schemas.microsoft.com/office/drawing/2014/main" id="{037EB8E2-11F3-ABFD-99D5-F6F9B095C4B5}"/>
-              </a:ext>
-            </a:extLst>
-          </p:cNvPr>
-          <p:cNvSpPr/>
-          <p:nvPr/>
-        </p:nvSpPr>
-        <p:spPr>
-          <a:xfrm>
-            <a:off x="2940844" y="4657725"/>
-            <a:ext cx="1928812" cy="146464"/>
-          </a:xfrm>
-          <a:prstGeom prst="rect">
-            <a:avLst/>
-          </a:prstGeom>
-          <a:noFill/>
-          <a:ln>
-            <a:solidFill>
-              <a:schemeClr val="bg1"/>
-            </a:solidFill>
-          </a:ln>
-        </p:spPr>
-        <p:style>
-          <a:lnRef idx="2">
-            <a:schemeClr val="accent1">
-              <a:shade val="15000"/>
-            </a:schemeClr>
-          </a:lnRef>
-          <a:fillRef idx="1">
-            <a:schemeClr val="accent1"/>
-          </a:fillRef>
-          <a:effectRef idx="0">
-            <a:schemeClr val="accent1"/>
-          </a:effectRef>
-          <a:fontRef idx="minor">
-            <a:schemeClr val="lt1"/>
-          </a:fontRef>
-        </p:style>
-        <p:txBody>
-          <a:bodyPr rtlCol="0" anchor="ctr"/>
-          <a:lstStyle/>
-          <a:p>
-            <a:pPr algn="ctr"/>
-            <a:endParaRPr lang="it-IT"/>
+              <a:t>/Delete</a:t>
+            </a:r>
           </a:p>
         </p:txBody>
       </p:sp>
     </p:spTree>
     <p:extLst>
       <p:ext uri="{BB962C8B-B14F-4D97-AF65-F5344CB8AC3E}">
-        <p14:creationId xmlns:p14="http://schemas.microsoft.com/office/powerpoint/2010/main" val="1460708208"/>
+        <p14:creationId xmlns:p14="http://schemas.microsoft.com/office/powerpoint/2010/main" val="179232141"/>
       </p:ext>
     </p:extLst>
   </p:cSld>
@@ -10683,7 +9263,7 @@
         </p:nvSpPr>
         <p:spPr>
           <a:xfrm>
-            <a:off x="2223070" y="1686481"/>
+            <a:off x="486702" y="1995430"/>
             <a:ext cx="2103831" cy="369332"/>
           </a:xfrm>
           <a:prstGeom prst="rect">
@@ -10723,7 +9303,7 @@
         </p:nvSpPr>
         <p:spPr>
           <a:xfrm>
-            <a:off x="4883720" y="1634025"/>
+            <a:off x="3373333" y="1995348"/>
             <a:ext cx="2517453" cy="369332"/>
           </a:xfrm>
           <a:prstGeom prst="rect">
@@ -10738,13 +9318,122 @@
           <a:lstStyle/>
           <a:p>
             <a:r>
-              <a:rPr lang="it-IT">
+              <a:rPr lang="it-IT" dirty="0">
                 <a:solidFill>
                   <a:schemeClr val="bg1"/>
                 </a:solidFill>
                 <a:latin typeface="Audiowide" panose="02000503000000020004" pitchFamily="2" charset="0"/>
               </a:rPr>
               <a:t>2. Select a Circuit</a:t>
+            </a:r>
+          </a:p>
+        </p:txBody>
+      </p:sp>
+      <p:sp>
+        <p:nvSpPr>
+          <p:cNvPr id="6" name="TextBox 5">
+            <a:extLst>
+              <a:ext uri="{FF2B5EF4-FFF2-40B4-BE49-F238E27FC236}">
+                <a16:creationId xmlns:a16="http://schemas.microsoft.com/office/drawing/2014/main" id="{06BA8F05-6E0E-7189-746B-3243F214D0F5}"/>
+              </a:ext>
+            </a:extLst>
+          </p:cNvPr>
+          <p:cNvSpPr txBox="1"/>
+          <p:nvPr/>
+        </p:nvSpPr>
+        <p:spPr>
+          <a:xfrm>
+            <a:off x="6600730" y="1995348"/>
+            <a:ext cx="2239452" cy="369332"/>
+          </a:xfrm>
+          <a:prstGeom prst="rect">
+            <a:avLst/>
+          </a:prstGeom>
+          <a:noFill/>
+        </p:spPr>
+        <p:txBody>
+          <a:bodyPr wrap="square" rtlCol="0">
+            <a:spAutoFit/>
+          </a:bodyPr>
+          <a:lstStyle/>
+          <a:p>
+            <a:r>
+              <a:rPr lang="it-IT" dirty="0">
+                <a:solidFill>
+                  <a:schemeClr val="bg1"/>
+                </a:solidFill>
+                <a:latin typeface="Audiowide" panose="02000503000000020004" pitchFamily="2" charset="0"/>
+              </a:rPr>
+              <a:t>3. Select a Date</a:t>
+            </a:r>
+          </a:p>
+        </p:txBody>
+      </p:sp>
+      <p:sp>
+        <p:nvSpPr>
+          <p:cNvPr id="7" name="TextBox 6">
+            <a:extLst>
+              <a:ext uri="{FF2B5EF4-FFF2-40B4-BE49-F238E27FC236}">
+                <a16:creationId xmlns:a16="http://schemas.microsoft.com/office/drawing/2014/main" id="{6B9CB382-5BEA-D0A6-A0E8-1296D6456038}"/>
+              </a:ext>
+            </a:extLst>
+          </p:cNvPr>
+          <p:cNvSpPr txBox="1"/>
+          <p:nvPr/>
+        </p:nvSpPr>
+        <p:spPr>
+          <a:xfrm>
+            <a:off x="9465845" y="1623785"/>
+            <a:ext cx="2239453" cy="646331"/>
+          </a:xfrm>
+          <a:prstGeom prst="rect">
+            <a:avLst/>
+          </a:prstGeom>
+          <a:noFill/>
+        </p:spPr>
+        <p:txBody>
+          <a:bodyPr wrap="square" rtlCol="0">
+            <a:spAutoFit/>
+          </a:bodyPr>
+          <a:lstStyle/>
+          <a:p>
+            <a:r>
+              <a:rPr lang="it-IT" dirty="0">
+                <a:solidFill>
+                  <a:schemeClr val="bg1"/>
+                </a:solidFill>
+                <a:latin typeface="Audiowide" panose="02000503000000020004" pitchFamily="2" charset="0"/>
+              </a:rPr>
+              <a:t>4. Select the</a:t>
+            </a:r>
+          </a:p>
+          <a:p>
+            <a:r>
+              <a:rPr lang="it-IT" dirty="0" err="1">
+                <a:solidFill>
+                  <a:schemeClr val="bg1"/>
+                </a:solidFill>
+                <a:latin typeface="Audiowide" panose="02000503000000020004" pitchFamily="2" charset="0"/>
+              </a:rPr>
+              <a:t>Number</a:t>
+            </a:r>
+            <a:r>
+              <a:rPr lang="it-IT" dirty="0">
+                <a:solidFill>
+                  <a:schemeClr val="bg1"/>
+                </a:solidFill>
+                <a:latin typeface="Audiowide" panose="02000503000000020004" pitchFamily="2" charset="0"/>
+              </a:rPr>
+              <a:t> of </a:t>
+            </a:r>
+            <a:r>
+              <a:rPr lang="it-IT" dirty="0" err="1">
+                <a:solidFill>
+                  <a:schemeClr val="bg1"/>
+                </a:solidFill>
+                <a:latin typeface="Audiowide" panose="02000503000000020004" pitchFamily="2" charset="0"/>
+              </a:rPr>
+              <a:t>Laps</a:t>
             </a:r>
             <a:endParaRPr lang="it-IT" dirty="0">
               <a:solidFill>
@@ -10757,10 +9446,10 @@
       </p:sp>
       <p:sp>
         <p:nvSpPr>
-          <p:cNvPr id="6" name="TextBox 5">
-            <a:extLst>
-              <a:ext uri="{FF2B5EF4-FFF2-40B4-BE49-F238E27FC236}">
-                <a16:creationId xmlns:a16="http://schemas.microsoft.com/office/drawing/2014/main" id="{06BA8F05-6E0E-7189-746B-3243F214D0F5}"/>
+          <p:cNvPr id="8" name="TextBox 7">
+            <a:extLst>
+              <a:ext uri="{FF2B5EF4-FFF2-40B4-BE49-F238E27FC236}">
+                <a16:creationId xmlns:a16="http://schemas.microsoft.com/office/drawing/2014/main" id="{388A8494-2DD4-FC1D-A9AB-1D5FDC83E90E}"/>
               </a:ext>
             </a:extLst>
           </p:cNvPr>
@@ -10769,8 +9458,8 @@
         </p:nvSpPr>
         <p:spPr>
           <a:xfrm>
-            <a:off x="8196037" y="1638623"/>
-            <a:ext cx="2239452" cy="369332"/>
+            <a:off x="2950713" y="4380622"/>
+            <a:ext cx="3179526" cy="369332"/>
           </a:xfrm>
           <a:prstGeom prst="rect">
             <a:avLst/>
@@ -10784,13 +9473,40 @@
           <a:lstStyle/>
           <a:p>
             <a:r>
-              <a:rPr lang="it-IT">
-                <a:solidFill>
-                  <a:schemeClr val="bg1"/>
-                </a:solidFill>
-                <a:latin typeface="Audiowide" panose="02000503000000020004" pitchFamily="2" charset="0"/>
-              </a:rPr>
-              <a:t>3. Select a Date</a:t>
+              <a:rPr lang="it-IT" dirty="0">
+                <a:solidFill>
+                  <a:schemeClr val="bg1"/>
+                </a:solidFill>
+                <a:latin typeface="Audiowide" panose="02000503000000020004" pitchFamily="2" charset="0"/>
+              </a:rPr>
+              <a:t>5(b). </a:t>
+            </a:r>
+            <a:r>
+              <a:rPr lang="it-IT" dirty="0" err="1">
+                <a:solidFill>
+                  <a:schemeClr val="bg1"/>
+                </a:solidFill>
+                <a:latin typeface="Audiowide" panose="02000503000000020004" pitchFamily="2" charset="0"/>
+              </a:rPr>
+              <a:t>Add</a:t>
+            </a:r>
+            <a:r>
+              <a:rPr lang="it-IT" dirty="0">
+                <a:solidFill>
+                  <a:schemeClr val="bg1"/>
+                </a:solidFill>
+                <a:latin typeface="Audiowide" panose="02000503000000020004" pitchFamily="2" charset="0"/>
+              </a:rPr>
+              <a:t> to </a:t>
+            </a:r>
+            <a:r>
+              <a:rPr lang="it-IT" dirty="0" err="1">
+                <a:solidFill>
+                  <a:schemeClr val="bg1"/>
+                </a:solidFill>
+                <a:latin typeface="Audiowide" panose="02000503000000020004" pitchFamily="2" charset="0"/>
+              </a:rPr>
+              <a:t>Favourites</a:t>
             </a:r>
             <a:endParaRPr lang="it-IT" dirty="0">
               <a:solidFill>
@@ -10803,10 +9519,10 @@
       </p:sp>
       <p:sp>
         <p:nvSpPr>
-          <p:cNvPr id="7" name="TextBox 6">
-            <a:extLst>
-              <a:ext uri="{FF2B5EF4-FFF2-40B4-BE49-F238E27FC236}">
-                <a16:creationId xmlns:a16="http://schemas.microsoft.com/office/drawing/2014/main" id="{6B9CB382-5BEA-D0A6-A0E8-1296D6456038}"/>
+          <p:cNvPr id="9" name="TextBox 8">
+            <a:extLst>
+              <a:ext uri="{FF2B5EF4-FFF2-40B4-BE49-F238E27FC236}">
+                <a16:creationId xmlns:a16="http://schemas.microsoft.com/office/drawing/2014/main" id="{E579A618-BBA1-48CA-613B-8E35EBA3FF44}"/>
               </a:ext>
             </a:extLst>
           </p:cNvPr>
@@ -10815,8 +9531,8 @@
         </p:nvSpPr>
         <p:spPr>
           <a:xfrm>
-            <a:off x="7499022" y="5236089"/>
-            <a:ext cx="4038281" cy="369332"/>
+            <a:off x="9084471" y="4343596"/>
+            <a:ext cx="3002199" cy="369332"/>
           </a:xfrm>
           <a:prstGeom prst="rect">
             <a:avLst/>
@@ -10830,99 +9546,7 @@
           <a:lstStyle/>
           <a:p>
             <a:r>
-              <a:rPr lang="it-IT">
-                <a:solidFill>
-                  <a:schemeClr val="bg1"/>
-                </a:solidFill>
-                <a:latin typeface="Audiowide" panose="02000503000000020004" pitchFamily="2" charset="0"/>
-              </a:rPr>
-              <a:t>4. Select the Number of Laps</a:t>
-            </a:r>
-            <a:endParaRPr lang="it-IT" dirty="0">
-              <a:solidFill>
-                <a:schemeClr val="bg1"/>
-              </a:solidFill>
-              <a:latin typeface="Audiowide" panose="02000503000000020004" pitchFamily="2" charset="0"/>
-            </a:endParaRPr>
-          </a:p>
-        </p:txBody>
-      </p:sp>
-      <p:sp>
-        <p:nvSpPr>
-          <p:cNvPr id="8" name="TextBox 7">
-            <a:extLst>
-              <a:ext uri="{FF2B5EF4-FFF2-40B4-BE49-F238E27FC236}">
-                <a16:creationId xmlns:a16="http://schemas.microsoft.com/office/drawing/2014/main" id="{388A8494-2DD4-FC1D-A9AB-1D5FDC83E90E}"/>
-              </a:ext>
-            </a:extLst>
-          </p:cNvPr>
-          <p:cNvSpPr txBox="1"/>
-          <p:nvPr/>
-        </p:nvSpPr>
-        <p:spPr>
-          <a:xfrm>
-            <a:off x="1144590" y="4123983"/>
-            <a:ext cx="3179526" cy="369332"/>
-          </a:xfrm>
-          <a:prstGeom prst="rect">
-            <a:avLst/>
-          </a:prstGeom>
-          <a:noFill/>
-        </p:spPr>
-        <p:txBody>
-          <a:bodyPr wrap="square" rtlCol="0">
-            <a:spAutoFit/>
-          </a:bodyPr>
-          <a:lstStyle/>
-          <a:p>
-            <a:r>
-              <a:rPr lang="it-IT">
-                <a:solidFill>
-                  <a:schemeClr val="bg1"/>
-                </a:solidFill>
-                <a:latin typeface="Audiowide" panose="02000503000000020004" pitchFamily="2" charset="0"/>
-              </a:rPr>
-              <a:t>5(b). Add to Favourites</a:t>
-            </a:r>
-            <a:endParaRPr lang="it-IT" dirty="0">
-              <a:solidFill>
-                <a:schemeClr val="bg1"/>
-              </a:solidFill>
-              <a:latin typeface="Audiowide" panose="02000503000000020004" pitchFamily="2" charset="0"/>
-            </a:endParaRPr>
-          </a:p>
-        </p:txBody>
-      </p:sp>
-      <p:sp>
-        <p:nvSpPr>
-          <p:cNvPr id="9" name="TextBox 8">
-            <a:extLst>
-              <a:ext uri="{FF2B5EF4-FFF2-40B4-BE49-F238E27FC236}">
-                <a16:creationId xmlns:a16="http://schemas.microsoft.com/office/drawing/2014/main" id="{E579A618-BBA1-48CA-613B-8E35EBA3FF44}"/>
-              </a:ext>
-            </a:extLst>
-          </p:cNvPr>
-          <p:cNvSpPr txBox="1"/>
-          <p:nvPr/>
-        </p:nvSpPr>
-        <p:spPr>
-          <a:xfrm>
-            <a:off x="1144589" y="5034352"/>
-            <a:ext cx="3002199" cy="369332"/>
-          </a:xfrm>
-          <a:prstGeom prst="rect">
-            <a:avLst/>
-          </a:prstGeom>
-          <a:noFill/>
-        </p:spPr>
-        <p:txBody>
-          <a:bodyPr wrap="square" rtlCol="0">
-            <a:spAutoFit/>
-          </a:bodyPr>
-          <a:lstStyle/>
-          <a:p>
-            <a:r>
-              <a:rPr lang="it-IT">
+              <a:rPr lang="it-IT" dirty="0">
                 <a:solidFill>
                   <a:schemeClr val="bg1"/>
                 </a:solidFill>
@@ -10930,12 +9554,6 @@
               </a:rPr>
               <a:t>5(a). Complete Order</a:t>
             </a:r>
-            <a:endParaRPr lang="it-IT" dirty="0">
-              <a:solidFill>
-                <a:schemeClr val="bg1"/>
-              </a:solidFill>
-              <a:latin typeface="Audiowide" panose="02000503000000020004" pitchFamily="2" charset="0"/>
-            </a:endParaRPr>
           </a:p>
         </p:txBody>
       </p:sp>
@@ -10967,7 +9585,7 @@
         </p:blipFill>
         <p:spPr>
           <a:xfrm>
-            <a:off x="2769604" y="1918057"/>
+            <a:off x="1081418" y="2270116"/>
             <a:ext cx="914400" cy="914400"/>
           </a:xfrm>
           <a:prstGeom prst="rect">
@@ -11003,7 +9621,7 @@
         </p:blipFill>
         <p:spPr>
           <a:xfrm>
-            <a:off x="5593663" y="2016939"/>
+            <a:off x="4083276" y="2303174"/>
             <a:ext cx="914400" cy="914400"/>
           </a:xfrm>
           <a:prstGeom prst="rect">
@@ -11039,7 +9657,7 @@
         </p:blipFill>
         <p:spPr>
           <a:xfrm>
-            <a:off x="8795121" y="2016939"/>
+            <a:off x="7263256" y="2273152"/>
             <a:ext cx="914400" cy="914400"/>
           </a:xfrm>
           <a:prstGeom prst="rect">
@@ -11075,7 +9693,7 @@
         </p:blipFill>
         <p:spPr>
           <a:xfrm>
-            <a:off x="8795121" y="4317429"/>
+            <a:off x="10128372" y="2296346"/>
             <a:ext cx="914400" cy="914400"/>
           </a:xfrm>
           <a:prstGeom prst="rect">
@@ -11111,7 +9729,7 @@
         </p:blipFill>
         <p:spPr>
           <a:xfrm>
-            <a:off x="4217404" y="3791263"/>
+            <a:off x="4083276" y="4713356"/>
             <a:ext cx="914400" cy="914400"/>
           </a:xfrm>
           <a:prstGeom prst="rect">
@@ -11147,7 +9765,7 @@
         </p:blipFill>
         <p:spPr>
           <a:xfrm>
-            <a:off x="4203027" y="4838679"/>
+            <a:off x="10128372" y="4712928"/>
             <a:ext cx="914400" cy="914400"/>
           </a:xfrm>
           <a:prstGeom prst="rect">
@@ -11183,7 +9801,7 @@
         </p:blipFill>
         <p:spPr>
           <a:xfrm>
-            <a:off x="4099929" y="2018070"/>
+            <a:off x="2431728" y="2308880"/>
             <a:ext cx="914400" cy="914400"/>
           </a:xfrm>
           <a:prstGeom prst="rect">
@@ -11219,7 +9837,7 @@
         </p:blipFill>
         <p:spPr>
           <a:xfrm>
-            <a:off x="7023192" y="2016939"/>
+            <a:off x="5611708" y="2308880"/>
             <a:ext cx="914400" cy="914400"/>
           </a:xfrm>
           <a:prstGeom prst="rect">
@@ -11254,8 +9872,8 @@
           </a:stretch>
         </p:blipFill>
         <p:spPr>
-          <a:xfrm rot="5400000">
-            <a:off x="8795121" y="3167184"/>
+          <a:xfrm>
+            <a:off x="8480276" y="2303331"/>
             <a:ext cx="914400" cy="914400"/>
           </a:xfrm>
           <a:prstGeom prst="rect">
@@ -11265,10 +9883,10 @@
       </p:pic>
       <p:pic>
         <p:nvPicPr>
-          <p:cNvPr id="47" name="Picture 46" descr="A white arrows pointing to the left&#10;&#10;Description automatically generated">
-            <a:extLst>
-              <a:ext uri="{FF2B5EF4-FFF2-40B4-BE49-F238E27FC236}">
-                <a16:creationId xmlns:a16="http://schemas.microsoft.com/office/drawing/2014/main" id="{018FFC49-5414-3361-CC0C-4B58A98918D5}"/>
+          <p:cNvPr id="5" name="Picture 4" descr="A white arrow pointing to the right&#10;&#10;Description automatically generated">
+            <a:extLst>
+              <a:ext uri="{FF2B5EF4-FFF2-40B4-BE49-F238E27FC236}">
+                <a16:creationId xmlns:a16="http://schemas.microsoft.com/office/drawing/2014/main" id="{F98DB7D3-26FB-3E27-99CC-B37966196FC5}"/>
               </a:ext>
             </a:extLst>
           </p:cNvPr>
@@ -11278,7 +9896,7 @@
           <p:nvPr/>
         </p:nvPicPr>
         <p:blipFill>
-          <a:blip r:embed="rId9">
+          <a:blip r:embed="rId8">
             <a:extLst>
               <a:ext uri="{28A0092B-C50C-407E-A947-70E740481C1C}">
                 <a14:useLocalDpi xmlns:a14="http://schemas.microsoft.com/office/drawing/2010/main" val="0"/>
@@ -11290,8 +9908,44 @@
           </a:stretch>
         </p:blipFill>
         <p:spPr>
-          <a:xfrm rot="10800000">
-            <a:off x="5821271" y="4321292"/>
+          <a:xfrm rot="5400000">
+            <a:off x="10128372" y="3341461"/>
+            <a:ext cx="914400" cy="914400"/>
+          </a:xfrm>
+          <a:prstGeom prst="rect">
+            <a:avLst/>
+          </a:prstGeom>
+        </p:spPr>
+      </p:pic>
+      <p:pic>
+        <p:nvPicPr>
+          <p:cNvPr id="10" name="Picture 9" descr="A white arrow pointing to the right&#10;&#10;Description automatically generated">
+            <a:extLst>
+              <a:ext uri="{FF2B5EF4-FFF2-40B4-BE49-F238E27FC236}">
+                <a16:creationId xmlns:a16="http://schemas.microsoft.com/office/drawing/2014/main" id="{DEE1636D-A85E-5E40-7024-A17CD55282E0}"/>
+              </a:ext>
+            </a:extLst>
+          </p:cNvPr>
+          <p:cNvPicPr>
+            <a:picLocks noChangeAspect="1"/>
+          </p:cNvPicPr>
+          <p:nvPr/>
+        </p:nvPicPr>
+        <p:blipFill>
+          <a:blip r:embed="rId8">
+            <a:extLst>
+              <a:ext uri="{28A0092B-C50C-407E-A947-70E740481C1C}">
+                <a14:useLocalDpi xmlns:a14="http://schemas.microsoft.com/office/drawing/2010/main" val="0"/>
+              </a:ext>
+            </a:extLst>
+          </a:blip>
+          <a:stretch>
+            <a:fillRect/>
+          </a:stretch>
+        </p:blipFill>
+        <p:spPr>
+          <a:xfrm rot="5400000">
+            <a:off x="4083276" y="3341898"/>
             <a:ext cx="914400" cy="914400"/>
           </a:xfrm>
           <a:prstGeom prst="rect">
@@ -11943,15 +10597,6 @@
 </file>
 
 <file path=customXml/item1.xml><?xml version="1.0" encoding="utf-8"?>
-<?mso-contentType ?>
-<FormTemplates xmlns="http://schemas.microsoft.com/sharepoint/v3/contenttype/forms">
-  <Display>DocumentLibraryForm</Display>
-  <Edit>DocumentLibraryForm</Edit>
-  <New>DocumentLibraryForm</New>
-</FormTemplates>
-</file>
-
-<file path=customXml/item2.xml><?xml version="1.0" encoding="utf-8"?>
 <ct:contentTypeSchema xmlns:ct="http://schemas.microsoft.com/office/2006/metadata/contentType" xmlns:ma="http://schemas.microsoft.com/office/2006/metadata/properties/metaAttributes" ct:_="" ma:_="" ma:contentTypeName="Documento" ma:contentTypeID="0x0101002A534966C3A1194B904DA8ABF2BCE99D" ma:contentTypeVersion="14" ma:contentTypeDescription="Creare un nuovo documento." ma:contentTypeScope="" ma:versionID="2c215e7b8c705f17b458c052c091c32f">
   <xsd:schema xmlns:xsd="http://www.w3.org/2001/XMLSchema" xmlns:xs="http://www.w3.org/2001/XMLSchema" xmlns:p="http://schemas.microsoft.com/office/2006/metadata/properties" xmlns:ns3="aa815ce1-f09d-44ce-9b53-a1c5bdff19c2" targetNamespace="http://schemas.microsoft.com/office/2006/metadata/properties" ma:root="true" ma:fieldsID="263251a6e06b0b6a6232f0a9b9c6cba6" ns3:_="">
     <xsd:import namespace="aa815ce1-f09d-44ce-9b53-a1c5bdff19c2"/>
@@ -12159,6 +10804,15 @@
 </ct:contentTypeSchema>
 </file>
 
+<file path=customXml/item2.xml><?xml version="1.0" encoding="utf-8"?>
+<?mso-contentType ?>
+<FormTemplates xmlns="http://schemas.microsoft.com/sharepoint/v3/contenttype/forms">
+  <Display>DocumentLibraryForm</Display>
+  <Edit>DocumentLibraryForm</Edit>
+  <New>DocumentLibraryForm</New>
+</FormTemplates>
+</file>
+
 <file path=customXml/item3.xml><?xml version="1.0" encoding="utf-8"?>
 <p:properties xmlns:p="http://schemas.microsoft.com/office/2006/metadata/properties" xmlns:xsi="http://www.w3.org/2001/XMLSchema-instance" xmlns:pc="http://schemas.microsoft.com/office/infopath/2007/PartnerControls">
   <documentManagement>
@@ -12168,14 +10822,6 @@
 </file>
 
 <file path=customXml/itemProps1.xml><?xml version="1.0" encoding="utf-8"?>
-<ds:datastoreItem xmlns:ds="http://schemas.openxmlformats.org/officeDocument/2006/customXml" ds:itemID="{2730C931-C2C9-4027-8E3C-8BF3CFFB5AB7}">
-  <ds:schemaRefs>
-    <ds:schemaRef ds:uri="http://schemas.microsoft.com/sharepoint/v3/contenttype/forms"/>
-  </ds:schemaRefs>
-</ds:datastoreItem>
-</file>
-
-<file path=customXml/itemProps2.xml><?xml version="1.0" encoding="utf-8"?>
 <ds:datastoreItem xmlns:ds="http://schemas.openxmlformats.org/officeDocument/2006/customXml" ds:itemID="{C3608691-813B-4BA6-A7F9-FF976B2983FD}">
   <ds:schemaRefs>
     <ds:schemaRef ds:uri="http://schemas.microsoft.com/office/2006/metadata/contentType"/>
@@ -12193,18 +10839,26 @@
 </ds:datastoreItem>
 </file>
 
+<file path=customXml/itemProps2.xml><?xml version="1.0" encoding="utf-8"?>
+<ds:datastoreItem xmlns:ds="http://schemas.openxmlformats.org/officeDocument/2006/customXml" ds:itemID="{2730C931-C2C9-4027-8E3C-8BF3CFFB5AB7}">
+  <ds:schemaRefs>
+    <ds:schemaRef ds:uri="http://schemas.microsoft.com/sharepoint/v3/contenttype/forms"/>
+  </ds:schemaRefs>
+</ds:datastoreItem>
+</file>
+
 <file path=customXml/itemProps3.xml><?xml version="1.0" encoding="utf-8"?>
 <ds:datastoreItem xmlns:ds="http://schemas.openxmlformats.org/officeDocument/2006/customXml" ds:itemID="{FCF7F047-525A-4DFD-AFD0-1236460CC9D1}">
   <ds:schemaRefs>
+    <ds:schemaRef ds:uri="http://purl.org/dc/terms/"/>
+    <ds:schemaRef ds:uri="http://schemas.microsoft.com/office/2006/metadata/properties"/>
+    <ds:schemaRef ds:uri="http://schemas.microsoft.com/office/infopath/2007/PartnerControls"/>
+    <ds:schemaRef ds:uri="http://purl.org/dc/elements/1.1/"/>
+    <ds:schemaRef ds:uri="http://schemas.microsoft.com/office/2006/documentManagement/types"/>
+    <ds:schemaRef ds:uri="http://schemas.openxmlformats.org/package/2006/metadata/core-properties"/>
     <ds:schemaRef ds:uri="http://purl.org/dc/dcmitype/"/>
     <ds:schemaRef ds:uri="aa815ce1-f09d-44ce-9b53-a1c5bdff19c2"/>
     <ds:schemaRef ds:uri="http://www.w3.org/XML/1998/namespace"/>
-    <ds:schemaRef ds:uri="http://schemas.microsoft.com/office/2006/documentManagement/types"/>
-    <ds:schemaRef ds:uri="http://schemas.microsoft.com/office/infopath/2007/PartnerControls"/>
-    <ds:schemaRef ds:uri="http://schemas.openxmlformats.org/package/2006/metadata/core-properties"/>
-    <ds:schemaRef ds:uri="http://schemas.microsoft.com/office/2006/metadata/properties"/>
-    <ds:schemaRef ds:uri="http://purl.org/dc/terms/"/>
-    <ds:schemaRef ds:uri="http://purl.org/dc/elements/1.1/"/>
   </ds:schemaRefs>
 </ds:datastoreItem>
 </file>
--- a/WaCar.pptx
+++ b/WaCar.pptx
@@ -5,7 +5,7 @@
     <p:sldMasterId id="2147483684" r:id="rId4"/>
   </p:sldMasterIdLst>
   <p:notesMasterIdLst>
-    <p:notesMasterId r:id="rId17"/>
+    <p:notesMasterId r:id="rId18"/>
   </p:notesMasterIdLst>
   <p:sldIdLst>
     <p:sldId id="256" r:id="rId5"/>
@@ -20,6 +20,7 @@
     <p:sldId id="264" r:id="rId14"/>
     <p:sldId id="281" r:id="rId15"/>
     <p:sldId id="265" r:id="rId16"/>
+    <p:sldId id="282" r:id="rId17"/>
   </p:sldIdLst>
   <p:sldSz cx="12192000" cy="6858000"/>
   <p:notesSz cx="6858000" cy="9144000"/>
@@ -126,6 +127,14 @@
 </p:presentation>
 </file>
 
+<file path=ppt/revisionInfo.xml><?xml version="1.0" encoding="utf-8"?>
+<p1510:revInfo xmlns:a="http://schemas.openxmlformats.org/drawingml/2006/main" xmlns:r="http://schemas.openxmlformats.org/officeDocument/2006/relationships" xmlns:p1510="http://schemas.microsoft.com/office/powerpoint/2015/10/main">
+  <p1510:revLst>
+    <p1510:client id="{603A4F43-A9F8-442F-9341-874958BDA8FB}" v="1" dt="2024-06-07T14:28:21.849"/>
+  </p1510:revLst>
+</p1510:revInfo>
+</file>
+
 <file path=ppt/notesMasters/notesMaster1.xml><?xml version="1.0" encoding="utf-8"?>
 <p:notesMaster xmlns:a="http://schemas.openxmlformats.org/drawingml/2006/main" xmlns:r="http://schemas.openxmlformats.org/officeDocument/2006/relationships" xmlns:p="http://schemas.openxmlformats.org/presentationml/2006/main">
   <p:cSld>
@@ -208,7 +217,7 @@
           <a:p>
             <a:fld id="{EB084C20-C73A-40CE-AFFB-E5A6E9A09CDA}" type="datetimeFigureOut">
               <a:rPr lang="it-IT" smtClean="0"/>
-              <a:t>06/06/2024</a:t>
+              <a:t>07/06/2024</a:t>
             </a:fld>
             <a:endParaRPr lang="it-IT"/>
           </a:p>
@@ -691,7 +700,7 @@
           <a:p>
             <a:fld id="{716563A5-5042-4400-A102-0AEF26D25570}" type="datetime1">
               <a:rPr lang="it-IT" smtClean="0"/>
-              <a:t>06/06/2024</a:t>
+              <a:t>07/06/2024</a:t>
             </a:fld>
             <a:endParaRPr lang="it-IT"/>
           </a:p>
@@ -861,7 +870,7 @@
           <a:p>
             <a:fld id="{7960278F-A204-4C6B-AD88-BEE8450D5FF4}" type="datetime1">
               <a:rPr lang="it-IT" smtClean="0"/>
-              <a:t>06/06/2024</a:t>
+              <a:t>07/06/2024</a:t>
             </a:fld>
             <a:endParaRPr lang="it-IT"/>
           </a:p>
@@ -1041,7 +1050,7 @@
           <a:p>
             <a:fld id="{3626C1E0-4099-402C-A241-4ACC21A2C681}" type="datetime1">
               <a:rPr lang="it-IT" smtClean="0"/>
-              <a:t>06/06/2024</a:t>
+              <a:t>07/06/2024</a:t>
             </a:fld>
             <a:endParaRPr lang="it-IT"/>
           </a:p>
@@ -1211,7 +1220,7 @@
           <a:p>
             <a:fld id="{29E24CBB-81FE-4E15-82FE-06D74E229BD7}" type="datetime1">
               <a:rPr lang="it-IT" smtClean="0"/>
-              <a:t>06/06/2024</a:t>
+              <a:t>07/06/2024</a:t>
             </a:fld>
             <a:endParaRPr lang="it-IT"/>
           </a:p>
@@ -1457,7 +1466,7 @@
           <a:p>
             <a:fld id="{320008DC-BF36-475B-8BAA-EB1B96426DAA}" type="datetime1">
               <a:rPr lang="it-IT" smtClean="0"/>
-              <a:t>06/06/2024</a:t>
+              <a:t>07/06/2024</a:t>
             </a:fld>
             <a:endParaRPr lang="it-IT"/>
           </a:p>
@@ -1689,7 +1698,7 @@
           <a:p>
             <a:fld id="{5195E9AF-D275-4EDC-8E5B-91202E2D6359}" type="datetime1">
               <a:rPr lang="it-IT" smtClean="0"/>
-              <a:t>06/06/2024</a:t>
+              <a:t>07/06/2024</a:t>
             </a:fld>
             <a:endParaRPr lang="it-IT"/>
           </a:p>
@@ -2056,7 +2065,7 @@
           <a:p>
             <a:fld id="{1F8906FC-37E7-42C2-9937-A1FF63807AEA}" type="datetime1">
               <a:rPr lang="it-IT" smtClean="0"/>
-              <a:t>06/06/2024</a:t>
+              <a:t>07/06/2024</a:t>
             </a:fld>
             <a:endParaRPr lang="it-IT"/>
           </a:p>
@@ -2174,7 +2183,7 @@
           <a:p>
             <a:fld id="{EECEB948-3B89-449F-B83C-73E528B0FB59}" type="datetime1">
               <a:rPr lang="it-IT" smtClean="0"/>
-              <a:t>06/06/2024</a:t>
+              <a:t>07/06/2024</a:t>
             </a:fld>
             <a:endParaRPr lang="it-IT"/>
           </a:p>
@@ -2269,7 +2278,7 @@
           <a:p>
             <a:fld id="{140A3494-F64A-421F-BA23-E98B1E94489C}" type="datetime1">
               <a:rPr lang="it-IT" smtClean="0"/>
-              <a:t>06/06/2024</a:t>
+              <a:t>07/06/2024</a:t>
             </a:fld>
             <a:endParaRPr lang="it-IT"/>
           </a:p>
@@ -2546,7 +2555,7 @@
           <a:p>
             <a:fld id="{FA751072-EE9A-41DC-B488-93901E8A09E9}" type="datetime1">
               <a:rPr lang="it-IT" smtClean="0"/>
-              <a:t>06/06/2024</a:t>
+              <a:t>07/06/2024</a:t>
             </a:fld>
             <a:endParaRPr lang="it-IT"/>
           </a:p>
@@ -2803,7 +2812,7 @@
           <a:p>
             <a:fld id="{D03C8101-077A-4389-B764-789DA6B3543D}" type="datetime1">
               <a:rPr lang="it-IT" smtClean="0"/>
-              <a:t>06/06/2024</a:t>
+              <a:t>07/06/2024</a:t>
             </a:fld>
             <a:endParaRPr lang="it-IT"/>
           </a:p>
@@ -3016,7 +3025,7 @@
           <a:p>
             <a:fld id="{3FB577B0-449C-451E-9F44-FD3474700A58}" type="datetime1">
               <a:rPr lang="it-IT" smtClean="0"/>
-              <a:t>06/06/2024</a:t>
+              <a:t>07/06/2024</a:t>
             </a:fld>
             <a:endParaRPr lang="it-IT"/>
           </a:p>
@@ -4880,6 +4889,325 @@
 </p:sld>
 </file>
 
+<file path=ppt/slides/slide13.xml><?xml version="1.0" encoding="utf-8"?>
+<p:sld xmlns:a="http://schemas.openxmlformats.org/drawingml/2006/main" xmlns:r="http://schemas.openxmlformats.org/officeDocument/2006/relationships" xmlns:p="http://schemas.openxmlformats.org/presentationml/2006/main">
+  <p:cSld>
+    <p:bg>
+      <p:bgPr>
+        <a:solidFill>
+          <a:srgbClr val="1C1C1E"/>
+        </a:solidFill>
+        <a:effectLst/>
+      </p:bgPr>
+    </p:bg>
+    <p:spTree>
+      <p:nvGrpSpPr>
+        <p:cNvPr id="1" name=""/>
+        <p:cNvGrpSpPr/>
+        <p:nvPr/>
+      </p:nvGrpSpPr>
+      <p:grpSpPr>
+        <a:xfrm>
+          <a:off x="0" y="0"/>
+          <a:ext cx="0" cy="0"/>
+          <a:chOff x="0" y="0"/>
+          <a:chExt cx="0" cy="0"/>
+        </a:xfrm>
+      </p:grpSpPr>
+      <p:sp>
+        <p:nvSpPr>
+          <p:cNvPr id="2" name="Title 1">
+            <a:extLst>
+              <a:ext uri="{FF2B5EF4-FFF2-40B4-BE49-F238E27FC236}">
+                <a16:creationId xmlns:a16="http://schemas.microsoft.com/office/drawing/2014/main" id="{F4E180E6-08BE-E85C-0594-55C5DF7ED010}"/>
+              </a:ext>
+            </a:extLst>
+          </p:cNvPr>
+          <p:cNvSpPr>
+            <a:spLocks noGrp="1"/>
+          </p:cNvSpPr>
+          <p:nvPr>
+            <p:ph type="title"/>
+          </p:nvPr>
+        </p:nvSpPr>
+        <p:spPr/>
+        <p:txBody>
+          <a:bodyPr/>
+          <a:lstStyle/>
+          <a:p>
+            <a:r>
+              <a:rPr lang="it-IT" dirty="0" err="1">
+                <a:solidFill>
+                  <a:srgbClr val="D76464"/>
+                </a:solidFill>
+                <a:latin typeface="Audiowide" panose="02000503000000020004" pitchFamily="2" charset="0"/>
+              </a:rPr>
+              <a:t>Contributions</a:t>
+            </a:r>
+            <a:endParaRPr lang="it-IT" dirty="0">
+              <a:solidFill>
+                <a:srgbClr val="D76464"/>
+              </a:solidFill>
+              <a:latin typeface="Audiowide" panose="02000503000000020004" pitchFamily="2" charset="0"/>
+            </a:endParaRPr>
+          </a:p>
+        </p:txBody>
+      </p:sp>
+      <p:sp>
+        <p:nvSpPr>
+          <p:cNvPr id="3" name="Content Placeholder 2">
+            <a:extLst>
+              <a:ext uri="{FF2B5EF4-FFF2-40B4-BE49-F238E27FC236}">
+                <a16:creationId xmlns:a16="http://schemas.microsoft.com/office/drawing/2014/main" id="{E5F409E9-ED7C-77C6-E102-E717C57B99DE}"/>
+              </a:ext>
+            </a:extLst>
+          </p:cNvPr>
+          <p:cNvSpPr>
+            <a:spLocks noGrp="1"/>
+          </p:cNvSpPr>
+          <p:nvPr>
+            <p:ph idx="1"/>
+          </p:nvPr>
+        </p:nvSpPr>
+        <p:spPr/>
+        <p:txBody>
+          <a:bodyPr>
+            <a:normAutofit/>
+          </a:bodyPr>
+          <a:lstStyle/>
+          <a:p>
+            <a:r>
+              <a:rPr lang="it-IT" sz="1800" dirty="0">
+                <a:solidFill>
+                  <a:schemeClr val="bg1"/>
+                </a:solidFill>
+                <a:latin typeface="Audiowide" panose="02000503000000020004" pitchFamily="2" charset="0"/>
+              </a:rPr>
+              <a:t>Di Martino Ludovico: </a:t>
+            </a:r>
+            <a:r>
+              <a:rPr lang="en-US" sz="1800" dirty="0">
+                <a:solidFill>
+                  <a:schemeClr val="bg1"/>
+                </a:solidFill>
+                <a:latin typeface="Audiowide" panose="02000503000000020004" pitchFamily="2" charset="0"/>
+              </a:rPr>
+              <a:t>developed the frontend of the admin section and the order recap modal for the basic user. Created and added the favicon and the logo on all the pages of the website.</a:t>
+            </a:r>
+          </a:p>
+          <a:p>
+            <a:r>
+              <a:rPr lang="en-US" sz="1800" dirty="0">
+                <a:solidFill>
+                  <a:schemeClr val="bg1"/>
+                </a:solidFill>
+                <a:latin typeface="Audiowide" panose="02000503000000020004" pitchFamily="2" charset="0"/>
+              </a:rPr>
+              <a:t>Scapinello Michele: developed the frontend of the list order page and the delete order modal and servlet. Development of the footer and part of the navbar. Preparation of the slides.</a:t>
+            </a:r>
+            <a:endParaRPr lang="it-IT" sz="1800" dirty="0">
+              <a:solidFill>
+                <a:schemeClr val="bg1"/>
+              </a:solidFill>
+              <a:latin typeface="Audiowide" panose="02000503000000020004" pitchFamily="2" charset="0"/>
+            </a:endParaRPr>
+          </a:p>
+        </p:txBody>
+      </p:sp>
+      <p:sp>
+        <p:nvSpPr>
+          <p:cNvPr id="6" name="Slide Number Placeholder 14">
+            <a:extLst>
+              <a:ext uri="{FF2B5EF4-FFF2-40B4-BE49-F238E27FC236}">
+                <a16:creationId xmlns:a16="http://schemas.microsoft.com/office/drawing/2014/main" id="{EBDE457B-96A4-526C-68D9-F8425C3F680B}"/>
+              </a:ext>
+            </a:extLst>
+          </p:cNvPr>
+          <p:cNvSpPr txBox="1">
+            <a:spLocks/>
+          </p:cNvSpPr>
+          <p:nvPr/>
+        </p:nvSpPr>
+        <p:spPr>
+          <a:xfrm>
+            <a:off x="11802358" y="6346760"/>
+            <a:ext cx="389641" cy="365125"/>
+          </a:xfrm>
+          <a:prstGeom prst="rect">
+            <a:avLst/>
+          </a:prstGeom>
+        </p:spPr>
+        <p:txBody>
+          <a:bodyPr vert="horz" lIns="91440" tIns="45720" rIns="91440" bIns="45720" rtlCol="0" anchor="ctr"/>
+          <a:lstStyle>
+            <a:defPPr>
+              <a:defRPr lang="en-US"/>
+            </a:defPPr>
+            <a:lvl1pPr marL="0" algn="r" defTabSz="457200" rtl="0" eaLnBrk="1" latinLnBrk="0" hangingPunct="1">
+              <a:defRPr sz="1200" kern="1200">
+                <a:solidFill>
+                  <a:schemeClr val="tx1">
+                    <a:tint val="82000"/>
+                  </a:schemeClr>
+                </a:solidFill>
+                <a:latin typeface="+mn-lt"/>
+                <a:ea typeface="+mn-ea"/>
+                <a:cs typeface="+mn-cs"/>
+              </a:defRPr>
+            </a:lvl1pPr>
+            <a:lvl2pPr marL="457200" algn="l" defTabSz="457200" rtl="0" eaLnBrk="1" latinLnBrk="0" hangingPunct="1">
+              <a:defRPr sz="1800" kern="1200">
+                <a:solidFill>
+                  <a:schemeClr val="tx1"/>
+                </a:solidFill>
+                <a:latin typeface="+mn-lt"/>
+                <a:ea typeface="+mn-ea"/>
+                <a:cs typeface="+mn-cs"/>
+              </a:defRPr>
+            </a:lvl2pPr>
+            <a:lvl3pPr marL="914400" algn="l" defTabSz="457200" rtl="0" eaLnBrk="1" latinLnBrk="0" hangingPunct="1">
+              <a:defRPr sz="1800" kern="1200">
+                <a:solidFill>
+                  <a:schemeClr val="tx1"/>
+                </a:solidFill>
+                <a:latin typeface="+mn-lt"/>
+                <a:ea typeface="+mn-ea"/>
+                <a:cs typeface="+mn-cs"/>
+              </a:defRPr>
+            </a:lvl3pPr>
+            <a:lvl4pPr marL="1371600" algn="l" defTabSz="457200" rtl="0" eaLnBrk="1" latinLnBrk="0" hangingPunct="1">
+              <a:defRPr sz="1800" kern="1200">
+                <a:solidFill>
+                  <a:schemeClr val="tx1"/>
+                </a:solidFill>
+                <a:latin typeface="+mn-lt"/>
+                <a:ea typeface="+mn-ea"/>
+                <a:cs typeface="+mn-cs"/>
+              </a:defRPr>
+            </a:lvl4pPr>
+            <a:lvl5pPr marL="1828800" algn="l" defTabSz="457200" rtl="0" eaLnBrk="1" latinLnBrk="0" hangingPunct="1">
+              <a:defRPr sz="1800" kern="1200">
+                <a:solidFill>
+                  <a:schemeClr val="tx1"/>
+                </a:solidFill>
+                <a:latin typeface="+mn-lt"/>
+                <a:ea typeface="+mn-ea"/>
+                <a:cs typeface="+mn-cs"/>
+              </a:defRPr>
+            </a:lvl5pPr>
+            <a:lvl6pPr marL="2286000" algn="l" defTabSz="457200" rtl="0" eaLnBrk="1" latinLnBrk="0" hangingPunct="1">
+              <a:defRPr sz="1800" kern="1200">
+                <a:solidFill>
+                  <a:schemeClr val="tx1"/>
+                </a:solidFill>
+                <a:latin typeface="+mn-lt"/>
+                <a:ea typeface="+mn-ea"/>
+                <a:cs typeface="+mn-cs"/>
+              </a:defRPr>
+            </a:lvl6pPr>
+            <a:lvl7pPr marL="2743200" algn="l" defTabSz="457200" rtl="0" eaLnBrk="1" latinLnBrk="0" hangingPunct="1">
+              <a:defRPr sz="1800" kern="1200">
+                <a:solidFill>
+                  <a:schemeClr val="tx1"/>
+                </a:solidFill>
+                <a:latin typeface="+mn-lt"/>
+                <a:ea typeface="+mn-ea"/>
+                <a:cs typeface="+mn-cs"/>
+              </a:defRPr>
+            </a:lvl7pPr>
+            <a:lvl8pPr marL="3200400" algn="l" defTabSz="457200" rtl="0" eaLnBrk="1" latinLnBrk="0" hangingPunct="1">
+              <a:defRPr sz="1800" kern="1200">
+                <a:solidFill>
+                  <a:schemeClr val="tx1"/>
+                </a:solidFill>
+                <a:latin typeface="+mn-lt"/>
+                <a:ea typeface="+mn-ea"/>
+                <a:cs typeface="+mn-cs"/>
+              </a:defRPr>
+            </a:lvl8pPr>
+            <a:lvl9pPr marL="3657600" algn="l" defTabSz="457200" rtl="0" eaLnBrk="1" latinLnBrk="0" hangingPunct="1">
+              <a:defRPr sz="1800" kern="1200">
+                <a:solidFill>
+                  <a:schemeClr val="tx1"/>
+                </a:solidFill>
+                <a:latin typeface="+mn-lt"/>
+                <a:ea typeface="+mn-ea"/>
+                <a:cs typeface="+mn-cs"/>
+              </a:defRPr>
+            </a:lvl9pPr>
+          </a:lstStyle>
+          <a:p>
+            <a:pPr algn="ctr"/>
+            <a:fld id="{A9EE5928-F148-40B0-A685-C3EA8FBFEFC2}" type="slidenum">
+              <a:rPr lang="it-IT" smtClean="0">
+                <a:solidFill>
+                  <a:schemeClr val="bg1"/>
+                </a:solidFill>
+              </a:rPr>
+              <a:pPr algn="ctr"/>
+              <a:t>13</a:t>
+            </a:fld>
+            <a:endParaRPr lang="it-IT" dirty="0">
+              <a:solidFill>
+                <a:schemeClr val="bg1"/>
+              </a:solidFill>
+            </a:endParaRPr>
+          </a:p>
+        </p:txBody>
+      </p:sp>
+      <p:sp>
+        <p:nvSpPr>
+          <p:cNvPr id="7" name="Footer Placeholder 13">
+            <a:extLst>
+              <a:ext uri="{FF2B5EF4-FFF2-40B4-BE49-F238E27FC236}">
+                <a16:creationId xmlns:a16="http://schemas.microsoft.com/office/drawing/2014/main" id="{FA48AF46-64C5-1BCC-074E-5CD46E33DA73}"/>
+              </a:ext>
+            </a:extLst>
+          </p:cNvPr>
+          <p:cNvSpPr>
+            <a:spLocks noGrp="1"/>
+          </p:cNvSpPr>
+          <p:nvPr>
+            <p:ph type="ftr" sz="quarter" idx="11"/>
+          </p:nvPr>
+        </p:nvSpPr>
+        <p:spPr>
+          <a:xfrm>
+            <a:off x="0" y="6711885"/>
+            <a:ext cx="12192000" cy="155542"/>
+          </a:xfrm>
+          <a:solidFill>
+            <a:srgbClr val="D76464"/>
+          </a:solidFill>
+        </p:spPr>
+        <p:txBody>
+          <a:bodyPr/>
+          <a:lstStyle/>
+          <a:p>
+            <a:pPr algn="r"/>
+            <a:endParaRPr lang="it-IT" dirty="0">
+              <a:solidFill>
+                <a:schemeClr val="bg1"/>
+              </a:solidFill>
+              <a:latin typeface="Abadi Extra Light" panose="020F0502020204030204" pitchFamily="34" charset="0"/>
+              <a:cs typeface="Helvetica" panose="020B0604020202020204" pitchFamily="34" charset="0"/>
+            </a:endParaRPr>
+          </a:p>
+        </p:txBody>
+      </p:sp>
+    </p:spTree>
+    <p:extLst>
+      <p:ext uri="{BB962C8B-B14F-4D97-AF65-F5344CB8AC3E}">
+        <p14:creationId xmlns:p14="http://schemas.microsoft.com/office/powerpoint/2010/main" val="3080051585"/>
+      </p:ext>
+    </p:extLst>
+  </p:cSld>
+  <p:clrMapOvr>
+    <a:masterClrMapping/>
+  </p:clrMapOvr>
+</p:sld>
+</file>
+
 <file path=ppt/slides/slide2.xml><?xml version="1.0" encoding="utf-8"?>
 <p:sld xmlns:a="http://schemas.openxmlformats.org/drawingml/2006/main" xmlns:r="http://schemas.openxmlformats.org/officeDocument/2006/relationships" xmlns:p="http://schemas.openxmlformats.org/presentationml/2006/main">
   <p:cSld>
@@ -6642,14 +6970,14 @@
             <p:ph idx="1"/>
             <p:extLst>
               <p:ext uri="{D42A27DB-BD31-4B8C-83A1-F6EECF244321}">
-                <p14:modId xmlns:p14="http://schemas.microsoft.com/office/powerpoint/2010/main" val="1414334369"/>
+                <p14:modId xmlns:p14="http://schemas.microsoft.com/office/powerpoint/2010/main" val="3531234753"/>
               </p:ext>
             </p:extLst>
           </p:nvPr>
         </p:nvGraphicFramePr>
         <p:xfrm>
           <a:off x="838200" y="1825625"/>
-          <a:ext cx="10515600" cy="2225040"/>
+          <a:ext cx="10515600" cy="3876040"/>
         </p:xfrm>
         <a:graphic>
           <a:graphicData uri="http://schemas.openxmlformats.org/drawingml/2006/table">
@@ -6799,7 +7127,7 @@
                       </a:r>
                       <a:r>
                         <a:rPr lang="it-IT" dirty="0" err="1"/>
-                        <a:t>complete|carType</a:t>
+                        <a:t>carType</a:t>
                       </a:r>
                       <a:r>
                         <a:rPr lang="it-IT" dirty="0"/>
@@ -6814,7 +7142,18 @@
                     <a:bodyPr/>
                     <a:lstStyle/>
                     <a:p>
-                      <a:endParaRPr lang="en-GB" noProof="0" dirty="0"/>
+                      <a:r>
+                        <a:rPr lang="en-GB" noProof="0" dirty="0"/>
+                        <a:t>GET Circuits based on {</a:t>
+                      </a:r>
+                      <a:r>
+                        <a:rPr lang="en-GB" noProof="0" dirty="0" err="1"/>
+                        <a:t>CarType</a:t>
+                      </a:r>
+                      <a:r>
+                        <a:rPr lang="en-GB" noProof="0" dirty="0"/>
+                        <a:t>}</a:t>
+                      </a:r>
                     </a:p>
                   </a:txBody>
                   <a:tcPr/>
@@ -6822,6 +7161,55 @@
                 <a:extLst>
                   <a:ext uri="{0D108BD9-81ED-4DB2-BD59-A6C34878D82A}">
                     <a16:rowId xmlns:a16="http://schemas.microsoft.com/office/drawing/2014/main" val="4118253690"/>
+                  </a:ext>
+                </a:extLst>
+              </a:tr>
+              <a:tr h="370840">
+                <a:tc>
+                  <a:txBody>
+                    <a:bodyPr/>
+                    <a:lstStyle/>
+                    <a:p>
+                      <a:r>
+                        <a:rPr lang="it-IT" dirty="0"/>
+                        <a:t>/</a:t>
+                      </a:r>
+                      <a:r>
+                        <a:rPr lang="it-IT" dirty="0" err="1"/>
+                        <a:t>rest</a:t>
+                      </a:r>
+                      <a:r>
+                        <a:rPr lang="it-IT" dirty="0"/>
+                        <a:t>/user/</a:t>
+                      </a:r>
+                      <a:r>
+                        <a:rPr lang="it-IT" dirty="0" err="1"/>
+                        <a:t>order</a:t>
+                      </a:r>
+                      <a:r>
+                        <a:rPr lang="it-IT" dirty="0"/>
+                        <a:t>/create/complete</a:t>
+                      </a:r>
+                    </a:p>
+                  </a:txBody>
+                  <a:tcPr/>
+                </a:tc>
+                <a:tc>
+                  <a:txBody>
+                    <a:bodyPr/>
+                    <a:lstStyle/>
+                    <a:p>
+                      <a:r>
+                        <a:rPr lang="en-GB" noProof="0" dirty="0"/>
+                        <a:t>Create the Order</a:t>
+                      </a:r>
+                    </a:p>
+                  </a:txBody>
+                  <a:tcPr/>
+                </a:tc>
+                <a:extLst>
+                  <a:ext uri="{0D108BD9-81ED-4DB2-BD59-A6C34878D82A}">
+                    <a16:rowId xmlns:a16="http://schemas.microsoft.com/office/drawing/2014/main" val="310144991"/>
                   </a:ext>
                 </a:extLst>
               </a:tr>
@@ -6935,7 +7323,7 @@
                       </a:r>
                       <a:r>
                         <a:rPr lang="it-IT" dirty="0" err="1"/>
-                        <a:t>add|delete|search</a:t>
+                        <a:t>add|delete</a:t>
                       </a:r>
                       <a:r>
                         <a:rPr lang="it-IT" dirty="0"/>
@@ -6952,7 +7340,7 @@
                     <a:p>
                       <a:r>
                         <a:rPr lang="it-IT" dirty="0"/>
-                        <a:t>CREATE/DELETE/SEARCH </a:t>
+                        <a:t>CREATE/DELETE </a:t>
                       </a:r>
                       <a:r>
                         <a:rPr lang="it-IT" dirty="0" err="1"/>
@@ -6978,7 +7366,34 @@
                     <a:bodyPr/>
                     <a:lstStyle/>
                     <a:p>
-                      <a:endParaRPr lang="it-IT" dirty="0"/>
+                      <a:r>
+                        <a:rPr lang="it-IT" dirty="0"/>
+                        <a:t>/</a:t>
+                      </a:r>
+                      <a:r>
+                        <a:rPr lang="it-IT" dirty="0" err="1"/>
+                        <a:t>rest</a:t>
+                      </a:r>
+                      <a:r>
+                        <a:rPr lang="it-IT" dirty="0"/>
+                        <a:t>/</a:t>
+                      </a:r>
+                      <a:r>
+                        <a:rPr lang="it-IT" dirty="0" err="1"/>
+                        <a:t>circuit</a:t>
+                      </a:r>
+                      <a:r>
+                        <a:rPr lang="it-IT" dirty="0"/>
+                        <a:t>/{</a:t>
+                      </a:r>
+                      <a:r>
+                        <a:rPr lang="it-IT" dirty="0" err="1"/>
+                        <a:t>circuitName</a:t>
+                      </a:r>
+                      <a:r>
+                        <a:rPr lang="it-IT" dirty="0"/>
+                        <a:t>}</a:t>
+                      </a:r>
                     </a:p>
                   </a:txBody>
                   <a:tcPr/>
@@ -6988,6 +7403,208 @@
                     <a:bodyPr/>
                     <a:lstStyle/>
                     <a:p>
+                      <a:r>
+                        <a:rPr lang="it-IT" dirty="0"/>
+                        <a:t>GET </a:t>
+                      </a:r>
+                      <a:r>
+                        <a:rPr lang="it-IT" dirty="0" err="1"/>
+                        <a:t>circuit</a:t>
+                      </a:r>
+                      <a:r>
+                        <a:rPr lang="it-IT" dirty="0"/>
+                        <a:t> with name={</a:t>
+                      </a:r>
+                      <a:r>
+                        <a:rPr lang="it-IT" dirty="0" err="1"/>
+                        <a:t>circuitName</a:t>
+                      </a:r>
+                      <a:r>
+                        <a:rPr lang="it-IT" dirty="0"/>
+                        <a:t>}</a:t>
+                      </a:r>
+                    </a:p>
+                  </a:txBody>
+                  <a:tcPr/>
+                </a:tc>
+                <a:extLst>
+                  <a:ext uri="{0D108BD9-81ED-4DB2-BD59-A6C34878D82A}">
+                    <a16:rowId xmlns:a16="http://schemas.microsoft.com/office/drawing/2014/main" val="1134149104"/>
+                  </a:ext>
+                </a:extLst>
+              </a:tr>
+              <a:tr h="370840">
+                <a:tc>
+                  <a:txBody>
+                    <a:bodyPr/>
+                    <a:lstStyle/>
+                    <a:p>
+                      <a:r>
+                        <a:rPr lang="it-IT" dirty="0"/>
+                        <a:t>/</a:t>
+                      </a:r>
+                      <a:r>
+                        <a:rPr lang="it-IT" dirty="0" err="1"/>
+                        <a:t>rest</a:t>
+                      </a:r>
+                      <a:r>
+                        <a:rPr lang="it-IT" dirty="0"/>
+                        <a:t>/car/{</a:t>
+                      </a:r>
+                      <a:r>
+                        <a:rPr lang="it-IT" dirty="0" err="1"/>
+                        <a:t>carBrand</a:t>
+                      </a:r>
+                      <a:r>
+                        <a:rPr lang="it-IT" dirty="0"/>
+                        <a:t>}/{</a:t>
+                      </a:r>
+                      <a:r>
+                        <a:rPr lang="it-IT" dirty="0" err="1"/>
+                        <a:t>carModal</a:t>
+                      </a:r>
+                      <a:r>
+                        <a:rPr lang="it-IT" dirty="0"/>
+                        <a:t>}</a:t>
+                      </a:r>
+                    </a:p>
+                  </a:txBody>
+                  <a:tcPr/>
+                </a:tc>
+                <a:tc>
+                  <a:txBody>
+                    <a:bodyPr/>
+                    <a:lstStyle/>
+                    <a:p>
+                      <a:r>
+                        <a:rPr lang="it-IT" dirty="0"/>
+                        <a:t>GET car with brand={</a:t>
+                      </a:r>
+                      <a:r>
+                        <a:rPr lang="it-IT" dirty="0" err="1"/>
+                        <a:t>carBrand</a:t>
+                      </a:r>
+                      <a:r>
+                        <a:rPr lang="it-IT" dirty="0"/>
+                        <a:t>} and </a:t>
+                      </a:r>
+                      <a:r>
+                        <a:rPr lang="it-IT" dirty="0" err="1"/>
+                        <a:t>modal</a:t>
+                      </a:r>
+                      <a:r>
+                        <a:rPr lang="it-IT" dirty="0"/>
+                        <a:t>={</a:t>
+                      </a:r>
+                      <a:r>
+                        <a:rPr lang="it-IT" dirty="0" err="1"/>
+                        <a:t>carModal</a:t>
+                      </a:r>
+                      <a:r>
+                        <a:rPr lang="it-IT" dirty="0"/>
+                        <a:t>}</a:t>
+                      </a:r>
+                    </a:p>
+                  </a:txBody>
+                  <a:tcPr/>
+                </a:tc>
+                <a:extLst>
+                  <a:ext uri="{0D108BD9-81ED-4DB2-BD59-A6C34878D82A}">
+                    <a16:rowId xmlns:a16="http://schemas.microsoft.com/office/drawing/2014/main" val="2269154348"/>
+                  </a:ext>
+                </a:extLst>
+              </a:tr>
+              <a:tr h="370840">
+                <a:tc>
+                  <a:txBody>
+                    <a:bodyPr/>
+                    <a:lstStyle/>
+                    <a:p>
+                      <a:r>
+                        <a:rPr lang="it-IT" dirty="0"/>
+                        <a:t>/</a:t>
+                      </a:r>
+                      <a:r>
+                        <a:rPr lang="it-IT" dirty="0" err="1"/>
+                        <a:t>rest</a:t>
+                      </a:r>
+                      <a:r>
+                        <a:rPr lang="it-IT" dirty="0"/>
+                        <a:t>/user/</a:t>
+                      </a:r>
+                      <a:r>
+                        <a:rPr lang="it-IT" dirty="0" err="1"/>
+                        <a:t>favourite</a:t>
+                      </a:r>
+                      <a:r>
+                        <a:rPr lang="it-IT" dirty="0"/>
+                        <a:t>/</a:t>
+                      </a:r>
+                      <a:r>
+                        <a:rPr lang="it-IT" dirty="0" err="1"/>
+                        <a:t>search</a:t>
+                      </a:r>
+                      <a:r>
+                        <a:rPr lang="it-IT" dirty="0"/>
+                        <a:t>/{</a:t>
+                      </a:r>
+                      <a:r>
+                        <a:rPr lang="it-IT" dirty="0" err="1"/>
+                        <a:t>circuitName</a:t>
+                      </a:r>
+                      <a:r>
+                        <a:rPr lang="it-IT" dirty="0"/>
+                        <a:t>}/{</a:t>
+                      </a:r>
+                      <a:r>
+                        <a:rPr lang="it-IT" dirty="0" err="1"/>
+                        <a:t>carBrand</a:t>
+                      </a:r>
+                      <a:r>
+                        <a:rPr lang="it-IT" dirty="0"/>
+                        <a:t>}/{</a:t>
+                      </a:r>
+                      <a:r>
+                        <a:rPr lang="it-IT" dirty="0" err="1"/>
+                        <a:t>carModel</a:t>
+                      </a:r>
+                      <a:r>
+                        <a:rPr lang="it-IT" dirty="0"/>
+                        <a:t>}</a:t>
+                      </a:r>
+                    </a:p>
+                  </a:txBody>
+                  <a:tcPr/>
+                </a:tc>
+                <a:tc>
+                  <a:txBody>
+                    <a:bodyPr/>
+                    <a:lstStyle/>
+                    <a:p>
+                      <a:r>
+                        <a:rPr lang="it-IT" dirty="0"/>
+                        <a:t>GET the </a:t>
+                      </a:r>
+                      <a:r>
+                        <a:rPr lang="it-IT" dirty="0" err="1"/>
+                        <a:t>favoruites</a:t>
+                      </a:r>
+                      <a:r>
+                        <a:rPr lang="it-IT" dirty="0"/>
+                        <a:t> with the </a:t>
+                      </a:r>
+                      <a:r>
+                        <a:rPr lang="it-IT" dirty="0" err="1"/>
+                        <a:t>selected</a:t>
+                      </a:r>
+                      <a:r>
+                        <a:rPr lang="it-IT" dirty="0"/>
+                        <a:t> </a:t>
+                      </a:r>
+                      <a:r>
+                        <a:rPr lang="it-IT" dirty="0" err="1"/>
+                        <a:t>values</a:t>
+                      </a:r>
                       <a:endParaRPr lang="it-IT" dirty="0"/>
                     </a:p>
                   </a:txBody>
@@ -6995,7 +7612,7 @@
                 </a:tc>
                 <a:extLst>
                   <a:ext uri="{0D108BD9-81ED-4DB2-BD59-A6C34878D82A}">
-                    <a16:rowId xmlns:a16="http://schemas.microsoft.com/office/drawing/2014/main" val="1134149104"/>
+                    <a16:rowId xmlns:a16="http://schemas.microsoft.com/office/drawing/2014/main" val="4270085380"/>
                   </a:ext>
                 </a:extLst>
               </a:tr>
@@ -10850,15 +11467,15 @@
 <file path=customXml/itemProps3.xml><?xml version="1.0" encoding="utf-8"?>
 <ds:datastoreItem xmlns:ds="http://schemas.openxmlformats.org/officeDocument/2006/customXml" ds:itemID="{FCF7F047-525A-4DFD-AFD0-1236460CC9D1}">
   <ds:schemaRefs>
+    <ds:schemaRef ds:uri="http://schemas.microsoft.com/office/2006/metadata/properties"/>
     <ds:schemaRef ds:uri="http://purl.org/dc/terms/"/>
-    <ds:schemaRef ds:uri="http://schemas.microsoft.com/office/2006/metadata/properties"/>
+    <ds:schemaRef ds:uri="http://purl.org/dc/dcmitype/"/>
+    <ds:schemaRef ds:uri="http://purl.org/dc/elements/1.1/"/>
     <ds:schemaRef ds:uri="http://schemas.microsoft.com/office/infopath/2007/PartnerControls"/>
-    <ds:schemaRef ds:uri="http://purl.org/dc/elements/1.1/"/>
     <ds:schemaRef ds:uri="http://schemas.microsoft.com/office/2006/documentManagement/types"/>
+    <ds:schemaRef ds:uri="http://www.w3.org/XML/1998/namespace"/>
+    <ds:schemaRef ds:uri="aa815ce1-f09d-44ce-9b53-a1c5bdff19c2"/>
     <ds:schemaRef ds:uri="http://schemas.openxmlformats.org/package/2006/metadata/core-properties"/>
-    <ds:schemaRef ds:uri="http://purl.org/dc/dcmitype/"/>
-    <ds:schemaRef ds:uri="aa815ce1-f09d-44ce-9b53-a1c5bdff19c2"/>
-    <ds:schemaRef ds:uri="http://www.w3.org/XML/1998/namespace"/>
   </ds:schemaRefs>
 </ds:datastoreItem>
 </file>
--- a/WaCar.pptx
+++ b/WaCar.pptx
@@ -376,7 +376,7 @@
           <a:p>
             <a:fld id="{C6EA49A4-F2B3-4A9E-B2D8-2B3CE17CD6AA}" type="slidenum">
               <a:rPr lang="it-IT" smtClean="0"/>
-              <a:t>‹#›</a:t>
+              <a:t>‹N›</a:t>
             </a:fld>
             <a:endParaRPr lang="it-IT"/>
           </a:p>
@@ -742,7 +742,7 @@
           <a:p>
             <a:fld id="{A9EE5928-F148-40B0-A685-C3EA8FBFEFC2}" type="slidenum">
               <a:rPr lang="it-IT" smtClean="0"/>
-              <a:t>‹#›</a:t>
+              <a:t>‹N›</a:t>
             </a:fld>
             <a:endParaRPr lang="it-IT"/>
           </a:p>
@@ -912,7 +912,7 @@
           <a:p>
             <a:fld id="{A9EE5928-F148-40B0-A685-C3EA8FBFEFC2}" type="slidenum">
               <a:rPr lang="it-IT" smtClean="0"/>
-              <a:t>‹#›</a:t>
+              <a:t>‹N›</a:t>
             </a:fld>
             <a:endParaRPr lang="it-IT"/>
           </a:p>
@@ -1092,7 +1092,7 @@
           <a:p>
             <a:fld id="{A9EE5928-F148-40B0-A685-C3EA8FBFEFC2}" type="slidenum">
               <a:rPr lang="it-IT" smtClean="0"/>
-              <a:t>‹#›</a:t>
+              <a:t>‹N›</a:t>
             </a:fld>
             <a:endParaRPr lang="it-IT"/>
           </a:p>
@@ -1262,7 +1262,7 @@
           <a:p>
             <a:fld id="{A9EE5928-F148-40B0-A685-C3EA8FBFEFC2}" type="slidenum">
               <a:rPr lang="it-IT" smtClean="0"/>
-              <a:t>‹#›</a:t>
+              <a:t>‹N›</a:t>
             </a:fld>
             <a:endParaRPr lang="it-IT"/>
           </a:p>
@@ -1508,7 +1508,7 @@
           <a:p>
             <a:fld id="{A9EE5928-F148-40B0-A685-C3EA8FBFEFC2}" type="slidenum">
               <a:rPr lang="it-IT" smtClean="0"/>
-              <a:t>‹#›</a:t>
+              <a:t>‹N›</a:t>
             </a:fld>
             <a:endParaRPr lang="it-IT"/>
           </a:p>
@@ -1740,7 +1740,7 @@
           <a:p>
             <a:fld id="{A9EE5928-F148-40B0-A685-C3EA8FBFEFC2}" type="slidenum">
               <a:rPr lang="it-IT" smtClean="0"/>
-              <a:t>‹#›</a:t>
+              <a:t>‹N›</a:t>
             </a:fld>
             <a:endParaRPr lang="it-IT"/>
           </a:p>
@@ -2107,7 +2107,7 @@
           <a:p>
             <a:fld id="{A9EE5928-F148-40B0-A685-C3EA8FBFEFC2}" type="slidenum">
               <a:rPr lang="it-IT" smtClean="0"/>
-              <a:t>‹#›</a:t>
+              <a:t>‹N›</a:t>
             </a:fld>
             <a:endParaRPr lang="it-IT"/>
           </a:p>
@@ -2225,7 +2225,7 @@
           <a:p>
             <a:fld id="{A9EE5928-F148-40B0-A685-C3EA8FBFEFC2}" type="slidenum">
               <a:rPr lang="it-IT" smtClean="0"/>
-              <a:t>‹#›</a:t>
+              <a:t>‹N›</a:t>
             </a:fld>
             <a:endParaRPr lang="it-IT"/>
           </a:p>
@@ -2320,7 +2320,7 @@
           <a:p>
             <a:fld id="{A9EE5928-F148-40B0-A685-C3EA8FBFEFC2}" type="slidenum">
               <a:rPr lang="it-IT" smtClean="0"/>
-              <a:t>‹#›</a:t>
+              <a:t>‹N›</a:t>
             </a:fld>
             <a:endParaRPr lang="it-IT"/>
           </a:p>
@@ -2597,7 +2597,7 @@
           <a:p>
             <a:fld id="{A9EE5928-F148-40B0-A685-C3EA8FBFEFC2}" type="slidenum">
               <a:rPr lang="it-IT" smtClean="0"/>
-              <a:t>‹#›</a:t>
+              <a:t>‹N›</a:t>
             </a:fld>
             <a:endParaRPr lang="it-IT"/>
           </a:p>
@@ -2854,7 +2854,7 @@
           <a:p>
             <a:fld id="{A9EE5928-F148-40B0-A685-C3EA8FBFEFC2}" type="slidenum">
               <a:rPr lang="it-IT" smtClean="0"/>
-              <a:t>‹#›</a:t>
+              <a:t>‹N›</a:t>
             </a:fld>
             <a:endParaRPr lang="it-IT"/>
           </a:p>
@@ -3103,7 +3103,7 @@
           <a:p>
             <a:fld id="{A9EE5928-F148-40B0-A685-C3EA8FBFEFC2}" type="slidenum">
               <a:rPr lang="it-IT" smtClean="0"/>
-              <a:t>‹#›</a:t>
+              <a:t>‹N›</a:t>
             </a:fld>
             <a:endParaRPr lang="it-IT"/>
           </a:p>
@@ -4979,18 +4979,28 @@
             <a:r>
               <a:rPr lang="it-IT" sz="1800" dirty="0">
                 <a:solidFill>
-                  <a:schemeClr val="bg1"/>
-                </a:solidFill>
-                <a:latin typeface="Audiowide" panose="02000503000000020004" pitchFamily="2" charset="0"/>
-              </a:rPr>
-              <a:t>Di Martino Ludovico: </a:t>
+                  <a:srgbClr val="D76464"/>
+                </a:solidFill>
+                <a:latin typeface="Audiowide" panose="02000503000000020004" pitchFamily="2" charset="0"/>
+              </a:rPr>
+              <a:t>Di Martino Ludovico</a:t>
+            </a:r>
+            <a:r>
+              <a:rPr lang="it-IT" sz="1800" dirty="0">
+                <a:solidFill>
+                  <a:schemeClr val="bg1"/>
+                </a:solidFill>
+                <a:latin typeface="Audiowide" panose="02000503000000020004" pitchFamily="2" charset="0"/>
+              </a:rPr>
+              <a:t>: </a:t>
             </a:r>
             <a:r>
               <a:rPr lang="en-US" sz="1800" dirty="0">
                 <a:solidFill>
                   <a:schemeClr val="bg1"/>
                 </a:solidFill>
-                <a:latin typeface="Audiowide" panose="02000503000000020004" pitchFamily="2" charset="0"/>
+                <a:latin typeface="Arial" panose="020B0604020202020204" pitchFamily="34" charset="0"/>
+                <a:cs typeface="Arial" panose="020B0604020202020204" pitchFamily="34" charset="0"/>
               </a:rPr>
               <a:t>developed the frontend of the admin section and the order recap modal for the basic user. Created and added the favicon and the logo on all the pages of the website.</a:t>
             </a:r>
@@ -4999,17 +5009,196 @@
             <a:r>
               <a:rPr lang="en-US" sz="1800" dirty="0">
                 <a:solidFill>
-                  <a:schemeClr val="bg1"/>
-                </a:solidFill>
-                <a:latin typeface="Audiowide" panose="02000503000000020004" pitchFamily="2" charset="0"/>
-              </a:rPr>
-              <a:t>Scapinello Michele: developed the frontend of the list order page and the delete order modal and servlet. Development of the footer and part of the navbar. Preparation of the slides.</a:t>
+                  <a:srgbClr val="D76464"/>
+                </a:solidFill>
+                <a:latin typeface="Audiowide" panose="02000503000000020004" pitchFamily="2" charset="0"/>
+              </a:rPr>
+              <a:t>Galli Filippo</a:t>
+            </a:r>
+            <a:r>
+              <a:rPr lang="en-US" sz="1800" dirty="0">
+                <a:solidFill>
+                  <a:schemeClr val="bg1"/>
+                </a:solidFill>
+                <a:latin typeface="Audiowide" panose="02000503000000020004" pitchFamily="2" charset="0"/>
+              </a:rPr>
+              <a:t>: </a:t>
+            </a:r>
+            <a:r>
+              <a:rPr lang="en-US" sz="1800" dirty="0">
+                <a:solidFill>
+                  <a:schemeClr val="bg1"/>
+                </a:solidFill>
+                <a:latin typeface="Arial" panose="020B0604020202020204" pitchFamily="34" charset="0"/>
+                <a:cs typeface="Arial" panose="020B0604020202020204" pitchFamily="34" charset="0"/>
+              </a:rPr>
+              <a:t>developed the frontend for the login, the signup and the modify-order modal. Furthermore I have developed the </a:t>
+            </a:r>
+            <a:r>
+              <a:rPr lang="en-US" sz="1800" dirty="0" err="1">
+                <a:solidFill>
+                  <a:schemeClr val="bg1"/>
+                </a:solidFill>
+                <a:latin typeface="Arial" panose="020B0604020202020204" pitchFamily="34" charset="0"/>
+                <a:cs typeface="Arial" panose="020B0604020202020204" pitchFamily="34" charset="0"/>
+              </a:rPr>
+              <a:t>UpdateOrder</a:t>
+            </a:r>
+            <a:r>
+              <a:rPr lang="en-US" sz="1800" dirty="0">
+                <a:solidFill>
+                  <a:schemeClr val="bg1"/>
+                </a:solidFill>
+                <a:latin typeface="Arial" panose="020B0604020202020204" pitchFamily="34" charset="0"/>
+                <a:cs typeface="Arial" panose="020B0604020202020204" pitchFamily="34" charset="0"/>
+              </a:rPr>
+              <a:t> servlet and the navigation bar</a:t>
+            </a:r>
+          </a:p>
+          <a:p>
+            <a:r>
+              <a:rPr lang="en-US" sz="1800" dirty="0">
+                <a:solidFill>
+                  <a:srgbClr val="D76464"/>
+                </a:solidFill>
+                <a:latin typeface="Audiowide" panose="02000503000000020004" pitchFamily="2" charset="0"/>
+              </a:rPr>
+              <a:t>Leonardi Alessandro</a:t>
+            </a:r>
+            <a:r>
+              <a:rPr lang="en-US" sz="1800" dirty="0">
+                <a:solidFill>
+                  <a:schemeClr val="bg1"/>
+                </a:solidFill>
+                <a:latin typeface="Audiowide" panose="02000503000000020004" pitchFamily="2" charset="0"/>
+              </a:rPr>
+              <a:t>: </a:t>
+            </a:r>
+            <a:r>
+              <a:rPr lang="en-US" sz="1800" dirty="0">
+                <a:solidFill>
+                  <a:schemeClr val="bg1"/>
+                </a:solidFill>
+                <a:latin typeface="Arial" panose="020B0604020202020204" pitchFamily="34" charset="0"/>
+                <a:cs typeface="Arial" panose="020B0604020202020204" pitchFamily="34" charset="0"/>
+              </a:rPr>
+              <a:t>developed the frontend of the list </a:t>
+            </a:r>
+            <a:r>
+              <a:rPr lang="en-US" sz="1800" dirty="0" err="1">
+                <a:solidFill>
+                  <a:schemeClr val="bg1"/>
+                </a:solidFill>
+                <a:latin typeface="Arial" panose="020B0604020202020204" pitchFamily="34" charset="0"/>
+                <a:cs typeface="Arial" panose="020B0604020202020204" pitchFamily="34" charset="0"/>
+              </a:rPr>
+              <a:t>favourite</a:t>
+            </a:r>
+            <a:r>
+              <a:rPr lang="en-US" sz="1800" dirty="0">
+                <a:solidFill>
+                  <a:schemeClr val="bg1"/>
+                </a:solidFill>
+                <a:latin typeface="Arial" panose="020B0604020202020204" pitchFamily="34" charset="0"/>
+                <a:cs typeface="Arial" panose="020B0604020202020204" pitchFamily="34" charset="0"/>
+              </a:rPr>
+              <a:t> page. Contributed to the development of the frontend of the list order page.</a:t>
+            </a:r>
+          </a:p>
+          <a:p>
+            <a:r>
+              <a:rPr lang="en-US" sz="1800" dirty="0">
+                <a:solidFill>
+                  <a:srgbClr val="D76464"/>
+                </a:solidFill>
+                <a:latin typeface="Audiowide" panose="02000503000000020004" pitchFamily="2" charset="0"/>
+              </a:rPr>
+              <a:t>Rigobello Manuel</a:t>
+            </a:r>
+            <a:r>
+              <a:rPr lang="en-US" sz="1800" dirty="0">
+                <a:solidFill>
+                  <a:schemeClr val="bg1"/>
+                </a:solidFill>
+                <a:latin typeface="Audiowide" panose="02000503000000020004" pitchFamily="2" charset="0"/>
+              </a:rPr>
+              <a:t>: </a:t>
+            </a:r>
+            <a:r>
+              <a:rPr lang="en-US" sz="1800" dirty="0">
+                <a:solidFill>
+                  <a:schemeClr val="bg1"/>
+                </a:solidFill>
+                <a:latin typeface="Arial" panose="020B0604020202020204" pitchFamily="34" charset="0"/>
+                <a:cs typeface="Arial" panose="020B0604020202020204" pitchFamily="34" charset="0"/>
+              </a:rPr>
+              <a:t>developed the frontend of the list car, list circuit, their modals (with “edit” handling for the admin) and their respective REST. Developed the frontend of the create order page (no recap modal), the REST for getting the circuits based on the </a:t>
+            </a:r>
+            <a:r>
+              <a:rPr lang="en-US" sz="1800" dirty="0" err="1">
+                <a:solidFill>
+                  <a:schemeClr val="bg1"/>
+                </a:solidFill>
+                <a:latin typeface="Arial" panose="020B0604020202020204" pitchFamily="34" charset="0"/>
+                <a:cs typeface="Arial" panose="020B0604020202020204" pitchFamily="34" charset="0"/>
+              </a:rPr>
+              <a:t>carType</a:t>
+            </a:r>
+            <a:r>
+              <a:rPr lang="en-US" sz="1800" dirty="0">
+                <a:solidFill>
+                  <a:schemeClr val="bg1"/>
+                </a:solidFill>
+                <a:latin typeface="Arial" panose="020B0604020202020204" pitchFamily="34" charset="0"/>
+                <a:cs typeface="Arial" panose="020B0604020202020204" pitchFamily="34" charset="0"/>
+              </a:rPr>
+              <a:t> and the second modal with success/error message (error can arrive from PostgreSQL trigger). Developed the basic user Authentication header with BASIC authorization</a:t>
+            </a:r>
+            <a:r>
+              <a:rPr lang="en-US" sz="1800" dirty="0">
+                <a:solidFill>
+                  <a:schemeClr val="bg1"/>
+                </a:solidFill>
+                <a:latin typeface="Audiowide" panose="02000503000000020004" pitchFamily="2" charset="0"/>
+              </a:rPr>
+              <a:t>.</a:t>
+            </a:r>
+          </a:p>
+          <a:p>
+            <a:r>
+              <a:rPr lang="en-US" sz="1800" dirty="0">
+                <a:solidFill>
+                  <a:srgbClr val="D76464"/>
+                </a:solidFill>
+                <a:latin typeface="Audiowide" panose="02000503000000020004" pitchFamily="2" charset="0"/>
+              </a:rPr>
+              <a:t>Scapinello Michele</a:t>
+            </a:r>
+            <a:r>
+              <a:rPr lang="en-US" sz="1800" dirty="0">
+                <a:solidFill>
+                  <a:schemeClr val="bg1"/>
+                </a:solidFill>
+                <a:latin typeface="Audiowide" panose="02000503000000020004" pitchFamily="2" charset="0"/>
+              </a:rPr>
+              <a:t>: </a:t>
+            </a:r>
+            <a:r>
+              <a:rPr lang="en-US" sz="1800" dirty="0">
+                <a:solidFill>
+                  <a:schemeClr val="bg1"/>
+                </a:solidFill>
+                <a:latin typeface="Arial" panose="020B0604020202020204" pitchFamily="34" charset="0"/>
+                <a:cs typeface="Arial" panose="020B0604020202020204" pitchFamily="34" charset="0"/>
+              </a:rPr>
+              <a:t>developed the frontend of the list order page and the delete order modal and servlet. Development of the footer and part of the navbar. Preparation of the slides.</a:t>
             </a:r>
             <a:endParaRPr lang="it-IT" sz="1800" dirty="0">
               <a:solidFill>
                 <a:schemeClr val="bg1"/>
               </a:solidFill>
-              <a:latin typeface="Audiowide" panose="02000503000000020004" pitchFamily="2" charset="0"/>
+              <a:latin typeface="Arial" panose="020B0604020202020204" pitchFamily="34" charset="0"/>
+              <a:cs typeface="Arial" panose="020B0604020202020204" pitchFamily="34" charset="0"/>
             </a:endParaRPr>
           </a:p>
         </p:txBody>
@@ -6970,7 +7159,7 @@
             <p:ph idx="1"/>
             <p:extLst>
               <p:ext uri="{D42A27DB-BD31-4B8C-83A1-F6EECF244321}">
-                <p14:modId xmlns:p14="http://schemas.microsoft.com/office/powerpoint/2010/main" val="3531234753"/>
+                <p14:modId xmlns:p14="http://schemas.microsoft.com/office/powerpoint/2010/main" val="1899326551"/>
               </p:ext>
             </p:extLst>
           </p:nvPr>
@@ -7587,7 +7776,7 @@
                       </a:r>
                       <a:r>
                         <a:rPr lang="it-IT" dirty="0" err="1"/>
-                        <a:t>favoruites</a:t>
+                        <a:t>favoruite</a:t>
                       </a:r>
                       <a:r>
                         <a:rPr lang="it-IT" dirty="0"/>
@@ -7605,7 +7794,18 @@
                         <a:rPr lang="it-IT" dirty="0" err="1"/>
                         <a:t>values</a:t>
                       </a:r>
-                      <a:endParaRPr lang="it-IT" dirty="0"/>
+                      <a:r>
+                        <a:rPr lang="it-IT" dirty="0"/>
+                        <a:t> of the </a:t>
+                      </a:r>
+                      <a:r>
+                        <a:rPr lang="it-IT" dirty="0" err="1"/>
+                        <a:t>logged</a:t>
+                      </a:r>
+                      <a:r>
+                        <a:rPr lang="it-IT" dirty="0"/>
+                        <a:t> in user</a:t>
+                      </a:r>
                     </a:p>
                   </a:txBody>
                   <a:tcPr/>
@@ -11214,6 +11414,15 @@
 </file>
 
 <file path=customXml/item1.xml><?xml version="1.0" encoding="utf-8"?>
+<?mso-contentType ?>
+<FormTemplates xmlns="http://schemas.microsoft.com/sharepoint/v3/contenttype/forms">
+  <Display>DocumentLibraryForm</Display>
+  <Edit>DocumentLibraryForm</Edit>
+  <New>DocumentLibraryForm</New>
+</FormTemplates>
+</file>
+
+<file path=customXml/item2.xml><?xml version="1.0" encoding="utf-8"?>
 <ct:contentTypeSchema xmlns:ct="http://schemas.microsoft.com/office/2006/metadata/contentType" xmlns:ma="http://schemas.microsoft.com/office/2006/metadata/properties/metaAttributes" ct:_="" ma:_="" ma:contentTypeName="Documento" ma:contentTypeID="0x0101002A534966C3A1194B904DA8ABF2BCE99D" ma:contentTypeVersion="14" ma:contentTypeDescription="Creare un nuovo documento." ma:contentTypeScope="" ma:versionID="2c215e7b8c705f17b458c052c091c32f">
   <xsd:schema xmlns:xsd="http://www.w3.org/2001/XMLSchema" xmlns:xs="http://www.w3.org/2001/XMLSchema" xmlns:p="http://schemas.microsoft.com/office/2006/metadata/properties" xmlns:ns3="aa815ce1-f09d-44ce-9b53-a1c5bdff19c2" targetNamespace="http://schemas.microsoft.com/office/2006/metadata/properties" ma:root="true" ma:fieldsID="263251a6e06b0b6a6232f0a9b9c6cba6" ns3:_="">
     <xsd:import namespace="aa815ce1-f09d-44ce-9b53-a1c5bdff19c2"/>
@@ -11421,15 +11630,6 @@
 </ct:contentTypeSchema>
 </file>
 
-<file path=customXml/item2.xml><?xml version="1.0" encoding="utf-8"?>
-<?mso-contentType ?>
-<FormTemplates xmlns="http://schemas.microsoft.com/sharepoint/v3/contenttype/forms">
-  <Display>DocumentLibraryForm</Display>
-  <Edit>DocumentLibraryForm</Edit>
-  <New>DocumentLibraryForm</New>
-</FormTemplates>
-</file>
-
 <file path=customXml/item3.xml><?xml version="1.0" encoding="utf-8"?>
 <p:properties xmlns:p="http://schemas.microsoft.com/office/2006/metadata/properties" xmlns:xsi="http://www.w3.org/2001/XMLSchema-instance" xmlns:pc="http://schemas.microsoft.com/office/infopath/2007/PartnerControls">
   <documentManagement>
@@ -11439,6 +11639,14 @@
 </file>
 
 <file path=customXml/itemProps1.xml><?xml version="1.0" encoding="utf-8"?>
+<ds:datastoreItem xmlns:ds="http://schemas.openxmlformats.org/officeDocument/2006/customXml" ds:itemID="{2730C931-C2C9-4027-8E3C-8BF3CFFB5AB7}">
+  <ds:schemaRefs>
+    <ds:schemaRef ds:uri="http://schemas.microsoft.com/sharepoint/v3/contenttype/forms"/>
+  </ds:schemaRefs>
+</ds:datastoreItem>
+</file>
+
+<file path=customXml/itemProps2.xml><?xml version="1.0" encoding="utf-8"?>
 <ds:datastoreItem xmlns:ds="http://schemas.openxmlformats.org/officeDocument/2006/customXml" ds:itemID="{C3608691-813B-4BA6-A7F9-FF976B2983FD}">
   <ds:schemaRefs>
     <ds:schemaRef ds:uri="http://schemas.microsoft.com/office/2006/metadata/contentType"/>
@@ -11452,14 +11660,6 @@
     <ds:schemaRef ds:uri="http://purl.org/dc/elements/1.1/"/>
     <ds:schemaRef ds:uri="http://purl.org/dc/terms/"/>
     <ds:schemaRef ds:uri="http://schemas.microsoft.com/internal/obd"/>
-  </ds:schemaRefs>
-</ds:datastoreItem>
-</file>
-
-<file path=customXml/itemProps2.xml><?xml version="1.0" encoding="utf-8"?>
-<ds:datastoreItem xmlns:ds="http://schemas.openxmlformats.org/officeDocument/2006/customXml" ds:itemID="{2730C931-C2C9-4027-8E3C-8BF3CFFB5AB7}">
-  <ds:schemaRefs>
-    <ds:schemaRef ds:uri="http://schemas.microsoft.com/sharepoint/v3/contenttype/forms"/>
   </ds:schemaRefs>
 </ds:datastoreItem>
 </file>

--- a/WaCar.pptx
+++ b/WaCar.pptx
@@ -376,7 +376,7 @@
           <a:p>
             <a:fld id="{C6EA49A4-F2B3-4A9E-B2D8-2B3CE17CD6AA}" type="slidenum">
               <a:rPr lang="it-IT" smtClean="0"/>
-              <a:t>‹N›</a:t>
+              <a:t>‹#›</a:t>
             </a:fld>
             <a:endParaRPr lang="it-IT"/>
           </a:p>
@@ -742,7 +742,7 @@
           <a:p>
             <a:fld id="{A9EE5928-F148-40B0-A685-C3EA8FBFEFC2}" type="slidenum">
               <a:rPr lang="it-IT" smtClean="0"/>
-              <a:t>‹N›</a:t>
+              <a:t>‹#›</a:t>
             </a:fld>
             <a:endParaRPr lang="it-IT"/>
           </a:p>
@@ -912,7 +912,7 @@
           <a:p>
             <a:fld id="{A9EE5928-F148-40B0-A685-C3EA8FBFEFC2}" type="slidenum">
               <a:rPr lang="it-IT" smtClean="0"/>
-              <a:t>‹N›</a:t>
+              <a:t>‹#›</a:t>
             </a:fld>
             <a:endParaRPr lang="it-IT"/>
           </a:p>
@@ -1092,7 +1092,7 @@
           <a:p>
             <a:fld id="{A9EE5928-F148-40B0-A685-C3EA8FBFEFC2}" type="slidenum">
               <a:rPr lang="it-IT" smtClean="0"/>
-              <a:t>‹N›</a:t>
+              <a:t>‹#›</a:t>
             </a:fld>
             <a:endParaRPr lang="it-IT"/>
           </a:p>
@@ -1262,7 +1262,7 @@
           <a:p>
             <a:fld id="{A9EE5928-F148-40B0-A685-C3EA8FBFEFC2}" type="slidenum">
               <a:rPr lang="it-IT" smtClean="0"/>
-              <a:t>‹N›</a:t>
+              <a:t>‹#›</a:t>
             </a:fld>
             <a:endParaRPr lang="it-IT"/>
           </a:p>
@@ -1508,7 +1508,7 @@
           <a:p>
             <a:fld id="{A9EE5928-F148-40B0-A685-C3EA8FBFEFC2}" type="slidenum">
               <a:rPr lang="it-IT" smtClean="0"/>
-              <a:t>‹N›</a:t>
+              <a:t>‹#›</a:t>
             </a:fld>
             <a:endParaRPr lang="it-IT"/>
           </a:p>
@@ -1740,7 +1740,7 @@
           <a:p>
             <a:fld id="{A9EE5928-F148-40B0-A685-C3EA8FBFEFC2}" type="slidenum">
               <a:rPr lang="it-IT" smtClean="0"/>
-              <a:t>‹N›</a:t>
+              <a:t>‹#›</a:t>
             </a:fld>
             <a:endParaRPr lang="it-IT"/>
           </a:p>
@@ -2107,7 +2107,7 @@
           <a:p>
             <a:fld id="{A9EE5928-F148-40B0-A685-C3EA8FBFEFC2}" type="slidenum">
               <a:rPr lang="it-IT" smtClean="0"/>
-              <a:t>‹N›</a:t>
+              <a:t>‹#›</a:t>
             </a:fld>
             <a:endParaRPr lang="it-IT"/>
           </a:p>
@@ -2225,7 +2225,7 @@
           <a:p>
             <a:fld id="{A9EE5928-F148-40B0-A685-C3EA8FBFEFC2}" type="slidenum">
               <a:rPr lang="it-IT" smtClean="0"/>
-              <a:t>‹N›</a:t>
+              <a:t>‹#›</a:t>
             </a:fld>
             <a:endParaRPr lang="it-IT"/>
           </a:p>
@@ -2320,7 +2320,7 @@
           <a:p>
             <a:fld id="{A9EE5928-F148-40B0-A685-C3EA8FBFEFC2}" type="slidenum">
               <a:rPr lang="it-IT" smtClean="0"/>
-              <a:t>‹N›</a:t>
+              <a:t>‹#›</a:t>
             </a:fld>
             <a:endParaRPr lang="it-IT"/>
           </a:p>
@@ -2597,7 +2597,7 @@
           <a:p>
             <a:fld id="{A9EE5928-F148-40B0-A685-C3EA8FBFEFC2}" type="slidenum">
               <a:rPr lang="it-IT" smtClean="0"/>
-              <a:t>‹N›</a:t>
+              <a:t>‹#›</a:t>
             </a:fld>
             <a:endParaRPr lang="it-IT"/>
           </a:p>
@@ -2854,7 +2854,7 @@
           <a:p>
             <a:fld id="{A9EE5928-F148-40B0-A685-C3EA8FBFEFC2}" type="slidenum">
               <a:rPr lang="it-IT" smtClean="0"/>
-              <a:t>‹N›</a:t>
+              <a:t>‹#›</a:t>
             </a:fld>
             <a:endParaRPr lang="it-IT"/>
           </a:p>
@@ -3103,7 +3103,7 @@
           <a:p>
             <a:fld id="{A9EE5928-F148-40B0-A685-C3EA8FBFEFC2}" type="slidenum">
               <a:rPr lang="it-IT" smtClean="0"/>
-              <a:t>‹N›</a:t>
+              <a:t>‹#›</a:t>
             </a:fld>
             <a:endParaRPr lang="it-IT"/>
           </a:p>
@@ -3763,6 +3763,7 @@
                 <a:solidFill>
                   <a:schemeClr val="bg1"/>
                 </a:solidFill>
+                <a:latin typeface="Audiowide" panose="02000503000000020004" pitchFamily="2" charset="0"/>
               </a:rPr>
               <a:pPr algn="ctr"/>
               <a:t>10</a:t>
@@ -3771,6 +3772,7 @@
               <a:solidFill>
                 <a:schemeClr val="bg1"/>
               </a:solidFill>
+              <a:latin typeface="Audiowide" panose="02000503000000020004" pitchFamily="2" charset="0"/>
             </a:endParaRPr>
           </a:p>
         </p:txBody>
@@ -4133,6 +4135,7 @@
                 <a:solidFill>
                   <a:schemeClr val="bg1"/>
                 </a:solidFill>
+                <a:latin typeface="Audiowide" panose="02000503000000020004" pitchFamily="2" charset="0"/>
               </a:rPr>
               <a:pPr algn="ctr"/>
               <a:t>11</a:t>
@@ -4141,6 +4144,7 @@
               <a:solidFill>
                 <a:schemeClr val="bg1"/>
               </a:solidFill>
+              <a:latin typeface="Audiowide" panose="02000503000000020004" pitchFamily="2" charset="0"/>
             </a:endParaRPr>
           </a:p>
         </p:txBody>
@@ -4349,7 +4353,9 @@
         </p:nvSpPr>
         <p:spPr/>
         <p:txBody>
-          <a:bodyPr/>
+          <a:bodyPr>
+            <a:normAutofit fontScale="92500" lnSpcReduction="20000"/>
+          </a:bodyPr>
           <a:lstStyle/>
           <a:p>
             <a:r>
@@ -4692,6 +4698,34 @@
               </a:rPr>
               <a:t> products</a:t>
             </a:r>
+          </a:p>
+          <a:p>
+            <a:pPr marL="0" indent="0">
+              <a:buNone/>
+            </a:pPr>
+            <a:endParaRPr lang="it-IT" dirty="0">
+              <a:solidFill>
+                <a:schemeClr val="bg1"/>
+              </a:solidFill>
+              <a:latin typeface="Audiowide" panose="02000503000000020004" pitchFamily="2" charset="0"/>
+            </a:endParaRPr>
+          </a:p>
+          <a:p>
+            <a:r>
+              <a:rPr lang="en-GB" dirty="0">
+                <a:solidFill>
+                  <a:schemeClr val="bg1"/>
+                </a:solidFill>
+                <a:latin typeface="Audiowide" panose="02000503000000020004" pitchFamily="2" charset="0"/>
+              </a:rPr>
+              <a:t>There is room for future improvements in the web application. Specifically, order management by the admin and the ability to manage order timing could be implemented.</a:t>
+            </a:r>
+            <a:endParaRPr lang="it-IT" dirty="0">
+              <a:solidFill>
+                <a:schemeClr val="bg1"/>
+              </a:solidFill>
+              <a:latin typeface="Audiowide" panose="02000503000000020004" pitchFamily="2" charset="0"/>
+            </a:endParaRPr>
           </a:p>
         </p:txBody>
       </p:sp>
@@ -4824,6 +4858,7 @@
                 <a:solidFill>
                   <a:schemeClr val="bg1"/>
                 </a:solidFill>
+                <a:latin typeface="Audiowide" panose="02000503000000020004" pitchFamily="2" charset="0"/>
               </a:rPr>
               <a:pPr algn="ctr"/>
               <a:t>12</a:t>
@@ -4832,6 +4867,7 @@
               <a:solidFill>
                 <a:schemeClr val="bg1"/>
               </a:solidFill>
+              <a:latin typeface="Audiowide" panose="02000503000000020004" pitchFamily="2" charset="0"/>
             </a:endParaRPr>
           </a:p>
         </p:txBody>
@@ -5332,6 +5368,7 @@
                 <a:solidFill>
                   <a:schemeClr val="bg1"/>
                 </a:solidFill>
+                <a:latin typeface="Audiowide" panose="02000503000000020004" pitchFamily="2" charset="0"/>
               </a:rPr>
               <a:pPr algn="ctr"/>
               <a:t>13</a:t>
@@ -5340,6 +5377,7 @@
               <a:solidFill>
                 <a:schemeClr val="bg1"/>
               </a:solidFill>
+              <a:latin typeface="Audiowide" panose="02000503000000020004" pitchFamily="2" charset="0"/>
             </a:endParaRPr>
           </a:p>
         </p:txBody>
@@ -8016,6 +8054,7 @@
                 <a:solidFill>
                   <a:schemeClr val="bg1"/>
                 </a:solidFill>
+                <a:latin typeface="Audiowide" panose="02000503000000020004" pitchFamily="2" charset="0"/>
               </a:rPr>
               <a:pPr algn="ctr"/>
               <a:t>6</a:t>
@@ -8024,6 +8063,7 @@
               <a:solidFill>
                 <a:schemeClr val="bg1"/>
               </a:solidFill>
+              <a:latin typeface="Audiowide" panose="02000503000000020004" pitchFamily="2" charset="0"/>
             </a:endParaRPr>
           </a:p>
         </p:txBody>
@@ -8603,6 +8643,7 @@
                 <a:solidFill>
                   <a:schemeClr val="bg1"/>
                 </a:solidFill>
+                <a:latin typeface="Audiowide" panose="02000503000000020004" pitchFamily="2" charset="0"/>
               </a:rPr>
               <a:pPr algn="ctr"/>
               <a:t>7</a:t>
@@ -8611,6 +8652,7 @@
               <a:solidFill>
                 <a:schemeClr val="bg1"/>
               </a:solidFill>
+              <a:latin typeface="Audiowide" panose="02000503000000020004" pitchFamily="2" charset="0"/>
             </a:endParaRPr>
           </a:p>
         </p:txBody>
@@ -9518,6 +9560,7 @@
                 <a:solidFill>
                   <a:schemeClr val="bg1"/>
                 </a:solidFill>
+                <a:latin typeface="Audiowide" panose="02000503000000020004" pitchFamily="2" charset="0"/>
               </a:rPr>
               <a:pPr algn="ctr"/>
               <a:t>8</a:t>
@@ -9526,6 +9569,7 @@
               <a:solidFill>
                 <a:schemeClr val="bg1"/>
               </a:solidFill>
+              <a:latin typeface="Audiowide" panose="02000503000000020004" pitchFamily="2" charset="0"/>
             </a:endParaRPr>
           </a:p>
         </p:txBody>
@@ -10016,6 +10060,7 @@
                 <a:solidFill>
                   <a:schemeClr val="bg1"/>
                 </a:solidFill>
+                <a:latin typeface="Audiowide" panose="02000503000000020004" pitchFamily="2" charset="0"/>
               </a:rPr>
               <a:pPr algn="ctr"/>
               <a:t>9</a:t>
@@ -10024,6 +10069,7 @@
               <a:solidFill>
                 <a:schemeClr val="bg1"/>
               </a:solidFill>
+              <a:latin typeface="Audiowide" panose="02000503000000020004" pitchFamily="2" charset="0"/>
             </a:endParaRPr>
           </a:p>
         </p:txBody>
@@ -11414,12 +11460,11 @@
 </file>
 
 <file path=customXml/item1.xml><?xml version="1.0" encoding="utf-8"?>
-<?mso-contentType ?>
-<FormTemplates xmlns="http://schemas.microsoft.com/sharepoint/v3/contenttype/forms">
-  <Display>DocumentLibraryForm</Display>
-  <Edit>DocumentLibraryForm</Edit>
-  <New>DocumentLibraryForm</New>
-</FormTemplates>
+<p:properties xmlns:p="http://schemas.microsoft.com/office/2006/metadata/properties" xmlns:xsi="http://www.w3.org/2001/XMLSchema-instance" xmlns:pc="http://schemas.microsoft.com/office/infopath/2007/PartnerControls">
+  <documentManagement>
+    <_activity xmlns="aa815ce1-f09d-44ce-9b53-a1c5bdff19c2" xsi:nil="true"/>
+  </documentManagement>
+</p:properties>
 </file>
 
 <file path=customXml/item2.xml><?xml version="1.0" encoding="utf-8"?>
@@ -11631,17 +11676,26 @@
 </file>
 
 <file path=customXml/item3.xml><?xml version="1.0" encoding="utf-8"?>
-<p:properties xmlns:p="http://schemas.microsoft.com/office/2006/metadata/properties" xmlns:xsi="http://www.w3.org/2001/XMLSchema-instance" xmlns:pc="http://schemas.microsoft.com/office/infopath/2007/PartnerControls">
-  <documentManagement>
-    <_activity xmlns="aa815ce1-f09d-44ce-9b53-a1c5bdff19c2" xsi:nil="true"/>
-  </documentManagement>
-</p:properties>
+<?mso-contentType ?>
+<FormTemplates xmlns="http://schemas.microsoft.com/sharepoint/v3/contenttype/forms">
+  <Display>DocumentLibraryForm</Display>
+  <Edit>DocumentLibraryForm</Edit>
+  <New>DocumentLibraryForm</New>
+</FormTemplates>
 </file>
 
 <file path=customXml/itemProps1.xml><?xml version="1.0" encoding="utf-8"?>
-<ds:datastoreItem xmlns:ds="http://schemas.openxmlformats.org/officeDocument/2006/customXml" ds:itemID="{2730C931-C2C9-4027-8E3C-8BF3CFFB5AB7}">
+<ds:datastoreItem xmlns:ds="http://schemas.openxmlformats.org/officeDocument/2006/customXml" ds:itemID="{FCF7F047-525A-4DFD-AFD0-1236460CC9D1}">
   <ds:schemaRefs>
-    <ds:schemaRef ds:uri="http://schemas.microsoft.com/sharepoint/v3/contenttype/forms"/>
+    <ds:schemaRef ds:uri="http://schemas.microsoft.com/office/2006/metadata/properties"/>
+    <ds:schemaRef ds:uri="http://purl.org/dc/terms/"/>
+    <ds:schemaRef ds:uri="http://purl.org/dc/dcmitype/"/>
+    <ds:schemaRef ds:uri="http://purl.org/dc/elements/1.1/"/>
+    <ds:schemaRef ds:uri="http://schemas.microsoft.com/office/infopath/2007/PartnerControls"/>
+    <ds:schemaRef ds:uri="http://schemas.microsoft.com/office/2006/documentManagement/types"/>
+    <ds:schemaRef ds:uri="http://www.w3.org/XML/1998/namespace"/>
+    <ds:schemaRef ds:uri="aa815ce1-f09d-44ce-9b53-a1c5bdff19c2"/>
+    <ds:schemaRef ds:uri="http://schemas.openxmlformats.org/package/2006/metadata/core-properties"/>
   </ds:schemaRefs>
 </ds:datastoreItem>
 </file>
@@ -11665,17 +11719,9 @@
 </file>
 
 <file path=customXml/itemProps3.xml><?xml version="1.0" encoding="utf-8"?>
-<ds:datastoreItem xmlns:ds="http://schemas.openxmlformats.org/officeDocument/2006/customXml" ds:itemID="{FCF7F047-525A-4DFD-AFD0-1236460CC9D1}">
+<ds:datastoreItem xmlns:ds="http://schemas.openxmlformats.org/officeDocument/2006/customXml" ds:itemID="{2730C931-C2C9-4027-8E3C-8BF3CFFB5AB7}">
   <ds:schemaRefs>
-    <ds:schemaRef ds:uri="http://schemas.microsoft.com/office/2006/metadata/properties"/>
-    <ds:schemaRef ds:uri="http://purl.org/dc/terms/"/>
-    <ds:schemaRef ds:uri="http://purl.org/dc/dcmitype/"/>
-    <ds:schemaRef ds:uri="http://purl.org/dc/elements/1.1/"/>
-    <ds:schemaRef ds:uri="http://schemas.microsoft.com/office/infopath/2007/PartnerControls"/>
-    <ds:schemaRef ds:uri="http://schemas.microsoft.com/office/2006/documentManagement/types"/>
-    <ds:schemaRef ds:uri="http://www.w3.org/XML/1998/namespace"/>
-    <ds:schemaRef ds:uri="aa815ce1-f09d-44ce-9b53-a1c5bdff19c2"/>
-    <ds:schemaRef ds:uri="http://schemas.openxmlformats.org/package/2006/metadata/core-properties"/>
+    <ds:schemaRef ds:uri="http://schemas.microsoft.com/sharepoint/v3/contenttype/forms"/>
   </ds:schemaRefs>
 </ds:datastoreItem>
 </file>